--- a/php-fw2/lesson2.pptx
+++ b/php-fw2/lesson2.pptx
@@ -175,7 +175,7 @@
   </p:defaultTextStyle>
   <p:extLst>
     <p:ext uri="{EFAFB233-063F-42B5-8137-9DF3F51BA10A}">
-      <p15:sldGuideLst xmlns:p15="http://schemas.microsoft.com/office/powerpoint/2012/main">
+      <p15:sldGuideLst xmlns:p15="http://schemas.microsoft.com/office/powerpoint/2012/main" xmlns="">
         <p15:guide id="1" orient="horz" pos="2160">
           <p15:clr>
             <a:srgbClr val="A4A3A4"/>
@@ -189,7 +189,7 @@
       </p15:sldGuideLst>
     </p:ext>
     <p:ext uri="{2D200454-40CA-4A62-9FC3-DE9A4176ACB9}">
-      <p15:notesGuideLst xmlns:p15="http://schemas.microsoft.com/office/powerpoint/2012/main">
+      <p15:notesGuideLst xmlns:p15="http://schemas.microsoft.com/office/powerpoint/2012/main" xmlns="">
         <p15:guide id="1" orient="horz" pos="2880">
           <p15:clr>
             <a:srgbClr val="A4A3A4"/>
@@ -4061,8 +4061,8 @@
             <a:noFill/>
           </a:ln>
           <a:extLst>
-            <a:ext uri="{91240B29-F687-4f45-9708-019B960494DF}">
-              <a14:hiddenLine xmlns:a14="http://schemas.microsoft.com/office/drawing/2010/main" xmlns="" w="9525">
+            <a:ext uri="{91240B29-F687-4F45-9708-019B960494DF}">
+              <a14:hiddenLine xmlns:a14="http://schemas.microsoft.com/office/drawing/2010/main" w="9525">
                 <a:solidFill>
                   <a:srgbClr val="000000"/>
                 </a:solidFill>
@@ -4116,8 +4116,8 @@
             <a:noFill/>
           </a:ln>
           <a:extLst>
-            <a:ext uri="{91240B29-F687-4f45-9708-019B960494DF}">
-              <a14:hiddenLine xmlns:a14="http://schemas.microsoft.com/office/drawing/2010/main" xmlns="" w="9525">
+            <a:ext uri="{91240B29-F687-4F45-9708-019B960494DF}">
+              <a14:hiddenLine xmlns:a14="http://schemas.microsoft.com/office/drawing/2010/main" w="9525">
                 <a:solidFill>
                   <a:srgbClr val="000000"/>
                 </a:solidFill>
@@ -10323,8 +10323,8 @@
         </p:nvSpPr>
         <p:spPr bwMode="auto">
           <a:xfrm>
-            <a:off x="357188" y="2698750"/>
-            <a:ext cx="1149350" cy="460375"/>
+            <a:off x="492717" y="2698750"/>
+            <a:ext cx="1157689" cy="461665"/>
           </a:xfrm>
           <a:prstGeom prst="rect">
             <a:avLst/>
@@ -10458,11 +10458,14 @@
           <a:p>
             <a:pPr eaLnBrk="1" hangingPunct="1"/>
             <a:r>
-              <a:rPr lang="en-US" altLang="zh-TW">
+              <a:rPr lang="en-US" altLang="zh-TW" dirty="0" smtClean="0">
                 <a:ea typeface="新細明體" pitchFamily="18" charset="-120"/>
               </a:rPr>
-              <a:t>Name 1</a:t>
-            </a:r>
+              <a:t>$name1</a:t>
+            </a:r>
+            <a:endParaRPr lang="en-US" altLang="zh-TW" dirty="0">
+              <a:ea typeface="新細明體" pitchFamily="18" charset="-120"/>
+            </a:endParaRPr>
           </a:p>
         </p:txBody>
       </p:sp>
@@ -10538,7 +10541,7 @@
         <p:spPr bwMode="auto">
           <a:xfrm>
             <a:off x="2214563" y="2698750"/>
-            <a:ext cx="1149350" cy="460375"/>
+            <a:ext cx="1157689" cy="461665"/>
           </a:xfrm>
           <a:prstGeom prst="rect">
             <a:avLst/>
@@ -10672,11 +10675,14 @@
           <a:p>
             <a:pPr eaLnBrk="1" hangingPunct="1"/>
             <a:r>
-              <a:rPr lang="en-US" altLang="zh-TW">
+              <a:rPr lang="en-US" altLang="zh-TW" dirty="0">
                 <a:ea typeface="新細明體" pitchFamily="18" charset="-120"/>
               </a:rPr>
-              <a:t>Name 2</a:t>
-            </a:r>
+              <a:t>$name2</a:t>
+            </a:r>
+            <a:endParaRPr lang="en-US" altLang="zh-TW" dirty="0">
+              <a:ea typeface="新細明體" pitchFamily="18" charset="-120"/>
+            </a:endParaRPr>
           </a:p>
         </p:txBody>
       </p:sp>
@@ -10886,11 +10892,14 @@
           <a:p>
             <a:pPr eaLnBrk="1" hangingPunct="1"/>
             <a:r>
-              <a:rPr lang="en-US" altLang="zh-TW">
+              <a:rPr lang="en-US" altLang="zh-TW" dirty="0">
                 <a:ea typeface="新細明體" pitchFamily="18" charset="-120"/>
               </a:rPr>
-              <a:t>Name 3</a:t>
-            </a:r>
+              <a:t>$name3</a:t>
+            </a:r>
+            <a:endParaRPr lang="en-US" altLang="zh-TW" dirty="0">
+              <a:ea typeface="新細明體" pitchFamily="18" charset="-120"/>
+            </a:endParaRPr>
           </a:p>
         </p:txBody>
       </p:sp>
@@ -10966,7 +10975,7 @@
         <p:spPr bwMode="auto">
           <a:xfrm>
             <a:off x="6715125" y="2143125"/>
-            <a:ext cx="919163" cy="461963"/>
+            <a:ext cx="1003801" cy="461665"/>
           </a:xfrm>
           <a:prstGeom prst="rect">
             <a:avLst/>
@@ -11103,8 +11112,11 @@
               <a:rPr lang="en-US" altLang="zh-TW">
                 <a:ea typeface="新細明體" pitchFamily="18" charset="-120"/>
               </a:rPr>
-              <a:t>Name</a:t>
-            </a:r>
+              <a:t>$name</a:t>
+            </a:r>
+            <a:endParaRPr lang="en-US" altLang="zh-TW" dirty="0">
+              <a:ea typeface="新細明體" pitchFamily="18" charset="-120"/>
+            </a:endParaRPr>
           </a:p>
         </p:txBody>
       </p:sp>
@@ -11993,11 +12005,7 @@
             </a:r>
             <a:r>
               <a:rPr lang="en-US" altLang="zh-TW" dirty="0" smtClean="0"/>
-              <a:t>array[0</a:t>
-            </a:r>
-            <a:r>
-              <a:rPr lang="en-US" altLang="zh-TW" dirty="0" smtClean="0"/>
-              <a:t>]=</a:t>
+              <a:t>array[0]=</a:t>
             </a:r>
             <a:r>
               <a:rPr lang="mr-IN" altLang="zh-TW" dirty="0" smtClean="0"/>
@@ -12015,16 +12023,11 @@
               <a:rPr lang="en-US" altLang="zh-TW" dirty="0" smtClean="0"/>
               <a:t>;</a:t>
             </a:r>
-            <a:endParaRPr lang="en-US" altLang="zh-TW" dirty="0" smtClean="0"/>
           </a:p>
           <a:p>
             <a:r>
               <a:rPr lang="en-US" altLang="zh-TW" dirty="0" smtClean="0"/>
-              <a:t>$array[1</a:t>
-            </a:r>
-            <a:r>
-              <a:rPr lang="en-US" altLang="zh-TW" dirty="0" smtClean="0"/>
-              <a:t>]=</a:t>
+              <a:t>$array[1]=</a:t>
             </a:r>
             <a:r>
               <a:rPr lang="mr-IN" altLang="zh-TW" dirty="0" smtClean="0"/>
@@ -12042,24 +12045,11 @@
               <a:rPr lang="en-US" altLang="zh-TW" dirty="0" smtClean="0"/>
               <a:t>;</a:t>
             </a:r>
-            <a:endParaRPr lang="en-US" altLang="zh-TW" dirty="0" smtClean="0"/>
           </a:p>
           <a:p>
             <a:r>
               <a:rPr lang="en-US" altLang="zh-TW" dirty="0" smtClean="0"/>
-              <a:t>$</a:t>
-            </a:r>
-            <a:r>
-              <a:rPr lang="en-US" altLang="zh-TW" dirty="0" smtClean="0"/>
-              <a:t>array['green</a:t>
-            </a:r>
-            <a:r>
-              <a:rPr lang="en-US" altLang="zh-TW" dirty="0" smtClean="0"/>
-              <a:t>'</a:t>
-            </a:r>
-            <a:r>
-              <a:rPr lang="en-US" altLang="zh-TW" dirty="0" smtClean="0"/>
-              <a:t>]=</a:t>
+              <a:t>$array['green']=</a:t>
             </a:r>
             <a:r>
               <a:rPr lang="mr-IN" altLang="zh-TW" dirty="0" smtClean="0"/>
@@ -12077,7 +12067,6 @@
               <a:rPr lang="en-US" altLang="zh-TW" dirty="0" smtClean="0"/>
               <a:t>;</a:t>
             </a:r>
-            <a:endParaRPr lang="en-US" altLang="zh-TW" dirty="0" smtClean="0"/>
           </a:p>
           <a:p>
             <a:r>
@@ -12252,23 +12241,7 @@
             </a:r>
             <a:r>
               <a:rPr lang="en-US" altLang="zh-TW" dirty="0" smtClean="0"/>
-              <a:t>['A</a:t>
-            </a:r>
-            <a:r>
-              <a:rPr lang="en-US" altLang="zh-TW" dirty="0" smtClean="0"/>
-              <a:t>'</a:t>
-            </a:r>
-            <a:r>
-              <a:rPr lang="en-US" altLang="zh-TW" dirty="0" smtClean="0"/>
-              <a:t>][</a:t>
-            </a:r>
-            <a:r>
-              <a:rPr lang="en-US" altLang="zh-TW" dirty="0" smtClean="0"/>
-              <a:t>1</a:t>
-            </a:r>
-            <a:r>
-              <a:rPr lang="en-US" altLang="zh-TW" dirty="0" smtClean="0"/>
-              <a:t>]=</a:t>
+              <a:t>['A'][1]=</a:t>
             </a:r>
             <a:r>
               <a:rPr lang="mr-IN" altLang="zh-TW" dirty="0" smtClean="0"/>
@@ -12286,7 +12259,6 @@
               <a:rPr lang="en-US" altLang="zh-TW" dirty="0" smtClean="0"/>
               <a:t>;</a:t>
             </a:r>
-            <a:endParaRPr lang="en-US" altLang="zh-TW" dirty="0" smtClean="0"/>
           </a:p>
           <a:p>
             <a:r>
@@ -12299,31 +12271,7 @@
             </a:r>
             <a:r>
               <a:rPr lang="en-US" altLang="zh-TW" dirty="0" smtClean="0"/>
-              <a:t>['sheet1</a:t>
-            </a:r>
-            <a:r>
-              <a:rPr lang="en-US" altLang="zh-TW" dirty="0" smtClean="0"/>
-              <a:t>'</a:t>
-            </a:r>
-            <a:r>
-              <a:rPr lang="en-US" altLang="zh-TW" dirty="0" smtClean="0"/>
-              <a:t>]['A</a:t>
-            </a:r>
-            <a:r>
-              <a:rPr lang="en-US" altLang="zh-TW" dirty="0" smtClean="0"/>
-              <a:t>'</a:t>
-            </a:r>
-            <a:r>
-              <a:rPr lang="en-US" altLang="zh-TW" dirty="0" smtClean="0"/>
-              <a:t>][</a:t>
-            </a:r>
-            <a:r>
-              <a:rPr lang="en-US" altLang="zh-TW" dirty="0" smtClean="0"/>
-              <a:t>1</a:t>
-            </a:r>
-            <a:r>
-              <a:rPr lang="en-US" altLang="zh-TW" dirty="0" smtClean="0"/>
-              <a:t>]=</a:t>
+              <a:t>['sheet1']['A'][1]=</a:t>
             </a:r>
             <a:r>
               <a:rPr lang="mr-IN" altLang="zh-TW" dirty="0" smtClean="0"/>
@@ -12341,7 +12289,6 @@
               <a:rPr lang="en-US" altLang="zh-TW" dirty="0" smtClean="0"/>
               <a:t>;</a:t>
             </a:r>
-            <a:endParaRPr lang="en-US" altLang="zh-TW" dirty="0" smtClean="0"/>
           </a:p>
           <a:p>
             <a:r>
@@ -12612,11 +12559,7 @@
           <a:p>
             <a:r>
               <a:rPr lang="en-US" altLang="zh-TW" dirty="0" smtClean="0"/>
-              <a:t>$a</a:t>
-            </a:r>
-            <a:r>
-              <a:rPr lang="en-US" altLang="zh-TW" dirty="0" smtClean="0"/>
-              <a:t>=</a:t>
+              <a:t>$a=</a:t>
             </a:r>
             <a:r>
               <a:rPr lang="mr-IN" altLang="zh-TW" dirty="0" smtClean="0"/>
@@ -12632,15 +12575,7 @@
             </a:r>
             <a:r>
               <a:rPr lang="en-US" altLang="zh-TW" dirty="0" smtClean="0"/>
-              <a:t>;$</a:t>
-            </a:r>
-            <a:r>
-              <a:rPr lang="en-US" altLang="zh-TW" dirty="0" smtClean="0"/>
-              <a:t>b</a:t>
-            </a:r>
-            <a:r>
-              <a:rPr lang="en-US" altLang="zh-TW" dirty="0" smtClean="0"/>
-              <a:t>=</a:t>
+              <a:t>;$b=</a:t>
             </a:r>
             <a:r>
               <a:rPr lang="mr-IN" altLang="zh-TW" dirty="0" smtClean="0"/>
@@ -12658,7 +12593,6 @@
               <a:rPr lang="en-US" altLang="zh-TW" dirty="0" smtClean="0"/>
               <a:t>;</a:t>
             </a:r>
-            <a:endParaRPr lang="en-US" altLang="zh-TW" dirty="0" smtClean="0"/>
           </a:p>
           <a:p>
             <a:r>
@@ -12783,15 +12717,7 @@
             </a:r>
             <a:r>
               <a:rPr lang="en-US" altLang="zh-TW" dirty="0" smtClean="0"/>
-              <a:t>you </a:t>
-            </a:r>
-            <a:r>
-              <a:rPr lang="en-US" altLang="zh-TW" dirty="0" smtClean="0"/>
-              <a:t>get full </a:t>
-            </a:r>
-            <a:r>
-              <a:rPr lang="en-US" altLang="zh-TW" dirty="0" smtClean="0"/>
-              <a:t>marks</a:t>
+              <a:t>you get full marks</a:t>
             </a:r>
             <a:r>
               <a:rPr lang="mr-IN" altLang="zh-TW" dirty="0" smtClean="0"/>
@@ -12801,7 +12727,6 @@
               <a:rPr lang="en-US" altLang="zh-TW" dirty="0" smtClean="0"/>
               <a:t>;</a:t>
             </a:r>
-            <a:endParaRPr lang="en-US" altLang="zh-TW" dirty="0" smtClean="0"/>
           </a:p>
           <a:p>
             <a:r>
@@ -12826,15 +12751,7 @@
             </a:r>
             <a:r>
               <a:rPr lang="en-US" altLang="zh-TW" dirty="0" smtClean="0"/>
-              <a:t>you </a:t>
-            </a:r>
-            <a:r>
-              <a:rPr lang="en-US" altLang="zh-TW" dirty="0" smtClean="0"/>
-              <a:t>are </a:t>
-            </a:r>
-            <a:r>
-              <a:rPr lang="en-US" altLang="zh-TW" dirty="0" smtClean="0"/>
-              <a:t>fail</a:t>
+              <a:t>you are fail</a:t>
             </a:r>
             <a:r>
               <a:rPr lang="mr-IN" altLang="zh-TW" dirty="0" smtClean="0"/>
@@ -12844,7 +12761,6 @@
               <a:rPr lang="en-US" altLang="zh-TW" dirty="0" smtClean="0"/>
               <a:t>;</a:t>
             </a:r>
-            <a:endParaRPr lang="en-US" altLang="zh-TW" dirty="0" smtClean="0"/>
           </a:p>
           <a:p>
             <a:r>
@@ -12976,15 +12892,7 @@
             </a:r>
             <a:r>
               <a:rPr lang="en-US" altLang="zh-TW" sz="1800" dirty="0" smtClean="0"/>
-              <a:t>you </a:t>
-            </a:r>
-            <a:r>
-              <a:rPr lang="en-US" altLang="zh-TW" sz="1800" dirty="0" smtClean="0"/>
-              <a:t>are </a:t>
-            </a:r>
-            <a:r>
-              <a:rPr lang="en-US" altLang="zh-TW" sz="1800" dirty="0" smtClean="0"/>
-              <a:t>pass</a:t>
+              <a:t>you are pass</a:t>
             </a:r>
             <a:r>
               <a:rPr lang="mr-IN" altLang="zh-TW" sz="1800" dirty="0" smtClean="0"/>
@@ -12994,7 +12902,6 @@
               <a:rPr lang="en-US" altLang="zh-TW" sz="1800" dirty="0" smtClean="0"/>
               <a:t>;</a:t>
             </a:r>
-            <a:endParaRPr lang="en-US" altLang="zh-TW" sz="1800" dirty="0" smtClean="0"/>
           </a:p>
           <a:p>
             <a:r>
@@ -13013,15 +12920,7 @@
             </a:r>
             <a:r>
               <a:rPr lang="en-US" altLang="zh-TW" sz="1800" dirty="0" smtClean="0"/>
-              <a:t>you </a:t>
-            </a:r>
-            <a:r>
-              <a:rPr lang="en-US" altLang="zh-TW" sz="1800" dirty="0" smtClean="0"/>
-              <a:t>are </a:t>
-            </a:r>
-            <a:r>
-              <a:rPr lang="en-US" altLang="zh-TW" sz="1800" dirty="0" smtClean="0"/>
-              <a:t>fail</a:t>
+              <a:t>you are fail</a:t>
             </a:r>
             <a:r>
               <a:rPr lang="mr-IN" altLang="zh-TW" sz="1800" dirty="0" smtClean="0"/>
@@ -13031,7 +12930,6 @@
               <a:rPr lang="en-US" altLang="zh-TW" sz="1800" dirty="0" smtClean="0"/>
               <a:t>;</a:t>
             </a:r>
-            <a:endParaRPr lang="en-US" altLang="zh-TW" sz="1800" dirty="0" smtClean="0"/>
           </a:p>
           <a:p>
             <a:r>
@@ -13379,15 +13277,7 @@
             </a:r>
             <a:r>
               <a:rPr lang="en-US" altLang="zh-TW" dirty="0" smtClean="0"/>
-              <a:t>you </a:t>
-            </a:r>
-            <a:r>
-              <a:rPr lang="en-US" altLang="zh-TW" dirty="0" smtClean="0"/>
-              <a:t>get full </a:t>
-            </a:r>
-            <a:r>
-              <a:rPr lang="en-US" altLang="zh-TW" dirty="0" smtClean="0"/>
-              <a:t>marks</a:t>
+              <a:t>you get full marks</a:t>
             </a:r>
             <a:r>
               <a:rPr lang="mr-IN" altLang="zh-TW" dirty="0" smtClean="0"/>
@@ -13397,7 +13287,6 @@
               <a:rPr lang="en-US" altLang="zh-TW" dirty="0" smtClean="0"/>
               <a:t>;</a:t>
             </a:r>
-            <a:endParaRPr lang="en-US" altLang="zh-TW" dirty="0" smtClean="0"/>
           </a:p>
           <a:p>
             <a:r>
@@ -13424,15 +13313,7 @@
             </a:r>
             <a:r>
               <a:rPr lang="en-US" altLang="zh-TW" dirty="0" smtClean="0"/>
-              <a:t>you </a:t>
-            </a:r>
-            <a:r>
-              <a:rPr lang="en-US" altLang="zh-TW" dirty="0" smtClean="0"/>
-              <a:t>are </a:t>
-            </a:r>
-            <a:r>
-              <a:rPr lang="en-US" altLang="zh-TW" dirty="0" smtClean="0"/>
-              <a:t>pass</a:t>
+              <a:t>you are pass</a:t>
             </a:r>
             <a:r>
               <a:rPr lang="mr-IN" altLang="zh-TW" dirty="0" smtClean="0"/>
@@ -13442,7 +13323,6 @@
               <a:rPr lang="en-US" altLang="zh-TW" dirty="0" smtClean="0"/>
               <a:t>;</a:t>
             </a:r>
-            <a:endParaRPr lang="en-US" altLang="zh-TW" dirty="0" smtClean="0"/>
           </a:p>
           <a:p>
             <a:r>
@@ -13461,15 +13341,7 @@
             </a:r>
             <a:r>
               <a:rPr lang="en-US" altLang="zh-TW" dirty="0" smtClean="0"/>
-              <a:t>you </a:t>
-            </a:r>
-            <a:r>
-              <a:rPr lang="en-US" altLang="zh-TW" dirty="0" smtClean="0"/>
-              <a:t>are </a:t>
-            </a:r>
-            <a:r>
-              <a:rPr lang="en-US" altLang="zh-TW" dirty="0" smtClean="0"/>
-              <a:t>fail</a:t>
+              <a:t>you are fail</a:t>
             </a:r>
             <a:r>
               <a:rPr lang="mr-IN" altLang="zh-TW" dirty="0" smtClean="0"/>
@@ -13479,7 +13351,6 @@
               <a:rPr lang="en-US" altLang="zh-TW" dirty="0" smtClean="0"/>
               <a:t>;</a:t>
             </a:r>
-            <a:endParaRPr lang="en-US" altLang="zh-TW" dirty="0" smtClean="0"/>
           </a:p>
           <a:p>
             <a:r>
@@ -13541,7 +13412,6 @@
               <a:rPr lang="en-US" altLang="zh-TW" dirty="0" smtClean="0"/>
               <a:t>Classwork</a:t>
             </a:r>
-            <a:endParaRPr lang="en-US" altLang="zh-TW" dirty="0" smtClean="0"/>
           </a:p>
         </p:txBody>
       </p:sp>
@@ -13583,11 +13453,7 @@
           <a:p>
             <a:r>
               <a:rPr lang="en-US" altLang="zh-TW" dirty="0" smtClean="0"/>
-              <a:t>&gt;90</a:t>
-            </a:r>
-            <a:r>
-              <a:rPr lang="en-US" altLang="zh-TW" dirty="0" smtClean="0"/>
-              <a:t>=</a:t>
+              <a:t>&gt;90=</a:t>
             </a:r>
             <a:r>
               <a:rPr lang="mr-IN" altLang="zh-TW" dirty="0" smtClean="0"/>
@@ -13606,11 +13472,7 @@
           <a:p>
             <a:r>
               <a:rPr lang="en-US" altLang="zh-TW" dirty="0" smtClean="0"/>
-              <a:t>&gt;80</a:t>
-            </a:r>
-            <a:r>
-              <a:rPr lang="en-US" altLang="zh-TW" dirty="0" smtClean="0"/>
-              <a:t>=</a:t>
+              <a:t>&gt;80=</a:t>
             </a:r>
             <a:r>
               <a:rPr lang="mr-IN" altLang="zh-TW" dirty="0" smtClean="0"/>
@@ -13629,11 +13491,7 @@
           <a:p>
             <a:r>
               <a:rPr lang="en-US" altLang="zh-TW" dirty="0" smtClean="0"/>
-              <a:t>&gt;70</a:t>
-            </a:r>
-            <a:r>
-              <a:rPr lang="en-US" altLang="zh-TW" dirty="0" smtClean="0"/>
-              <a:t>=</a:t>
+              <a:t>&gt;70=</a:t>
             </a:r>
             <a:r>
               <a:rPr lang="mr-IN" altLang="zh-TW" dirty="0" smtClean="0"/>
@@ -13652,11 +13510,7 @@
           <a:p>
             <a:r>
               <a:rPr lang="en-US" altLang="zh-TW" dirty="0" smtClean="0"/>
-              <a:t>&gt;=60</a:t>
-            </a:r>
-            <a:r>
-              <a:rPr lang="en-US" altLang="zh-TW" dirty="0" smtClean="0"/>
-              <a:t>=</a:t>
+              <a:t>&gt;=60=</a:t>
             </a:r>
             <a:r>
               <a:rPr lang="mr-IN" altLang="zh-TW" dirty="0" smtClean="0"/>
@@ -13675,11 +13529,7 @@
           <a:p>
             <a:r>
               <a:rPr lang="en-US" altLang="zh-TW" dirty="0" smtClean="0"/>
-              <a:t>&lt;60</a:t>
-            </a:r>
-            <a:r>
-              <a:rPr lang="en-US" altLang="zh-TW" dirty="0" smtClean="0"/>
-              <a:t>=</a:t>
+              <a:t>&lt;60=</a:t>
             </a:r>
             <a:r>
               <a:rPr lang="mr-IN" altLang="zh-TW" dirty="0" smtClean="0"/>
@@ -13689,7 +13539,6 @@
               <a:rPr lang="en-US" altLang="zh-TW" dirty="0" smtClean="0"/>
               <a:t>fail</a:t>
             </a:r>
-            <a:endParaRPr lang="en-US" altLang="zh-TW" dirty="0" smtClean="0"/>
           </a:p>
         </p:txBody>
       </p:sp>
@@ -14263,11 +14112,7 @@
             </a:r>
             <a:r>
               <a:rPr lang="en-US" altLang="zh-TW" dirty="0" smtClean="0"/>
-              <a:t> </a:t>
-            </a:r>
-            <a:r>
-              <a:rPr lang="en-US" altLang="zh-TW" dirty="0" smtClean="0"/>
-              <a:t>or </a:t>
+              <a:t> or </a:t>
             </a:r>
             <a:r>
               <a:rPr lang="mr-IN" altLang="zh-TW" dirty="0" smtClean="0"/>
@@ -14287,11 +14132,7 @@
             </a:r>
             <a:r>
               <a:rPr lang="en-US" altLang="zh-TW" dirty="0" smtClean="0"/>
-              <a:t> </a:t>
-            </a:r>
-            <a:r>
-              <a:rPr lang="en-US" altLang="zh-TW" dirty="0" smtClean="0"/>
-              <a:t>for formatting</a:t>
+              <a:t> for formatting</a:t>
             </a:r>
           </a:p>
         </p:txBody>
@@ -14549,11 +14390,7 @@
           <a:p>
             <a:r>
               <a:rPr lang="en-US" altLang="zh-TW" dirty="0" smtClean="0"/>
-              <a:t>$b</a:t>
-            </a:r>
-            <a:r>
-              <a:rPr lang="en-US" altLang="zh-TW" dirty="0" smtClean="0"/>
-              <a:t>=</a:t>
+              <a:t>$b=</a:t>
             </a:r>
             <a:r>
               <a:rPr lang="mr-IN" altLang="zh-TW" dirty="0" smtClean="0"/>
@@ -14571,7 +14408,6 @@
               <a:rPr lang="en-US" altLang="zh-TW" dirty="0" smtClean="0"/>
               <a:t>;</a:t>
             </a:r>
-            <a:endParaRPr lang="en-US" altLang="zh-TW" dirty="0" smtClean="0"/>
           </a:p>
           <a:p>
             <a:r>
@@ -14787,11 +14623,7 @@
             </a:r>
             <a:r>
               <a:rPr lang="pt-BR" altLang="zh-TW" dirty="0" smtClean="0"/>
-              <a:t> $num</a:t>
-            </a:r>
-            <a:r>
-              <a:rPr lang="pt-BR" altLang="zh-TW" dirty="0" smtClean="0"/>
-              <a:t>.</a:t>
+              <a:t> $num.</a:t>
             </a:r>
             <a:r>
               <a:rPr lang="mr-IN" altLang="zh-TW" dirty="0" smtClean="0"/>
@@ -14817,7 +14649,6 @@
               <a:rPr lang="pt-BR" altLang="zh-TW" dirty="0" smtClean="0"/>
               <a:t>;</a:t>
             </a:r>
-            <a:endParaRPr lang="pt-BR" altLang="zh-TW" dirty="0" smtClean="0"/>
           </a:p>
           <a:p>
             <a:r>
@@ -20845,47 +20676,52 @@
           <a:lstStyle/>
           <a:p>
             <a:r>
-              <a:rPr lang="zh-TW" altLang="en-US" smtClean="0"/>
+              <a:rPr lang="zh-TW" altLang="en-US" dirty="0" smtClean="0"/>
               <a:t>$</a:t>
             </a:r>
             <a:r>
-              <a:rPr lang="en-US" altLang="zh-TW" smtClean="0"/>
+              <a:rPr lang="en-US" altLang="zh-TW" dirty="0" smtClean="0"/>
               <a:t>a += $b; same as $a=$a+$b</a:t>
             </a:r>
           </a:p>
           <a:p>
             <a:r>
-              <a:rPr lang="en-US" altLang="zh-TW" smtClean="0"/>
+              <a:rPr lang="en-US" altLang="zh-TW" dirty="0" smtClean="0"/>
               <a:t>$a -= $b; same as $a=$a-$b</a:t>
             </a:r>
           </a:p>
           <a:p>
             <a:r>
-              <a:rPr lang="en-US" altLang="zh-TW" smtClean="0"/>
+              <a:rPr lang="en-US" altLang="zh-TW" dirty="0" smtClean="0"/>
               <a:t>$a *= $b; same as $a=$a*$b</a:t>
             </a:r>
           </a:p>
           <a:p>
             <a:r>
-              <a:rPr lang="en-US" altLang="zh-TW" smtClean="0"/>
+              <a:rPr lang="en-US" altLang="zh-TW" dirty="0" smtClean="0"/>
               <a:t>$a /= $b; same as $a=$a/$b</a:t>
             </a:r>
           </a:p>
           <a:p>
             <a:r>
-              <a:rPr lang="en-US" altLang="zh-TW" smtClean="0"/>
+              <a:rPr lang="en-US" altLang="zh-TW" dirty="0" smtClean="0"/>
               <a:t>$a %= $b; same as $a=$a%$b</a:t>
             </a:r>
           </a:p>
           <a:p>
             <a:r>
-              <a:rPr lang="en-US" altLang="zh-TW" smtClean="0"/>
-              <a:t>$a .= $b; same as $a=$a.$b</a:t>
-            </a:r>
-          </a:p>
-          <a:p>
-            <a:r>
-              <a:rPr lang="en-US" altLang="zh-TW" smtClean="0"/>
+              <a:rPr lang="en-US" altLang="zh-TW" dirty="0" smtClean="0"/>
+              <a:t>$a .= $b; same as $a=$</a:t>
+            </a:r>
+            <a:r>
+              <a:rPr lang="en-US" altLang="zh-TW" dirty="0" err="1" smtClean="0"/>
+              <a:t>a.$b</a:t>
+            </a:r>
+            <a:endParaRPr lang="en-US" altLang="zh-TW" dirty="0" smtClean="0"/>
+          </a:p>
+          <a:p>
+            <a:r>
+              <a:rPr lang="en-US" altLang="zh-TW" dirty="0" smtClean="0"/>
               <a:t>Pre.txt</a:t>
             </a:r>
           </a:p>
@@ -20958,41 +20794,41 @@
           <a:lstStyle/>
           <a:p>
             <a:r>
-              <a:rPr lang="zh-TW" altLang="en-US" smtClean="0"/>
+              <a:rPr lang="zh-TW" altLang="en-US" dirty="0" smtClean="0"/>
               <a:t>$</a:t>
             </a:r>
             <a:r>
-              <a:rPr lang="en-US" altLang="zh-TW" smtClean="0"/>
+              <a:rPr lang="en-US" altLang="zh-TW" dirty="0" smtClean="0"/>
               <a:t>a=1;</a:t>
             </a:r>
           </a:p>
           <a:p>
             <a:r>
-              <a:rPr lang="en-US" altLang="zh-TW" smtClean="0"/>
+              <a:rPr lang="en-US" altLang="zh-TW" dirty="0" smtClean="0"/>
               <a:t>echo ++$a; same as $a+=1;</a:t>
             </a:r>
           </a:p>
           <a:p>
             <a:r>
-              <a:rPr lang="en-US" altLang="zh-TW" smtClean="0"/>
+              <a:rPr lang="en-US" altLang="zh-TW" dirty="0" smtClean="0"/>
               <a:t>echo --$a; same as $a-=1;</a:t>
             </a:r>
           </a:p>
           <a:p>
             <a:r>
-              <a:rPr lang="en-US" altLang="zh-TW" smtClean="0"/>
+              <a:rPr lang="en-US" altLang="zh-TW" dirty="0" smtClean="0"/>
               <a:t>echo $a++; same as $a+=1;</a:t>
             </a:r>
           </a:p>
           <a:p>
             <a:r>
-              <a:rPr lang="en-US" altLang="zh-TW" smtClean="0"/>
+              <a:rPr lang="en-US" altLang="zh-TW" dirty="0" smtClean="0"/>
               <a:t>echo $a--; same as $a-=1;</a:t>
             </a:r>
           </a:p>
           <a:p>
             <a:r>
-              <a:rPr lang="en-US" altLang="zh-TW" smtClean="0"/>
+              <a:rPr lang="en-US" altLang="zh-TW" dirty="0" smtClean="0"/>
               <a:t>incremental.txt</a:t>
             </a:r>
           </a:p>
@@ -21072,11 +20908,7 @@
           <a:p>
             <a:r>
               <a:rPr lang="en-US" altLang="zh-TW" dirty="0" smtClean="0"/>
-              <a:t>Define </a:t>
-            </a:r>
-            <a:r>
-              <a:rPr lang="en-US" altLang="zh-TW" dirty="0" smtClean="0"/>
-              <a:t>(</a:t>
+              <a:t>Define (</a:t>
             </a:r>
             <a:r>
               <a:rPr lang="mr-IN" altLang="zh-TW" dirty="0" smtClean="0"/>
@@ -21110,7 +20942,6 @@
               <a:rPr lang="en-US" altLang="zh-TW" dirty="0" smtClean="0"/>
               <a:t>);</a:t>
             </a:r>
-            <a:endParaRPr lang="en-US" altLang="zh-TW" dirty="0" smtClean="0"/>
           </a:p>
           <a:p>
             <a:r>
@@ -21275,7 +21106,7 @@
     </a:clrScheme>
     <a:fontScheme name="Parallax">
       <a:majorFont>
-        <a:latin typeface="Corbel" panose="020B0503020204020204"/>
+        <a:latin typeface="Corbel"/>
         <a:ea typeface=""/>
         <a:cs typeface=""/>
         <a:font script="Jpan" typeface="HGｺﾞｼｯｸM"/>
@@ -21310,7 +21141,7 @@
         <a:font script="Geor" typeface="Sylfaen"/>
       </a:majorFont>
       <a:minorFont>
-        <a:latin typeface="Corbel" panose="020B0503020204020204"/>
+        <a:latin typeface="Corbel"/>
         <a:ea typeface=""/>
         <a:cs typeface=""/>
         <a:font script="Jpan" typeface="HGｺﾞｼｯｸM"/>
@@ -21482,7 +21313,7 @@
   <a:extraClrSchemeLst/>
   <a:extLst>
     <a:ext uri="{05A4C25C-085E-4340-85A3-A5531E510DB2}">
-      <thm15:themeFamily xmlns:thm15="http://schemas.microsoft.com/office/thememl/2012/main" name="Parallax" id="{3388167B-A2EB-4685-9635-1831D9AEF8C4}" vid="{4F7A876A-7598-49CA-AFC8-8EDA2551E4A7}"/>
+      <thm15:themeFamily xmlns:thm15="http://schemas.microsoft.com/office/thememl/2012/main" xmlns="" name="Parallax" id="{3388167B-A2EB-4685-9635-1831D9AEF8C4}" vid="{4F7A876A-7598-49CA-AFC8-8EDA2551E4A7}"/>
     </a:ext>
   </a:extLst>
 </a:theme>

--- a/php-fw2/lesson2.pptx
+++ b/php-fw2/lesson2.pptx
@@ -5,10 +5,10 @@
     <p:sldMasterId id="2147484310" r:id="rId1"/>
   </p:sldMasterIdLst>
   <p:notesMasterIdLst>
-    <p:notesMasterId r:id="rId36"/>
+    <p:notesMasterId r:id="rId37"/>
   </p:notesMasterIdLst>
   <p:handoutMasterIdLst>
-    <p:handoutMasterId r:id="rId37"/>
+    <p:handoutMasterId r:id="rId38"/>
   </p:handoutMasterIdLst>
   <p:sldIdLst>
     <p:sldId id="256" r:id="rId2"/>
@@ -19,32 +19,33 @@
     <p:sldId id="360" r:id="rId7"/>
     <p:sldId id="361" r:id="rId8"/>
     <p:sldId id="355" r:id="rId9"/>
-    <p:sldId id="420" r:id="rId10"/>
-    <p:sldId id="399" r:id="rId11"/>
-    <p:sldId id="390" r:id="rId12"/>
-    <p:sldId id="408" r:id="rId13"/>
-    <p:sldId id="391" r:id="rId14"/>
-    <p:sldId id="392" r:id="rId15"/>
-    <p:sldId id="393" r:id="rId16"/>
-    <p:sldId id="394" r:id="rId17"/>
-    <p:sldId id="395" r:id="rId18"/>
-    <p:sldId id="400" r:id="rId19"/>
-    <p:sldId id="401" r:id="rId20"/>
-    <p:sldId id="412" r:id="rId21"/>
-    <p:sldId id="415" r:id="rId22"/>
-    <p:sldId id="414" r:id="rId23"/>
-    <p:sldId id="413" r:id="rId24"/>
-    <p:sldId id="416" r:id="rId25"/>
-    <p:sldId id="417" r:id="rId26"/>
-    <p:sldId id="411" r:id="rId27"/>
-    <p:sldId id="402" r:id="rId28"/>
-    <p:sldId id="404" r:id="rId29"/>
-    <p:sldId id="405" r:id="rId30"/>
-    <p:sldId id="406" r:id="rId31"/>
-    <p:sldId id="418" r:id="rId32"/>
-    <p:sldId id="419" r:id="rId33"/>
-    <p:sldId id="409" r:id="rId34"/>
-    <p:sldId id="398" r:id="rId35"/>
+    <p:sldId id="421" r:id="rId10"/>
+    <p:sldId id="420" r:id="rId11"/>
+    <p:sldId id="399" r:id="rId12"/>
+    <p:sldId id="390" r:id="rId13"/>
+    <p:sldId id="408" r:id="rId14"/>
+    <p:sldId id="391" r:id="rId15"/>
+    <p:sldId id="392" r:id="rId16"/>
+    <p:sldId id="393" r:id="rId17"/>
+    <p:sldId id="394" r:id="rId18"/>
+    <p:sldId id="395" r:id="rId19"/>
+    <p:sldId id="400" r:id="rId20"/>
+    <p:sldId id="401" r:id="rId21"/>
+    <p:sldId id="412" r:id="rId22"/>
+    <p:sldId id="415" r:id="rId23"/>
+    <p:sldId id="414" r:id="rId24"/>
+    <p:sldId id="413" r:id="rId25"/>
+    <p:sldId id="416" r:id="rId26"/>
+    <p:sldId id="417" r:id="rId27"/>
+    <p:sldId id="411" r:id="rId28"/>
+    <p:sldId id="402" r:id="rId29"/>
+    <p:sldId id="404" r:id="rId30"/>
+    <p:sldId id="405" r:id="rId31"/>
+    <p:sldId id="406" r:id="rId32"/>
+    <p:sldId id="418" r:id="rId33"/>
+    <p:sldId id="419" r:id="rId34"/>
+    <p:sldId id="409" r:id="rId35"/>
+    <p:sldId id="398" r:id="rId36"/>
   </p:sldIdLst>
   <p:sldSz cx="9144000" cy="6858000" type="screen4x3"/>
   <p:notesSz cx="6858000" cy="9144000"/>
@@ -175,7 +176,7 @@
   </p:defaultTextStyle>
   <p:extLst>
     <p:ext uri="{EFAFB233-063F-42B5-8137-9DF3F51BA10A}">
-      <p15:sldGuideLst xmlns:p15="http://schemas.microsoft.com/office/powerpoint/2012/main" xmlns="">
+      <p15:sldGuideLst xmlns:p15="http://schemas.microsoft.com/office/powerpoint/2012/main">
         <p15:guide id="1" orient="horz" pos="2160">
           <p15:clr>
             <a:srgbClr val="A4A3A4"/>
@@ -189,7 +190,7 @@
       </p15:sldGuideLst>
     </p:ext>
     <p:ext uri="{2D200454-40CA-4A62-9FC3-DE9A4176ACB9}">
-      <p15:notesGuideLst xmlns:p15="http://schemas.microsoft.com/office/powerpoint/2012/main" xmlns="">
+      <p15:notesGuideLst xmlns:p15="http://schemas.microsoft.com/office/powerpoint/2012/main">
         <p15:guide id="1" orient="horz" pos="2880">
           <p15:clr>
             <a:srgbClr val="A4A3A4"/>
@@ -1156,7 +1157,7 @@
       </p:grpSpPr>
       <p:sp>
         <p:nvSpPr>
-          <p:cNvPr id="49154" name="Rectangle 7"/>
+          <p:cNvPr id="48130" name="Rectangle 7"/>
           <p:cNvSpPr>
             <a:spLocks noGrp="1" noChangeArrowheads="1"/>
           </p:cNvSpPr>
@@ -1288,10 +1289,10 @@
             </a:lvl9pPr>
           </a:lstStyle>
           <a:p>
-            <a:fld id="{F07960BD-ED5F-458F-A72C-E818ECB1CADF}" type="slidenum">
+            <a:fld id="{266FC6A4-8AC6-4FBD-9B8F-CE91B563947A}" type="slidenum">
               <a:rPr lang="zh-TW" altLang="en-US" sz="1200" smtClean="0"/>
               <a:pPr/>
-              <a:t>26</a:t>
+              <a:t>10</a:t>
             </a:fld>
             <a:endParaRPr lang="en-US" altLang="zh-TW" sz="1200" smtClean="0"/>
           </a:p>
@@ -1299,7 +1300,7 @@
       </p:sp>
       <p:sp>
         <p:nvSpPr>
-          <p:cNvPr id="49155" name="Rectangle 2"/>
+          <p:cNvPr id="48131" name="Rectangle 2"/>
           <p:cNvSpPr>
             <a:spLocks noGrp="1" noRot="1" noChangeAspect="1" noChangeArrowheads="1" noTextEdit="1"/>
           </p:cNvSpPr>
@@ -1313,7 +1314,7 @@
       </p:sp>
       <p:sp>
         <p:nvSpPr>
-          <p:cNvPr id="49156" name="Rectangle 3"/>
+          <p:cNvPr id="48132" name="Rectangle 3"/>
           <p:cNvSpPr>
             <a:spLocks noGrp="1" noChangeArrowheads="1"/>
           </p:cNvSpPr>
@@ -1357,7 +1358,7 @@
     </p:spTree>
     <p:extLst>
       <p:ext uri="{BB962C8B-B14F-4D97-AF65-F5344CB8AC3E}">
-        <p14:creationId xmlns:p14="http://schemas.microsoft.com/office/powerpoint/2010/main" val="3005246340"/>
+        <p14:creationId xmlns:p14="http://schemas.microsoft.com/office/powerpoint/2010/main" val="282801898"/>
       </p:ext>
     </p:extLst>
   </p:cSld>
@@ -1386,7 +1387,7 @@
       </p:grpSpPr>
       <p:sp>
         <p:nvSpPr>
-          <p:cNvPr id="51202" name="Rectangle 7"/>
+          <p:cNvPr id="49154" name="Rectangle 7"/>
           <p:cNvSpPr>
             <a:spLocks noGrp="1" noChangeArrowheads="1"/>
           </p:cNvSpPr>
@@ -1518,10 +1519,240 @@
             </a:lvl9pPr>
           </a:lstStyle>
           <a:p>
+            <a:fld id="{F07960BD-ED5F-458F-A72C-E818ECB1CADF}" type="slidenum">
+              <a:rPr lang="zh-TW" altLang="en-US" sz="1200" smtClean="0"/>
+              <a:pPr/>
+              <a:t>27</a:t>
+            </a:fld>
+            <a:endParaRPr lang="en-US" altLang="zh-TW" sz="1200" smtClean="0"/>
+          </a:p>
+        </p:txBody>
+      </p:sp>
+      <p:sp>
+        <p:nvSpPr>
+          <p:cNvPr id="49155" name="Rectangle 2"/>
+          <p:cNvSpPr>
+            <a:spLocks noGrp="1" noRot="1" noChangeAspect="1" noChangeArrowheads="1" noTextEdit="1"/>
+          </p:cNvSpPr>
+          <p:nvPr>
+            <p:ph type="sldImg"/>
+          </p:nvPr>
+        </p:nvSpPr>
+        <p:spPr>
+          <a:ln/>
+        </p:spPr>
+      </p:sp>
+      <p:sp>
+        <p:nvSpPr>
+          <p:cNvPr id="49156" name="Rectangle 3"/>
+          <p:cNvSpPr>
+            <a:spLocks noGrp="1" noChangeArrowheads="1"/>
+          </p:cNvSpPr>
+          <p:nvPr>
+            <p:ph type="body" idx="1"/>
+          </p:nvPr>
+        </p:nvSpPr>
+        <p:spPr>
+          <a:noFill/>
+          <a:ln w="9525"/>
+          <a:extLst>
+            <a:ext uri="{909E8E84-426E-40DD-AFC4-6F175D3DCCD1}">
+              <a14:hiddenFill xmlns:a14="http://schemas.microsoft.com/office/drawing/2010/main">
+                <a:solidFill>
+                  <a:srgbClr val="FFFFFF"/>
+                </a:solidFill>
+              </a14:hiddenFill>
+            </a:ext>
+            <a:ext uri="{91240B29-F687-4F45-9708-019B960494DF}">
+              <a14:hiddenLine xmlns:a14="http://schemas.microsoft.com/office/drawing/2010/main" w="9525">
+                <a:solidFill>
+                  <a:srgbClr val="000000"/>
+                </a:solidFill>
+                <a:miter lim="800000"/>
+                <a:headEnd type="none" w="sm" len="sm"/>
+                <a:tailEnd type="none" w="sm" len="sm"/>
+              </a14:hiddenLine>
+            </a:ext>
+          </a:extLst>
+        </p:spPr>
+        <p:txBody>
+          <a:bodyPr/>
+          <a:lstStyle/>
+          <a:p>
+            <a:endParaRPr lang="zh-TW" altLang="zh-TW" smtClean="0">
+              <a:latin typeface="Times New Roman" pitchFamily="18" charset="0"/>
+            </a:endParaRPr>
+          </a:p>
+        </p:txBody>
+      </p:sp>
+    </p:spTree>
+    <p:extLst>
+      <p:ext uri="{BB962C8B-B14F-4D97-AF65-F5344CB8AC3E}">
+        <p14:creationId xmlns:p14="http://schemas.microsoft.com/office/powerpoint/2010/main" val="3005246340"/>
+      </p:ext>
+    </p:extLst>
+  </p:cSld>
+  <p:clrMapOvr>
+    <a:masterClrMapping/>
+  </p:clrMapOvr>
+</p:notes>
+</file>
+
+<file path=ppt/notesSlides/notesSlide12.xml><?xml version="1.0" encoding="utf-8"?>
+<p:notes xmlns:a="http://schemas.openxmlformats.org/drawingml/2006/main" xmlns:r="http://schemas.openxmlformats.org/officeDocument/2006/relationships" xmlns:p="http://schemas.openxmlformats.org/presentationml/2006/main">
+  <p:cSld>
+    <p:spTree>
+      <p:nvGrpSpPr>
+        <p:cNvPr id="1" name=""/>
+        <p:cNvGrpSpPr/>
+        <p:nvPr/>
+      </p:nvGrpSpPr>
+      <p:grpSpPr>
+        <a:xfrm>
+          <a:off x="0" y="0"/>
+          <a:ext cx="0" cy="0"/>
+          <a:chOff x="0" y="0"/>
+          <a:chExt cx="0" cy="0"/>
+        </a:xfrm>
+      </p:grpSpPr>
+      <p:sp>
+        <p:nvSpPr>
+          <p:cNvPr id="51202" name="Rectangle 7"/>
+          <p:cNvSpPr>
+            <a:spLocks noGrp="1" noChangeArrowheads="1"/>
+          </p:cNvSpPr>
+          <p:nvPr>
+            <p:ph type="sldNum" sz="quarter" idx="5"/>
+          </p:nvPr>
+        </p:nvSpPr>
+        <p:spPr>
+          <a:noFill/>
+          <a:ln w="9525"/>
+          <a:extLst>
+            <a:ext uri="{909E8E84-426E-40DD-AFC4-6F175D3DCCD1}">
+              <a14:hiddenFill xmlns:a14="http://schemas.microsoft.com/office/drawing/2010/main">
+                <a:solidFill>
+                  <a:srgbClr val="FFFFFF"/>
+                </a:solidFill>
+              </a14:hiddenFill>
+            </a:ext>
+            <a:ext uri="{91240B29-F687-4F45-9708-019B960494DF}">
+              <a14:hiddenLine xmlns:a14="http://schemas.microsoft.com/office/drawing/2010/main" w="12700">
+                <a:solidFill>
+                  <a:srgbClr val="000000"/>
+                </a:solidFill>
+                <a:miter lim="800000"/>
+                <a:headEnd type="none" w="sm" len="sm"/>
+                <a:tailEnd type="none" w="sm" len="sm"/>
+              </a14:hiddenLine>
+            </a:ext>
+          </a:extLst>
+        </p:spPr>
+        <p:txBody>
+          <a:bodyPr/>
+          <a:lstStyle>
+            <a:lvl1pPr eaLnBrk="0" hangingPunct="0">
+              <a:defRPr sz="2400">
+                <a:solidFill>
+                  <a:schemeClr val="tx1"/>
+                </a:solidFill>
+                <a:latin typeface="Times New Roman" pitchFamily="18" charset="0"/>
+              </a:defRPr>
+            </a:lvl1pPr>
+            <a:lvl2pPr marL="742950" indent="-285750" eaLnBrk="0" hangingPunct="0">
+              <a:defRPr sz="2400">
+                <a:solidFill>
+                  <a:schemeClr val="tx1"/>
+                </a:solidFill>
+                <a:latin typeface="Times New Roman" pitchFamily="18" charset="0"/>
+              </a:defRPr>
+            </a:lvl2pPr>
+            <a:lvl3pPr marL="1143000" indent="-228600" eaLnBrk="0" hangingPunct="0">
+              <a:defRPr sz="2400">
+                <a:solidFill>
+                  <a:schemeClr val="tx1"/>
+                </a:solidFill>
+                <a:latin typeface="Times New Roman" pitchFamily="18" charset="0"/>
+              </a:defRPr>
+            </a:lvl3pPr>
+            <a:lvl4pPr marL="1600200" indent="-228600" eaLnBrk="0" hangingPunct="0">
+              <a:defRPr sz="2400">
+                <a:solidFill>
+                  <a:schemeClr val="tx1"/>
+                </a:solidFill>
+                <a:latin typeface="Times New Roman" pitchFamily="18" charset="0"/>
+              </a:defRPr>
+            </a:lvl4pPr>
+            <a:lvl5pPr marL="2057400" indent="-228600" eaLnBrk="0" hangingPunct="0">
+              <a:defRPr sz="2400">
+                <a:solidFill>
+                  <a:schemeClr val="tx1"/>
+                </a:solidFill>
+                <a:latin typeface="Times New Roman" pitchFamily="18" charset="0"/>
+              </a:defRPr>
+            </a:lvl5pPr>
+            <a:lvl6pPr marL="2514600" indent="-228600" eaLnBrk="0" fontAlgn="base" hangingPunct="0">
+              <a:spcBef>
+                <a:spcPct val="0"/>
+              </a:spcBef>
+              <a:spcAft>
+                <a:spcPct val="0"/>
+              </a:spcAft>
+              <a:defRPr sz="2400">
+                <a:solidFill>
+                  <a:schemeClr val="tx1"/>
+                </a:solidFill>
+                <a:latin typeface="Times New Roman" pitchFamily="18" charset="0"/>
+              </a:defRPr>
+            </a:lvl6pPr>
+            <a:lvl7pPr marL="2971800" indent="-228600" eaLnBrk="0" fontAlgn="base" hangingPunct="0">
+              <a:spcBef>
+                <a:spcPct val="0"/>
+              </a:spcBef>
+              <a:spcAft>
+                <a:spcPct val="0"/>
+              </a:spcAft>
+              <a:defRPr sz="2400">
+                <a:solidFill>
+                  <a:schemeClr val="tx1"/>
+                </a:solidFill>
+                <a:latin typeface="Times New Roman" pitchFamily="18" charset="0"/>
+              </a:defRPr>
+            </a:lvl7pPr>
+            <a:lvl8pPr marL="3429000" indent="-228600" eaLnBrk="0" fontAlgn="base" hangingPunct="0">
+              <a:spcBef>
+                <a:spcPct val="0"/>
+              </a:spcBef>
+              <a:spcAft>
+                <a:spcPct val="0"/>
+              </a:spcAft>
+              <a:defRPr sz="2400">
+                <a:solidFill>
+                  <a:schemeClr val="tx1"/>
+                </a:solidFill>
+                <a:latin typeface="Times New Roman" pitchFamily="18" charset="0"/>
+              </a:defRPr>
+            </a:lvl8pPr>
+            <a:lvl9pPr marL="3886200" indent="-228600" eaLnBrk="0" fontAlgn="base" hangingPunct="0">
+              <a:spcBef>
+                <a:spcPct val="0"/>
+              </a:spcBef>
+              <a:spcAft>
+                <a:spcPct val="0"/>
+              </a:spcAft>
+              <a:defRPr sz="2400">
+                <a:solidFill>
+                  <a:schemeClr val="tx1"/>
+                </a:solidFill>
+                <a:latin typeface="Times New Roman" pitchFamily="18" charset="0"/>
+              </a:defRPr>
+            </a:lvl9pPr>
+          </a:lstStyle>
+          <a:p>
             <a:fld id="{947A8E3D-DFAF-4581-B154-A5B16700A529}" type="slidenum">
               <a:rPr lang="zh-TW" altLang="en-US" sz="1200" smtClean="0"/>
               <a:pPr/>
-              <a:t>34</a:t>
+              <a:t>35</a:t>
             </a:fld>
             <a:endParaRPr lang="en-US" altLang="zh-TW" sz="1200" smtClean="0"/>
           </a:p>
@@ -3427,7 +3658,7 @@
     </p:spTree>
     <p:extLst>
       <p:ext uri="{BB962C8B-B14F-4D97-AF65-F5344CB8AC3E}">
-        <p14:creationId xmlns:p14="http://schemas.microsoft.com/office/powerpoint/2010/main" val="282801898"/>
+        <p14:creationId xmlns:p14="http://schemas.microsoft.com/office/powerpoint/2010/main" val="3946438163"/>
       </p:ext>
     </p:extLst>
   </p:cSld>
@@ -10065,12 +10296,12 @@
       </p:grpSpPr>
       <p:sp>
         <p:nvSpPr>
-          <p:cNvPr id="2" name="Title 1"/>
+          <p:cNvPr id="143362" name="Rectangle 3074"/>
           <p:cNvSpPr>
-            <a:spLocks noGrp="1"/>
+            <a:spLocks noGrp="1" noChangeArrowheads="1"/>
           </p:cNvSpPr>
           <p:nvPr>
-            <p:ph type="ctrTitle"/>
+            <p:ph type="title"/>
           </p:nvPr>
         </p:nvSpPr>
         <p:spPr/>
@@ -10079,21 +10310,21 @@
           <a:lstStyle/>
           <a:p>
             <a:r>
-              <a:rPr lang="en-US" smtClean="0"/>
-              <a:t>Break</a:t>
-            </a:r>
-            <a:endParaRPr lang="en-US" dirty="0"/>
+              <a:rPr lang="en-US" altLang="zh-TW" smtClean="0"/>
+              <a:t>Predefined Constants</a:t>
+            </a:r>
+            <a:endParaRPr lang="en-US" altLang="zh-TW" dirty="0" smtClean="0"/>
           </a:p>
         </p:txBody>
       </p:sp>
       <p:sp>
         <p:nvSpPr>
-          <p:cNvPr id="21507" name="Subtitle 3"/>
+          <p:cNvPr id="20483" name="Rectangle 3075"/>
           <p:cNvSpPr>
-            <a:spLocks noGrp="1"/>
+            <a:spLocks noGrp="1" noChangeArrowheads="1"/>
           </p:cNvSpPr>
           <p:nvPr>
-            <p:ph type="subTitle" idx="1"/>
+            <p:ph idx="1"/>
           </p:nvPr>
         </p:nvSpPr>
         <p:spPr/>
@@ -10103,16 +10334,34 @@
           <a:p>
             <a:r>
               <a:rPr lang="en-US" altLang="zh-TW" smtClean="0"/>
-              <a:t>Array is coming next…</a:t>
-            </a:r>
+              <a:t>Some constants has already been predefined in PHP.</a:t>
+            </a:r>
+          </a:p>
+          <a:p>
+            <a:endParaRPr lang="en-US" altLang="zh-TW" smtClean="0"/>
+          </a:p>
+          <a:p>
+            <a:r>
+              <a:rPr lang="en-US" altLang="zh-TW" smtClean="0"/>
+              <a:t>predefindedConstant.php</a:t>
+            </a:r>
+            <a:endParaRPr lang="en-US" altLang="zh-TW" dirty="0" smtClean="0"/>
           </a:p>
         </p:txBody>
       </p:sp>
     </p:spTree>
+    <p:extLst>
+      <p:ext uri="{BB962C8B-B14F-4D97-AF65-F5344CB8AC3E}">
+        <p14:creationId xmlns:p14="http://schemas.microsoft.com/office/powerpoint/2010/main" val="4133291617"/>
+      </p:ext>
+    </p:extLst>
   </p:cSld>
   <p:clrMapOvr>
     <a:masterClrMapping/>
   </p:clrMapOvr>
+  <p:transition>
+    <p:checker/>
+  </p:transition>
 </p:sld>
 </file>
 
@@ -10135,6 +10384,76 @@
       </p:grpSpPr>
       <p:sp>
         <p:nvSpPr>
+          <p:cNvPr id="2" name="Title 1"/>
+          <p:cNvSpPr>
+            <a:spLocks noGrp="1"/>
+          </p:cNvSpPr>
+          <p:nvPr>
+            <p:ph type="ctrTitle"/>
+          </p:nvPr>
+        </p:nvSpPr>
+        <p:spPr/>
+        <p:txBody>
+          <a:bodyPr/>
+          <a:lstStyle/>
+          <a:p>
+            <a:r>
+              <a:rPr lang="en-US" smtClean="0"/>
+              <a:t>Break</a:t>
+            </a:r>
+            <a:endParaRPr lang="en-US" dirty="0"/>
+          </a:p>
+        </p:txBody>
+      </p:sp>
+      <p:sp>
+        <p:nvSpPr>
+          <p:cNvPr id="21507" name="Subtitle 3"/>
+          <p:cNvSpPr>
+            <a:spLocks noGrp="1"/>
+          </p:cNvSpPr>
+          <p:nvPr>
+            <p:ph type="subTitle" idx="1"/>
+          </p:nvPr>
+        </p:nvSpPr>
+        <p:spPr/>
+        <p:txBody>
+          <a:bodyPr/>
+          <a:lstStyle/>
+          <a:p>
+            <a:r>
+              <a:rPr lang="en-US" altLang="zh-TW" smtClean="0"/>
+              <a:t>Array is coming next…</a:t>
+            </a:r>
+          </a:p>
+        </p:txBody>
+      </p:sp>
+    </p:spTree>
+  </p:cSld>
+  <p:clrMapOvr>
+    <a:masterClrMapping/>
+  </p:clrMapOvr>
+</p:sld>
+</file>
+
+<file path=ppt/slides/slide12.xml><?xml version="1.0" encoding="utf-8"?>
+<p:sld xmlns:a="http://schemas.openxmlformats.org/drawingml/2006/main" xmlns:r="http://schemas.openxmlformats.org/officeDocument/2006/relationships" xmlns:p="http://schemas.openxmlformats.org/presentationml/2006/main">
+  <p:cSld>
+    <p:spTree>
+      <p:nvGrpSpPr>
+        <p:cNvPr id="1" name=""/>
+        <p:cNvGrpSpPr/>
+        <p:nvPr/>
+      </p:nvGrpSpPr>
+      <p:grpSpPr>
+        <a:xfrm>
+          <a:off x="0" y="0"/>
+          <a:ext cx="0" cy="0"/>
+          <a:chOff x="0" y="0"/>
+          <a:chExt cx="0" cy="0"/>
+        </a:xfrm>
+      </p:grpSpPr>
+      <p:sp>
+        <p:nvSpPr>
           <p:cNvPr id="7181" name="Rectangle 13"/>
           <p:cNvSpPr>
             <a:spLocks noGrp="1" noChangeArrowheads="1"/>
@@ -10212,7 +10531,7 @@
 </p:sld>
 </file>
 
-<file path=ppt/slides/slide12.xml><?xml version="1.0" encoding="utf-8"?>
+<file path=ppt/slides/slide13.xml><?xml version="1.0" encoding="utf-8"?>
 <p:sld xmlns:a="http://schemas.openxmlformats.org/drawingml/2006/main" xmlns:r="http://schemas.openxmlformats.org/officeDocument/2006/relationships" xmlns:p="http://schemas.openxmlformats.org/presentationml/2006/main">
   <p:cSld>
     <p:spTree>
@@ -10680,9 +10999,6 @@
               </a:rPr>
               <a:t>$name2</a:t>
             </a:r>
-            <a:endParaRPr lang="en-US" altLang="zh-TW" dirty="0">
-              <a:ea typeface="新細明體" pitchFamily="18" charset="-120"/>
-            </a:endParaRPr>
           </a:p>
         </p:txBody>
       </p:sp>
@@ -10897,9 +11213,6 @@
               </a:rPr>
               <a:t>$name3</a:t>
             </a:r>
-            <a:endParaRPr lang="en-US" altLang="zh-TW" dirty="0">
-              <a:ea typeface="新細明體" pitchFamily="18" charset="-120"/>
-            </a:endParaRPr>
           </a:p>
         </p:txBody>
       </p:sp>
@@ -11773,94 +12086,6 @@
 </p:sld>
 </file>
 
-<file path=ppt/slides/slide13.xml><?xml version="1.0" encoding="utf-8"?>
-<p:sld xmlns:a="http://schemas.openxmlformats.org/drawingml/2006/main" xmlns:r="http://schemas.openxmlformats.org/officeDocument/2006/relationships" xmlns:p="http://schemas.openxmlformats.org/presentationml/2006/main">
-  <p:cSld>
-    <p:spTree>
-      <p:nvGrpSpPr>
-        <p:cNvPr id="1" name=""/>
-        <p:cNvGrpSpPr/>
-        <p:nvPr/>
-      </p:nvGrpSpPr>
-      <p:grpSpPr>
-        <a:xfrm>
-          <a:off x="0" y="0"/>
-          <a:ext cx="0" cy="0"/>
-          <a:chOff x="0" y="0"/>
-          <a:chExt cx="0" cy="0"/>
-        </a:xfrm>
-      </p:grpSpPr>
-      <p:sp>
-        <p:nvSpPr>
-          <p:cNvPr id="140290" name="Rectangle 2"/>
-          <p:cNvSpPr>
-            <a:spLocks noGrp="1" noChangeArrowheads="1"/>
-          </p:cNvSpPr>
-          <p:nvPr>
-            <p:ph type="title"/>
-          </p:nvPr>
-        </p:nvSpPr>
-        <p:spPr/>
-        <p:txBody>
-          <a:bodyPr/>
-          <a:lstStyle/>
-          <a:p>
-            <a:r>
-              <a:rPr lang="en-US" altLang="zh-TW" smtClean="0"/>
-              <a:t>The uses of arrays</a:t>
-            </a:r>
-          </a:p>
-        </p:txBody>
-      </p:sp>
-      <p:sp>
-        <p:nvSpPr>
-          <p:cNvPr id="24579" name="Rectangle 3"/>
-          <p:cNvSpPr>
-            <a:spLocks noGrp="1" noChangeArrowheads="1"/>
-          </p:cNvSpPr>
-          <p:nvPr>
-            <p:ph idx="1"/>
-          </p:nvPr>
-        </p:nvSpPr>
-        <p:spPr/>
-        <p:txBody>
-          <a:bodyPr/>
-          <a:lstStyle/>
-          <a:p>
-            <a:r>
-              <a:rPr lang="en-US" altLang="zh-TW" smtClean="0"/>
-              <a:t>Store many variables in one variable name</a:t>
-            </a:r>
-          </a:p>
-          <a:p>
-            <a:r>
-              <a:rPr lang="en-US" altLang="zh-TW" smtClean="0"/>
-              <a:t>No difference in data entry, but save a lot of time in generating a result</a:t>
-            </a:r>
-          </a:p>
-          <a:p>
-            <a:endParaRPr lang="en-US" altLang="zh-TW" smtClean="0"/>
-          </a:p>
-          <a:p>
-            <a:r>
-              <a:rPr lang="en-US" altLang="zh-TW" smtClean="0"/>
-              <a:t>How to write that in PHP?</a:t>
-            </a:r>
-            <a:endParaRPr lang="en-US" altLang="zh-TW" dirty="0" smtClean="0"/>
-          </a:p>
-        </p:txBody>
-      </p:sp>
-    </p:spTree>
-  </p:cSld>
-  <p:clrMapOvr>
-    <a:masterClrMapping/>
-  </p:clrMapOvr>
-  <p:transition>
-    <p:checker/>
-  </p:transition>
-</p:sld>
-</file>
-
 <file path=ppt/slides/slide14.xml><?xml version="1.0" encoding="utf-8"?>
 <p:sld xmlns:a="http://schemas.openxmlformats.org/drawingml/2006/main" xmlns:r="http://schemas.openxmlformats.org/officeDocument/2006/relationships" xmlns:p="http://schemas.openxmlformats.org/presentationml/2006/main">
   <p:cSld>
@@ -11880,7 +12105,7 @@
       </p:grpSpPr>
       <p:sp>
         <p:nvSpPr>
-          <p:cNvPr id="152578" name="Rectangle 2"/>
+          <p:cNvPr id="140290" name="Rectangle 2"/>
           <p:cNvSpPr>
             <a:spLocks noGrp="1" noChangeArrowheads="1"/>
           </p:cNvSpPr>
@@ -11895,14 +12120,14 @@
           <a:p>
             <a:r>
               <a:rPr lang="en-US" altLang="zh-TW" smtClean="0"/>
-              <a:t>What are arrays</a:t>
+              <a:t>The uses of arrays</a:t>
             </a:r>
           </a:p>
         </p:txBody>
       </p:sp>
       <p:sp>
         <p:nvSpPr>
-          <p:cNvPr id="25603" name="Rectangle 3"/>
+          <p:cNvPr id="24579" name="Rectangle 3"/>
           <p:cNvSpPr>
             <a:spLocks noGrp="1" noChangeArrowheads="1"/>
           </p:cNvSpPr>
@@ -11917,20 +12142,24 @@
           <a:p>
             <a:r>
               <a:rPr lang="en-US" altLang="zh-TW" smtClean="0"/>
-              <a:t>an orderly arrangement</a:t>
+              <a:t>Store many variables in one variable name</a:t>
             </a:r>
           </a:p>
           <a:p>
             <a:r>
               <a:rPr lang="en-US" altLang="zh-TW" smtClean="0"/>
-              <a:t>indexed collection of data values</a:t>
-            </a:r>
+              <a:t>No difference in data entry, but save a lot of time in generating a result</a:t>
+            </a:r>
+          </a:p>
+          <a:p>
+            <a:endParaRPr lang="en-US" altLang="zh-TW" smtClean="0"/>
           </a:p>
           <a:p>
             <a:r>
               <a:rPr lang="en-US" altLang="zh-TW" smtClean="0"/>
-              <a:t>A series of variables (or objects) that are of the same size and type</a:t>
-            </a:r>
+              <a:t>How to write that in PHP?</a:t>
+            </a:r>
+            <a:endParaRPr lang="en-US" altLang="zh-TW" dirty="0" smtClean="0"/>
           </a:p>
         </p:txBody>
       </p:sp>
@@ -11964,7 +12193,7 @@
       </p:grpSpPr>
       <p:sp>
         <p:nvSpPr>
-          <p:cNvPr id="188418" name="Rectangle 2"/>
+          <p:cNvPr id="152578" name="Rectangle 2"/>
           <p:cNvSpPr>
             <a:spLocks noGrp="1" noChangeArrowheads="1"/>
           </p:cNvSpPr>
@@ -11979,14 +12208,14 @@
           <a:p>
             <a:r>
               <a:rPr lang="en-US" altLang="zh-TW" smtClean="0"/>
-              <a:t>How to declare arrays</a:t>
+              <a:t>What are arrays</a:t>
             </a:r>
           </a:p>
         </p:txBody>
       </p:sp>
       <p:sp>
         <p:nvSpPr>
-          <p:cNvPr id="26627" name="Rectangle 3"/>
+          <p:cNvPr id="25603" name="Rectangle 3"/>
           <p:cNvSpPr>
             <a:spLocks noGrp="1" noChangeArrowheads="1"/>
           </p:cNvSpPr>
@@ -12000,84 +12229,20 @@
           <a:lstStyle/>
           <a:p>
             <a:r>
-              <a:rPr lang="zh-TW" altLang="en-US" dirty="0" smtClean="0"/>
-              <a:t>$</a:t>
-            </a:r>
-            <a:r>
-              <a:rPr lang="en-US" altLang="zh-TW" dirty="0" smtClean="0"/>
-              <a:t>array[0]=</a:t>
-            </a:r>
-            <a:r>
-              <a:rPr lang="mr-IN" altLang="zh-TW" dirty="0" smtClean="0"/>
-              <a:t>"</a:t>
-            </a:r>
-            <a:r>
-              <a:rPr lang="en-US" altLang="zh-TW" dirty="0" smtClean="0"/>
-              <a:t>first thing</a:t>
-            </a:r>
-            <a:r>
-              <a:rPr lang="mr-IN" altLang="zh-TW" dirty="0" smtClean="0"/>
-              <a:t>"</a:t>
-            </a:r>
-            <a:r>
-              <a:rPr lang="en-US" altLang="zh-TW" dirty="0" smtClean="0"/>
-              <a:t>;</a:t>
-            </a:r>
-          </a:p>
-          <a:p>
-            <a:r>
-              <a:rPr lang="en-US" altLang="zh-TW" dirty="0" smtClean="0"/>
-              <a:t>$array[1]=</a:t>
-            </a:r>
-            <a:r>
-              <a:rPr lang="mr-IN" altLang="zh-TW" dirty="0" smtClean="0"/>
-              <a:t>"</a:t>
-            </a:r>
-            <a:r>
-              <a:rPr lang="en-US" altLang="zh-TW" dirty="0" smtClean="0"/>
-              <a:t>second thing</a:t>
-            </a:r>
-            <a:r>
-              <a:rPr lang="mr-IN" altLang="zh-TW" dirty="0" smtClean="0"/>
-              <a:t>"</a:t>
-            </a:r>
-            <a:r>
-              <a:rPr lang="en-US" altLang="zh-TW" dirty="0" smtClean="0"/>
-              <a:t>;</a:t>
-            </a:r>
-          </a:p>
-          <a:p>
-            <a:r>
-              <a:rPr lang="en-US" altLang="zh-TW" dirty="0" smtClean="0"/>
-              <a:t>$array['green']=</a:t>
-            </a:r>
-            <a:r>
-              <a:rPr lang="mr-IN" altLang="zh-TW" dirty="0" smtClean="0"/>
-              <a:t>"</a:t>
-            </a:r>
-            <a:r>
-              <a:rPr lang="en-US" altLang="zh-TW" dirty="0" smtClean="0"/>
-              <a:t>john</a:t>
-            </a:r>
-            <a:r>
-              <a:rPr lang="mr-IN" altLang="zh-TW" dirty="0" smtClean="0"/>
-              <a:t>"</a:t>
-            </a:r>
-            <a:r>
-              <a:rPr lang="en-US" altLang="zh-TW" dirty="0" smtClean="0"/>
-              <a:t>;</a:t>
-            </a:r>
-          </a:p>
-          <a:p>
-            <a:r>
-              <a:rPr lang="en-US" altLang="zh-TW" dirty="0" smtClean="0"/>
-              <a:t>Array key is 0, 1 green</a:t>
-            </a:r>
-          </a:p>
-          <a:p>
-            <a:r>
-              <a:rPr lang="en-US" altLang="zh-TW" dirty="0" smtClean="0"/>
-              <a:t>Array value first thing, second thing, john</a:t>
+              <a:rPr lang="en-US" altLang="zh-TW" smtClean="0"/>
+              <a:t>an orderly arrangement</a:t>
+            </a:r>
+          </a:p>
+          <a:p>
+            <a:r>
+              <a:rPr lang="en-US" altLang="zh-TW" smtClean="0"/>
+              <a:t>indexed collection of data values</a:t>
+            </a:r>
+          </a:p>
+          <a:p>
+            <a:r>
+              <a:rPr lang="en-US" altLang="zh-TW" smtClean="0"/>
+              <a:t>A series of variables (or objects) that are of the same size and type</a:t>
             </a:r>
           </a:p>
         </p:txBody>
@@ -12112,7 +12277,7 @@
       </p:grpSpPr>
       <p:sp>
         <p:nvSpPr>
-          <p:cNvPr id="167938" name="Rectangle 2"/>
+          <p:cNvPr id="188418" name="Rectangle 2"/>
           <p:cNvSpPr>
             <a:spLocks noGrp="1" noChangeArrowheads="1"/>
           </p:cNvSpPr>
@@ -12127,14 +12292,14 @@
           <a:p>
             <a:r>
               <a:rPr lang="en-US" altLang="zh-TW" smtClean="0"/>
-              <a:t>Exercise</a:t>
+              <a:t>How to declare arrays</a:t>
             </a:r>
           </a:p>
         </p:txBody>
       </p:sp>
       <p:sp>
         <p:nvSpPr>
-          <p:cNvPr id="27651" name="Rectangle 3"/>
+          <p:cNvPr id="26627" name="Rectangle 3"/>
           <p:cNvSpPr>
             <a:spLocks noGrp="1" noChangeArrowheads="1"/>
           </p:cNvSpPr>
@@ -12148,14 +12313,84 @@
           <a:lstStyle/>
           <a:p>
             <a:r>
-              <a:rPr lang="en-US" altLang="zh-TW" smtClean="0"/>
-              <a:t>Set student info to an array from student.php</a:t>
-            </a:r>
-          </a:p>
-          <a:p>
-            <a:r>
-              <a:rPr lang="en-US" altLang="zh-TW" smtClean="0"/>
-              <a:t>Student.php</a:t>
+              <a:rPr lang="zh-TW" altLang="en-US" dirty="0" smtClean="0"/>
+              <a:t>$</a:t>
+            </a:r>
+            <a:r>
+              <a:rPr lang="en-US" altLang="zh-TW" dirty="0" smtClean="0"/>
+              <a:t>array[0]=</a:t>
+            </a:r>
+            <a:r>
+              <a:rPr lang="mr-IN" altLang="zh-TW" dirty="0" smtClean="0"/>
+              <a:t>"</a:t>
+            </a:r>
+            <a:r>
+              <a:rPr lang="en-US" altLang="zh-TW" dirty="0" smtClean="0"/>
+              <a:t>first thing</a:t>
+            </a:r>
+            <a:r>
+              <a:rPr lang="mr-IN" altLang="zh-TW" dirty="0" smtClean="0"/>
+              <a:t>"</a:t>
+            </a:r>
+            <a:r>
+              <a:rPr lang="en-US" altLang="zh-TW" dirty="0" smtClean="0"/>
+              <a:t>;</a:t>
+            </a:r>
+          </a:p>
+          <a:p>
+            <a:r>
+              <a:rPr lang="en-US" altLang="zh-TW" dirty="0" smtClean="0"/>
+              <a:t>$array[1]=</a:t>
+            </a:r>
+            <a:r>
+              <a:rPr lang="mr-IN" altLang="zh-TW" dirty="0" smtClean="0"/>
+              <a:t>"</a:t>
+            </a:r>
+            <a:r>
+              <a:rPr lang="en-US" altLang="zh-TW" dirty="0" smtClean="0"/>
+              <a:t>second thing</a:t>
+            </a:r>
+            <a:r>
+              <a:rPr lang="mr-IN" altLang="zh-TW" dirty="0" smtClean="0"/>
+              <a:t>"</a:t>
+            </a:r>
+            <a:r>
+              <a:rPr lang="en-US" altLang="zh-TW" dirty="0" smtClean="0"/>
+              <a:t>;</a:t>
+            </a:r>
+          </a:p>
+          <a:p>
+            <a:r>
+              <a:rPr lang="en-US" altLang="zh-TW" dirty="0" smtClean="0"/>
+              <a:t>$array['green']=</a:t>
+            </a:r>
+            <a:r>
+              <a:rPr lang="mr-IN" altLang="zh-TW" dirty="0" smtClean="0"/>
+              <a:t>"</a:t>
+            </a:r>
+            <a:r>
+              <a:rPr lang="en-US" altLang="zh-TW" dirty="0" smtClean="0"/>
+              <a:t>john</a:t>
+            </a:r>
+            <a:r>
+              <a:rPr lang="mr-IN" altLang="zh-TW" dirty="0" smtClean="0"/>
+              <a:t>"</a:t>
+            </a:r>
+            <a:r>
+              <a:rPr lang="en-US" altLang="zh-TW" dirty="0" smtClean="0"/>
+              <a:t>;</a:t>
+            </a:r>
+          </a:p>
+          <a:p>
+            <a:r>
+              <a:rPr lang="en-US" altLang="zh-TW" dirty="0" smtClean="0"/>
+              <a:t>Array key is 0, 1 green</a:t>
+            </a:r>
+          </a:p>
+          <a:p>
+            <a:r>
+              <a:rPr lang="en-US" altLang="zh-TW" dirty="0" smtClean="0"/>
+              <a:t>Array value first thing, second thing, john</a:t>
             </a:r>
           </a:p>
         </p:txBody>
@@ -12190,7 +12425,7 @@
       </p:grpSpPr>
       <p:sp>
         <p:nvSpPr>
-          <p:cNvPr id="157698" name="Rectangle 2"/>
+          <p:cNvPr id="167938" name="Rectangle 2"/>
           <p:cNvSpPr>
             <a:spLocks noGrp="1" noChangeArrowheads="1"/>
           </p:cNvSpPr>
@@ -12205,14 +12440,14 @@
           <a:p>
             <a:r>
               <a:rPr lang="en-US" altLang="zh-TW" smtClean="0"/>
-              <a:t>Multidimensional array</a:t>
+              <a:t>Exercise</a:t>
             </a:r>
           </a:p>
         </p:txBody>
       </p:sp>
       <p:sp>
         <p:nvSpPr>
-          <p:cNvPr id="28675" name="Rectangle 3"/>
+          <p:cNvPr id="27651" name="Rectangle 3"/>
           <p:cNvSpPr>
             <a:spLocks noGrp="1" noChangeArrowheads="1"/>
           </p:cNvSpPr>
@@ -12226,76 +12461,15 @@
           <a:lstStyle/>
           <a:p>
             <a:r>
-              <a:rPr lang="en-US" altLang="zh-TW" dirty="0" smtClean="0"/>
-              <a:t>Usually use two dimensional array but no limit of x-dimensional array</a:t>
-            </a:r>
-          </a:p>
-          <a:p>
-            <a:r>
-              <a:rPr lang="en-US" altLang="zh-TW" dirty="0" smtClean="0"/>
-              <a:t>Two dimensional array $</a:t>
-            </a:r>
-            <a:r>
-              <a:rPr lang="en-US" altLang="zh-TW" dirty="0" err="1" smtClean="0"/>
-              <a:t>multi_array</a:t>
-            </a:r>
-            <a:r>
-              <a:rPr lang="en-US" altLang="zh-TW" dirty="0" smtClean="0"/>
-              <a:t>['A'][1]=</a:t>
-            </a:r>
-            <a:r>
-              <a:rPr lang="mr-IN" altLang="zh-TW" dirty="0" smtClean="0"/>
-              <a:t>"</a:t>
-            </a:r>
-            <a:r>
-              <a:rPr lang="en-US" altLang="zh-TW" dirty="0" smtClean="0"/>
-              <a:t>dumping</a:t>
-            </a:r>
-            <a:r>
-              <a:rPr lang="mr-IN" altLang="zh-TW" dirty="0" smtClean="0"/>
-              <a:t>"</a:t>
-            </a:r>
-            <a:r>
-              <a:rPr lang="en-US" altLang="zh-TW" dirty="0" smtClean="0"/>
-              <a:t>;</a:t>
-            </a:r>
-          </a:p>
-          <a:p>
-            <a:r>
-              <a:rPr lang="en-US" altLang="zh-TW" dirty="0" smtClean="0"/>
-              <a:t>Three dimensional array $</a:t>
-            </a:r>
-            <a:r>
-              <a:rPr lang="en-US" altLang="zh-TW" dirty="0" err="1" smtClean="0"/>
-              <a:t>multi_array</a:t>
-            </a:r>
-            <a:r>
-              <a:rPr lang="en-US" altLang="zh-TW" dirty="0" smtClean="0"/>
-              <a:t>['sheet1']['A'][1]=</a:t>
-            </a:r>
-            <a:r>
-              <a:rPr lang="mr-IN" altLang="zh-TW" dirty="0" smtClean="0"/>
-              <a:t>"</a:t>
-            </a:r>
-            <a:r>
-              <a:rPr lang="en-US" altLang="zh-TW" dirty="0" smtClean="0"/>
-              <a:t>dumping</a:t>
-            </a:r>
-            <a:r>
-              <a:rPr lang="mr-IN" altLang="zh-TW" dirty="0" smtClean="0"/>
-              <a:t>"</a:t>
-            </a:r>
-            <a:r>
-              <a:rPr lang="en-US" altLang="zh-TW" dirty="0" smtClean="0"/>
-              <a:t>;</a:t>
-            </a:r>
-          </a:p>
-          <a:p>
-            <a:r>
-              <a:rPr lang="en-US" altLang="zh-TW" dirty="0" err="1" smtClean="0"/>
-              <a:t>car.xls</a:t>
-            </a:r>
-            <a:endParaRPr lang="en-US" altLang="zh-TW" dirty="0" smtClean="0"/>
+              <a:rPr lang="en-US" altLang="zh-TW" smtClean="0"/>
+              <a:t>Set student info to an array from student.php</a:t>
+            </a:r>
+          </a:p>
+          <a:p>
+            <a:r>
+              <a:rPr lang="en-US" altLang="zh-TW" smtClean="0"/>
+              <a:t>Student.php</a:t>
+            </a:r>
           </a:p>
         </p:txBody>
       </p:sp>
@@ -12329,7 +12503,7 @@
       </p:grpSpPr>
       <p:sp>
         <p:nvSpPr>
-          <p:cNvPr id="159746" name="Rectangle 2"/>
+          <p:cNvPr id="157698" name="Rectangle 2"/>
           <p:cNvSpPr>
             <a:spLocks noGrp="1" noChangeArrowheads="1"/>
           </p:cNvSpPr>
@@ -12344,14 +12518,14 @@
           <a:p>
             <a:r>
               <a:rPr lang="en-US" altLang="zh-TW" smtClean="0"/>
-              <a:t>Overview</a:t>
+              <a:t>Multidimensional array</a:t>
             </a:r>
           </a:p>
         </p:txBody>
       </p:sp>
       <p:sp>
         <p:nvSpPr>
-          <p:cNvPr id="29699" name="Rectangle 3"/>
+          <p:cNvPr id="28675" name="Rectangle 3"/>
           <p:cNvSpPr>
             <a:spLocks noGrp="1" noChangeArrowheads="1"/>
           </p:cNvSpPr>
@@ -12365,27 +12539,76 @@
           <a:lstStyle/>
           <a:p>
             <a:r>
-              <a:rPr lang="en-US" altLang="zh-TW" smtClean="0"/>
-              <a:t>If statement</a:t>
-            </a:r>
-          </a:p>
-          <a:p>
-            <a:r>
-              <a:rPr lang="en-US" altLang="zh-TW" smtClean="0"/>
-              <a:t>While loop</a:t>
-            </a:r>
-          </a:p>
-          <a:p>
-            <a:r>
-              <a:rPr lang="en-US" altLang="zh-TW" smtClean="0"/>
-              <a:t>Do while loop</a:t>
-            </a:r>
-          </a:p>
-          <a:p>
-            <a:r>
-              <a:rPr lang="en-US" altLang="zh-TW" smtClean="0"/>
-              <a:t>For loop</a:t>
-            </a:r>
+              <a:rPr lang="en-US" altLang="zh-TW" dirty="0" smtClean="0"/>
+              <a:t>Usually use two dimensional array but no limit of x-dimensional array</a:t>
+            </a:r>
+          </a:p>
+          <a:p>
+            <a:r>
+              <a:rPr lang="en-US" altLang="zh-TW" dirty="0" smtClean="0"/>
+              <a:t>Two dimensional array $</a:t>
+            </a:r>
+            <a:r>
+              <a:rPr lang="en-US" altLang="zh-TW" dirty="0" err="1" smtClean="0"/>
+              <a:t>multi_array</a:t>
+            </a:r>
+            <a:r>
+              <a:rPr lang="en-US" altLang="zh-TW" dirty="0" smtClean="0"/>
+              <a:t>['A'][1]=</a:t>
+            </a:r>
+            <a:r>
+              <a:rPr lang="mr-IN" altLang="zh-TW" dirty="0" smtClean="0"/>
+              <a:t>"</a:t>
+            </a:r>
+            <a:r>
+              <a:rPr lang="en-US" altLang="zh-TW" dirty="0" smtClean="0"/>
+              <a:t>dumping</a:t>
+            </a:r>
+            <a:r>
+              <a:rPr lang="mr-IN" altLang="zh-TW" dirty="0" smtClean="0"/>
+              <a:t>"</a:t>
+            </a:r>
+            <a:r>
+              <a:rPr lang="en-US" altLang="zh-TW" dirty="0" smtClean="0"/>
+              <a:t>;</a:t>
+            </a:r>
+          </a:p>
+          <a:p>
+            <a:r>
+              <a:rPr lang="en-US" altLang="zh-TW" dirty="0" smtClean="0"/>
+              <a:t>Three dimensional array $</a:t>
+            </a:r>
+            <a:r>
+              <a:rPr lang="en-US" altLang="zh-TW" dirty="0" err="1" smtClean="0"/>
+              <a:t>multi_array</a:t>
+            </a:r>
+            <a:r>
+              <a:rPr lang="en-US" altLang="zh-TW" dirty="0" smtClean="0"/>
+              <a:t>['sheet1']['A'][1]=</a:t>
+            </a:r>
+            <a:r>
+              <a:rPr lang="mr-IN" altLang="zh-TW" dirty="0" smtClean="0"/>
+              <a:t>"</a:t>
+            </a:r>
+            <a:r>
+              <a:rPr lang="en-US" altLang="zh-TW" dirty="0" smtClean="0"/>
+              <a:t>dumping</a:t>
+            </a:r>
+            <a:r>
+              <a:rPr lang="mr-IN" altLang="zh-TW" dirty="0" smtClean="0"/>
+              <a:t>"</a:t>
+            </a:r>
+            <a:r>
+              <a:rPr lang="en-US" altLang="zh-TW" dirty="0" smtClean="0"/>
+              <a:t>;</a:t>
+            </a:r>
+          </a:p>
+          <a:p>
+            <a:r>
+              <a:rPr lang="en-US" altLang="zh-TW" dirty="0" err="1" smtClean="0"/>
+              <a:t>car.xls</a:t>
+            </a:r>
+            <a:endParaRPr lang="en-US" altLang="zh-TW" dirty="0" smtClean="0"/>
           </a:p>
         </p:txBody>
       </p:sp>
@@ -12419,7 +12642,7 @@
       </p:grpSpPr>
       <p:sp>
         <p:nvSpPr>
-          <p:cNvPr id="160770" name="Rectangle 2"/>
+          <p:cNvPr id="159746" name="Rectangle 2"/>
           <p:cNvSpPr>
             <a:spLocks noGrp="1" noChangeArrowheads="1"/>
           </p:cNvSpPr>
@@ -12434,14 +12657,14 @@
           <a:p>
             <a:r>
               <a:rPr lang="en-US" altLang="zh-TW" smtClean="0"/>
-              <a:t>If statement</a:t>
+              <a:t>Overview</a:t>
             </a:r>
           </a:p>
         </p:txBody>
       </p:sp>
       <p:sp>
         <p:nvSpPr>
-          <p:cNvPr id="30723" name="Rectangle 3"/>
+          <p:cNvPr id="29699" name="Rectangle 3"/>
           <p:cNvSpPr>
             <a:spLocks noGrp="1" noChangeArrowheads="1"/>
           </p:cNvSpPr>
@@ -12456,27 +12679,26 @@
           <a:p>
             <a:r>
               <a:rPr lang="en-US" altLang="zh-TW" smtClean="0"/>
-              <a:t>For a special condition, use if for making a decision</a:t>
+              <a:t>If statement</a:t>
             </a:r>
           </a:p>
           <a:p>
             <a:r>
               <a:rPr lang="en-US" altLang="zh-TW" smtClean="0"/>
-              <a:t>if only</a:t>
+              <a:t>While loop</a:t>
             </a:r>
           </a:p>
           <a:p>
             <a:r>
               <a:rPr lang="en-US" altLang="zh-TW" smtClean="0"/>
-              <a:t>if {} else {}</a:t>
+              <a:t>Do while loop</a:t>
             </a:r>
           </a:p>
           <a:p>
             <a:r>
               <a:rPr lang="en-US" altLang="zh-TW" smtClean="0"/>
-              <a:t>if {} elseif {} else {}</a:t>
-            </a:r>
-            <a:endParaRPr lang="en-US" altLang="zh-TW" dirty="0" smtClean="0"/>
+              <a:t>For loop</a:t>
+            </a:r>
           </a:p>
         </p:txBody>
       </p:sp>
@@ -12675,108 +12897,36 @@
         </p:nvSpPr>
         <p:spPr/>
         <p:txBody>
-          <a:bodyPr>
-            <a:normAutofit fontScale="70000" lnSpcReduction="20000"/>
-          </a:bodyPr>
+          <a:bodyPr/>
           <a:lstStyle/>
           <a:p>
             <a:r>
-              <a:rPr lang="en-US" altLang="zh-TW" dirty="0" smtClean="0"/>
-              <a:t>if (condition){</a:t>
-            </a:r>
-          </a:p>
-          <a:p>
-            <a:r>
-              <a:rPr lang="en-US" altLang="zh-TW" dirty="0" smtClean="0"/>
-              <a:t>	statement;</a:t>
-            </a:r>
-          </a:p>
-          <a:p>
-            <a:r>
-              <a:rPr lang="en-US" altLang="zh-TW" dirty="0" smtClean="0"/>
-              <a:t>}</a:t>
-            </a:r>
-          </a:p>
-          <a:p>
+              <a:rPr lang="en-US" altLang="zh-TW" smtClean="0"/>
+              <a:t>For a special condition, use if for making a decision</a:t>
+            </a:r>
+          </a:p>
+          <a:p>
+            <a:r>
+              <a:rPr lang="en-US" altLang="zh-TW" smtClean="0"/>
+              <a:t>if only</a:t>
+            </a:r>
+          </a:p>
+          <a:p>
+            <a:r>
+              <a:rPr lang="en-US" altLang="zh-TW" smtClean="0"/>
+              <a:t>if {} else {}</a:t>
+            </a:r>
+          </a:p>
+          <a:p>
+            <a:r>
+              <a:rPr lang="en-US" altLang="zh-TW" smtClean="0"/>
+              <a:t>if {} elseif {} else {}</a:t>
+            </a:r>
             <a:endParaRPr lang="en-US" altLang="zh-TW" dirty="0" smtClean="0"/>
           </a:p>
-          <a:p>
-            <a:r>
-              <a:rPr lang="en-US" altLang="zh-TW" dirty="0" smtClean="0"/>
-              <a:t>if ($marks==100){</a:t>
-            </a:r>
-          </a:p>
-          <a:p>
-            <a:r>
-              <a:rPr lang="en-US" altLang="zh-TW" dirty="0" smtClean="0"/>
-              <a:t>	echo </a:t>
-            </a:r>
-            <a:r>
-              <a:rPr lang="mr-IN" altLang="zh-TW" dirty="0" smtClean="0"/>
-              <a:t>"</a:t>
-            </a:r>
-            <a:r>
-              <a:rPr lang="en-US" altLang="zh-TW" dirty="0" smtClean="0"/>
-              <a:t>you get full marks</a:t>
-            </a:r>
-            <a:r>
-              <a:rPr lang="mr-IN" altLang="zh-TW" dirty="0" smtClean="0"/>
-              <a:t>"</a:t>
-            </a:r>
-            <a:r>
-              <a:rPr lang="en-US" altLang="zh-TW" dirty="0" smtClean="0"/>
-              <a:t>;</a:t>
-            </a:r>
-          </a:p>
-          <a:p>
-            <a:r>
-              <a:rPr lang="en-US" altLang="zh-TW" dirty="0" smtClean="0"/>
-              <a:t>}</a:t>
-            </a:r>
-          </a:p>
-          <a:p>
-            <a:r>
-              <a:rPr lang="en-US" altLang="zh-TW" dirty="0" smtClean="0"/>
-              <a:t>if ($marks&lt;60){</a:t>
-            </a:r>
-          </a:p>
-          <a:p>
-            <a:r>
-              <a:rPr lang="en-US" altLang="zh-TW" dirty="0" smtClean="0"/>
-              <a:t>	echo </a:t>
-            </a:r>
-            <a:r>
-              <a:rPr lang="mr-IN" altLang="zh-TW" dirty="0" smtClean="0"/>
-              <a:t>"</a:t>
-            </a:r>
-            <a:r>
-              <a:rPr lang="en-US" altLang="zh-TW" dirty="0" smtClean="0"/>
-              <a:t>you are fail</a:t>
-            </a:r>
-            <a:r>
-              <a:rPr lang="mr-IN" altLang="zh-TW" dirty="0" smtClean="0"/>
-              <a:t>"</a:t>
-            </a:r>
-            <a:r>
-              <a:rPr lang="en-US" altLang="zh-TW" dirty="0" smtClean="0"/>
-              <a:t>;</a:t>
-            </a:r>
-          </a:p>
-          <a:p>
-            <a:r>
-              <a:rPr lang="en-US" altLang="zh-TW" dirty="0" smtClean="0"/>
-              <a:t>}</a:t>
-            </a:r>
-            <a:endParaRPr lang="en-US" altLang="zh-TW" dirty="0"/>
-          </a:p>
         </p:txBody>
       </p:sp>
     </p:spTree>
-    <p:extLst>
-      <p:ext uri="{BB962C8B-B14F-4D97-AF65-F5344CB8AC3E}">
-        <p14:creationId xmlns:p14="http://schemas.microsoft.com/office/powerpoint/2010/main" val="1314402835"/>
-      </p:ext>
-    </p:extLst>
   </p:cSld>
   <p:clrMapOvr>
     <a:masterClrMapping/>
@@ -12839,116 +12989,105 @@
         <p:spPr/>
         <p:txBody>
           <a:bodyPr>
-            <a:noAutofit/>
+            <a:normAutofit fontScale="70000" lnSpcReduction="20000"/>
           </a:bodyPr>
           <a:lstStyle/>
           <a:p>
             <a:r>
-              <a:rPr lang="en-US" altLang="zh-TW" sz="1800" dirty="0" smtClean="0"/>
+              <a:rPr lang="en-US" altLang="zh-TW" dirty="0" smtClean="0"/>
               <a:t>if (condition){</a:t>
             </a:r>
           </a:p>
           <a:p>
             <a:r>
-              <a:rPr lang="en-US" altLang="zh-TW" sz="1800" dirty="0" smtClean="0"/>
-              <a:t>	statment1;</a:t>
-            </a:r>
-          </a:p>
-          <a:p>
-            <a:r>
-              <a:rPr lang="en-US" altLang="zh-TW" sz="1800" dirty="0" smtClean="0"/>
-              <a:t>}else{</a:t>
-            </a:r>
-          </a:p>
-          <a:p>
-            <a:r>
-              <a:rPr lang="en-US" altLang="zh-TW" sz="1800" dirty="0" smtClean="0"/>
-              <a:t>	statment2;</a:t>
-            </a:r>
-          </a:p>
-          <a:p>
-            <a:r>
-              <a:rPr lang="en-US" altLang="zh-TW" sz="1800" dirty="0" smtClean="0"/>
+              <a:rPr lang="en-US" altLang="zh-TW" dirty="0" smtClean="0"/>
+              <a:t>	statement;</a:t>
+            </a:r>
+          </a:p>
+          <a:p>
+            <a:r>
+              <a:rPr lang="en-US" altLang="zh-TW" dirty="0" smtClean="0"/>
               <a:t>}</a:t>
             </a:r>
           </a:p>
           <a:p>
-            <a:endParaRPr lang="en-US" altLang="zh-TW" sz="1800" dirty="0" smtClean="0"/>
-          </a:p>
-          <a:p>
-            <a:r>
-              <a:rPr lang="en-US" altLang="zh-TW" sz="1800" dirty="0" smtClean="0"/>
-              <a:t>if ($marks&gt;=60){</a:t>
-            </a:r>
-          </a:p>
-          <a:p>
-            <a:r>
-              <a:rPr lang="en-US" altLang="zh-TW" sz="1800" dirty="0" smtClean="0"/>
+            <a:endParaRPr lang="en-US" altLang="zh-TW" dirty="0" smtClean="0"/>
+          </a:p>
+          <a:p>
+            <a:r>
+              <a:rPr lang="en-US" altLang="zh-TW" dirty="0" smtClean="0"/>
+              <a:t>if ($marks==100){</a:t>
+            </a:r>
+          </a:p>
+          <a:p>
+            <a:r>
+              <a:rPr lang="en-US" altLang="zh-TW" dirty="0" smtClean="0"/>
               <a:t>	echo </a:t>
             </a:r>
             <a:r>
-              <a:rPr lang="mr-IN" altLang="zh-TW" sz="1800" dirty="0" smtClean="0"/>
+              <a:rPr lang="mr-IN" altLang="zh-TW" dirty="0" smtClean="0"/>
               <a:t>"</a:t>
             </a:r>
             <a:r>
-              <a:rPr lang="en-US" altLang="zh-TW" sz="1800" dirty="0" smtClean="0"/>
-              <a:t>you are pass</a:t>
-            </a:r>
-            <a:r>
-              <a:rPr lang="mr-IN" altLang="zh-TW" sz="1800" dirty="0" smtClean="0"/>
+              <a:rPr lang="en-US" altLang="zh-TW" dirty="0" smtClean="0"/>
+              <a:t>you get full marks</a:t>
+            </a:r>
+            <a:r>
+              <a:rPr lang="mr-IN" altLang="zh-TW" dirty="0" smtClean="0"/>
               <a:t>"</a:t>
             </a:r>
             <a:r>
-              <a:rPr lang="en-US" altLang="zh-TW" sz="1800" dirty="0" smtClean="0"/>
+              <a:rPr lang="en-US" altLang="zh-TW" dirty="0" smtClean="0"/>
               <a:t>;</a:t>
             </a:r>
           </a:p>
           <a:p>
             <a:r>
-              <a:rPr lang="en-US" altLang="zh-TW" sz="1800" dirty="0" smtClean="0"/>
-              <a:t>} else {</a:t>
-            </a:r>
-          </a:p>
-          <a:p>
-            <a:r>
-              <a:rPr lang="en-US" altLang="zh-TW" sz="1800" dirty="0" smtClean="0"/>
+              <a:rPr lang="en-US" altLang="zh-TW" dirty="0" smtClean="0"/>
+              <a:t>}</a:t>
+            </a:r>
+          </a:p>
+          <a:p>
+            <a:r>
+              <a:rPr lang="en-US" altLang="zh-TW" dirty="0" smtClean="0"/>
+              <a:t>if ($marks&lt;60){</a:t>
+            </a:r>
+          </a:p>
+          <a:p>
+            <a:r>
+              <a:rPr lang="en-US" altLang="zh-TW" dirty="0" smtClean="0"/>
               <a:t>	echo </a:t>
             </a:r>
             <a:r>
-              <a:rPr lang="mr-IN" altLang="zh-TW" sz="1800" dirty="0" smtClean="0"/>
+              <a:rPr lang="mr-IN" altLang="zh-TW" dirty="0" smtClean="0"/>
               <a:t>"</a:t>
             </a:r>
             <a:r>
-              <a:rPr lang="en-US" altLang="zh-TW" sz="1800" dirty="0" smtClean="0"/>
+              <a:rPr lang="en-US" altLang="zh-TW" dirty="0" smtClean="0"/>
               <a:t>you are fail</a:t>
             </a:r>
             <a:r>
-              <a:rPr lang="mr-IN" altLang="zh-TW" sz="1800" dirty="0" smtClean="0"/>
+              <a:rPr lang="mr-IN" altLang="zh-TW" dirty="0" smtClean="0"/>
               <a:t>"</a:t>
             </a:r>
             <a:r>
-              <a:rPr lang="en-US" altLang="zh-TW" sz="1800" dirty="0" smtClean="0"/>
+              <a:rPr lang="en-US" altLang="zh-TW" dirty="0" smtClean="0"/>
               <a:t>;</a:t>
             </a:r>
           </a:p>
           <a:p>
             <a:r>
-              <a:rPr lang="en-US" altLang="zh-TW" sz="1800" dirty="0" smtClean="0"/>
+              <a:rPr lang="en-US" altLang="zh-TW" dirty="0" smtClean="0"/>
               <a:t>}</a:t>
             </a:r>
-          </a:p>
-          <a:p>
-            <a:endParaRPr lang="en-US" altLang="zh-TW" sz="1800" dirty="0" smtClean="0"/>
-          </a:p>
-          <a:p>
-            <a:endParaRPr lang="en-US" altLang="zh-TW" sz="1800" dirty="0"/>
+            <a:endParaRPr lang="en-US" altLang="zh-TW" dirty="0"/>
           </a:p>
         </p:txBody>
       </p:sp>
     </p:spTree>
     <p:extLst>
       <p:ext uri="{BB962C8B-B14F-4D97-AF65-F5344CB8AC3E}">
-        <p14:creationId xmlns:p14="http://schemas.microsoft.com/office/powerpoint/2010/main" val="35930877"/>
+        <p14:creationId xmlns:p14="http://schemas.microsoft.com/office/powerpoint/2010/main" val="1314402835"/>
       </p:ext>
     </p:extLst>
   </p:cSld>
@@ -13013,58 +13152,116 @@
         <p:spPr/>
         <p:txBody>
           <a:bodyPr>
-            <a:normAutofit lnSpcReduction="10000"/>
+            <a:noAutofit/>
           </a:bodyPr>
           <a:lstStyle/>
           <a:p>
             <a:r>
-              <a:rPr lang="en-US" altLang="zh-TW" smtClean="0"/>
-              <a:t>if (condition1){</a:t>
-            </a:r>
-          </a:p>
-          <a:p>
-            <a:r>
-              <a:rPr lang="en-US" altLang="zh-TW" smtClean="0"/>
+              <a:rPr lang="en-US" altLang="zh-TW" sz="1800" dirty="0" smtClean="0"/>
+              <a:t>if (condition){</a:t>
+            </a:r>
+          </a:p>
+          <a:p>
+            <a:r>
+              <a:rPr lang="en-US" altLang="zh-TW" sz="1800" dirty="0" smtClean="0"/>
               <a:t>	statment1;</a:t>
             </a:r>
           </a:p>
           <a:p>
             <a:r>
-              <a:rPr lang="en-US" altLang="zh-TW" smtClean="0"/>
-              <a:t>}elseif(condition2){</a:t>
-            </a:r>
-          </a:p>
-          <a:p>
-            <a:r>
-              <a:rPr lang="en-US" altLang="zh-TW" smtClean="0"/>
+              <a:rPr lang="en-US" altLang="zh-TW" sz="1800" dirty="0" smtClean="0"/>
+              <a:t>}else{</a:t>
+            </a:r>
+          </a:p>
+          <a:p>
+            <a:r>
+              <a:rPr lang="en-US" altLang="zh-TW" sz="1800" dirty="0" smtClean="0"/>
               <a:t>	statment2;</a:t>
             </a:r>
           </a:p>
           <a:p>
             <a:r>
-              <a:rPr lang="en-US" altLang="zh-TW" smtClean="0"/>
-              <a:t>}elseif(condition3){</a:t>
-            </a:r>
-          </a:p>
-          <a:p>
-            <a:r>
-              <a:rPr lang="en-US" altLang="zh-TW" smtClean="0"/>
-              <a:t>	statement3;</a:t>
-            </a:r>
-          </a:p>
-          <a:p>
-            <a:r>
-              <a:rPr lang="en-US" altLang="zh-TW" smtClean="0"/>
+              <a:rPr lang="en-US" altLang="zh-TW" sz="1800" dirty="0" smtClean="0"/>
               <a:t>}</a:t>
             </a:r>
-            <a:endParaRPr lang="en-US" altLang="zh-TW" dirty="0"/>
+          </a:p>
+          <a:p>
+            <a:endParaRPr lang="en-US" altLang="zh-TW" sz="1800" dirty="0" smtClean="0"/>
+          </a:p>
+          <a:p>
+            <a:r>
+              <a:rPr lang="en-US" altLang="zh-TW" sz="1800" dirty="0" smtClean="0"/>
+              <a:t>if ($marks&gt;=60){</a:t>
+            </a:r>
+          </a:p>
+          <a:p>
+            <a:r>
+              <a:rPr lang="en-US" altLang="zh-TW" sz="1800" dirty="0" smtClean="0"/>
+              <a:t>	echo </a:t>
+            </a:r>
+            <a:r>
+              <a:rPr lang="mr-IN" altLang="zh-TW" sz="1800" dirty="0" smtClean="0"/>
+              <a:t>"</a:t>
+            </a:r>
+            <a:r>
+              <a:rPr lang="en-US" altLang="zh-TW" sz="1800" dirty="0" smtClean="0"/>
+              <a:t>you are pass</a:t>
+            </a:r>
+            <a:r>
+              <a:rPr lang="mr-IN" altLang="zh-TW" sz="1800" dirty="0" smtClean="0"/>
+              <a:t>"</a:t>
+            </a:r>
+            <a:r>
+              <a:rPr lang="en-US" altLang="zh-TW" sz="1800" dirty="0" smtClean="0"/>
+              <a:t>;</a:t>
+            </a:r>
+          </a:p>
+          <a:p>
+            <a:r>
+              <a:rPr lang="en-US" altLang="zh-TW" sz="1800" dirty="0" smtClean="0"/>
+              <a:t>} else {</a:t>
+            </a:r>
+          </a:p>
+          <a:p>
+            <a:r>
+              <a:rPr lang="en-US" altLang="zh-TW" sz="1800" dirty="0" smtClean="0"/>
+              <a:t>	echo </a:t>
+            </a:r>
+            <a:r>
+              <a:rPr lang="mr-IN" altLang="zh-TW" sz="1800" dirty="0" smtClean="0"/>
+              <a:t>"</a:t>
+            </a:r>
+            <a:r>
+              <a:rPr lang="en-US" altLang="zh-TW" sz="1800" dirty="0" smtClean="0"/>
+              <a:t>you are fail</a:t>
+            </a:r>
+            <a:r>
+              <a:rPr lang="mr-IN" altLang="zh-TW" sz="1800" dirty="0" smtClean="0"/>
+              <a:t>"</a:t>
+            </a:r>
+            <a:r>
+              <a:rPr lang="en-US" altLang="zh-TW" sz="1800" dirty="0" smtClean="0"/>
+              <a:t>;</a:t>
+            </a:r>
+          </a:p>
+          <a:p>
+            <a:r>
+              <a:rPr lang="en-US" altLang="zh-TW" sz="1800" dirty="0" smtClean="0"/>
+              <a:t>}</a:t>
+            </a:r>
+          </a:p>
+          <a:p>
+            <a:endParaRPr lang="en-US" altLang="zh-TW" sz="1800" dirty="0" smtClean="0"/>
+          </a:p>
+          <a:p>
+            <a:endParaRPr lang="en-US" altLang="zh-TW" sz="1800" dirty="0"/>
           </a:p>
         </p:txBody>
       </p:sp>
     </p:spTree>
     <p:extLst>
       <p:ext uri="{BB962C8B-B14F-4D97-AF65-F5344CB8AC3E}">
-        <p14:creationId xmlns:p14="http://schemas.microsoft.com/office/powerpoint/2010/main" val="1422873087"/>
+        <p14:creationId xmlns:p14="http://schemas.microsoft.com/office/powerpoint/2010/main" val="35930877"/>
       </p:ext>
     </p:extLst>
   </p:cSld>
@@ -13129,7 +13326,7 @@
         <p:spPr/>
         <p:txBody>
           <a:bodyPr>
-            <a:normAutofit fontScale="77500" lnSpcReduction="20000"/>
+            <a:normAutofit lnSpcReduction="10000"/>
           </a:bodyPr>
           <a:lstStyle/>
           <a:p>
@@ -13171,28 +13368,16 @@
           <a:p>
             <a:r>
               <a:rPr lang="en-US" altLang="zh-TW" smtClean="0"/>
-              <a:t>}else{</a:t>
-            </a:r>
-          </a:p>
-          <a:p>
-            <a:r>
-              <a:rPr lang="en-US" altLang="zh-TW" smtClean="0"/>
-              <a:t>	statement4;</a:t>
-            </a:r>
-          </a:p>
-          <a:p>
-            <a:r>
-              <a:rPr lang="en-US" altLang="zh-TW" smtClean="0"/>
               <a:t>}</a:t>
             </a:r>
-            <a:endParaRPr lang="en-US" altLang="zh-TW" dirty="0" smtClean="0"/>
+            <a:endParaRPr lang="en-US" altLang="zh-TW" dirty="0"/>
           </a:p>
         </p:txBody>
       </p:sp>
     </p:spTree>
     <p:extLst>
       <p:ext uri="{BB962C8B-B14F-4D97-AF65-F5344CB8AC3E}">
-        <p14:creationId xmlns:p14="http://schemas.microsoft.com/office/powerpoint/2010/main" val="303936503"/>
+        <p14:creationId xmlns:p14="http://schemas.microsoft.com/office/powerpoint/2010/main" val="1422873087"/>
       </p:ext>
     </p:extLst>
   </p:cSld>
@@ -13257,113 +13442,70 @@
         <p:spPr/>
         <p:txBody>
           <a:bodyPr>
-            <a:normAutofit lnSpcReduction="10000"/>
+            <a:normAutofit fontScale="77500" lnSpcReduction="20000"/>
           </a:bodyPr>
           <a:lstStyle/>
           <a:p>
             <a:r>
-              <a:rPr lang="en-US" altLang="zh-TW" dirty="0" smtClean="0"/>
-              <a:t>if ($marks==100){</a:t>
-            </a:r>
-          </a:p>
-          <a:p>
-            <a:r>
-              <a:rPr lang="en-US" altLang="zh-TW" dirty="0" smtClean="0"/>
-              <a:t>	echo </a:t>
-            </a:r>
-            <a:r>
-              <a:rPr lang="mr-IN" altLang="zh-TW" dirty="0" smtClean="0"/>
-              <a:t>"</a:t>
-            </a:r>
-            <a:r>
-              <a:rPr lang="en-US" altLang="zh-TW" dirty="0" smtClean="0"/>
-              <a:t>you get full marks</a:t>
-            </a:r>
-            <a:r>
-              <a:rPr lang="mr-IN" altLang="zh-TW" dirty="0" smtClean="0"/>
-              <a:t>"</a:t>
-            </a:r>
-            <a:r>
-              <a:rPr lang="en-US" altLang="zh-TW" dirty="0" smtClean="0"/>
-              <a:t>;</a:t>
-            </a:r>
-          </a:p>
-          <a:p>
-            <a:r>
-              <a:rPr lang="en-US" altLang="zh-TW" dirty="0" smtClean="0"/>
-              <a:t>} </a:t>
-            </a:r>
-            <a:r>
-              <a:rPr lang="en-US" altLang="zh-TW" dirty="0" err="1" smtClean="0"/>
-              <a:t>elseif</a:t>
-            </a:r>
-            <a:r>
-              <a:rPr lang="en-US" altLang="zh-TW" dirty="0" smtClean="0"/>
-              <a:t> ($marks&gt;=60){</a:t>
-            </a:r>
-          </a:p>
-          <a:p>
-            <a:r>
-              <a:rPr lang="en-US" altLang="zh-TW" dirty="0" smtClean="0"/>
-              <a:t>	echo </a:t>
-            </a:r>
-            <a:r>
-              <a:rPr lang="mr-IN" altLang="zh-TW" dirty="0" smtClean="0"/>
-              <a:t>"</a:t>
-            </a:r>
-            <a:r>
-              <a:rPr lang="en-US" altLang="zh-TW" dirty="0" smtClean="0"/>
-              <a:t>you are pass</a:t>
-            </a:r>
-            <a:r>
-              <a:rPr lang="mr-IN" altLang="zh-TW" dirty="0" smtClean="0"/>
-              <a:t>"</a:t>
-            </a:r>
-            <a:r>
-              <a:rPr lang="en-US" altLang="zh-TW" dirty="0" smtClean="0"/>
-              <a:t>;</a:t>
-            </a:r>
-          </a:p>
-          <a:p>
-            <a:r>
-              <a:rPr lang="en-US" altLang="zh-TW" dirty="0" smtClean="0"/>
-              <a:t>} else {</a:t>
-            </a:r>
-          </a:p>
-          <a:p>
-            <a:r>
-              <a:rPr lang="en-US" altLang="zh-TW" dirty="0" smtClean="0"/>
-              <a:t>	echo </a:t>
-            </a:r>
-            <a:r>
-              <a:rPr lang="mr-IN" altLang="zh-TW" dirty="0" smtClean="0"/>
-              <a:t>"</a:t>
-            </a:r>
-            <a:r>
-              <a:rPr lang="en-US" altLang="zh-TW" dirty="0" smtClean="0"/>
-              <a:t>you are fail</a:t>
-            </a:r>
-            <a:r>
-              <a:rPr lang="mr-IN" altLang="zh-TW" dirty="0" smtClean="0"/>
-              <a:t>"</a:t>
-            </a:r>
-            <a:r>
-              <a:rPr lang="en-US" altLang="zh-TW" dirty="0" smtClean="0"/>
-              <a:t>;</a:t>
-            </a:r>
-          </a:p>
-          <a:p>
-            <a:r>
-              <a:rPr lang="en-US" altLang="zh-TW" dirty="0" smtClean="0"/>
+              <a:rPr lang="en-US" altLang="zh-TW" smtClean="0"/>
+              <a:t>if (condition1){</a:t>
+            </a:r>
+          </a:p>
+          <a:p>
+            <a:r>
+              <a:rPr lang="en-US" altLang="zh-TW" smtClean="0"/>
+              <a:t>	statment1;</a:t>
+            </a:r>
+          </a:p>
+          <a:p>
+            <a:r>
+              <a:rPr lang="en-US" altLang="zh-TW" smtClean="0"/>
+              <a:t>}elseif(condition2){</a:t>
+            </a:r>
+          </a:p>
+          <a:p>
+            <a:r>
+              <a:rPr lang="en-US" altLang="zh-TW" smtClean="0"/>
+              <a:t>	statment2;</a:t>
+            </a:r>
+          </a:p>
+          <a:p>
+            <a:r>
+              <a:rPr lang="en-US" altLang="zh-TW" smtClean="0"/>
+              <a:t>}elseif(condition3){</a:t>
+            </a:r>
+          </a:p>
+          <a:p>
+            <a:r>
+              <a:rPr lang="en-US" altLang="zh-TW" smtClean="0"/>
+              <a:t>	statement3;</a:t>
+            </a:r>
+          </a:p>
+          <a:p>
+            <a:r>
+              <a:rPr lang="en-US" altLang="zh-TW" smtClean="0"/>
+              <a:t>}else{</a:t>
+            </a:r>
+          </a:p>
+          <a:p>
+            <a:r>
+              <a:rPr lang="en-US" altLang="zh-TW" smtClean="0"/>
+              <a:t>	statement4;</a:t>
+            </a:r>
+          </a:p>
+          <a:p>
+            <a:r>
+              <a:rPr lang="en-US" altLang="zh-TW" smtClean="0"/>
               <a:t>}</a:t>
             </a:r>
+            <a:endParaRPr lang="en-US" altLang="zh-TW" dirty="0" smtClean="0"/>
           </a:p>
         </p:txBody>
       </p:sp>
     </p:spTree>
     <p:extLst>
       <p:ext uri="{BB962C8B-B14F-4D97-AF65-F5344CB8AC3E}">
-        <p14:creationId xmlns:p14="http://schemas.microsoft.com/office/powerpoint/2010/main" val="1704859916"/>
+        <p14:creationId xmlns:p14="http://schemas.microsoft.com/office/powerpoint/2010/main" val="303936503"/>
       </p:ext>
     </p:extLst>
   </p:cSld>
@@ -13409,8 +13551,8 @@
           <a:lstStyle/>
           <a:p>
             <a:r>
-              <a:rPr lang="en-US" altLang="zh-TW" dirty="0" smtClean="0"/>
-              <a:t>Classwork</a:t>
+              <a:rPr lang="en-US" altLang="zh-TW" smtClean="0"/>
+              <a:t>If statement</a:t>
             </a:r>
           </a:p>
         </p:txBody>
@@ -13428,13 +13570,19 @@
         <p:spPr/>
         <p:txBody>
           <a:bodyPr>
-            <a:normAutofit/>
+            <a:normAutofit lnSpcReduction="10000"/>
           </a:bodyPr>
           <a:lstStyle/>
           <a:p>
             <a:r>
               <a:rPr lang="en-US" altLang="zh-TW" dirty="0" smtClean="0"/>
-              <a:t>100=</a:t>
+              <a:t>if ($marks==100){</a:t>
+            </a:r>
+          </a:p>
+          <a:p>
+            <a:r>
+              <a:rPr lang="en-US" altLang="zh-TW" dirty="0" smtClean="0"/>
+              <a:t>	echo </a:t>
             </a:r>
             <a:r>
               <a:rPr lang="mr-IN" altLang="zh-TW" dirty="0" smtClean="0"/>
@@ -13442,18 +13590,35 @@
             </a:r>
             <a:r>
               <a:rPr lang="en-US" altLang="zh-TW" dirty="0" smtClean="0"/>
-              <a:t>full marks</a:t>
+              <a:t>you get full marks</a:t>
             </a:r>
             <a:r>
               <a:rPr lang="mr-IN" altLang="zh-TW" dirty="0" smtClean="0"/>
               <a:t>"</a:t>
             </a:r>
-            <a:endParaRPr lang="en-US" altLang="zh-TW" dirty="0" smtClean="0"/>
-          </a:p>
-          <a:p>
             <a:r>
               <a:rPr lang="en-US" altLang="zh-TW" dirty="0" smtClean="0"/>
-              <a:t>&gt;90=</a:t>
+              <a:t>;</a:t>
+            </a:r>
+          </a:p>
+          <a:p>
+            <a:r>
+              <a:rPr lang="en-US" altLang="zh-TW" dirty="0" smtClean="0"/>
+              <a:t>} </a:t>
+            </a:r>
+            <a:r>
+              <a:rPr lang="en-US" altLang="zh-TW" dirty="0" err="1" smtClean="0"/>
+              <a:t>elseif</a:t>
+            </a:r>
+            <a:r>
+              <a:rPr lang="en-US" altLang="zh-TW" dirty="0" smtClean="0"/>
+              <a:t> ($marks&gt;=60){</a:t>
+            </a:r>
+          </a:p>
+          <a:p>
+            <a:r>
+              <a:rPr lang="en-US" altLang="zh-TW" dirty="0" smtClean="0"/>
+              <a:t>	echo </a:t>
             </a:r>
             <a:r>
               <a:rPr lang="mr-IN" altLang="zh-TW" dirty="0" smtClean="0"/>
@@ -13461,18 +13626,27 @@
             </a:r>
             <a:r>
               <a:rPr lang="en-US" altLang="zh-TW" dirty="0" smtClean="0"/>
-              <a:t>A</a:t>
+              <a:t>you are pass</a:t>
             </a:r>
             <a:r>
               <a:rPr lang="mr-IN" altLang="zh-TW" dirty="0" smtClean="0"/>
               <a:t>"</a:t>
             </a:r>
-            <a:endParaRPr lang="en-US" altLang="zh-TW" dirty="0" smtClean="0"/>
-          </a:p>
-          <a:p>
             <a:r>
               <a:rPr lang="en-US" altLang="zh-TW" dirty="0" smtClean="0"/>
-              <a:t>&gt;80=</a:t>
+              <a:t>;</a:t>
+            </a:r>
+          </a:p>
+          <a:p>
+            <a:r>
+              <a:rPr lang="en-US" altLang="zh-TW" dirty="0" smtClean="0"/>
+              <a:t>} else {</a:t>
+            </a:r>
+          </a:p>
+          <a:p>
+            <a:r>
+              <a:rPr lang="en-US" altLang="zh-TW" dirty="0" smtClean="0"/>
+              <a:t>	echo </a:t>
             </a:r>
             <a:r>
               <a:rPr lang="mr-IN" altLang="zh-TW" dirty="0" smtClean="0"/>
@@ -13480,64 +13654,21 @@
             </a:r>
             <a:r>
               <a:rPr lang="en-US" altLang="zh-TW" dirty="0" smtClean="0"/>
-              <a:t>B</a:t>
+              <a:t>you are fail</a:t>
             </a:r>
             <a:r>
               <a:rPr lang="mr-IN" altLang="zh-TW" dirty="0" smtClean="0"/>
               <a:t>"</a:t>
             </a:r>
-            <a:endParaRPr lang="en-US" altLang="zh-TW" dirty="0" smtClean="0"/>
-          </a:p>
-          <a:p>
             <a:r>
               <a:rPr lang="en-US" altLang="zh-TW" dirty="0" smtClean="0"/>
-              <a:t>&gt;70=</a:t>
-            </a:r>
-            <a:r>
-              <a:rPr lang="mr-IN" altLang="zh-TW" dirty="0" smtClean="0"/>
-              <a:t>"</a:t>
-            </a:r>
+              <a:t>;</a:t>
+            </a:r>
+          </a:p>
+          <a:p>
             <a:r>
               <a:rPr lang="en-US" altLang="zh-TW" dirty="0" smtClean="0"/>
-              <a:t>C</a:t>
-            </a:r>
-            <a:r>
-              <a:rPr lang="mr-IN" altLang="zh-TW" dirty="0" smtClean="0"/>
-              <a:t>"</a:t>
-            </a:r>
-            <a:endParaRPr lang="en-US" altLang="zh-TW" dirty="0" smtClean="0"/>
-          </a:p>
-          <a:p>
-            <a:r>
-              <a:rPr lang="en-US" altLang="zh-TW" dirty="0" smtClean="0"/>
-              <a:t>&gt;=60=</a:t>
-            </a:r>
-            <a:r>
-              <a:rPr lang="mr-IN" altLang="zh-TW" dirty="0" smtClean="0"/>
-              <a:t>"</a:t>
-            </a:r>
-            <a:r>
-              <a:rPr lang="en-US" altLang="zh-TW" dirty="0" smtClean="0"/>
-              <a:t>D</a:t>
-            </a:r>
-            <a:r>
-              <a:rPr lang="mr-IN" altLang="zh-TW" dirty="0" smtClean="0"/>
-              <a:t>"</a:t>
-            </a:r>
-            <a:endParaRPr lang="en-US" altLang="zh-TW" dirty="0" smtClean="0"/>
-          </a:p>
-          <a:p>
-            <a:r>
-              <a:rPr lang="en-US" altLang="zh-TW" dirty="0" smtClean="0"/>
-              <a:t>&lt;60=</a:t>
-            </a:r>
-            <a:r>
-              <a:rPr lang="mr-IN" altLang="zh-TW" dirty="0" smtClean="0"/>
-              <a:t>"</a:t>
-            </a:r>
-            <a:r>
-              <a:rPr lang="en-US" altLang="zh-TW" dirty="0" smtClean="0"/>
-              <a:t>fail</a:t>
+              <a:t>}</a:t>
             </a:r>
           </a:p>
         </p:txBody>
@@ -13545,7 +13676,7 @@
     </p:spTree>
     <p:extLst>
       <p:ext uri="{BB962C8B-B14F-4D97-AF65-F5344CB8AC3E}">
-        <p14:creationId xmlns:p14="http://schemas.microsoft.com/office/powerpoint/2010/main" val="2359767041"/>
+        <p14:creationId xmlns:p14="http://schemas.microsoft.com/office/powerpoint/2010/main" val="1704859916"/>
       </p:ext>
     </p:extLst>
   </p:cSld>
@@ -13577,6 +13708,188 @@
       </p:grpSpPr>
       <p:sp>
         <p:nvSpPr>
+          <p:cNvPr id="160770" name="Rectangle 2"/>
+          <p:cNvSpPr>
+            <a:spLocks noGrp="1" noChangeArrowheads="1"/>
+          </p:cNvSpPr>
+          <p:nvPr>
+            <p:ph type="title"/>
+          </p:nvPr>
+        </p:nvSpPr>
+        <p:spPr/>
+        <p:txBody>
+          <a:bodyPr/>
+          <a:lstStyle/>
+          <a:p>
+            <a:r>
+              <a:rPr lang="en-US" altLang="zh-TW" dirty="0" smtClean="0"/>
+              <a:t>Classwork</a:t>
+            </a:r>
+          </a:p>
+        </p:txBody>
+      </p:sp>
+      <p:sp>
+        <p:nvSpPr>
+          <p:cNvPr id="30723" name="Rectangle 3"/>
+          <p:cNvSpPr>
+            <a:spLocks noGrp="1" noChangeArrowheads="1"/>
+          </p:cNvSpPr>
+          <p:nvPr>
+            <p:ph idx="1"/>
+          </p:nvPr>
+        </p:nvSpPr>
+        <p:spPr/>
+        <p:txBody>
+          <a:bodyPr>
+            <a:normAutofit/>
+          </a:bodyPr>
+          <a:lstStyle/>
+          <a:p>
+            <a:r>
+              <a:rPr lang="en-US" altLang="zh-TW" dirty="0" smtClean="0"/>
+              <a:t>100=</a:t>
+            </a:r>
+            <a:r>
+              <a:rPr lang="mr-IN" altLang="zh-TW" dirty="0" smtClean="0"/>
+              <a:t>"</a:t>
+            </a:r>
+            <a:r>
+              <a:rPr lang="en-US" altLang="zh-TW" dirty="0" smtClean="0"/>
+              <a:t>full marks</a:t>
+            </a:r>
+            <a:r>
+              <a:rPr lang="mr-IN" altLang="zh-TW" dirty="0" smtClean="0"/>
+              <a:t>"</a:t>
+            </a:r>
+            <a:endParaRPr lang="en-US" altLang="zh-TW" dirty="0" smtClean="0"/>
+          </a:p>
+          <a:p>
+            <a:r>
+              <a:rPr lang="en-US" altLang="zh-TW" dirty="0" smtClean="0"/>
+              <a:t>&gt;90=</a:t>
+            </a:r>
+            <a:r>
+              <a:rPr lang="mr-IN" altLang="zh-TW" dirty="0" smtClean="0"/>
+              <a:t>"</a:t>
+            </a:r>
+            <a:r>
+              <a:rPr lang="en-US" altLang="zh-TW" dirty="0" smtClean="0"/>
+              <a:t>A</a:t>
+            </a:r>
+            <a:r>
+              <a:rPr lang="mr-IN" altLang="zh-TW" dirty="0" smtClean="0"/>
+              <a:t>"</a:t>
+            </a:r>
+            <a:endParaRPr lang="en-US" altLang="zh-TW" dirty="0" smtClean="0"/>
+          </a:p>
+          <a:p>
+            <a:r>
+              <a:rPr lang="en-US" altLang="zh-TW" dirty="0" smtClean="0"/>
+              <a:t>&gt;80=</a:t>
+            </a:r>
+            <a:r>
+              <a:rPr lang="mr-IN" altLang="zh-TW" dirty="0" smtClean="0"/>
+              <a:t>"</a:t>
+            </a:r>
+            <a:r>
+              <a:rPr lang="en-US" altLang="zh-TW" dirty="0" smtClean="0"/>
+              <a:t>B</a:t>
+            </a:r>
+            <a:r>
+              <a:rPr lang="mr-IN" altLang="zh-TW" dirty="0" smtClean="0"/>
+              <a:t>"</a:t>
+            </a:r>
+            <a:endParaRPr lang="en-US" altLang="zh-TW" dirty="0" smtClean="0"/>
+          </a:p>
+          <a:p>
+            <a:r>
+              <a:rPr lang="en-US" altLang="zh-TW" dirty="0" smtClean="0"/>
+              <a:t>&gt;70=</a:t>
+            </a:r>
+            <a:r>
+              <a:rPr lang="mr-IN" altLang="zh-TW" dirty="0" smtClean="0"/>
+              <a:t>"</a:t>
+            </a:r>
+            <a:r>
+              <a:rPr lang="en-US" altLang="zh-TW" dirty="0" smtClean="0"/>
+              <a:t>C</a:t>
+            </a:r>
+            <a:r>
+              <a:rPr lang="mr-IN" altLang="zh-TW" dirty="0" smtClean="0"/>
+              <a:t>"</a:t>
+            </a:r>
+            <a:endParaRPr lang="en-US" altLang="zh-TW" dirty="0" smtClean="0"/>
+          </a:p>
+          <a:p>
+            <a:r>
+              <a:rPr lang="en-US" altLang="zh-TW" dirty="0" smtClean="0"/>
+              <a:t>&gt;=60=</a:t>
+            </a:r>
+            <a:r>
+              <a:rPr lang="mr-IN" altLang="zh-TW" dirty="0" smtClean="0"/>
+              <a:t>"</a:t>
+            </a:r>
+            <a:r>
+              <a:rPr lang="en-US" altLang="zh-TW" dirty="0" smtClean="0"/>
+              <a:t>D</a:t>
+            </a:r>
+            <a:r>
+              <a:rPr lang="mr-IN" altLang="zh-TW" dirty="0" smtClean="0"/>
+              <a:t>"</a:t>
+            </a:r>
+            <a:endParaRPr lang="en-US" altLang="zh-TW" dirty="0" smtClean="0"/>
+          </a:p>
+          <a:p>
+            <a:r>
+              <a:rPr lang="en-US" altLang="zh-TW" dirty="0" smtClean="0"/>
+              <a:t>&lt;60=</a:t>
+            </a:r>
+            <a:r>
+              <a:rPr lang="mr-IN" altLang="zh-TW" dirty="0" smtClean="0"/>
+              <a:t>"</a:t>
+            </a:r>
+            <a:r>
+              <a:rPr lang="en-US" altLang="zh-TW" dirty="0" smtClean="0"/>
+              <a:t>fail</a:t>
+            </a:r>
+          </a:p>
+        </p:txBody>
+      </p:sp>
+    </p:spTree>
+    <p:extLst>
+      <p:ext uri="{BB962C8B-B14F-4D97-AF65-F5344CB8AC3E}">
+        <p14:creationId xmlns:p14="http://schemas.microsoft.com/office/powerpoint/2010/main" val="2359767041"/>
+      </p:ext>
+    </p:extLst>
+  </p:cSld>
+  <p:clrMapOvr>
+    <a:masterClrMapping/>
+  </p:clrMapOvr>
+  <p:transition>
+    <p:checker/>
+  </p:transition>
+</p:sld>
+</file>
+
+<file path=ppt/slides/slide27.xml><?xml version="1.0" encoding="utf-8"?>
+<p:sld xmlns:a="http://schemas.openxmlformats.org/drawingml/2006/main" xmlns:r="http://schemas.openxmlformats.org/officeDocument/2006/relationships" xmlns:p="http://schemas.openxmlformats.org/presentationml/2006/main">
+  <p:cSld>
+    <p:spTree>
+      <p:nvGrpSpPr>
+        <p:cNvPr id="1" name=""/>
+        <p:cNvGrpSpPr/>
+        <p:nvPr/>
+      </p:nvGrpSpPr>
+      <p:grpSpPr>
+        <a:xfrm>
+          <a:off x="0" y="0"/>
+          <a:ext cx="0" cy="0"/>
+          <a:chOff x="0" y="0"/>
+          <a:chExt cx="0" cy="0"/>
+        </a:xfrm>
+      </p:grpSpPr>
+      <p:sp>
+        <p:nvSpPr>
           <p:cNvPr id="156674" name="Rectangle 2"/>
           <p:cNvSpPr>
             <a:spLocks noGrp="1" noChangeArrowheads="1"/>
@@ -13660,8 +13973,20 @@
                 <a:tableStyleId>{5C22544A-7EE6-4342-B048-85BDC9FD1C3A}</a:tableStyleId>
               </a:tblPr>
               <a:tblGrid>
-                <a:gridCol w="3048000"/>
-                <a:gridCol w="3048000"/>
+                <a:gridCol w="3048000">
+                  <a:extLst>
+                    <a:ext uri="{9D8B030D-6E8A-4147-A177-3AD203B41FA5}">
+                      <a16:colId xmlns:a16="http://schemas.microsoft.com/office/drawing/2014/main" val="20000"/>
+                    </a:ext>
+                  </a:extLst>
+                </a:gridCol>
+                <a:gridCol w="3048000">
+                  <a:extLst>
+                    <a:ext uri="{9D8B030D-6E8A-4147-A177-3AD203B41FA5}">
+                      <a16:colId xmlns:a16="http://schemas.microsoft.com/office/drawing/2014/main" val="20001"/>
+                    </a:ext>
+                  </a:extLst>
+                </a:gridCol>
               </a:tblGrid>
               <a:tr h="370840">
                 <a:tc>
@@ -13691,6 +14016,11 @@
                   </a:txBody>
                   <a:tcPr/>
                 </a:tc>
+                <a:extLst>
+                  <a:ext uri="{0D108BD9-81ED-4DB2-BD59-A6C34878D82A}">
+                    <a16:rowId xmlns:a16="http://schemas.microsoft.com/office/drawing/2014/main" val="10000"/>
+                  </a:ext>
+                </a:extLst>
               </a:tr>
               <a:tr h="370840">
                 <a:tc>
@@ -13721,6 +14051,11 @@
                   </a:txBody>
                   <a:tcPr/>
                 </a:tc>
+                <a:extLst>
+                  <a:ext uri="{0D108BD9-81ED-4DB2-BD59-A6C34878D82A}">
+                    <a16:rowId xmlns:a16="http://schemas.microsoft.com/office/drawing/2014/main" val="10001"/>
+                  </a:ext>
+                </a:extLst>
               </a:tr>
               <a:tr h="370840">
                 <a:tc>
@@ -13751,6 +14086,11 @@
                   </a:txBody>
                   <a:tcPr/>
                 </a:tc>
+                <a:extLst>
+                  <a:ext uri="{0D108BD9-81ED-4DB2-BD59-A6C34878D82A}">
+                    <a16:rowId xmlns:a16="http://schemas.microsoft.com/office/drawing/2014/main" val="10002"/>
+                  </a:ext>
+                </a:extLst>
               </a:tr>
               <a:tr h="370840">
                 <a:tc>
@@ -13781,6 +14121,11 @@
                   </a:txBody>
                   <a:tcPr/>
                 </a:tc>
+                <a:extLst>
+                  <a:ext uri="{0D108BD9-81ED-4DB2-BD59-A6C34878D82A}">
+                    <a16:rowId xmlns:a16="http://schemas.microsoft.com/office/drawing/2014/main" val="10003"/>
+                  </a:ext>
+                </a:extLst>
               </a:tr>
               <a:tr h="370840">
                 <a:tc>
@@ -13827,6 +14172,11 @@
                   </a:txBody>
                   <a:tcPr/>
                 </a:tc>
+                <a:extLst>
+                  <a:ext uri="{0D108BD9-81ED-4DB2-BD59-A6C34878D82A}">
+                    <a16:rowId xmlns:a16="http://schemas.microsoft.com/office/drawing/2014/main" val="10004"/>
+                  </a:ext>
+                </a:extLst>
               </a:tr>
               <a:tr h="370840">
                 <a:tc>
@@ -13873,6 +14223,11 @@
                   </a:txBody>
                   <a:tcPr/>
                 </a:tc>
+                <a:extLst>
+                  <a:ext uri="{0D108BD9-81ED-4DB2-BD59-A6C34878D82A}">
+                    <a16:rowId xmlns:a16="http://schemas.microsoft.com/office/drawing/2014/main" val="10005"/>
+                  </a:ext>
+                </a:extLst>
               </a:tr>
               <a:tr h="370840">
                 <a:tc>
@@ -13935,6 +14290,11 @@
                   </a:txBody>
                   <a:tcPr/>
                 </a:tc>
+                <a:extLst>
+                  <a:ext uri="{0D108BD9-81ED-4DB2-BD59-A6C34878D82A}">
+                    <a16:rowId xmlns:a16="http://schemas.microsoft.com/office/drawing/2014/main" val="10006"/>
+                  </a:ext>
+                </a:extLst>
               </a:tr>
               <a:tr h="370840">
                 <a:tc>
@@ -13997,146 +14357,16 @@
                   </a:txBody>
                   <a:tcPr/>
                 </a:tc>
+                <a:extLst>
+                  <a:ext uri="{0D108BD9-81ED-4DB2-BD59-A6C34878D82A}">
+                    <a16:rowId xmlns:a16="http://schemas.microsoft.com/office/drawing/2014/main" val="10007"/>
+                  </a:ext>
+                </a:extLst>
               </a:tr>
             </a:tbl>
           </a:graphicData>
         </a:graphic>
       </p:graphicFrame>
-    </p:spTree>
-  </p:cSld>
-  <p:clrMapOvr>
-    <a:masterClrMapping/>
-  </p:clrMapOvr>
-  <p:transition>
-    <p:checker/>
-  </p:transition>
-</p:sld>
-</file>
-
-<file path=ppt/slides/slide27.xml><?xml version="1.0" encoding="utf-8"?>
-<p:sld xmlns:a="http://schemas.openxmlformats.org/drawingml/2006/main" xmlns:r="http://schemas.openxmlformats.org/officeDocument/2006/relationships" xmlns:p="http://schemas.openxmlformats.org/presentationml/2006/main">
-  <p:cSld>
-    <p:spTree>
-      <p:nvGrpSpPr>
-        <p:cNvPr id="1" name=""/>
-        <p:cNvGrpSpPr/>
-        <p:nvPr/>
-      </p:nvGrpSpPr>
-      <p:grpSpPr>
-        <a:xfrm>
-          <a:off x="0" y="0"/>
-          <a:ext cx="0" cy="0"/>
-          <a:chOff x="0" y="0"/>
-          <a:chExt cx="0" cy="0"/>
-        </a:xfrm>
-      </p:grpSpPr>
-      <p:sp>
-        <p:nvSpPr>
-          <p:cNvPr id="161794" name="Rectangle 2"/>
-          <p:cNvSpPr>
-            <a:spLocks noGrp="1" noChangeArrowheads="1"/>
-          </p:cNvSpPr>
-          <p:nvPr>
-            <p:ph type="title"/>
-          </p:nvPr>
-        </p:nvSpPr>
-        <p:spPr/>
-        <p:txBody>
-          <a:bodyPr/>
-          <a:lstStyle/>
-          <a:p>
-            <a:r>
-              <a:rPr lang="en-US" altLang="zh-TW" smtClean="0"/>
-              <a:t>White spacing</a:t>
-            </a:r>
-          </a:p>
-        </p:txBody>
-      </p:sp>
-      <p:sp>
-        <p:nvSpPr>
-          <p:cNvPr id="32771" name="Rectangle 3"/>
-          <p:cNvSpPr>
-            <a:spLocks noGrp="1" noChangeArrowheads="1"/>
-          </p:cNvSpPr>
-          <p:nvPr>
-            <p:ph idx="1"/>
-          </p:nvPr>
-        </p:nvSpPr>
-        <p:spPr/>
-        <p:txBody>
-          <a:bodyPr/>
-          <a:lstStyle/>
-          <a:p>
-            <a:r>
-              <a:rPr lang="en-US" altLang="zh-TW" dirty="0" smtClean="0"/>
-              <a:t>Easier for </a:t>
-            </a:r>
-            <a:r>
-              <a:rPr lang="en-US" altLang="zh-TW" dirty="0" err="1" smtClean="0"/>
-              <a:t>dubugging</a:t>
-            </a:r>
-            <a:endParaRPr lang="en-US" altLang="zh-TW" dirty="0" smtClean="0"/>
-          </a:p>
-          <a:p>
-            <a:r>
-              <a:rPr lang="en-US" altLang="zh-TW" dirty="0" smtClean="0"/>
-              <a:t>Usually use tab for under each blanket</a:t>
-            </a:r>
-          </a:p>
-          <a:p>
-            <a:r>
-              <a:rPr lang="en-US" altLang="zh-TW" dirty="0" smtClean="0"/>
-              <a:t>Highlight the code</a:t>
-            </a:r>
-          </a:p>
-          <a:p>
-            <a:r>
-              <a:rPr lang="en-US" altLang="zh-TW" dirty="0" smtClean="0"/>
-              <a:t>Use </a:t>
-            </a:r>
-            <a:r>
-              <a:rPr lang="mr-IN" altLang="zh-TW" dirty="0" smtClean="0"/>
-              <a:t>"</a:t>
-            </a:r>
-            <a:r>
-              <a:rPr lang="en-US" altLang="zh-TW" dirty="0" err="1" smtClean="0"/>
-              <a:t>Ctrl+Shift</a:t>
-            </a:r>
-            <a:r>
-              <a:rPr lang="en-US" altLang="zh-TW" dirty="0" smtClean="0"/>
-              <a:t>+&gt;</a:t>
-            </a:r>
-            <a:r>
-              <a:rPr lang="mr-IN" altLang="zh-TW" dirty="0" smtClean="0"/>
-              <a:t>"</a:t>
-            </a:r>
-            <a:r>
-              <a:rPr lang="en-US" altLang="zh-TW" dirty="0" smtClean="0"/>
-              <a:t> or </a:t>
-            </a:r>
-            <a:r>
-              <a:rPr lang="mr-IN" altLang="zh-TW" dirty="0" smtClean="0"/>
-              <a:t>"</a:t>
-            </a:r>
-            <a:r>
-              <a:rPr lang="en-US" altLang="zh-TW" dirty="0" err="1" smtClean="0"/>
-              <a:t>Ctrl+Shift</a:t>
-            </a:r>
-            <a:r>
-              <a:rPr lang="en-US" altLang="zh-TW" dirty="0" smtClean="0"/>
-              <a:t>+&lt;</a:t>
-            </a:r>
-            <a:r>
-              <a:rPr lang="mr-IN" altLang="zh-TW" dirty="0" smtClean="0"/>
-              <a:t>"</a:t>
-            </a:r>
-            <a:r>
-              <a:rPr lang="en-US" altLang="zh-TW" dirty="0" smtClean="0"/>
-              <a:t> for formatting</a:t>
-            </a:r>
-          </a:p>
-        </p:txBody>
-      </p:sp>
     </p:spTree>
   </p:cSld>
   <p:clrMapOvr>
@@ -14167,7 +14397,7 @@
       </p:grpSpPr>
       <p:sp>
         <p:nvSpPr>
-          <p:cNvPr id="197634" name="Rectangle 1026"/>
+          <p:cNvPr id="161794" name="Rectangle 2"/>
           <p:cNvSpPr>
             <a:spLocks noGrp="1" noChangeArrowheads="1"/>
           </p:cNvSpPr>
@@ -14182,14 +14412,14 @@
           <a:p>
             <a:r>
               <a:rPr lang="en-US" altLang="zh-TW" smtClean="0"/>
-              <a:t>While loop</a:t>
+              <a:t>White spacing</a:t>
             </a:r>
           </a:p>
         </p:txBody>
       </p:sp>
       <p:sp>
         <p:nvSpPr>
-          <p:cNvPr id="34819" name="Rectangle 1027"/>
+          <p:cNvPr id="32771" name="Rectangle 3"/>
           <p:cNvSpPr>
             <a:spLocks noGrp="1" noChangeArrowheads="1"/>
           </p:cNvSpPr>
@@ -14203,32 +14433,71 @@
           <a:lstStyle/>
           <a:p>
             <a:r>
-              <a:rPr lang="en-US" altLang="zh-TW" smtClean="0"/>
-              <a:t>Also relies on a condition, but it executes repeatedly for as long as the condition is true</a:t>
-            </a:r>
-          </a:p>
-          <a:p>
-            <a:r>
-              <a:rPr lang="en-US" altLang="zh-TW" smtClean="0"/>
-              <a:t>See while.php</a:t>
-            </a:r>
-          </a:p>
-          <a:p>
-            <a:r>
-              <a:rPr lang="en-US" altLang="zh-TW" smtClean="0"/>
-              <a:t>Loop forever if this has been setup incorrectly</a:t>
-            </a:r>
-          </a:p>
-          <a:p>
-            <a:r>
-              <a:rPr lang="en-US" altLang="zh-TW" smtClean="0"/>
-              <a:t>$num=6;</a:t>
-            </a:r>
-          </a:p>
-          <a:p>
-            <a:r>
-              <a:rPr lang="en-US" altLang="zh-TW" smtClean="0"/>
-              <a:t>IE -&gt; Stop</a:t>
+              <a:rPr lang="en-US" altLang="zh-TW" dirty="0" smtClean="0"/>
+              <a:t>Easier for </a:t>
+            </a:r>
+            <a:r>
+              <a:rPr lang="en-US" altLang="zh-TW" dirty="0" err="1" smtClean="0"/>
+              <a:t>dubugging</a:t>
+            </a:r>
+            <a:endParaRPr lang="en-US" altLang="zh-TW" dirty="0" smtClean="0"/>
+          </a:p>
+          <a:p>
+            <a:r>
+              <a:rPr lang="en-US" altLang="zh-TW" dirty="0" smtClean="0"/>
+              <a:t>Usually use tab for under each blanket</a:t>
+            </a:r>
+          </a:p>
+          <a:p>
+            <a:r>
+              <a:rPr lang="en-US" altLang="zh-TW" dirty="0" smtClean="0"/>
+              <a:t>Highlight the code</a:t>
+            </a:r>
+          </a:p>
+          <a:p>
+            <a:r>
+              <a:rPr lang="en-US" altLang="zh-TW" dirty="0" smtClean="0"/>
+              <a:t>Use </a:t>
+            </a:r>
+            <a:r>
+              <a:rPr lang="mr-IN" altLang="zh-TW" dirty="0" smtClean="0"/>
+              <a:t>"</a:t>
+            </a:r>
+            <a:r>
+              <a:rPr lang="en-US" altLang="zh-TW" dirty="0" err="1" smtClean="0"/>
+              <a:t>Ctrl+Shift</a:t>
+            </a:r>
+            <a:r>
+              <a:rPr lang="en-US" altLang="zh-TW" dirty="0" smtClean="0"/>
+              <a:t>+&gt;</a:t>
+            </a:r>
+            <a:r>
+              <a:rPr lang="mr-IN" altLang="zh-TW" dirty="0" smtClean="0"/>
+              <a:t>"</a:t>
+            </a:r>
+            <a:r>
+              <a:rPr lang="en-US" altLang="zh-TW" dirty="0" smtClean="0"/>
+              <a:t> or </a:t>
+            </a:r>
+            <a:r>
+              <a:rPr lang="mr-IN" altLang="zh-TW" dirty="0" smtClean="0"/>
+              <a:t>"</a:t>
+            </a:r>
+            <a:r>
+              <a:rPr lang="en-US" altLang="zh-TW" dirty="0" err="1" smtClean="0"/>
+              <a:t>Ctrl+Shift</a:t>
+            </a:r>
+            <a:r>
+              <a:rPr lang="en-US" altLang="zh-TW" dirty="0" smtClean="0"/>
+              <a:t>+&lt;</a:t>
+            </a:r>
+            <a:r>
+              <a:rPr lang="mr-IN" altLang="zh-TW" dirty="0" smtClean="0"/>
+              <a:t>"</a:t>
+            </a:r>
+            <a:r>
+              <a:rPr lang="en-US" altLang="zh-TW" dirty="0" smtClean="0"/>
+              <a:t> for formatting</a:t>
             </a:r>
           </a:p>
         </p:txBody>
@@ -14263,7 +14532,7 @@
       </p:grpSpPr>
       <p:sp>
         <p:nvSpPr>
-          <p:cNvPr id="164866" name="Rectangle 2"/>
+          <p:cNvPr id="197634" name="Rectangle 1026"/>
           <p:cNvSpPr>
             <a:spLocks noGrp="1" noChangeArrowheads="1"/>
           </p:cNvSpPr>
@@ -14278,14 +14547,14 @@
           <a:p>
             <a:r>
               <a:rPr lang="en-US" altLang="zh-TW" smtClean="0"/>
-              <a:t>Do while loop</a:t>
+              <a:t>While loop</a:t>
             </a:r>
           </a:p>
         </p:txBody>
       </p:sp>
       <p:sp>
         <p:nvSpPr>
-          <p:cNvPr id="35843" name="Rectangle 3"/>
+          <p:cNvPr id="34819" name="Rectangle 1027"/>
           <p:cNvSpPr>
             <a:spLocks noGrp="1" noChangeArrowheads="1"/>
           </p:cNvSpPr>
@@ -14300,13 +14569,31 @@
           <a:p>
             <a:r>
               <a:rPr lang="en-US" altLang="zh-TW" smtClean="0"/>
-              <a:t>Very similar to while loop, but it executes at least once before checking the condition</a:t>
+              <a:t>Also relies on a condition, but it executes repeatedly for as long as the condition is true</a:t>
             </a:r>
           </a:p>
           <a:p>
             <a:r>
               <a:rPr lang="en-US" altLang="zh-TW" smtClean="0"/>
-              <a:t>See dowhile.php</a:t>
+              <a:t>See while.php</a:t>
+            </a:r>
+          </a:p>
+          <a:p>
+            <a:r>
+              <a:rPr lang="en-US" altLang="zh-TW" smtClean="0"/>
+              <a:t>Loop forever if this has been setup incorrectly</a:t>
+            </a:r>
+          </a:p>
+          <a:p>
+            <a:r>
+              <a:rPr lang="en-US" altLang="zh-TW" smtClean="0"/>
+              <a:t>$num=6;</a:t>
+            </a:r>
+          </a:p>
+          <a:p>
+            <a:r>
+              <a:rPr lang="en-US" altLang="zh-TW" smtClean="0"/>
+              <a:t>IE -&gt; Stop</a:t>
             </a:r>
           </a:p>
         </p:txBody>
@@ -14447,7 +14734,7 @@
       </p:grpSpPr>
       <p:sp>
         <p:nvSpPr>
-          <p:cNvPr id="163842" name="Rectangle 2"/>
+          <p:cNvPr id="164866" name="Rectangle 2"/>
           <p:cNvSpPr>
             <a:spLocks noGrp="1" noChangeArrowheads="1"/>
           </p:cNvSpPr>
@@ -14462,14 +14749,14 @@
           <a:p>
             <a:r>
               <a:rPr lang="en-US" altLang="zh-TW" smtClean="0"/>
-              <a:t>For loop</a:t>
+              <a:t>Do while loop</a:t>
             </a:r>
           </a:p>
         </p:txBody>
       </p:sp>
       <p:sp>
         <p:nvSpPr>
-          <p:cNvPr id="36867" name="Rectangle 3"/>
+          <p:cNvPr id="35843" name="Rectangle 3"/>
           <p:cNvSpPr>
             <a:spLocks noGrp="1" noChangeArrowheads="1"/>
           </p:cNvSpPr>
@@ -14484,30 +14771,14 @@
           <a:p>
             <a:r>
               <a:rPr lang="en-US" altLang="zh-TW" smtClean="0"/>
-              <a:t>Similar to while loop. Also relies on a condition, but we set a counter to begin. </a:t>
-            </a:r>
-          </a:p>
-          <a:p>
-            <a:endParaRPr lang="en-US" altLang="zh-TW" smtClean="0"/>
+              <a:t>Very similar to while loop, but it executes at least once before checking the condition</a:t>
+            </a:r>
           </a:p>
           <a:p>
             <a:r>
               <a:rPr lang="en-US" altLang="zh-TW" smtClean="0"/>
-              <a:t>Initialize a counter</a:t>
-            </a:r>
-          </a:p>
-          <a:p>
-            <a:r>
-              <a:rPr lang="en-US" altLang="zh-TW" smtClean="0"/>
-              <a:t>Set condition</a:t>
-            </a:r>
-          </a:p>
-          <a:p>
-            <a:r>
-              <a:rPr lang="en-US" altLang="zh-TW" smtClean="0"/>
-              <a:t>At the end of each iteration, we modified the counter</a:t>
-            </a:r>
-            <a:endParaRPr lang="en-US" altLang="zh-TW" dirty="0" smtClean="0"/>
+              <a:t>See dowhile.php</a:t>
+            </a:r>
           </a:p>
         </p:txBody>
       </p:sp>
@@ -14573,98 +14844,39 @@
         </p:nvSpPr>
         <p:spPr/>
         <p:txBody>
-          <a:bodyPr>
-            <a:normAutofit lnSpcReduction="10000"/>
-          </a:bodyPr>
+          <a:bodyPr/>
           <a:lstStyle/>
           <a:p>
             <a:r>
-              <a:rPr lang="en-US" altLang="zh-TW" dirty="0" smtClean="0"/>
-              <a:t>for (</a:t>
-            </a:r>
-            <a:r>
-              <a:rPr lang="en-US" altLang="zh-TW" dirty="0" err="1" smtClean="0"/>
-              <a:t>init</a:t>
-            </a:r>
-            <a:r>
-              <a:rPr lang="en-US" altLang="zh-TW" dirty="0" smtClean="0"/>
-              <a:t>; condition; update){</a:t>
-            </a:r>
-          </a:p>
-          <a:p>
-            <a:r>
-              <a:rPr lang="en-US" altLang="zh-TW" dirty="0" smtClean="0"/>
-              <a:t>	statement;</a:t>
-            </a:r>
-          </a:p>
-          <a:p>
-            <a:r>
-              <a:rPr lang="en-US" altLang="zh-TW" dirty="0" smtClean="0"/>
-              <a:t>}</a:t>
-            </a:r>
-          </a:p>
-          <a:p>
+              <a:rPr lang="en-US" altLang="zh-TW" smtClean="0"/>
+              <a:t>Similar to while loop. Also relies on a condition, but we set a counter to begin. </a:t>
+            </a:r>
+          </a:p>
+          <a:p>
+            <a:endParaRPr lang="en-US" altLang="zh-TW" smtClean="0"/>
+          </a:p>
+          <a:p>
+            <a:r>
+              <a:rPr lang="en-US" altLang="zh-TW" smtClean="0"/>
+              <a:t>Initialize a counter</a:t>
+            </a:r>
+          </a:p>
+          <a:p>
+            <a:r>
+              <a:rPr lang="en-US" altLang="zh-TW" smtClean="0"/>
+              <a:t>Set condition</a:t>
+            </a:r>
+          </a:p>
+          <a:p>
+            <a:r>
+              <a:rPr lang="en-US" altLang="zh-TW" smtClean="0"/>
+              <a:t>At the end of each iteration, we modified the counter</a:t>
+            </a:r>
             <a:endParaRPr lang="en-US" altLang="zh-TW" dirty="0" smtClean="0"/>
           </a:p>
-          <a:p>
-            <a:r>
-              <a:rPr lang="pt-BR" altLang="zh-TW" dirty="0" smtClean="0"/>
-              <a:t>for ($num=1; $num&lt;=5; $num++) {</a:t>
-            </a:r>
-          </a:p>
-          <a:p>
-            <a:r>
-              <a:rPr lang="pt-BR" altLang="zh-TW" dirty="0" smtClean="0"/>
-              <a:t>	</a:t>
-            </a:r>
-            <a:r>
-              <a:rPr lang="pt-BR" altLang="zh-TW" dirty="0" err="1" smtClean="0"/>
-              <a:t>echo</a:t>
-            </a:r>
-            <a:r>
-              <a:rPr lang="pt-BR" altLang="zh-TW" dirty="0" smtClean="0"/>
-              <a:t> $num.</a:t>
-            </a:r>
-            <a:r>
-              <a:rPr lang="mr-IN" altLang="zh-TW" dirty="0" smtClean="0"/>
-              <a:t>"</a:t>
-            </a:r>
-            <a:r>
-              <a:rPr lang="pt-BR" altLang="zh-TW" dirty="0" smtClean="0"/>
-              <a:t>&lt;</a:t>
-            </a:r>
-            <a:r>
-              <a:rPr lang="pt-BR" altLang="zh-TW" dirty="0" err="1" smtClean="0"/>
-              <a:t>br</a:t>
-            </a:r>
-            <a:r>
-              <a:rPr lang="pt-BR" altLang="zh-TW" dirty="0" smtClean="0"/>
-              <a:t>&gt;</a:t>
-            </a:r>
-            <a:r>
-              <a:rPr lang="mr-IN" altLang="zh-TW" dirty="0" smtClean="0"/>
-              <a:t>"</a:t>
-            </a:r>
-            <a:r>
-              <a:rPr lang="pt-BR" altLang="zh-TW" dirty="0" smtClean="0"/>
-              <a:t>;</a:t>
-            </a:r>
-          </a:p>
-          <a:p>
-            <a:r>
-              <a:rPr lang="pt-BR" altLang="zh-TW" dirty="0" smtClean="0"/>
-              <a:t>}</a:t>
-            </a:r>
-            <a:endParaRPr lang="en-US" altLang="zh-TW" dirty="0" smtClean="0"/>
-          </a:p>
         </p:txBody>
       </p:sp>
     </p:spTree>
-    <p:extLst>
-      <p:ext uri="{BB962C8B-B14F-4D97-AF65-F5344CB8AC3E}">
-        <p14:creationId xmlns:p14="http://schemas.microsoft.com/office/powerpoint/2010/main" val="2001441426"/>
-      </p:ext>
-    </p:extLst>
   </p:cSld>
   <p:clrMapOvr>
     <a:masterClrMapping/>
@@ -14709,9 +14921,8 @@
           <a:p>
             <a:r>
               <a:rPr lang="en-US" altLang="zh-TW" smtClean="0"/>
-              <a:t>Classwork</a:t>
-            </a:r>
-            <a:endParaRPr lang="en-US" altLang="zh-TW" dirty="0" smtClean="0"/>
+              <a:t>For loop</a:t>
+            </a:r>
           </a:p>
         </p:txBody>
       </p:sp>
@@ -14727,30 +14938,87 @@
         </p:nvSpPr>
         <p:spPr/>
         <p:txBody>
-          <a:bodyPr/>
+          <a:bodyPr>
+            <a:normAutofit lnSpcReduction="10000"/>
+          </a:bodyPr>
           <a:lstStyle/>
           <a:p>
             <a:r>
-              <a:rPr lang="en-US" altLang="zh-TW" smtClean="0"/>
-              <a:t>find all numbers from 11-20	//fora.php</a:t>
-            </a:r>
-          </a:p>
-          <a:p>
-            <a:r>
-              <a:rPr lang="en-US" altLang="zh-TW" smtClean="0"/>
-              <a:t>find all odd numbers from 1-10	 //forb.php</a:t>
-            </a:r>
-          </a:p>
-          <a:p>
-            <a:r>
-              <a:rPr lang="en-US" altLang="zh-TW" smtClean="0"/>
-              <a:t>find all even numbers from 1-10 //forc.php</a:t>
-            </a:r>
-          </a:p>
-          <a:p>
-            <a:r>
-              <a:rPr lang="en-US" altLang="zh-TW" smtClean="0"/>
-              <a:t>find all multiple of 5 numbers from 1-100 //ford.php</a:t>
+              <a:rPr lang="en-US" altLang="zh-TW" dirty="0" smtClean="0"/>
+              <a:t>for (</a:t>
+            </a:r>
+            <a:r>
+              <a:rPr lang="en-US" altLang="zh-TW" dirty="0" err="1" smtClean="0"/>
+              <a:t>init</a:t>
+            </a:r>
+            <a:r>
+              <a:rPr lang="en-US" altLang="zh-TW" dirty="0" smtClean="0"/>
+              <a:t>; condition; update){</a:t>
+            </a:r>
+          </a:p>
+          <a:p>
+            <a:r>
+              <a:rPr lang="en-US" altLang="zh-TW" dirty="0" smtClean="0"/>
+              <a:t>	statement;</a:t>
+            </a:r>
+          </a:p>
+          <a:p>
+            <a:r>
+              <a:rPr lang="en-US" altLang="zh-TW" dirty="0" smtClean="0"/>
+              <a:t>}</a:t>
+            </a:r>
+          </a:p>
+          <a:p>
+            <a:endParaRPr lang="en-US" altLang="zh-TW" dirty="0" smtClean="0"/>
+          </a:p>
+          <a:p>
+            <a:r>
+              <a:rPr lang="pt-BR" altLang="zh-TW" dirty="0" smtClean="0"/>
+              <a:t>for ($num=1; $num&lt;=5; $num++) {</a:t>
+            </a:r>
+          </a:p>
+          <a:p>
+            <a:r>
+              <a:rPr lang="pt-BR" altLang="zh-TW" dirty="0" smtClean="0"/>
+              <a:t>	</a:t>
+            </a:r>
+            <a:r>
+              <a:rPr lang="pt-BR" altLang="zh-TW" dirty="0" err="1" smtClean="0"/>
+              <a:t>echo</a:t>
+            </a:r>
+            <a:r>
+              <a:rPr lang="pt-BR" altLang="zh-TW" dirty="0" smtClean="0"/>
+              <a:t> $num.</a:t>
+            </a:r>
+            <a:r>
+              <a:rPr lang="mr-IN" altLang="zh-TW" dirty="0" smtClean="0"/>
+              <a:t>"</a:t>
+            </a:r>
+            <a:r>
+              <a:rPr lang="pt-BR" altLang="zh-TW" dirty="0" smtClean="0"/>
+              <a:t>&lt;</a:t>
+            </a:r>
+            <a:r>
+              <a:rPr lang="pt-BR" altLang="zh-TW" dirty="0" err="1" smtClean="0"/>
+              <a:t>br</a:t>
+            </a:r>
+            <a:r>
+              <a:rPr lang="pt-BR" altLang="zh-TW" dirty="0" smtClean="0"/>
+              <a:t>&gt;</a:t>
+            </a:r>
+            <a:r>
+              <a:rPr lang="mr-IN" altLang="zh-TW" dirty="0" smtClean="0"/>
+              <a:t>"</a:t>
+            </a:r>
+            <a:r>
+              <a:rPr lang="pt-BR" altLang="zh-TW" dirty="0" smtClean="0"/>
+              <a:t>;</a:t>
+            </a:r>
+          </a:p>
+          <a:p>
+            <a:r>
+              <a:rPr lang="pt-BR" altLang="zh-TW" dirty="0" smtClean="0"/>
+              <a:t>}</a:t>
             </a:r>
             <a:endParaRPr lang="en-US" altLang="zh-TW" dirty="0" smtClean="0"/>
           </a:p>
@@ -14759,7 +15027,7 @@
     </p:spTree>
     <p:extLst>
       <p:ext uri="{BB962C8B-B14F-4D97-AF65-F5344CB8AC3E}">
-        <p14:creationId xmlns:p14="http://schemas.microsoft.com/office/powerpoint/2010/main" val="699485203"/>
+        <p14:creationId xmlns:p14="http://schemas.microsoft.com/office/powerpoint/2010/main" val="2001441426"/>
       </p:ext>
     </p:extLst>
   </p:cSld>
@@ -14791,6 +15059,103 @@
       </p:grpSpPr>
       <p:sp>
         <p:nvSpPr>
+          <p:cNvPr id="163842" name="Rectangle 2"/>
+          <p:cNvSpPr>
+            <a:spLocks noGrp="1" noChangeArrowheads="1"/>
+          </p:cNvSpPr>
+          <p:nvPr>
+            <p:ph type="title"/>
+          </p:nvPr>
+        </p:nvSpPr>
+        <p:spPr/>
+        <p:txBody>
+          <a:bodyPr/>
+          <a:lstStyle/>
+          <a:p>
+            <a:r>
+              <a:rPr lang="en-US" altLang="zh-TW" smtClean="0"/>
+              <a:t>Classwork</a:t>
+            </a:r>
+            <a:endParaRPr lang="en-US" altLang="zh-TW" dirty="0" smtClean="0"/>
+          </a:p>
+        </p:txBody>
+      </p:sp>
+      <p:sp>
+        <p:nvSpPr>
+          <p:cNvPr id="36867" name="Rectangle 3"/>
+          <p:cNvSpPr>
+            <a:spLocks noGrp="1" noChangeArrowheads="1"/>
+          </p:cNvSpPr>
+          <p:nvPr>
+            <p:ph idx="1"/>
+          </p:nvPr>
+        </p:nvSpPr>
+        <p:spPr/>
+        <p:txBody>
+          <a:bodyPr/>
+          <a:lstStyle/>
+          <a:p>
+            <a:r>
+              <a:rPr lang="en-US" altLang="zh-TW" smtClean="0"/>
+              <a:t>find all numbers from 11-20	//fora.php</a:t>
+            </a:r>
+          </a:p>
+          <a:p>
+            <a:r>
+              <a:rPr lang="en-US" altLang="zh-TW" smtClean="0"/>
+              <a:t>find all odd numbers from 1-10	 //forb.php</a:t>
+            </a:r>
+          </a:p>
+          <a:p>
+            <a:r>
+              <a:rPr lang="en-US" altLang="zh-TW" smtClean="0"/>
+              <a:t>find all even numbers from 1-10 //forc.php</a:t>
+            </a:r>
+          </a:p>
+          <a:p>
+            <a:r>
+              <a:rPr lang="en-US" altLang="zh-TW" smtClean="0"/>
+              <a:t>find all multiple of 5 numbers from 1-100 //ford.php</a:t>
+            </a:r>
+            <a:endParaRPr lang="en-US" altLang="zh-TW" dirty="0" smtClean="0"/>
+          </a:p>
+        </p:txBody>
+      </p:sp>
+    </p:spTree>
+    <p:extLst>
+      <p:ext uri="{BB962C8B-B14F-4D97-AF65-F5344CB8AC3E}">
+        <p14:creationId xmlns:p14="http://schemas.microsoft.com/office/powerpoint/2010/main" val="699485203"/>
+      </p:ext>
+    </p:extLst>
+  </p:cSld>
+  <p:clrMapOvr>
+    <a:masterClrMapping/>
+  </p:clrMapOvr>
+  <p:transition>
+    <p:checker/>
+  </p:transition>
+</p:sld>
+</file>
+
+<file path=ppt/slides/slide34.xml><?xml version="1.0" encoding="utf-8"?>
+<p:sld xmlns:a="http://schemas.openxmlformats.org/drawingml/2006/main" xmlns:r="http://schemas.openxmlformats.org/officeDocument/2006/relationships" xmlns:p="http://schemas.openxmlformats.org/presentationml/2006/main">
+  <p:cSld>
+    <p:spTree>
+      <p:nvGrpSpPr>
+        <p:cNvPr id="1" name=""/>
+        <p:cNvGrpSpPr/>
+        <p:nvPr/>
+      </p:nvGrpSpPr>
+      <p:grpSpPr>
+        <a:xfrm>
+          <a:off x="0" y="0"/>
+          <a:ext cx="0" cy="0"/>
+          <a:chOff x="0" y="0"/>
+          <a:chExt cx="0" cy="0"/>
+        </a:xfrm>
+      </p:grpSpPr>
+      <p:sp>
+        <p:nvSpPr>
           <p:cNvPr id="169986" name="Rectangle 2"/>
           <p:cNvSpPr>
             <a:spLocks noGrp="1" noChangeArrowheads="1"/>
@@ -14875,16 +15240,76 @@
             <a:tbl>
               <a:tblPr/>
               <a:tblGrid>
-                <a:gridCol w="609600"/>
-                <a:gridCol w="609600"/>
-                <a:gridCol w="609600"/>
-                <a:gridCol w="609600"/>
-                <a:gridCol w="609600"/>
-                <a:gridCol w="609600"/>
-                <a:gridCol w="609600"/>
-                <a:gridCol w="609600"/>
-                <a:gridCol w="609600"/>
-                <a:gridCol w="609600"/>
+                <a:gridCol w="609600">
+                  <a:extLst>
+                    <a:ext uri="{9D8B030D-6E8A-4147-A177-3AD203B41FA5}">
+                      <a16:colId xmlns:a16="http://schemas.microsoft.com/office/drawing/2014/main" val="20000"/>
+                    </a:ext>
+                  </a:extLst>
+                </a:gridCol>
+                <a:gridCol w="609600">
+                  <a:extLst>
+                    <a:ext uri="{9D8B030D-6E8A-4147-A177-3AD203B41FA5}">
+                      <a16:colId xmlns:a16="http://schemas.microsoft.com/office/drawing/2014/main" val="20001"/>
+                    </a:ext>
+                  </a:extLst>
+                </a:gridCol>
+                <a:gridCol w="609600">
+                  <a:extLst>
+                    <a:ext uri="{9D8B030D-6E8A-4147-A177-3AD203B41FA5}">
+                      <a16:colId xmlns:a16="http://schemas.microsoft.com/office/drawing/2014/main" val="20002"/>
+                    </a:ext>
+                  </a:extLst>
+                </a:gridCol>
+                <a:gridCol w="609600">
+                  <a:extLst>
+                    <a:ext uri="{9D8B030D-6E8A-4147-A177-3AD203B41FA5}">
+                      <a16:colId xmlns:a16="http://schemas.microsoft.com/office/drawing/2014/main" val="20003"/>
+                    </a:ext>
+                  </a:extLst>
+                </a:gridCol>
+                <a:gridCol w="609600">
+                  <a:extLst>
+                    <a:ext uri="{9D8B030D-6E8A-4147-A177-3AD203B41FA5}">
+                      <a16:colId xmlns:a16="http://schemas.microsoft.com/office/drawing/2014/main" val="20004"/>
+                    </a:ext>
+                  </a:extLst>
+                </a:gridCol>
+                <a:gridCol w="609600">
+                  <a:extLst>
+                    <a:ext uri="{9D8B030D-6E8A-4147-A177-3AD203B41FA5}">
+                      <a16:colId xmlns:a16="http://schemas.microsoft.com/office/drawing/2014/main" val="20005"/>
+                    </a:ext>
+                  </a:extLst>
+                </a:gridCol>
+                <a:gridCol w="609600">
+                  <a:extLst>
+                    <a:ext uri="{9D8B030D-6E8A-4147-A177-3AD203B41FA5}">
+                      <a16:colId xmlns:a16="http://schemas.microsoft.com/office/drawing/2014/main" val="20006"/>
+                    </a:ext>
+                  </a:extLst>
+                </a:gridCol>
+                <a:gridCol w="609600">
+                  <a:extLst>
+                    <a:ext uri="{9D8B030D-6E8A-4147-A177-3AD203B41FA5}">
+                      <a16:colId xmlns:a16="http://schemas.microsoft.com/office/drawing/2014/main" val="20007"/>
+                    </a:ext>
+                  </a:extLst>
+                </a:gridCol>
+                <a:gridCol w="609600">
+                  <a:extLst>
+                    <a:ext uri="{9D8B030D-6E8A-4147-A177-3AD203B41FA5}">
+                      <a16:colId xmlns:a16="http://schemas.microsoft.com/office/drawing/2014/main" val="20008"/>
+                    </a:ext>
+                  </a:extLst>
+                </a:gridCol>
+                <a:gridCol w="609600">
+                  <a:extLst>
+                    <a:ext uri="{9D8B030D-6E8A-4147-A177-3AD203B41FA5}">
+                      <a16:colId xmlns:a16="http://schemas.microsoft.com/office/drawing/2014/main" val="20009"/>
+                    </a:ext>
+                  </a:extLst>
+                </a:gridCol>
               </a:tblGrid>
               <a:tr h="371475">
                 <a:tc>
@@ -15737,6 +16162,11 @@
                     </a:solidFill>
                   </a:tcPr>
                 </a:tc>
+                <a:extLst>
+                  <a:ext uri="{0D108BD9-81ED-4DB2-BD59-A6C34878D82A}">
+                    <a16:rowId xmlns:a16="http://schemas.microsoft.com/office/drawing/2014/main" val="10000"/>
+                  </a:ext>
+                </a:extLst>
               </a:tr>
               <a:tr h="371475">
                 <a:tc>
@@ -16589,6 +17019,11 @@
                     </a:solidFill>
                   </a:tcPr>
                 </a:tc>
+                <a:extLst>
+                  <a:ext uri="{0D108BD9-81ED-4DB2-BD59-A6C34878D82A}">
+                    <a16:rowId xmlns:a16="http://schemas.microsoft.com/office/drawing/2014/main" val="10001"/>
+                  </a:ext>
+                </a:extLst>
               </a:tr>
               <a:tr h="371475">
                 <a:tc>
@@ -17441,6 +17876,11 @@
                     </a:solidFill>
                   </a:tcPr>
                 </a:tc>
+                <a:extLst>
+                  <a:ext uri="{0D108BD9-81ED-4DB2-BD59-A6C34878D82A}">
+                    <a16:rowId xmlns:a16="http://schemas.microsoft.com/office/drawing/2014/main" val="10002"/>
+                  </a:ext>
+                </a:extLst>
               </a:tr>
             </a:tbl>
           </a:graphicData>
@@ -17457,7 +17897,7 @@
 </p:sld>
 </file>
 
-<file path=ppt/slides/slide34.xml><?xml version="1.0" encoding="utf-8"?>
+<file path=ppt/slides/slide35.xml><?xml version="1.0" encoding="utf-8"?>
 <p:sld xmlns:a="http://schemas.openxmlformats.org/drawingml/2006/main" xmlns:r="http://schemas.openxmlformats.org/officeDocument/2006/relationships" xmlns:p="http://schemas.openxmlformats.org/presentationml/2006/main">
   <p:cSld>
     <p:spTree>
@@ -17715,9 +18155,27 @@
                 <a:tableStyleId>{72833802-FEF1-4C79-8D5D-14CF1EAF98D9}</a:tableStyleId>
               </a:tblPr>
               <a:tblGrid>
-                <a:gridCol w="904875"/>
-                <a:gridCol w="904875"/>
-                <a:gridCol w="904875"/>
+                <a:gridCol w="904875">
+                  <a:extLst>
+                    <a:ext uri="{9D8B030D-6E8A-4147-A177-3AD203B41FA5}">
+                      <a16:colId xmlns:a16="http://schemas.microsoft.com/office/drawing/2014/main" val="20000"/>
+                    </a:ext>
+                  </a:extLst>
+                </a:gridCol>
+                <a:gridCol w="904875">
+                  <a:extLst>
+                    <a:ext uri="{9D8B030D-6E8A-4147-A177-3AD203B41FA5}">
+                      <a16:colId xmlns:a16="http://schemas.microsoft.com/office/drawing/2014/main" val="20001"/>
+                    </a:ext>
+                  </a:extLst>
+                </a:gridCol>
+                <a:gridCol w="904875">
+                  <a:extLst>
+                    <a:ext uri="{9D8B030D-6E8A-4147-A177-3AD203B41FA5}">
+                      <a16:colId xmlns:a16="http://schemas.microsoft.com/office/drawing/2014/main" val="20002"/>
+                    </a:ext>
+                  </a:extLst>
+                </a:gridCol>
               </a:tblGrid>
               <a:tr h="571500">
                 <a:tc>
@@ -17968,6 +18426,11 @@
                     </a:lnB>
                   </a:tcPr>
                 </a:tc>
+                <a:extLst>
+                  <a:ext uri="{0D108BD9-81ED-4DB2-BD59-A6C34878D82A}">
+                    <a16:rowId xmlns:a16="http://schemas.microsoft.com/office/drawing/2014/main" val="10000"/>
+                  </a:ext>
+                </a:extLst>
               </a:tr>
               <a:tr h="571500">
                 <a:tc>
@@ -18231,6 +18694,11 @@
                     </a:solidFill>
                   </a:tcPr>
                 </a:tc>
+                <a:extLst>
+                  <a:ext uri="{0D108BD9-81ED-4DB2-BD59-A6C34878D82A}">
+                    <a16:rowId xmlns:a16="http://schemas.microsoft.com/office/drawing/2014/main" val="10001"/>
+                  </a:ext>
+                </a:extLst>
               </a:tr>
               <a:tr h="571500">
                 <a:tc>
@@ -18494,6 +18962,11 @@
                     </a:solidFill>
                   </a:tcPr>
                 </a:tc>
+                <a:extLst>
+                  <a:ext uri="{0D108BD9-81ED-4DB2-BD59-A6C34878D82A}">
+                    <a16:rowId xmlns:a16="http://schemas.microsoft.com/office/drawing/2014/main" val="10002"/>
+                  </a:ext>
+                </a:extLst>
               </a:tr>
             </a:tbl>
           </a:graphicData>
@@ -18522,9 +18995,27 @@
             <a:tbl>
               <a:tblPr/>
               <a:tblGrid>
-                <a:gridCol w="904875"/>
-                <a:gridCol w="904875"/>
-                <a:gridCol w="904875"/>
+                <a:gridCol w="904875">
+                  <a:extLst>
+                    <a:ext uri="{9D8B030D-6E8A-4147-A177-3AD203B41FA5}">
+                      <a16:colId xmlns:a16="http://schemas.microsoft.com/office/drawing/2014/main" val="20000"/>
+                    </a:ext>
+                  </a:extLst>
+                </a:gridCol>
+                <a:gridCol w="904875">
+                  <a:extLst>
+                    <a:ext uri="{9D8B030D-6E8A-4147-A177-3AD203B41FA5}">
+                      <a16:colId xmlns:a16="http://schemas.microsoft.com/office/drawing/2014/main" val="20001"/>
+                    </a:ext>
+                  </a:extLst>
+                </a:gridCol>
+                <a:gridCol w="904875">
+                  <a:extLst>
+                    <a:ext uri="{9D8B030D-6E8A-4147-A177-3AD203B41FA5}">
+                      <a16:colId xmlns:a16="http://schemas.microsoft.com/office/drawing/2014/main" val="20002"/>
+                    </a:ext>
+                  </a:extLst>
+                </a:gridCol>
               </a:tblGrid>
               <a:tr h="571500">
                 <a:tc>
@@ -18806,6 +19297,11 @@
                     </a:solidFill>
                   </a:tcPr>
                 </a:tc>
+                <a:extLst>
+                  <a:ext uri="{0D108BD9-81ED-4DB2-BD59-A6C34878D82A}">
+                    <a16:rowId xmlns:a16="http://schemas.microsoft.com/office/drawing/2014/main" val="10000"/>
+                  </a:ext>
+                </a:extLst>
               </a:tr>
               <a:tr h="571500">
                 <a:tc>
@@ -19099,6 +19595,11 @@
                     </a:solidFill>
                   </a:tcPr>
                 </a:tc>
+                <a:extLst>
+                  <a:ext uri="{0D108BD9-81ED-4DB2-BD59-A6C34878D82A}">
+                    <a16:rowId xmlns:a16="http://schemas.microsoft.com/office/drawing/2014/main" val="10001"/>
+                  </a:ext>
+                </a:extLst>
               </a:tr>
               <a:tr h="571500">
                 <a:tc>
@@ -19392,6 +19893,11 @@
                     </a:solidFill>
                   </a:tcPr>
                 </a:tc>
+                <a:extLst>
+                  <a:ext uri="{0D108BD9-81ED-4DB2-BD59-A6C34878D82A}">
+                    <a16:rowId xmlns:a16="http://schemas.microsoft.com/office/drawing/2014/main" val="10002"/>
+                  </a:ext>
+                </a:extLst>
               </a:tr>
             </a:tbl>
           </a:graphicData>
@@ -19420,8 +19926,20 @@
             <a:tbl>
               <a:tblPr/>
               <a:tblGrid>
-                <a:gridCol w="904875"/>
-                <a:gridCol w="904875"/>
+                <a:gridCol w="904875">
+                  <a:extLst>
+                    <a:ext uri="{9D8B030D-6E8A-4147-A177-3AD203B41FA5}">
+                      <a16:colId xmlns:a16="http://schemas.microsoft.com/office/drawing/2014/main" val="20000"/>
+                    </a:ext>
+                  </a:extLst>
+                </a:gridCol>
+                <a:gridCol w="904875">
+                  <a:extLst>
+                    <a:ext uri="{9D8B030D-6E8A-4147-A177-3AD203B41FA5}">
+                      <a16:colId xmlns:a16="http://schemas.microsoft.com/office/drawing/2014/main" val="20001"/>
+                    </a:ext>
+                  </a:extLst>
+                </a:gridCol>
               </a:tblGrid>
               <a:tr h="154285">
                 <a:tc>
@@ -19606,6 +20124,11 @@
                     </a:solidFill>
                   </a:tcPr>
                 </a:tc>
+                <a:extLst>
+                  <a:ext uri="{0D108BD9-81ED-4DB2-BD59-A6C34878D82A}">
+                    <a16:rowId xmlns:a16="http://schemas.microsoft.com/office/drawing/2014/main" val="10000"/>
+                  </a:ext>
+                </a:extLst>
               </a:tr>
               <a:tr h="571500">
                 <a:tc>
@@ -19802,6 +20325,11 @@
                     </a:solidFill>
                   </a:tcPr>
                 </a:tc>
+                <a:extLst>
+                  <a:ext uri="{0D108BD9-81ED-4DB2-BD59-A6C34878D82A}">
+                    <a16:rowId xmlns:a16="http://schemas.microsoft.com/office/drawing/2014/main" val="10001"/>
+                  </a:ext>
+                </a:extLst>
               </a:tr>
               <a:tr h="571500">
                 <a:tc>
@@ -19998,6 +20526,11 @@
                     </a:solidFill>
                   </a:tcPr>
                 </a:tc>
+                <a:extLst>
+                  <a:ext uri="{0D108BD9-81ED-4DB2-BD59-A6C34878D82A}">
+                    <a16:rowId xmlns:a16="http://schemas.microsoft.com/office/drawing/2014/main" val="10002"/>
+                  </a:ext>
+                </a:extLst>
               </a:tr>
             </a:tbl>
           </a:graphicData>
@@ -20026,8 +20559,20 @@
             <a:tbl>
               <a:tblPr/>
               <a:tblGrid>
-                <a:gridCol w="904875"/>
-                <a:gridCol w="904875"/>
+                <a:gridCol w="904875">
+                  <a:extLst>
+                    <a:ext uri="{9D8B030D-6E8A-4147-A177-3AD203B41FA5}">
+                      <a16:colId xmlns:a16="http://schemas.microsoft.com/office/drawing/2014/main" val="20000"/>
+                    </a:ext>
+                  </a:extLst>
+                </a:gridCol>
+                <a:gridCol w="904875">
+                  <a:extLst>
+                    <a:ext uri="{9D8B030D-6E8A-4147-A177-3AD203B41FA5}">
+                      <a16:colId xmlns:a16="http://schemas.microsoft.com/office/drawing/2014/main" val="20001"/>
+                    </a:ext>
+                  </a:extLst>
+                </a:gridCol>
               </a:tblGrid>
               <a:tr h="154285">
                 <a:tc>
@@ -20211,6 +20756,11 @@
                     </a:solidFill>
                   </a:tcPr>
                 </a:tc>
+                <a:extLst>
+                  <a:ext uri="{0D108BD9-81ED-4DB2-BD59-A6C34878D82A}">
+                    <a16:rowId xmlns:a16="http://schemas.microsoft.com/office/drawing/2014/main" val="10000"/>
+                  </a:ext>
+                </a:extLst>
               </a:tr>
               <a:tr h="571500">
                 <a:tc>
@@ -20407,6 +20957,11 @@
                     </a:solidFill>
                   </a:tcPr>
                 </a:tc>
+                <a:extLst>
+                  <a:ext uri="{0D108BD9-81ED-4DB2-BD59-A6C34878D82A}">
+                    <a16:rowId xmlns:a16="http://schemas.microsoft.com/office/drawing/2014/main" val="10001"/>
+                  </a:ext>
+                </a:extLst>
               </a:tr>
               <a:tr h="571500">
                 <a:tc>
@@ -20603,6 +21158,11 @@
                     </a:solidFill>
                   </a:tcPr>
                 </a:tc>
+                <a:extLst>
+                  <a:ext uri="{0D108BD9-81ED-4DB2-BD59-A6C34878D82A}">
+                    <a16:rowId xmlns:a16="http://schemas.microsoft.com/office/drawing/2014/main" val="10002"/>
+                  </a:ext>
+                </a:extLst>
               </a:tr>
             </a:tbl>
           </a:graphicData>
@@ -20908,45 +21468,11 @@
           <a:p>
             <a:r>
               <a:rPr lang="en-US" altLang="zh-TW" dirty="0" smtClean="0"/>
-              <a:t>Define (</a:t>
-            </a:r>
-            <a:r>
-              <a:rPr lang="mr-IN" altLang="zh-TW" dirty="0" smtClean="0"/>
-              <a:t>"</a:t>
+              <a:t>Usually </a:t>
             </a:r>
             <a:r>
               <a:rPr lang="en-US" altLang="zh-TW" dirty="0" smtClean="0"/>
-              <a:t>CAR</a:t>
-            </a:r>
-            <a:r>
-              <a:rPr lang="mr-IN" altLang="zh-TW" dirty="0" smtClean="0"/>
-              <a:t>"</a:t>
-            </a:r>
-            <a:r>
-              <a:rPr lang="en-US" altLang="zh-TW" dirty="0" smtClean="0"/>
-              <a:t>, </a:t>
-            </a:r>
-            <a:r>
-              <a:rPr lang="mr-IN" altLang="zh-TW" dirty="0" smtClean="0"/>
-              <a:t>"</a:t>
-            </a:r>
-            <a:r>
-              <a:rPr lang="en-US" altLang="zh-TW" dirty="0" err="1" smtClean="0"/>
-              <a:t>honda</a:t>
-            </a:r>
-            <a:r>
-              <a:rPr lang="mr-IN" altLang="zh-TW" dirty="0" smtClean="0"/>
-              <a:t>"</a:t>
-            </a:r>
-            <a:r>
-              <a:rPr lang="en-US" altLang="zh-TW" dirty="0" smtClean="0"/>
-              <a:t>);</a:t>
-            </a:r>
-          </a:p>
-          <a:p>
-            <a:r>
-              <a:rPr lang="en-US" altLang="zh-TW" dirty="0" smtClean="0"/>
-              <a:t>Usually use all upper-case letter to distinguish from function name</a:t>
+              <a:t>use all upper-case letter to distinguish from function name</a:t>
             </a:r>
           </a:p>
           <a:p>
@@ -21009,7 +21535,7 @@
           <a:p>
             <a:r>
               <a:rPr lang="en-US" altLang="zh-TW" smtClean="0"/>
-              <a:t>Predefined Constants</a:t>
+              <a:t>Constants</a:t>
             </a:r>
             <a:endParaRPr lang="en-US" altLang="zh-TW" dirty="0" smtClean="0"/>
           </a:p>
@@ -21031,17 +21557,45 @@
           <a:lstStyle/>
           <a:p>
             <a:r>
+              <a:rPr lang="en-US" altLang="zh-TW" dirty="0"/>
+              <a:t>$</a:t>
+            </a:r>
+            <a:r>
+              <a:rPr lang="en-US" altLang="zh-TW" dirty="0" err="1" smtClean="0"/>
+              <a:t>jamesbond</a:t>
+            </a:r>
+            <a:r>
               <a:rPr lang="en-US" altLang="zh-TW" smtClean="0"/>
-              <a:t>Some constants has already been predefined in PHP.</a:t>
-            </a:r>
-          </a:p>
-          <a:p>
-            <a:endParaRPr lang="en-US" altLang="zh-TW" smtClean="0"/>
-          </a:p>
-          <a:p>
-            <a:r>
-              <a:rPr lang="en-US" altLang="zh-TW" smtClean="0"/>
-              <a:t>predefindedConstant.php</a:t>
+              <a:t>=007;</a:t>
+            </a:r>
+            <a:endParaRPr lang="en-US" altLang="zh-TW" dirty="0"/>
+          </a:p>
+          <a:p>
+            <a:r>
+              <a:rPr lang="en-US" altLang="zh-TW" dirty="0"/>
+              <a:t>$</a:t>
+            </a:r>
+            <a:r>
+              <a:rPr lang="en-US" altLang="zh-TW" dirty="0" err="1"/>
+              <a:t>jamesbond</a:t>
+            </a:r>
+            <a:r>
+              <a:rPr lang="en-US" altLang="zh-TW" dirty="0"/>
+              <a:t>="007";</a:t>
+            </a:r>
+          </a:p>
+          <a:p>
+            <a:r>
+              <a:rPr lang="en-US" altLang="zh-TW" dirty="0"/>
+              <a:t>echo $</a:t>
+            </a:r>
+            <a:r>
+              <a:rPr lang="en-US" altLang="zh-TW" dirty="0" err="1"/>
+              <a:t>jamesbond</a:t>
+            </a:r>
+            <a:r>
+              <a:rPr lang="en-US" altLang="zh-TW" dirty="0"/>
+              <a:t>;</a:t>
             </a:r>
             <a:endParaRPr lang="en-US" altLang="zh-TW" dirty="0" smtClean="0"/>
           </a:p>
@@ -21050,7 +21604,7 @@
     </p:spTree>
     <p:extLst>
       <p:ext uri="{BB962C8B-B14F-4D97-AF65-F5344CB8AC3E}">
-        <p14:creationId xmlns:p14="http://schemas.microsoft.com/office/powerpoint/2010/main" val="4133291617"/>
+        <p14:creationId xmlns:p14="http://schemas.microsoft.com/office/powerpoint/2010/main" val="3452413021"/>
       </p:ext>
     </p:extLst>
   </p:cSld>
@@ -21313,7 +21867,7 @@
   <a:extraClrSchemeLst/>
   <a:extLst>
     <a:ext uri="{05A4C25C-085E-4340-85A3-A5531E510DB2}">
-      <thm15:themeFamily xmlns:thm15="http://schemas.microsoft.com/office/thememl/2012/main" xmlns="" name="Parallax" id="{3388167B-A2EB-4685-9635-1831D9AEF8C4}" vid="{4F7A876A-7598-49CA-AFC8-8EDA2551E4A7}"/>
+      <thm15:themeFamily xmlns:thm15="http://schemas.microsoft.com/office/thememl/2012/main" name="Parallax" id="{3388167B-A2EB-4685-9635-1831D9AEF8C4}" vid="{4F7A876A-7598-49CA-AFC8-8EDA2551E4A7}"/>
     </a:ext>
   </a:extLst>
 </a:theme>

--- a/php-fw2/lesson2.pptx
+++ b/php-fw2/lesson2.pptx
@@ -5,47 +5,50 @@
     <p:sldMasterId id="2147484310" r:id="rId1"/>
   </p:sldMasterIdLst>
   <p:notesMasterIdLst>
-    <p:notesMasterId r:id="rId37"/>
+    <p:notesMasterId r:id="rId40"/>
   </p:notesMasterIdLst>
   <p:handoutMasterIdLst>
-    <p:handoutMasterId r:id="rId38"/>
+    <p:handoutMasterId r:id="rId41"/>
   </p:handoutMasterIdLst>
   <p:sldIdLst>
     <p:sldId id="256" r:id="rId2"/>
-    <p:sldId id="378" r:id="rId3"/>
-    <p:sldId id="362" r:id="rId4"/>
-    <p:sldId id="367" r:id="rId5"/>
-    <p:sldId id="410" r:id="rId6"/>
-    <p:sldId id="360" r:id="rId7"/>
-    <p:sldId id="361" r:id="rId8"/>
-    <p:sldId id="355" r:id="rId9"/>
-    <p:sldId id="421" r:id="rId10"/>
-    <p:sldId id="420" r:id="rId11"/>
-    <p:sldId id="399" r:id="rId12"/>
-    <p:sldId id="390" r:id="rId13"/>
-    <p:sldId id="408" r:id="rId14"/>
-    <p:sldId id="391" r:id="rId15"/>
-    <p:sldId id="392" r:id="rId16"/>
-    <p:sldId id="393" r:id="rId17"/>
-    <p:sldId id="394" r:id="rId18"/>
-    <p:sldId id="395" r:id="rId19"/>
-    <p:sldId id="400" r:id="rId20"/>
-    <p:sldId id="401" r:id="rId21"/>
-    <p:sldId id="412" r:id="rId22"/>
-    <p:sldId id="415" r:id="rId23"/>
-    <p:sldId id="414" r:id="rId24"/>
-    <p:sldId id="413" r:id="rId25"/>
-    <p:sldId id="416" r:id="rId26"/>
-    <p:sldId id="417" r:id="rId27"/>
-    <p:sldId id="411" r:id="rId28"/>
-    <p:sldId id="402" r:id="rId29"/>
-    <p:sldId id="404" r:id="rId30"/>
-    <p:sldId id="405" r:id="rId31"/>
-    <p:sldId id="406" r:id="rId32"/>
-    <p:sldId id="418" r:id="rId33"/>
-    <p:sldId id="419" r:id="rId34"/>
-    <p:sldId id="409" r:id="rId35"/>
-    <p:sldId id="398" r:id="rId36"/>
+    <p:sldId id="423" r:id="rId3"/>
+    <p:sldId id="378" r:id="rId4"/>
+    <p:sldId id="362" r:id="rId5"/>
+    <p:sldId id="421" r:id="rId6"/>
+    <p:sldId id="367" r:id="rId7"/>
+    <p:sldId id="410" r:id="rId8"/>
+    <p:sldId id="424" r:id="rId9"/>
+    <p:sldId id="360" r:id="rId10"/>
+    <p:sldId id="361" r:id="rId11"/>
+    <p:sldId id="422" r:id="rId12"/>
+    <p:sldId id="355" r:id="rId13"/>
+    <p:sldId id="420" r:id="rId14"/>
+    <p:sldId id="399" r:id="rId15"/>
+    <p:sldId id="390" r:id="rId16"/>
+    <p:sldId id="408" r:id="rId17"/>
+    <p:sldId id="391" r:id="rId18"/>
+    <p:sldId id="392" r:id="rId19"/>
+    <p:sldId id="393" r:id="rId20"/>
+    <p:sldId id="394" r:id="rId21"/>
+    <p:sldId id="395" r:id="rId22"/>
+    <p:sldId id="400" r:id="rId23"/>
+    <p:sldId id="401" r:id="rId24"/>
+    <p:sldId id="412" r:id="rId25"/>
+    <p:sldId id="415" r:id="rId26"/>
+    <p:sldId id="414" r:id="rId27"/>
+    <p:sldId id="413" r:id="rId28"/>
+    <p:sldId id="416" r:id="rId29"/>
+    <p:sldId id="417" r:id="rId30"/>
+    <p:sldId id="411" r:id="rId31"/>
+    <p:sldId id="402" r:id="rId32"/>
+    <p:sldId id="404" r:id="rId33"/>
+    <p:sldId id="405" r:id="rId34"/>
+    <p:sldId id="406" r:id="rId35"/>
+    <p:sldId id="418" r:id="rId36"/>
+    <p:sldId id="419" r:id="rId37"/>
+    <p:sldId id="409" r:id="rId38"/>
+    <p:sldId id="398" r:id="rId39"/>
   </p:sldIdLst>
   <p:sldSz cx="9144000" cy="6858000" type="screen4x3"/>
   <p:notesSz cx="6858000" cy="9144000"/>
@@ -1157,7 +1160,7 @@
       </p:grpSpPr>
       <p:sp>
         <p:nvSpPr>
-          <p:cNvPr id="48130" name="Rectangle 7"/>
+          <p:cNvPr id="47106" name="Rectangle 7"/>
           <p:cNvSpPr>
             <a:spLocks noGrp="1" noChangeArrowheads="1"/>
           </p:cNvSpPr>
@@ -1289,7 +1292,7 @@
             </a:lvl9pPr>
           </a:lstStyle>
           <a:p>
-            <a:fld id="{266FC6A4-8AC6-4FBD-9B8F-CE91B563947A}" type="slidenum">
+            <a:fld id="{E08A81B2-8D52-47E0-BFDF-A88EEED1BA44}" type="slidenum">
               <a:rPr lang="zh-TW" altLang="en-US" sz="1200" smtClean="0"/>
               <a:pPr/>
               <a:t>10</a:t>
@@ -1300,7 +1303,7 @@
       </p:sp>
       <p:sp>
         <p:nvSpPr>
-          <p:cNvPr id="48131" name="Rectangle 2"/>
+          <p:cNvPr id="47107" name="Rectangle 2"/>
           <p:cNvSpPr>
             <a:spLocks noGrp="1" noRot="1" noChangeAspect="1" noChangeArrowheads="1" noTextEdit="1"/>
           </p:cNvSpPr>
@@ -1314,7 +1317,7 @@
       </p:sp>
       <p:sp>
         <p:nvSpPr>
-          <p:cNvPr id="48132" name="Rectangle 3"/>
+          <p:cNvPr id="47108" name="Rectangle 3"/>
           <p:cNvSpPr>
             <a:spLocks noGrp="1" noChangeArrowheads="1"/>
           </p:cNvSpPr>
@@ -1358,7 +1361,7 @@
     </p:spTree>
     <p:extLst>
       <p:ext uri="{BB962C8B-B14F-4D97-AF65-F5344CB8AC3E}">
-        <p14:creationId xmlns:p14="http://schemas.microsoft.com/office/powerpoint/2010/main" val="282801898"/>
+        <p14:creationId xmlns:p14="http://schemas.microsoft.com/office/powerpoint/2010/main" val="2576940023"/>
       </p:ext>
     </p:extLst>
   </p:cSld>
@@ -1387,7 +1390,7 @@
       </p:grpSpPr>
       <p:sp>
         <p:nvSpPr>
-          <p:cNvPr id="49154" name="Rectangle 7"/>
+          <p:cNvPr id="48130" name="Rectangle 7"/>
           <p:cNvSpPr>
             <a:spLocks noGrp="1" noChangeArrowheads="1"/>
           </p:cNvSpPr>
@@ -1519,10 +1522,10 @@
             </a:lvl9pPr>
           </a:lstStyle>
           <a:p>
-            <a:fld id="{F07960BD-ED5F-458F-A72C-E818ECB1CADF}" type="slidenum">
+            <a:fld id="{266FC6A4-8AC6-4FBD-9B8F-CE91B563947A}" type="slidenum">
               <a:rPr lang="zh-TW" altLang="en-US" sz="1200" smtClean="0"/>
               <a:pPr/>
-              <a:t>27</a:t>
+              <a:t>11</a:t>
             </a:fld>
             <a:endParaRPr lang="en-US" altLang="zh-TW" sz="1200" smtClean="0"/>
           </a:p>
@@ -1530,7 +1533,7 @@
       </p:sp>
       <p:sp>
         <p:nvSpPr>
-          <p:cNvPr id="49155" name="Rectangle 2"/>
+          <p:cNvPr id="48131" name="Rectangle 2"/>
           <p:cNvSpPr>
             <a:spLocks noGrp="1" noRot="1" noChangeAspect="1" noChangeArrowheads="1" noTextEdit="1"/>
           </p:cNvSpPr>
@@ -1544,7 +1547,7 @@
       </p:sp>
       <p:sp>
         <p:nvSpPr>
-          <p:cNvPr id="49156" name="Rectangle 3"/>
+          <p:cNvPr id="48132" name="Rectangle 3"/>
           <p:cNvSpPr>
             <a:spLocks noGrp="1" noChangeArrowheads="1"/>
           </p:cNvSpPr>
@@ -1588,7 +1591,7 @@
     </p:spTree>
     <p:extLst>
       <p:ext uri="{BB962C8B-B14F-4D97-AF65-F5344CB8AC3E}">
-        <p14:creationId xmlns:p14="http://schemas.microsoft.com/office/powerpoint/2010/main" val="3005246340"/>
+        <p14:creationId xmlns:p14="http://schemas.microsoft.com/office/powerpoint/2010/main" val="2699313854"/>
       </p:ext>
     </p:extLst>
   </p:cSld>
@@ -1617,7 +1620,7 @@
       </p:grpSpPr>
       <p:sp>
         <p:nvSpPr>
-          <p:cNvPr id="51202" name="Rectangle 7"/>
+          <p:cNvPr id="48130" name="Rectangle 7"/>
           <p:cNvSpPr>
             <a:spLocks noGrp="1" noChangeArrowheads="1"/>
           </p:cNvSpPr>
@@ -1749,10 +1752,700 @@
             </a:lvl9pPr>
           </a:lstStyle>
           <a:p>
+            <a:fld id="{266FC6A4-8AC6-4FBD-9B8F-CE91B563947A}" type="slidenum">
+              <a:rPr lang="zh-TW" altLang="en-US" sz="1200" smtClean="0"/>
+              <a:pPr/>
+              <a:t>12</a:t>
+            </a:fld>
+            <a:endParaRPr lang="en-US" altLang="zh-TW" sz="1200" smtClean="0"/>
+          </a:p>
+        </p:txBody>
+      </p:sp>
+      <p:sp>
+        <p:nvSpPr>
+          <p:cNvPr id="48131" name="Rectangle 2"/>
+          <p:cNvSpPr>
+            <a:spLocks noGrp="1" noRot="1" noChangeAspect="1" noChangeArrowheads="1" noTextEdit="1"/>
+          </p:cNvSpPr>
+          <p:nvPr>
+            <p:ph type="sldImg"/>
+          </p:nvPr>
+        </p:nvSpPr>
+        <p:spPr>
+          <a:ln/>
+        </p:spPr>
+      </p:sp>
+      <p:sp>
+        <p:nvSpPr>
+          <p:cNvPr id="48132" name="Rectangle 3"/>
+          <p:cNvSpPr>
+            <a:spLocks noGrp="1" noChangeArrowheads="1"/>
+          </p:cNvSpPr>
+          <p:nvPr>
+            <p:ph type="body" idx="1"/>
+          </p:nvPr>
+        </p:nvSpPr>
+        <p:spPr>
+          <a:noFill/>
+          <a:ln w="9525"/>
+          <a:extLst>
+            <a:ext uri="{909E8E84-426E-40DD-AFC4-6F175D3DCCD1}">
+              <a14:hiddenFill xmlns:a14="http://schemas.microsoft.com/office/drawing/2010/main">
+                <a:solidFill>
+                  <a:srgbClr val="FFFFFF"/>
+                </a:solidFill>
+              </a14:hiddenFill>
+            </a:ext>
+            <a:ext uri="{91240B29-F687-4F45-9708-019B960494DF}">
+              <a14:hiddenLine xmlns:a14="http://schemas.microsoft.com/office/drawing/2010/main" w="9525">
+                <a:solidFill>
+                  <a:srgbClr val="000000"/>
+                </a:solidFill>
+                <a:miter lim="800000"/>
+                <a:headEnd type="none" w="sm" len="sm"/>
+                <a:tailEnd type="none" w="sm" len="sm"/>
+              </a14:hiddenLine>
+            </a:ext>
+          </a:extLst>
+        </p:spPr>
+        <p:txBody>
+          <a:bodyPr/>
+          <a:lstStyle/>
+          <a:p>
+            <a:endParaRPr lang="zh-TW" altLang="zh-TW" smtClean="0">
+              <a:latin typeface="Times New Roman" pitchFamily="18" charset="0"/>
+            </a:endParaRPr>
+          </a:p>
+        </p:txBody>
+      </p:sp>
+    </p:spTree>
+    <p:extLst>
+      <p:ext uri="{BB962C8B-B14F-4D97-AF65-F5344CB8AC3E}">
+        <p14:creationId xmlns:p14="http://schemas.microsoft.com/office/powerpoint/2010/main" val="1335428945"/>
+      </p:ext>
+    </p:extLst>
+  </p:cSld>
+  <p:clrMapOvr>
+    <a:masterClrMapping/>
+  </p:clrMapOvr>
+</p:notes>
+</file>
+
+<file path=ppt/notesSlides/notesSlide13.xml><?xml version="1.0" encoding="utf-8"?>
+<p:notes xmlns:a="http://schemas.openxmlformats.org/drawingml/2006/main" xmlns:r="http://schemas.openxmlformats.org/officeDocument/2006/relationships" xmlns:p="http://schemas.openxmlformats.org/presentationml/2006/main">
+  <p:cSld>
+    <p:spTree>
+      <p:nvGrpSpPr>
+        <p:cNvPr id="1" name=""/>
+        <p:cNvGrpSpPr/>
+        <p:nvPr/>
+      </p:nvGrpSpPr>
+      <p:grpSpPr>
+        <a:xfrm>
+          <a:off x="0" y="0"/>
+          <a:ext cx="0" cy="0"/>
+          <a:chOff x="0" y="0"/>
+          <a:chExt cx="0" cy="0"/>
+        </a:xfrm>
+      </p:grpSpPr>
+      <p:sp>
+        <p:nvSpPr>
+          <p:cNvPr id="48130" name="Rectangle 7"/>
+          <p:cNvSpPr>
+            <a:spLocks noGrp="1" noChangeArrowheads="1"/>
+          </p:cNvSpPr>
+          <p:nvPr>
+            <p:ph type="sldNum" sz="quarter" idx="5"/>
+          </p:nvPr>
+        </p:nvSpPr>
+        <p:spPr>
+          <a:noFill/>
+          <a:ln w="9525"/>
+          <a:extLst>
+            <a:ext uri="{909E8E84-426E-40DD-AFC4-6F175D3DCCD1}">
+              <a14:hiddenFill xmlns:a14="http://schemas.microsoft.com/office/drawing/2010/main">
+                <a:solidFill>
+                  <a:srgbClr val="FFFFFF"/>
+                </a:solidFill>
+              </a14:hiddenFill>
+            </a:ext>
+            <a:ext uri="{91240B29-F687-4F45-9708-019B960494DF}">
+              <a14:hiddenLine xmlns:a14="http://schemas.microsoft.com/office/drawing/2010/main" w="12700">
+                <a:solidFill>
+                  <a:srgbClr val="000000"/>
+                </a:solidFill>
+                <a:miter lim="800000"/>
+                <a:headEnd type="none" w="sm" len="sm"/>
+                <a:tailEnd type="none" w="sm" len="sm"/>
+              </a14:hiddenLine>
+            </a:ext>
+          </a:extLst>
+        </p:spPr>
+        <p:txBody>
+          <a:bodyPr/>
+          <a:lstStyle>
+            <a:lvl1pPr eaLnBrk="0" hangingPunct="0">
+              <a:defRPr sz="2400">
+                <a:solidFill>
+                  <a:schemeClr val="tx1"/>
+                </a:solidFill>
+                <a:latin typeface="Times New Roman" pitchFamily="18" charset="0"/>
+              </a:defRPr>
+            </a:lvl1pPr>
+            <a:lvl2pPr marL="742950" indent="-285750" eaLnBrk="0" hangingPunct="0">
+              <a:defRPr sz="2400">
+                <a:solidFill>
+                  <a:schemeClr val="tx1"/>
+                </a:solidFill>
+                <a:latin typeface="Times New Roman" pitchFamily="18" charset="0"/>
+              </a:defRPr>
+            </a:lvl2pPr>
+            <a:lvl3pPr marL="1143000" indent="-228600" eaLnBrk="0" hangingPunct="0">
+              <a:defRPr sz="2400">
+                <a:solidFill>
+                  <a:schemeClr val="tx1"/>
+                </a:solidFill>
+                <a:latin typeface="Times New Roman" pitchFamily="18" charset="0"/>
+              </a:defRPr>
+            </a:lvl3pPr>
+            <a:lvl4pPr marL="1600200" indent="-228600" eaLnBrk="0" hangingPunct="0">
+              <a:defRPr sz="2400">
+                <a:solidFill>
+                  <a:schemeClr val="tx1"/>
+                </a:solidFill>
+                <a:latin typeface="Times New Roman" pitchFamily="18" charset="0"/>
+              </a:defRPr>
+            </a:lvl4pPr>
+            <a:lvl5pPr marL="2057400" indent="-228600" eaLnBrk="0" hangingPunct="0">
+              <a:defRPr sz="2400">
+                <a:solidFill>
+                  <a:schemeClr val="tx1"/>
+                </a:solidFill>
+                <a:latin typeface="Times New Roman" pitchFamily="18" charset="0"/>
+              </a:defRPr>
+            </a:lvl5pPr>
+            <a:lvl6pPr marL="2514600" indent="-228600" eaLnBrk="0" fontAlgn="base" hangingPunct="0">
+              <a:spcBef>
+                <a:spcPct val="0"/>
+              </a:spcBef>
+              <a:spcAft>
+                <a:spcPct val="0"/>
+              </a:spcAft>
+              <a:defRPr sz="2400">
+                <a:solidFill>
+                  <a:schemeClr val="tx1"/>
+                </a:solidFill>
+                <a:latin typeface="Times New Roman" pitchFamily="18" charset="0"/>
+              </a:defRPr>
+            </a:lvl6pPr>
+            <a:lvl7pPr marL="2971800" indent="-228600" eaLnBrk="0" fontAlgn="base" hangingPunct="0">
+              <a:spcBef>
+                <a:spcPct val="0"/>
+              </a:spcBef>
+              <a:spcAft>
+                <a:spcPct val="0"/>
+              </a:spcAft>
+              <a:defRPr sz="2400">
+                <a:solidFill>
+                  <a:schemeClr val="tx1"/>
+                </a:solidFill>
+                <a:latin typeface="Times New Roman" pitchFamily="18" charset="0"/>
+              </a:defRPr>
+            </a:lvl7pPr>
+            <a:lvl8pPr marL="3429000" indent="-228600" eaLnBrk="0" fontAlgn="base" hangingPunct="0">
+              <a:spcBef>
+                <a:spcPct val="0"/>
+              </a:spcBef>
+              <a:spcAft>
+                <a:spcPct val="0"/>
+              </a:spcAft>
+              <a:defRPr sz="2400">
+                <a:solidFill>
+                  <a:schemeClr val="tx1"/>
+                </a:solidFill>
+                <a:latin typeface="Times New Roman" pitchFamily="18" charset="0"/>
+              </a:defRPr>
+            </a:lvl8pPr>
+            <a:lvl9pPr marL="3886200" indent="-228600" eaLnBrk="0" fontAlgn="base" hangingPunct="0">
+              <a:spcBef>
+                <a:spcPct val="0"/>
+              </a:spcBef>
+              <a:spcAft>
+                <a:spcPct val="0"/>
+              </a:spcAft>
+              <a:defRPr sz="2400">
+                <a:solidFill>
+                  <a:schemeClr val="tx1"/>
+                </a:solidFill>
+                <a:latin typeface="Times New Roman" pitchFamily="18" charset="0"/>
+              </a:defRPr>
+            </a:lvl9pPr>
+          </a:lstStyle>
+          <a:p>
+            <a:fld id="{266FC6A4-8AC6-4FBD-9B8F-CE91B563947A}" type="slidenum">
+              <a:rPr lang="zh-TW" altLang="en-US" sz="1200" smtClean="0"/>
+              <a:pPr/>
+              <a:t>13</a:t>
+            </a:fld>
+            <a:endParaRPr lang="en-US" altLang="zh-TW" sz="1200" smtClean="0"/>
+          </a:p>
+        </p:txBody>
+      </p:sp>
+      <p:sp>
+        <p:nvSpPr>
+          <p:cNvPr id="48131" name="Rectangle 2"/>
+          <p:cNvSpPr>
+            <a:spLocks noGrp="1" noRot="1" noChangeAspect="1" noChangeArrowheads="1" noTextEdit="1"/>
+          </p:cNvSpPr>
+          <p:nvPr>
+            <p:ph type="sldImg"/>
+          </p:nvPr>
+        </p:nvSpPr>
+        <p:spPr>
+          <a:ln/>
+        </p:spPr>
+      </p:sp>
+      <p:sp>
+        <p:nvSpPr>
+          <p:cNvPr id="48132" name="Rectangle 3"/>
+          <p:cNvSpPr>
+            <a:spLocks noGrp="1" noChangeArrowheads="1"/>
+          </p:cNvSpPr>
+          <p:nvPr>
+            <p:ph type="body" idx="1"/>
+          </p:nvPr>
+        </p:nvSpPr>
+        <p:spPr>
+          <a:noFill/>
+          <a:ln w="9525"/>
+          <a:extLst>
+            <a:ext uri="{909E8E84-426E-40DD-AFC4-6F175D3DCCD1}">
+              <a14:hiddenFill xmlns:a14="http://schemas.microsoft.com/office/drawing/2010/main">
+                <a:solidFill>
+                  <a:srgbClr val="FFFFFF"/>
+                </a:solidFill>
+              </a14:hiddenFill>
+            </a:ext>
+            <a:ext uri="{91240B29-F687-4F45-9708-019B960494DF}">
+              <a14:hiddenLine xmlns:a14="http://schemas.microsoft.com/office/drawing/2010/main" w="9525">
+                <a:solidFill>
+                  <a:srgbClr val="000000"/>
+                </a:solidFill>
+                <a:miter lim="800000"/>
+                <a:headEnd type="none" w="sm" len="sm"/>
+                <a:tailEnd type="none" w="sm" len="sm"/>
+              </a14:hiddenLine>
+            </a:ext>
+          </a:extLst>
+        </p:spPr>
+        <p:txBody>
+          <a:bodyPr/>
+          <a:lstStyle/>
+          <a:p>
+            <a:endParaRPr lang="zh-TW" altLang="zh-TW" smtClean="0">
+              <a:latin typeface="Times New Roman" pitchFamily="18" charset="0"/>
+            </a:endParaRPr>
+          </a:p>
+        </p:txBody>
+      </p:sp>
+    </p:spTree>
+    <p:extLst>
+      <p:ext uri="{BB962C8B-B14F-4D97-AF65-F5344CB8AC3E}">
+        <p14:creationId xmlns:p14="http://schemas.microsoft.com/office/powerpoint/2010/main" val="282801898"/>
+      </p:ext>
+    </p:extLst>
+  </p:cSld>
+  <p:clrMapOvr>
+    <a:masterClrMapping/>
+  </p:clrMapOvr>
+</p:notes>
+</file>
+
+<file path=ppt/notesSlides/notesSlide14.xml><?xml version="1.0" encoding="utf-8"?>
+<p:notes xmlns:a="http://schemas.openxmlformats.org/drawingml/2006/main" xmlns:r="http://schemas.openxmlformats.org/officeDocument/2006/relationships" xmlns:p="http://schemas.openxmlformats.org/presentationml/2006/main">
+  <p:cSld>
+    <p:spTree>
+      <p:nvGrpSpPr>
+        <p:cNvPr id="1" name=""/>
+        <p:cNvGrpSpPr/>
+        <p:nvPr/>
+      </p:nvGrpSpPr>
+      <p:grpSpPr>
+        <a:xfrm>
+          <a:off x="0" y="0"/>
+          <a:ext cx="0" cy="0"/>
+          <a:chOff x="0" y="0"/>
+          <a:chExt cx="0" cy="0"/>
+        </a:xfrm>
+      </p:grpSpPr>
+      <p:sp>
+        <p:nvSpPr>
+          <p:cNvPr id="49154" name="Rectangle 7"/>
+          <p:cNvSpPr>
+            <a:spLocks noGrp="1" noChangeArrowheads="1"/>
+          </p:cNvSpPr>
+          <p:nvPr>
+            <p:ph type="sldNum" sz="quarter" idx="5"/>
+          </p:nvPr>
+        </p:nvSpPr>
+        <p:spPr>
+          <a:noFill/>
+          <a:ln w="9525"/>
+          <a:extLst>
+            <a:ext uri="{909E8E84-426E-40DD-AFC4-6F175D3DCCD1}">
+              <a14:hiddenFill xmlns:a14="http://schemas.microsoft.com/office/drawing/2010/main">
+                <a:solidFill>
+                  <a:srgbClr val="FFFFFF"/>
+                </a:solidFill>
+              </a14:hiddenFill>
+            </a:ext>
+            <a:ext uri="{91240B29-F687-4F45-9708-019B960494DF}">
+              <a14:hiddenLine xmlns:a14="http://schemas.microsoft.com/office/drawing/2010/main" w="12700">
+                <a:solidFill>
+                  <a:srgbClr val="000000"/>
+                </a:solidFill>
+                <a:miter lim="800000"/>
+                <a:headEnd type="none" w="sm" len="sm"/>
+                <a:tailEnd type="none" w="sm" len="sm"/>
+              </a14:hiddenLine>
+            </a:ext>
+          </a:extLst>
+        </p:spPr>
+        <p:txBody>
+          <a:bodyPr/>
+          <a:lstStyle>
+            <a:lvl1pPr eaLnBrk="0" hangingPunct="0">
+              <a:defRPr sz="2400">
+                <a:solidFill>
+                  <a:schemeClr val="tx1"/>
+                </a:solidFill>
+                <a:latin typeface="Times New Roman" pitchFamily="18" charset="0"/>
+              </a:defRPr>
+            </a:lvl1pPr>
+            <a:lvl2pPr marL="742950" indent="-285750" eaLnBrk="0" hangingPunct="0">
+              <a:defRPr sz="2400">
+                <a:solidFill>
+                  <a:schemeClr val="tx1"/>
+                </a:solidFill>
+                <a:latin typeface="Times New Roman" pitchFamily="18" charset="0"/>
+              </a:defRPr>
+            </a:lvl2pPr>
+            <a:lvl3pPr marL="1143000" indent="-228600" eaLnBrk="0" hangingPunct="0">
+              <a:defRPr sz="2400">
+                <a:solidFill>
+                  <a:schemeClr val="tx1"/>
+                </a:solidFill>
+                <a:latin typeface="Times New Roman" pitchFamily="18" charset="0"/>
+              </a:defRPr>
+            </a:lvl3pPr>
+            <a:lvl4pPr marL="1600200" indent="-228600" eaLnBrk="0" hangingPunct="0">
+              <a:defRPr sz="2400">
+                <a:solidFill>
+                  <a:schemeClr val="tx1"/>
+                </a:solidFill>
+                <a:latin typeface="Times New Roman" pitchFamily="18" charset="0"/>
+              </a:defRPr>
+            </a:lvl4pPr>
+            <a:lvl5pPr marL="2057400" indent="-228600" eaLnBrk="0" hangingPunct="0">
+              <a:defRPr sz="2400">
+                <a:solidFill>
+                  <a:schemeClr val="tx1"/>
+                </a:solidFill>
+                <a:latin typeface="Times New Roman" pitchFamily="18" charset="0"/>
+              </a:defRPr>
+            </a:lvl5pPr>
+            <a:lvl6pPr marL="2514600" indent="-228600" eaLnBrk="0" fontAlgn="base" hangingPunct="0">
+              <a:spcBef>
+                <a:spcPct val="0"/>
+              </a:spcBef>
+              <a:spcAft>
+                <a:spcPct val="0"/>
+              </a:spcAft>
+              <a:defRPr sz="2400">
+                <a:solidFill>
+                  <a:schemeClr val="tx1"/>
+                </a:solidFill>
+                <a:latin typeface="Times New Roman" pitchFamily="18" charset="0"/>
+              </a:defRPr>
+            </a:lvl6pPr>
+            <a:lvl7pPr marL="2971800" indent="-228600" eaLnBrk="0" fontAlgn="base" hangingPunct="0">
+              <a:spcBef>
+                <a:spcPct val="0"/>
+              </a:spcBef>
+              <a:spcAft>
+                <a:spcPct val="0"/>
+              </a:spcAft>
+              <a:defRPr sz="2400">
+                <a:solidFill>
+                  <a:schemeClr val="tx1"/>
+                </a:solidFill>
+                <a:latin typeface="Times New Roman" pitchFamily="18" charset="0"/>
+              </a:defRPr>
+            </a:lvl7pPr>
+            <a:lvl8pPr marL="3429000" indent="-228600" eaLnBrk="0" fontAlgn="base" hangingPunct="0">
+              <a:spcBef>
+                <a:spcPct val="0"/>
+              </a:spcBef>
+              <a:spcAft>
+                <a:spcPct val="0"/>
+              </a:spcAft>
+              <a:defRPr sz="2400">
+                <a:solidFill>
+                  <a:schemeClr val="tx1"/>
+                </a:solidFill>
+                <a:latin typeface="Times New Roman" pitchFamily="18" charset="0"/>
+              </a:defRPr>
+            </a:lvl8pPr>
+            <a:lvl9pPr marL="3886200" indent="-228600" eaLnBrk="0" fontAlgn="base" hangingPunct="0">
+              <a:spcBef>
+                <a:spcPct val="0"/>
+              </a:spcBef>
+              <a:spcAft>
+                <a:spcPct val="0"/>
+              </a:spcAft>
+              <a:defRPr sz="2400">
+                <a:solidFill>
+                  <a:schemeClr val="tx1"/>
+                </a:solidFill>
+                <a:latin typeface="Times New Roman" pitchFamily="18" charset="0"/>
+              </a:defRPr>
+            </a:lvl9pPr>
+          </a:lstStyle>
+          <a:p>
+            <a:fld id="{F07960BD-ED5F-458F-A72C-E818ECB1CADF}" type="slidenum">
+              <a:rPr lang="zh-TW" altLang="en-US" sz="1200" smtClean="0"/>
+              <a:pPr/>
+              <a:t>30</a:t>
+            </a:fld>
+            <a:endParaRPr lang="en-US" altLang="zh-TW" sz="1200" smtClean="0"/>
+          </a:p>
+        </p:txBody>
+      </p:sp>
+      <p:sp>
+        <p:nvSpPr>
+          <p:cNvPr id="49155" name="Rectangle 2"/>
+          <p:cNvSpPr>
+            <a:spLocks noGrp="1" noRot="1" noChangeAspect="1" noChangeArrowheads="1" noTextEdit="1"/>
+          </p:cNvSpPr>
+          <p:nvPr>
+            <p:ph type="sldImg"/>
+          </p:nvPr>
+        </p:nvSpPr>
+        <p:spPr>
+          <a:ln/>
+        </p:spPr>
+      </p:sp>
+      <p:sp>
+        <p:nvSpPr>
+          <p:cNvPr id="49156" name="Rectangle 3"/>
+          <p:cNvSpPr>
+            <a:spLocks noGrp="1" noChangeArrowheads="1"/>
+          </p:cNvSpPr>
+          <p:nvPr>
+            <p:ph type="body" idx="1"/>
+          </p:nvPr>
+        </p:nvSpPr>
+        <p:spPr>
+          <a:noFill/>
+          <a:ln w="9525"/>
+          <a:extLst>
+            <a:ext uri="{909E8E84-426E-40DD-AFC4-6F175D3DCCD1}">
+              <a14:hiddenFill xmlns:a14="http://schemas.microsoft.com/office/drawing/2010/main">
+                <a:solidFill>
+                  <a:srgbClr val="FFFFFF"/>
+                </a:solidFill>
+              </a14:hiddenFill>
+            </a:ext>
+            <a:ext uri="{91240B29-F687-4F45-9708-019B960494DF}">
+              <a14:hiddenLine xmlns:a14="http://schemas.microsoft.com/office/drawing/2010/main" w="9525">
+                <a:solidFill>
+                  <a:srgbClr val="000000"/>
+                </a:solidFill>
+                <a:miter lim="800000"/>
+                <a:headEnd type="none" w="sm" len="sm"/>
+                <a:tailEnd type="none" w="sm" len="sm"/>
+              </a14:hiddenLine>
+            </a:ext>
+          </a:extLst>
+        </p:spPr>
+        <p:txBody>
+          <a:bodyPr/>
+          <a:lstStyle/>
+          <a:p>
+            <a:endParaRPr lang="zh-TW" altLang="zh-TW" smtClean="0">
+              <a:latin typeface="Times New Roman" pitchFamily="18" charset="0"/>
+            </a:endParaRPr>
+          </a:p>
+        </p:txBody>
+      </p:sp>
+    </p:spTree>
+    <p:extLst>
+      <p:ext uri="{BB962C8B-B14F-4D97-AF65-F5344CB8AC3E}">
+        <p14:creationId xmlns:p14="http://schemas.microsoft.com/office/powerpoint/2010/main" val="3005246340"/>
+      </p:ext>
+    </p:extLst>
+  </p:cSld>
+  <p:clrMapOvr>
+    <a:masterClrMapping/>
+  </p:clrMapOvr>
+</p:notes>
+</file>
+
+<file path=ppt/notesSlides/notesSlide15.xml><?xml version="1.0" encoding="utf-8"?>
+<p:notes xmlns:a="http://schemas.openxmlformats.org/drawingml/2006/main" xmlns:r="http://schemas.openxmlformats.org/officeDocument/2006/relationships" xmlns:p="http://schemas.openxmlformats.org/presentationml/2006/main">
+  <p:cSld>
+    <p:spTree>
+      <p:nvGrpSpPr>
+        <p:cNvPr id="1" name=""/>
+        <p:cNvGrpSpPr/>
+        <p:nvPr/>
+      </p:nvGrpSpPr>
+      <p:grpSpPr>
+        <a:xfrm>
+          <a:off x="0" y="0"/>
+          <a:ext cx="0" cy="0"/>
+          <a:chOff x="0" y="0"/>
+          <a:chExt cx="0" cy="0"/>
+        </a:xfrm>
+      </p:grpSpPr>
+      <p:sp>
+        <p:nvSpPr>
+          <p:cNvPr id="51202" name="Rectangle 7"/>
+          <p:cNvSpPr>
+            <a:spLocks noGrp="1" noChangeArrowheads="1"/>
+          </p:cNvSpPr>
+          <p:nvPr>
+            <p:ph type="sldNum" sz="quarter" idx="5"/>
+          </p:nvPr>
+        </p:nvSpPr>
+        <p:spPr>
+          <a:noFill/>
+          <a:ln w="9525"/>
+          <a:extLst>
+            <a:ext uri="{909E8E84-426E-40DD-AFC4-6F175D3DCCD1}">
+              <a14:hiddenFill xmlns:a14="http://schemas.microsoft.com/office/drawing/2010/main">
+                <a:solidFill>
+                  <a:srgbClr val="FFFFFF"/>
+                </a:solidFill>
+              </a14:hiddenFill>
+            </a:ext>
+            <a:ext uri="{91240B29-F687-4F45-9708-019B960494DF}">
+              <a14:hiddenLine xmlns:a14="http://schemas.microsoft.com/office/drawing/2010/main" w="12700">
+                <a:solidFill>
+                  <a:srgbClr val="000000"/>
+                </a:solidFill>
+                <a:miter lim="800000"/>
+                <a:headEnd type="none" w="sm" len="sm"/>
+                <a:tailEnd type="none" w="sm" len="sm"/>
+              </a14:hiddenLine>
+            </a:ext>
+          </a:extLst>
+        </p:spPr>
+        <p:txBody>
+          <a:bodyPr/>
+          <a:lstStyle>
+            <a:lvl1pPr eaLnBrk="0" hangingPunct="0">
+              <a:defRPr sz="2400">
+                <a:solidFill>
+                  <a:schemeClr val="tx1"/>
+                </a:solidFill>
+                <a:latin typeface="Times New Roman" pitchFamily="18" charset="0"/>
+              </a:defRPr>
+            </a:lvl1pPr>
+            <a:lvl2pPr marL="742950" indent="-285750" eaLnBrk="0" hangingPunct="0">
+              <a:defRPr sz="2400">
+                <a:solidFill>
+                  <a:schemeClr val="tx1"/>
+                </a:solidFill>
+                <a:latin typeface="Times New Roman" pitchFamily="18" charset="0"/>
+              </a:defRPr>
+            </a:lvl2pPr>
+            <a:lvl3pPr marL="1143000" indent="-228600" eaLnBrk="0" hangingPunct="0">
+              <a:defRPr sz="2400">
+                <a:solidFill>
+                  <a:schemeClr val="tx1"/>
+                </a:solidFill>
+                <a:latin typeface="Times New Roman" pitchFamily="18" charset="0"/>
+              </a:defRPr>
+            </a:lvl3pPr>
+            <a:lvl4pPr marL="1600200" indent="-228600" eaLnBrk="0" hangingPunct="0">
+              <a:defRPr sz="2400">
+                <a:solidFill>
+                  <a:schemeClr val="tx1"/>
+                </a:solidFill>
+                <a:latin typeface="Times New Roman" pitchFamily="18" charset="0"/>
+              </a:defRPr>
+            </a:lvl4pPr>
+            <a:lvl5pPr marL="2057400" indent="-228600" eaLnBrk="0" hangingPunct="0">
+              <a:defRPr sz="2400">
+                <a:solidFill>
+                  <a:schemeClr val="tx1"/>
+                </a:solidFill>
+                <a:latin typeface="Times New Roman" pitchFamily="18" charset="0"/>
+              </a:defRPr>
+            </a:lvl5pPr>
+            <a:lvl6pPr marL="2514600" indent="-228600" eaLnBrk="0" fontAlgn="base" hangingPunct="0">
+              <a:spcBef>
+                <a:spcPct val="0"/>
+              </a:spcBef>
+              <a:spcAft>
+                <a:spcPct val="0"/>
+              </a:spcAft>
+              <a:defRPr sz="2400">
+                <a:solidFill>
+                  <a:schemeClr val="tx1"/>
+                </a:solidFill>
+                <a:latin typeface="Times New Roman" pitchFamily="18" charset="0"/>
+              </a:defRPr>
+            </a:lvl6pPr>
+            <a:lvl7pPr marL="2971800" indent="-228600" eaLnBrk="0" fontAlgn="base" hangingPunct="0">
+              <a:spcBef>
+                <a:spcPct val="0"/>
+              </a:spcBef>
+              <a:spcAft>
+                <a:spcPct val="0"/>
+              </a:spcAft>
+              <a:defRPr sz="2400">
+                <a:solidFill>
+                  <a:schemeClr val="tx1"/>
+                </a:solidFill>
+                <a:latin typeface="Times New Roman" pitchFamily="18" charset="0"/>
+              </a:defRPr>
+            </a:lvl7pPr>
+            <a:lvl8pPr marL="3429000" indent="-228600" eaLnBrk="0" fontAlgn="base" hangingPunct="0">
+              <a:spcBef>
+                <a:spcPct val="0"/>
+              </a:spcBef>
+              <a:spcAft>
+                <a:spcPct val="0"/>
+              </a:spcAft>
+              <a:defRPr sz="2400">
+                <a:solidFill>
+                  <a:schemeClr val="tx1"/>
+                </a:solidFill>
+                <a:latin typeface="Times New Roman" pitchFamily="18" charset="0"/>
+              </a:defRPr>
+            </a:lvl8pPr>
+            <a:lvl9pPr marL="3886200" indent="-228600" eaLnBrk="0" fontAlgn="base" hangingPunct="0">
+              <a:spcBef>
+                <a:spcPct val="0"/>
+              </a:spcBef>
+              <a:spcAft>
+                <a:spcPct val="0"/>
+              </a:spcAft>
+              <a:defRPr sz="2400">
+                <a:solidFill>
+                  <a:schemeClr val="tx1"/>
+                </a:solidFill>
+                <a:latin typeface="Times New Roman" pitchFamily="18" charset="0"/>
+              </a:defRPr>
+            </a:lvl9pPr>
+          </a:lstStyle>
+          <a:p>
             <a:fld id="{947A8E3D-DFAF-4581-B154-A5B16700A529}" type="slidenum">
               <a:rPr lang="zh-TW" altLang="en-US" sz="1200" smtClean="0"/>
               <a:pPr/>
-              <a:t>35</a:t>
+              <a:t>38</a:t>
             </a:fld>
             <a:endParaRPr lang="en-US" altLang="zh-TW" sz="1200" smtClean="0"/>
           </a:p>
@@ -2048,7 +2741,7 @@
     </p:spTree>
     <p:extLst>
       <p:ext uri="{BB962C8B-B14F-4D97-AF65-F5344CB8AC3E}">
-        <p14:creationId xmlns:p14="http://schemas.microsoft.com/office/powerpoint/2010/main" val="3713807993"/>
+        <p14:creationId xmlns:p14="http://schemas.microsoft.com/office/powerpoint/2010/main" val="771684202"/>
       </p:ext>
     </p:extLst>
   </p:cSld>
@@ -2077,7 +2770,7 @@
       </p:grpSpPr>
       <p:sp>
         <p:nvSpPr>
-          <p:cNvPr id="43010" name="Rectangle 7"/>
+          <p:cNvPr id="41986" name="Rectangle 7"/>
           <p:cNvSpPr>
             <a:spLocks noGrp="1" noChangeArrowheads="1"/>
           </p:cNvSpPr>
@@ -2209,7 +2902,7 @@
             </a:lvl9pPr>
           </a:lstStyle>
           <a:p>
-            <a:fld id="{BA68FA1E-60E5-4232-A9BB-BBE64D50FD4C}" type="slidenum">
+            <a:fld id="{DD9F1BC4-EB66-4E58-82A5-F8150E1D27ED}" type="slidenum">
               <a:rPr lang="zh-TW" altLang="en-US" sz="1200" smtClean="0"/>
               <a:pPr/>
               <a:t>3</a:t>
@@ -2220,7 +2913,7 @@
       </p:sp>
       <p:sp>
         <p:nvSpPr>
-          <p:cNvPr id="43011" name="Rectangle 2"/>
+          <p:cNvPr id="41987" name="Rectangle 2"/>
           <p:cNvSpPr>
             <a:spLocks noGrp="1" noRot="1" noChangeAspect="1" noChangeArrowheads="1" noTextEdit="1"/>
           </p:cNvSpPr>
@@ -2234,7 +2927,7 @@
       </p:sp>
       <p:sp>
         <p:nvSpPr>
-          <p:cNvPr id="43012" name="Rectangle 3"/>
+          <p:cNvPr id="41988" name="Rectangle 3"/>
           <p:cNvSpPr>
             <a:spLocks noGrp="1" noChangeArrowheads="1"/>
           </p:cNvSpPr>
@@ -2278,7 +2971,7 @@
     </p:spTree>
     <p:extLst>
       <p:ext uri="{BB962C8B-B14F-4D97-AF65-F5344CB8AC3E}">
-        <p14:creationId xmlns:p14="http://schemas.microsoft.com/office/powerpoint/2010/main" val="1177082542"/>
+        <p14:creationId xmlns:p14="http://schemas.microsoft.com/office/powerpoint/2010/main" val="3713807993"/>
       </p:ext>
     </p:extLst>
   </p:cSld>
@@ -2307,7 +3000,7 @@
       </p:grpSpPr>
       <p:sp>
         <p:nvSpPr>
-          <p:cNvPr id="44034" name="Rectangle 7"/>
+          <p:cNvPr id="43010" name="Rectangle 7"/>
           <p:cNvSpPr>
             <a:spLocks noGrp="1" noChangeArrowheads="1"/>
           </p:cNvSpPr>
@@ -2439,7 +3132,7 @@
             </a:lvl9pPr>
           </a:lstStyle>
           <a:p>
-            <a:fld id="{4455E796-893F-41D6-9CA2-2EFF27E5D71C}" type="slidenum">
+            <a:fld id="{BA68FA1E-60E5-4232-A9BB-BBE64D50FD4C}" type="slidenum">
               <a:rPr lang="zh-TW" altLang="en-US" sz="1200" smtClean="0"/>
               <a:pPr/>
               <a:t>4</a:t>
@@ -2450,7 +3143,7 @@
       </p:sp>
       <p:sp>
         <p:nvSpPr>
-          <p:cNvPr id="44035" name="Rectangle 2"/>
+          <p:cNvPr id="43011" name="Rectangle 2"/>
           <p:cNvSpPr>
             <a:spLocks noGrp="1" noRot="1" noChangeAspect="1" noChangeArrowheads="1" noTextEdit="1"/>
           </p:cNvSpPr>
@@ -2464,7 +3157,7 @@
       </p:sp>
       <p:sp>
         <p:nvSpPr>
-          <p:cNvPr id="44036" name="Rectangle 3"/>
+          <p:cNvPr id="43012" name="Rectangle 3"/>
           <p:cNvSpPr>
             <a:spLocks noGrp="1" noChangeArrowheads="1"/>
           </p:cNvSpPr>
@@ -2508,7 +3201,7 @@
     </p:spTree>
     <p:extLst>
       <p:ext uri="{BB962C8B-B14F-4D97-AF65-F5344CB8AC3E}">
-        <p14:creationId xmlns:p14="http://schemas.microsoft.com/office/powerpoint/2010/main" val="318373055"/>
+        <p14:creationId xmlns:p14="http://schemas.microsoft.com/office/powerpoint/2010/main" val="1177082542"/>
       </p:ext>
     </p:extLst>
   </p:cSld>
@@ -2537,7 +3230,7 @@
       </p:grpSpPr>
       <p:sp>
         <p:nvSpPr>
-          <p:cNvPr id="45058" name="Rectangle 7"/>
+          <p:cNvPr id="48130" name="Rectangle 7"/>
           <p:cNvSpPr>
             <a:spLocks noGrp="1" noChangeArrowheads="1"/>
           </p:cNvSpPr>
@@ -2669,7 +3362,7 @@
             </a:lvl9pPr>
           </a:lstStyle>
           <a:p>
-            <a:fld id="{78394C9F-5E2C-4AA4-BD72-C86298444187}" type="slidenum">
+            <a:fld id="{266FC6A4-8AC6-4FBD-9B8F-CE91B563947A}" type="slidenum">
               <a:rPr lang="zh-TW" altLang="en-US" sz="1200" smtClean="0"/>
               <a:pPr/>
               <a:t>5</a:t>
@@ -2680,7 +3373,7 @@
       </p:sp>
       <p:sp>
         <p:nvSpPr>
-          <p:cNvPr id="45059" name="Rectangle 2"/>
+          <p:cNvPr id="48131" name="Rectangle 2"/>
           <p:cNvSpPr>
             <a:spLocks noGrp="1" noRot="1" noChangeAspect="1" noChangeArrowheads="1" noTextEdit="1"/>
           </p:cNvSpPr>
@@ -2694,7 +3387,7 @@
       </p:sp>
       <p:sp>
         <p:nvSpPr>
-          <p:cNvPr id="45060" name="Rectangle 3"/>
+          <p:cNvPr id="48132" name="Rectangle 3"/>
           <p:cNvSpPr>
             <a:spLocks noGrp="1" noChangeArrowheads="1"/>
           </p:cNvSpPr>
@@ -2738,7 +3431,7 @@
     </p:spTree>
     <p:extLst>
       <p:ext uri="{BB962C8B-B14F-4D97-AF65-F5344CB8AC3E}">
-        <p14:creationId xmlns:p14="http://schemas.microsoft.com/office/powerpoint/2010/main" val="2365974896"/>
+        <p14:creationId xmlns:p14="http://schemas.microsoft.com/office/powerpoint/2010/main" val="3946438163"/>
       </p:ext>
     </p:extLst>
   </p:cSld>
@@ -2767,7 +3460,7 @@
       </p:grpSpPr>
       <p:sp>
         <p:nvSpPr>
-          <p:cNvPr id="46082" name="Rectangle 7"/>
+          <p:cNvPr id="44034" name="Rectangle 7"/>
           <p:cNvSpPr>
             <a:spLocks noGrp="1" noChangeArrowheads="1"/>
           </p:cNvSpPr>
@@ -2899,7 +3592,7 @@
             </a:lvl9pPr>
           </a:lstStyle>
           <a:p>
-            <a:fld id="{01DC0974-38AC-4E3F-A1BB-693148D750B8}" type="slidenum">
+            <a:fld id="{4455E796-893F-41D6-9CA2-2EFF27E5D71C}" type="slidenum">
               <a:rPr lang="zh-TW" altLang="en-US" sz="1200" smtClean="0"/>
               <a:pPr/>
               <a:t>6</a:t>
@@ -2910,7 +3603,7 @@
       </p:sp>
       <p:sp>
         <p:nvSpPr>
-          <p:cNvPr id="46083" name="Rectangle 2"/>
+          <p:cNvPr id="44035" name="Rectangle 2"/>
           <p:cNvSpPr>
             <a:spLocks noGrp="1" noRot="1" noChangeAspect="1" noChangeArrowheads="1" noTextEdit="1"/>
           </p:cNvSpPr>
@@ -2924,7 +3617,7 @@
       </p:sp>
       <p:sp>
         <p:nvSpPr>
-          <p:cNvPr id="46084" name="Rectangle 3"/>
+          <p:cNvPr id="44036" name="Rectangle 3"/>
           <p:cNvSpPr>
             <a:spLocks noGrp="1" noChangeArrowheads="1"/>
           </p:cNvSpPr>
@@ -2968,7 +3661,7 @@
     </p:spTree>
     <p:extLst>
       <p:ext uri="{BB962C8B-B14F-4D97-AF65-F5344CB8AC3E}">
-        <p14:creationId xmlns:p14="http://schemas.microsoft.com/office/powerpoint/2010/main" val="3905003240"/>
+        <p14:creationId xmlns:p14="http://schemas.microsoft.com/office/powerpoint/2010/main" val="318373055"/>
       </p:ext>
     </p:extLst>
   </p:cSld>
@@ -2997,7 +3690,7 @@
       </p:grpSpPr>
       <p:sp>
         <p:nvSpPr>
-          <p:cNvPr id="47106" name="Rectangle 7"/>
+          <p:cNvPr id="45058" name="Rectangle 7"/>
           <p:cNvSpPr>
             <a:spLocks noGrp="1" noChangeArrowheads="1"/>
           </p:cNvSpPr>
@@ -3129,7 +3822,7 @@
             </a:lvl9pPr>
           </a:lstStyle>
           <a:p>
-            <a:fld id="{E08A81B2-8D52-47E0-BFDF-A88EEED1BA44}" type="slidenum">
+            <a:fld id="{78394C9F-5E2C-4AA4-BD72-C86298444187}" type="slidenum">
               <a:rPr lang="zh-TW" altLang="en-US" sz="1200" smtClean="0"/>
               <a:pPr/>
               <a:t>7</a:t>
@@ -3140,7 +3833,7 @@
       </p:sp>
       <p:sp>
         <p:nvSpPr>
-          <p:cNvPr id="47107" name="Rectangle 2"/>
+          <p:cNvPr id="45059" name="Rectangle 2"/>
           <p:cNvSpPr>
             <a:spLocks noGrp="1" noRot="1" noChangeAspect="1" noChangeArrowheads="1" noTextEdit="1"/>
           </p:cNvSpPr>
@@ -3154,7 +3847,7 @@
       </p:sp>
       <p:sp>
         <p:nvSpPr>
-          <p:cNvPr id="47108" name="Rectangle 3"/>
+          <p:cNvPr id="45060" name="Rectangle 3"/>
           <p:cNvSpPr>
             <a:spLocks noGrp="1" noChangeArrowheads="1"/>
           </p:cNvSpPr>
@@ -3198,7 +3891,7 @@
     </p:spTree>
     <p:extLst>
       <p:ext uri="{BB962C8B-B14F-4D97-AF65-F5344CB8AC3E}">
-        <p14:creationId xmlns:p14="http://schemas.microsoft.com/office/powerpoint/2010/main" val="2576940023"/>
+        <p14:creationId xmlns:p14="http://schemas.microsoft.com/office/powerpoint/2010/main" val="2365974896"/>
       </p:ext>
     </p:extLst>
   </p:cSld>
@@ -3227,7 +3920,7 @@
       </p:grpSpPr>
       <p:sp>
         <p:nvSpPr>
-          <p:cNvPr id="48130" name="Rectangle 7"/>
+          <p:cNvPr id="46082" name="Rectangle 7"/>
           <p:cNvSpPr>
             <a:spLocks noGrp="1" noChangeArrowheads="1"/>
           </p:cNvSpPr>
@@ -3359,7 +4052,7 @@
             </a:lvl9pPr>
           </a:lstStyle>
           <a:p>
-            <a:fld id="{266FC6A4-8AC6-4FBD-9B8F-CE91B563947A}" type="slidenum">
+            <a:fld id="{01DC0974-38AC-4E3F-A1BB-693148D750B8}" type="slidenum">
               <a:rPr lang="zh-TW" altLang="en-US" sz="1200" smtClean="0"/>
               <a:pPr/>
               <a:t>8</a:t>
@@ -3370,7 +4063,7 @@
       </p:sp>
       <p:sp>
         <p:nvSpPr>
-          <p:cNvPr id="48131" name="Rectangle 2"/>
+          <p:cNvPr id="46083" name="Rectangle 2"/>
           <p:cNvSpPr>
             <a:spLocks noGrp="1" noRot="1" noChangeAspect="1" noChangeArrowheads="1" noTextEdit="1"/>
           </p:cNvSpPr>
@@ -3384,7 +4077,7 @@
       </p:sp>
       <p:sp>
         <p:nvSpPr>
-          <p:cNvPr id="48132" name="Rectangle 3"/>
+          <p:cNvPr id="46084" name="Rectangle 3"/>
           <p:cNvSpPr>
             <a:spLocks noGrp="1" noChangeArrowheads="1"/>
           </p:cNvSpPr>
@@ -3428,7 +4121,7 @@
     </p:spTree>
     <p:extLst>
       <p:ext uri="{BB962C8B-B14F-4D97-AF65-F5344CB8AC3E}">
-        <p14:creationId xmlns:p14="http://schemas.microsoft.com/office/powerpoint/2010/main" val="1335428945"/>
+        <p14:creationId xmlns:p14="http://schemas.microsoft.com/office/powerpoint/2010/main" val="2032484741"/>
       </p:ext>
     </p:extLst>
   </p:cSld>
@@ -3457,7 +4150,7 @@
       </p:grpSpPr>
       <p:sp>
         <p:nvSpPr>
-          <p:cNvPr id="48130" name="Rectangle 7"/>
+          <p:cNvPr id="46082" name="Rectangle 7"/>
           <p:cNvSpPr>
             <a:spLocks noGrp="1" noChangeArrowheads="1"/>
           </p:cNvSpPr>
@@ -3589,7 +4282,7 @@
             </a:lvl9pPr>
           </a:lstStyle>
           <a:p>
-            <a:fld id="{266FC6A4-8AC6-4FBD-9B8F-CE91B563947A}" type="slidenum">
+            <a:fld id="{01DC0974-38AC-4E3F-A1BB-693148D750B8}" type="slidenum">
               <a:rPr lang="zh-TW" altLang="en-US" sz="1200" smtClean="0"/>
               <a:pPr/>
               <a:t>9</a:t>
@@ -3600,7 +4293,7 @@
       </p:sp>
       <p:sp>
         <p:nvSpPr>
-          <p:cNvPr id="48131" name="Rectangle 2"/>
+          <p:cNvPr id="46083" name="Rectangle 2"/>
           <p:cNvSpPr>
             <a:spLocks noGrp="1" noRot="1" noChangeAspect="1" noChangeArrowheads="1" noTextEdit="1"/>
           </p:cNvSpPr>
@@ -3614,7 +4307,7 @@
       </p:sp>
       <p:sp>
         <p:nvSpPr>
-          <p:cNvPr id="48132" name="Rectangle 3"/>
+          <p:cNvPr id="46084" name="Rectangle 3"/>
           <p:cNvSpPr>
             <a:spLocks noGrp="1" noChangeArrowheads="1"/>
           </p:cNvSpPr>
@@ -3658,7 +4351,7 @@
     </p:spTree>
     <p:extLst>
       <p:ext uri="{BB962C8B-B14F-4D97-AF65-F5344CB8AC3E}">
-        <p14:creationId xmlns:p14="http://schemas.microsoft.com/office/powerpoint/2010/main" val="3946438163"/>
+        <p14:creationId xmlns:p14="http://schemas.microsoft.com/office/powerpoint/2010/main" val="3905003240"/>
       </p:ext>
     </p:extLst>
   </p:cSld>
@@ -10296,7 +10989,7 @@
       </p:grpSpPr>
       <p:sp>
         <p:nvSpPr>
-          <p:cNvPr id="143362" name="Rectangle 3074"/>
+          <p:cNvPr id="149506" name="Rectangle 2"/>
           <p:cNvSpPr>
             <a:spLocks noGrp="1" noChangeArrowheads="1"/>
           </p:cNvSpPr>
@@ -10311,7 +11004,7 @@
           <a:p>
             <a:r>
               <a:rPr lang="en-US" altLang="zh-TW" smtClean="0"/>
-              <a:t>Predefined Constants</a:t>
+              <a:t>Pre- and Post-Increment and Decrement</a:t>
             </a:r>
             <a:endParaRPr lang="en-US" altLang="zh-TW" dirty="0" smtClean="0"/>
           </a:p>
@@ -10319,7 +11012,7 @@
       </p:sp>
       <p:sp>
         <p:nvSpPr>
-          <p:cNvPr id="20483" name="Rectangle 3075"/>
+          <p:cNvPr id="19459" name="Rectangle 3"/>
           <p:cNvSpPr>
             <a:spLocks noGrp="1" noChangeArrowheads="1"/>
           </p:cNvSpPr>
@@ -10333,28 +11026,55 @@
           <a:lstStyle/>
           <a:p>
             <a:r>
-              <a:rPr lang="en-US" altLang="zh-TW" smtClean="0"/>
-              <a:t>Some constants has already been predefined in PHP.</a:t>
-            </a:r>
-          </a:p>
-          <a:p>
-            <a:endParaRPr lang="en-US" altLang="zh-TW" smtClean="0"/>
-          </a:p>
-          <a:p>
-            <a:r>
-              <a:rPr lang="en-US" altLang="zh-TW" smtClean="0"/>
-              <a:t>predefindedConstant.php</a:t>
-            </a:r>
-            <a:endParaRPr lang="en-US" altLang="zh-TW" dirty="0" smtClean="0"/>
+              <a:rPr lang="zh-TW" altLang="en-US" dirty="0" smtClean="0"/>
+              <a:t>$</a:t>
+            </a:r>
+            <a:r>
+              <a:rPr lang="en-US" altLang="zh-TW" dirty="0" smtClean="0"/>
+              <a:t>a=1;</a:t>
+            </a:r>
+          </a:p>
+          <a:p>
+            <a:r>
+              <a:rPr lang="en-US" altLang="zh-TW" dirty="0" smtClean="0"/>
+              <a:t>echo ++$a; same as $a+=1;</a:t>
+            </a:r>
+          </a:p>
+          <a:p>
+            <a:r>
+              <a:rPr lang="en-US" altLang="zh-TW" dirty="0" smtClean="0"/>
+              <a:t>echo --$a; same as $a-=1;</a:t>
+            </a:r>
+          </a:p>
+          <a:p>
+            <a:r>
+              <a:rPr lang="en-US" altLang="zh-TW" dirty="0" smtClean="0"/>
+              <a:t>echo $a++; same as $a+=1;</a:t>
+            </a:r>
+          </a:p>
+          <a:p>
+            <a:r>
+              <a:rPr lang="en-US" altLang="zh-TW" dirty="0" smtClean="0"/>
+              <a:t>echo $a-</a:t>
+            </a:r>
+            <a:r>
+              <a:rPr lang="en-US" altLang="zh-TW" dirty="0" smtClean="0"/>
+              <a:t>-; </a:t>
+            </a:r>
+            <a:r>
+              <a:rPr lang="en-US" altLang="zh-TW" dirty="0" smtClean="0"/>
+              <a:t>same as $a-=1;</a:t>
+            </a:r>
+          </a:p>
+          <a:p>
+            <a:r>
+              <a:rPr lang="en-US" altLang="zh-TW" dirty="0" smtClean="0"/>
+              <a:t>incremental.txt</a:t>
+            </a:r>
           </a:p>
         </p:txBody>
       </p:sp>
     </p:spTree>
-    <p:extLst>
-      <p:ext uri="{BB962C8B-B14F-4D97-AF65-F5344CB8AC3E}">
-        <p14:creationId xmlns:p14="http://schemas.microsoft.com/office/powerpoint/2010/main" val="4133291617"/>
-      </p:ext>
-    </p:extLst>
   </p:cSld>
   <p:clrMapOvr>
     <a:masterClrMapping/>
@@ -10384,12 +11104,12 @@
       </p:grpSpPr>
       <p:sp>
         <p:nvSpPr>
-          <p:cNvPr id="2" name="Title 1"/>
+          <p:cNvPr id="143362" name="Rectangle 3074"/>
           <p:cNvSpPr>
-            <a:spLocks noGrp="1"/>
+            <a:spLocks noGrp="1" noChangeArrowheads="1"/>
           </p:cNvSpPr>
           <p:nvPr>
-            <p:ph type="ctrTitle"/>
+            <p:ph type="title"/>
           </p:nvPr>
         </p:nvSpPr>
         <p:spPr/>
@@ -10398,40 +11118,210 @@
           <a:lstStyle/>
           <a:p>
             <a:r>
-              <a:rPr lang="en-US" smtClean="0"/>
-              <a:t>Break</a:t>
-            </a:r>
-            <a:endParaRPr lang="en-US" dirty="0"/>
+              <a:rPr lang="en-US" altLang="zh-TW" dirty="0" smtClean="0"/>
+              <a:t>Circumference</a:t>
+            </a:r>
+            <a:endParaRPr lang="en-US" altLang="zh-TW" dirty="0" smtClean="0"/>
           </a:p>
         </p:txBody>
       </p:sp>
-      <p:sp>
-        <p:nvSpPr>
-          <p:cNvPr id="21507" name="Subtitle 3"/>
-          <p:cNvSpPr>
-            <a:spLocks noGrp="1"/>
-          </p:cNvSpPr>
+      <p:pic>
+        <p:nvPicPr>
+          <p:cNvPr id="1026" name="Picture 2" descr="circumference的圖片搜尋結果"/>
+          <p:cNvPicPr>
+            <a:picLocks noGrp="1" noChangeAspect="1" noChangeArrowheads="1"/>
+          </p:cNvPicPr>
           <p:nvPr>
-            <p:ph type="subTitle" idx="1"/>
+            <p:ph sz="half" idx="1"/>
           </p:nvPr>
-        </p:nvSpPr>
-        <p:spPr/>
-        <p:txBody>
-          <a:bodyPr/>
-          <a:lstStyle/>
-          <a:p>
-            <a:r>
-              <a:rPr lang="en-US" altLang="zh-TW" smtClean="0"/>
-              <a:t>Array is coming next…</a:t>
-            </a:r>
-          </a:p>
-        </p:txBody>
-      </p:sp>
+        </p:nvPicPr>
+        <p:blipFill>
+          <a:blip r:embed="rId3">
+            <a:extLst>
+              <a:ext uri="{28A0092B-C50C-407E-A947-70E740481C1C}">
+                <a14:useLocalDpi xmlns:a14="http://schemas.microsoft.com/office/drawing/2010/main" val="0"/>
+              </a:ext>
+            </a:extLst>
+          </a:blip>
+          <a:stretch>
+            <a:fillRect/>
+          </a:stretch>
+        </p:blipFill>
+        <p:spPr bwMode="auto">
+          <a:xfrm>
+            <a:off x="1480619" y="2667000"/>
+            <a:ext cx="2744237" cy="3368675"/>
+          </a:xfrm>
+          <a:prstGeom prst="rect">
+            <a:avLst/>
+          </a:prstGeom>
+          <a:noFill/>
+          <a:extLst>
+            <a:ext uri="{909E8E84-426E-40DD-AFC4-6F175D3DCCD1}">
+              <a14:hiddenFill xmlns:a14="http://schemas.microsoft.com/office/drawing/2010/main">
+                <a:solidFill>
+                  <a:srgbClr val="FFFFFF"/>
+                </a:solidFill>
+              </a14:hiddenFill>
+            </a:ext>
+          </a:extLst>
+        </p:spPr>
+      </p:pic>
+      <mc:AlternateContent xmlns:mc="http://schemas.openxmlformats.org/markup-compatibility/2006">
+        <mc:Choice xmlns:a14="http://schemas.microsoft.com/office/drawing/2010/main" Requires="a14">
+          <p:sp>
+            <p:nvSpPr>
+              <p:cNvPr id="2" name="Content Placeholder 1"/>
+              <p:cNvSpPr>
+                <a:spLocks noGrp="1"/>
+              </p:cNvSpPr>
+              <p:nvPr>
+                <p:ph sz="half" idx="2"/>
+              </p:nvPr>
+            </p:nvSpPr>
+            <p:spPr/>
+            <p:txBody>
+              <a:bodyPr/>
+              <a:lstStyle/>
+              <a:p>
+                <a14:m>
+                  <m:oMath xmlns:m="http://schemas.openxmlformats.org/officeDocument/2006/math">
+                    <m:r>
+                      <a:rPr lang="en-US" altLang="zh-HK" b="0" i="1" smtClean="0">
+                        <a:latin typeface="Cambria Math" panose="02040503050406030204" pitchFamily="18" charset="0"/>
+                      </a:rPr>
+                      <m:t>𝐶</m:t>
+                    </m:r>
+                    <m:r>
+                      <a:rPr lang="en-US" altLang="zh-HK" i="1" smtClean="0">
+                        <a:latin typeface="Cambria Math" panose="02040503050406030204" pitchFamily="18" charset="0"/>
+                      </a:rPr>
+                      <m:t>=</m:t>
+                    </m:r>
+                    <m:r>
+                      <a:rPr lang="en-US" altLang="zh-HK" b="0" i="1" smtClean="0">
+                        <a:latin typeface="Cambria Math" panose="02040503050406030204" pitchFamily="18" charset="0"/>
+                      </a:rPr>
+                      <m:t>2</m:t>
+                    </m:r>
+                    <m:r>
+                      <a:rPr lang="el-GR" altLang="zh-HK" i="1" smtClean="0">
+                        <a:latin typeface="Cambria Math" panose="02040503050406030204" pitchFamily="18" charset="0"/>
+                      </a:rPr>
+                      <m:t>𝜋</m:t>
+                    </m:r>
+                    <m:r>
+                      <a:rPr lang="en-US" altLang="zh-HK" i="1">
+                        <a:latin typeface="Cambria Math" panose="02040503050406030204" pitchFamily="18" charset="0"/>
+                      </a:rPr>
+                      <m:t>𝑟</m:t>
+                    </m:r>
+                  </m:oMath>
+                </a14:m>
+                <a:endParaRPr lang="en-US" altLang="zh-HK" i="1" dirty="0" smtClean="0">
+                  <a:latin typeface="Cambria Math" panose="02040503050406030204" pitchFamily="18" charset="0"/>
+                </a:endParaRPr>
+              </a:p>
+              <a:p>
+                <a14:m>
+                  <m:oMath xmlns:m="http://schemas.openxmlformats.org/officeDocument/2006/math">
+                    <m:r>
+                      <a:rPr lang="en-US" altLang="zh-HK" i="1" smtClean="0">
+                        <a:latin typeface="Cambria Math" panose="02040503050406030204" pitchFamily="18" charset="0"/>
+                      </a:rPr>
+                      <m:t>𝐴</m:t>
+                    </m:r>
+                    <m:r>
+                      <a:rPr lang="en-US" altLang="zh-HK" i="1" smtClean="0">
+                        <a:latin typeface="Cambria Math" panose="02040503050406030204" pitchFamily="18" charset="0"/>
+                      </a:rPr>
+                      <m:t>=</m:t>
+                    </m:r>
+                    <m:r>
+                      <a:rPr lang="el-GR" altLang="zh-HK" i="1" smtClean="0">
+                        <a:latin typeface="Cambria Math" panose="02040503050406030204" pitchFamily="18" charset="0"/>
+                      </a:rPr>
+                      <m:t>𝜋</m:t>
+                    </m:r>
+                    <m:sSup>
+                      <m:sSupPr>
+                        <m:ctrlPr>
+                          <a:rPr lang="en-US" altLang="zh-HK" i="1" smtClean="0">
+                            <a:latin typeface="Cambria Math" panose="02040503050406030204" pitchFamily="18" charset="0"/>
+                          </a:rPr>
+                        </m:ctrlPr>
+                      </m:sSupPr>
+                      <m:e>
+                        <m:r>
+                          <a:rPr lang="en-US" altLang="zh-HK" i="1" smtClean="0">
+                            <a:latin typeface="Cambria Math" panose="02040503050406030204" pitchFamily="18" charset="0"/>
+                          </a:rPr>
+                          <m:t>𝑟</m:t>
+                        </m:r>
+                      </m:e>
+                      <m:sup>
+                        <m:r>
+                          <a:rPr lang="en-US" altLang="zh-HK" i="1" smtClean="0">
+                            <a:latin typeface="Cambria Math" panose="02040503050406030204" pitchFamily="18" charset="0"/>
+                          </a:rPr>
+                          <m:t>2</m:t>
+                        </m:r>
+                      </m:sup>
+                    </m:sSup>
+                  </m:oMath>
+                </a14:m>
+                <a:endParaRPr lang="zh-HK" altLang="en-US" dirty="0"/>
+              </a:p>
+            </p:txBody>
+          </p:sp>
+        </mc:Choice>
+        <mc:Fallback>
+          <p:sp>
+            <p:nvSpPr>
+              <p:cNvPr id="2" name="Content Placeholder 1"/>
+              <p:cNvSpPr>
+                <a:spLocks noGrp="1" noRot="1" noChangeAspect="1" noMove="1" noResize="1" noEditPoints="1" noAdjustHandles="1" noChangeArrowheads="1" noChangeShapeType="1" noTextEdit="1"/>
+              </p:cNvSpPr>
+              <p:nvPr>
+                <p:ph sz="half" idx="2"/>
+              </p:nvPr>
+            </p:nvSpPr>
+            <p:spPr>
+              <a:blipFill rotWithShape="0">
+                <a:blip r:embed="rId4"/>
+                <a:stretch>
+                  <a:fillRect l="-2610"/>
+                </a:stretch>
+              </a:blipFill>
+            </p:spPr>
+            <p:txBody>
+              <a:bodyPr/>
+              <a:lstStyle/>
+              <a:p>
+                <a:r>
+                  <a:rPr lang="zh-HK" altLang="en-US">
+                    <a:noFill/>
+                  </a:rPr>
+                  <a:t> </a:t>
+                </a:r>
+              </a:p>
+            </p:txBody>
+          </p:sp>
+        </mc:Fallback>
+      </mc:AlternateContent>
     </p:spTree>
+    <p:extLst>
+      <p:ext uri="{BB962C8B-B14F-4D97-AF65-F5344CB8AC3E}">
+        <p14:creationId xmlns:p14="http://schemas.microsoft.com/office/powerpoint/2010/main" val="1720002167"/>
+      </p:ext>
+    </p:extLst>
   </p:cSld>
   <p:clrMapOvr>
     <a:masterClrMapping/>
   </p:clrMapOvr>
+  <p:transition>
+    <p:checker/>
+  </p:transition>
 </p:sld>
 </file>
 
@@ -10454,7 +11344,7 @@
       </p:grpSpPr>
       <p:sp>
         <p:nvSpPr>
-          <p:cNvPr id="7181" name="Rectangle 13"/>
+          <p:cNvPr id="143362" name="Rectangle 3074"/>
           <p:cNvSpPr>
             <a:spLocks noGrp="1" noChangeArrowheads="1"/>
           </p:cNvSpPr>
@@ -10469,14 +11359,15 @@
           <a:p>
             <a:r>
               <a:rPr lang="en-US" altLang="zh-TW" smtClean="0"/>
-              <a:t>Overview</a:t>
-            </a:r>
+              <a:t>Constants</a:t>
+            </a:r>
+            <a:endParaRPr lang="en-US" altLang="zh-TW" dirty="0" smtClean="0"/>
           </a:p>
         </p:txBody>
       </p:sp>
       <p:sp>
         <p:nvSpPr>
-          <p:cNvPr id="22531" name="Rectangle 14"/>
+          <p:cNvPr id="20483" name="Rectangle 3075"/>
           <p:cNvSpPr>
             <a:spLocks noGrp="1" noChangeArrowheads="1"/>
           </p:cNvSpPr>
@@ -10490,33 +11381,28 @@
           <a:lstStyle/>
           <a:p>
             <a:r>
-              <a:rPr lang="en-US" altLang="zh-TW" smtClean="0"/>
-              <a:t>The uses of arrays</a:t>
-            </a:r>
-          </a:p>
-          <a:p>
-            <a:r>
-              <a:rPr lang="en-US" altLang="zh-TW" smtClean="0"/>
-              <a:t>What are arrays</a:t>
-            </a:r>
-          </a:p>
-          <a:p>
-            <a:r>
-              <a:rPr lang="en-US" altLang="zh-TW" smtClean="0"/>
-              <a:t>How to declare arrays</a:t>
-            </a:r>
-          </a:p>
-          <a:p>
-            <a:r>
-              <a:rPr lang="en-US" altLang="zh-TW" smtClean="0"/>
-              <a:t>Multidimensional array</a:t>
-            </a:r>
-          </a:p>
-          <a:p>
-            <a:r>
-              <a:rPr lang="en-US" altLang="zh-TW" smtClean="0"/>
-              <a:t>Inspecting array</a:t>
-            </a:r>
+              <a:rPr lang="en-US" altLang="zh-TW" dirty="0" smtClean="0"/>
+              <a:t>Value that cannot be changed after setup</a:t>
+            </a:r>
+          </a:p>
+          <a:p>
+            <a:r>
+              <a:rPr lang="en-US" altLang="zh-TW" dirty="0" smtClean="0"/>
+              <a:t>Usually use all upper-case letter to distinguish from function name</a:t>
+            </a:r>
+          </a:p>
+          <a:p>
+            <a:r>
+              <a:rPr lang="en-US" altLang="zh-TW" dirty="0" smtClean="0"/>
+              <a:t>No dollar sign</a:t>
+            </a:r>
+          </a:p>
+          <a:p>
+            <a:r>
+              <a:rPr lang="en-US" altLang="zh-TW" dirty="0" err="1" smtClean="0"/>
+              <a:t>constant.php</a:t>
+            </a:r>
+            <a:endParaRPr lang="en-US" altLang="zh-TW" dirty="0" smtClean="0"/>
           </a:p>
         </p:txBody>
       </p:sp>
@@ -10532,6 +11418,260 @@
 </file>
 
 <file path=ppt/slides/slide13.xml><?xml version="1.0" encoding="utf-8"?>
+<p:sld xmlns:a="http://schemas.openxmlformats.org/drawingml/2006/main" xmlns:r="http://schemas.openxmlformats.org/officeDocument/2006/relationships" xmlns:p="http://schemas.openxmlformats.org/presentationml/2006/main">
+  <p:cSld>
+    <p:spTree>
+      <p:nvGrpSpPr>
+        <p:cNvPr id="1" name=""/>
+        <p:cNvGrpSpPr/>
+        <p:nvPr/>
+      </p:nvGrpSpPr>
+      <p:grpSpPr>
+        <a:xfrm>
+          <a:off x="0" y="0"/>
+          <a:ext cx="0" cy="0"/>
+          <a:chOff x="0" y="0"/>
+          <a:chExt cx="0" cy="0"/>
+        </a:xfrm>
+      </p:grpSpPr>
+      <p:sp>
+        <p:nvSpPr>
+          <p:cNvPr id="143362" name="Rectangle 3074"/>
+          <p:cNvSpPr>
+            <a:spLocks noGrp="1" noChangeArrowheads="1"/>
+          </p:cNvSpPr>
+          <p:nvPr>
+            <p:ph type="title"/>
+          </p:nvPr>
+        </p:nvSpPr>
+        <p:spPr/>
+        <p:txBody>
+          <a:bodyPr/>
+          <a:lstStyle/>
+          <a:p>
+            <a:r>
+              <a:rPr lang="en-US" altLang="zh-TW" smtClean="0"/>
+              <a:t>Predefined Constants</a:t>
+            </a:r>
+            <a:endParaRPr lang="en-US" altLang="zh-TW" dirty="0" smtClean="0"/>
+          </a:p>
+        </p:txBody>
+      </p:sp>
+      <p:sp>
+        <p:nvSpPr>
+          <p:cNvPr id="20483" name="Rectangle 3075"/>
+          <p:cNvSpPr>
+            <a:spLocks noGrp="1" noChangeArrowheads="1"/>
+          </p:cNvSpPr>
+          <p:nvPr>
+            <p:ph idx="1"/>
+          </p:nvPr>
+        </p:nvSpPr>
+        <p:spPr/>
+        <p:txBody>
+          <a:bodyPr/>
+          <a:lstStyle/>
+          <a:p>
+            <a:r>
+              <a:rPr lang="en-US" altLang="zh-TW" smtClean="0"/>
+              <a:t>Some constants has already been predefined in PHP.</a:t>
+            </a:r>
+          </a:p>
+          <a:p>
+            <a:endParaRPr lang="en-US" altLang="zh-TW" smtClean="0"/>
+          </a:p>
+          <a:p>
+            <a:r>
+              <a:rPr lang="en-US" altLang="zh-TW" smtClean="0"/>
+              <a:t>predefindedConstant.php</a:t>
+            </a:r>
+            <a:endParaRPr lang="en-US" altLang="zh-TW" dirty="0" smtClean="0"/>
+          </a:p>
+        </p:txBody>
+      </p:sp>
+    </p:spTree>
+    <p:extLst>
+      <p:ext uri="{BB962C8B-B14F-4D97-AF65-F5344CB8AC3E}">
+        <p14:creationId xmlns:p14="http://schemas.microsoft.com/office/powerpoint/2010/main" val="4133291617"/>
+      </p:ext>
+    </p:extLst>
+  </p:cSld>
+  <p:clrMapOvr>
+    <a:masterClrMapping/>
+  </p:clrMapOvr>
+  <p:transition>
+    <p:checker/>
+  </p:transition>
+</p:sld>
+</file>
+
+<file path=ppt/slides/slide14.xml><?xml version="1.0" encoding="utf-8"?>
+<p:sld xmlns:a="http://schemas.openxmlformats.org/drawingml/2006/main" xmlns:r="http://schemas.openxmlformats.org/officeDocument/2006/relationships" xmlns:p="http://schemas.openxmlformats.org/presentationml/2006/main">
+  <p:cSld>
+    <p:spTree>
+      <p:nvGrpSpPr>
+        <p:cNvPr id="1" name=""/>
+        <p:cNvGrpSpPr/>
+        <p:nvPr/>
+      </p:nvGrpSpPr>
+      <p:grpSpPr>
+        <a:xfrm>
+          <a:off x="0" y="0"/>
+          <a:ext cx="0" cy="0"/>
+          <a:chOff x="0" y="0"/>
+          <a:chExt cx="0" cy="0"/>
+        </a:xfrm>
+      </p:grpSpPr>
+      <p:sp>
+        <p:nvSpPr>
+          <p:cNvPr id="2" name="Title 1"/>
+          <p:cNvSpPr>
+            <a:spLocks noGrp="1"/>
+          </p:cNvSpPr>
+          <p:nvPr>
+            <p:ph type="ctrTitle"/>
+          </p:nvPr>
+        </p:nvSpPr>
+        <p:spPr/>
+        <p:txBody>
+          <a:bodyPr/>
+          <a:lstStyle/>
+          <a:p>
+            <a:r>
+              <a:rPr lang="en-US" smtClean="0"/>
+              <a:t>Break</a:t>
+            </a:r>
+            <a:endParaRPr lang="en-US" dirty="0"/>
+          </a:p>
+        </p:txBody>
+      </p:sp>
+      <p:sp>
+        <p:nvSpPr>
+          <p:cNvPr id="21507" name="Subtitle 3"/>
+          <p:cNvSpPr>
+            <a:spLocks noGrp="1"/>
+          </p:cNvSpPr>
+          <p:nvPr>
+            <p:ph type="subTitle" idx="1"/>
+          </p:nvPr>
+        </p:nvSpPr>
+        <p:spPr/>
+        <p:txBody>
+          <a:bodyPr/>
+          <a:lstStyle/>
+          <a:p>
+            <a:r>
+              <a:rPr lang="en-US" altLang="zh-TW" smtClean="0"/>
+              <a:t>Array is coming next…</a:t>
+            </a:r>
+          </a:p>
+        </p:txBody>
+      </p:sp>
+    </p:spTree>
+  </p:cSld>
+  <p:clrMapOvr>
+    <a:masterClrMapping/>
+  </p:clrMapOvr>
+</p:sld>
+</file>
+
+<file path=ppt/slides/slide15.xml><?xml version="1.0" encoding="utf-8"?>
+<p:sld xmlns:a="http://schemas.openxmlformats.org/drawingml/2006/main" xmlns:r="http://schemas.openxmlformats.org/officeDocument/2006/relationships" xmlns:p="http://schemas.openxmlformats.org/presentationml/2006/main">
+  <p:cSld>
+    <p:spTree>
+      <p:nvGrpSpPr>
+        <p:cNvPr id="1" name=""/>
+        <p:cNvGrpSpPr/>
+        <p:nvPr/>
+      </p:nvGrpSpPr>
+      <p:grpSpPr>
+        <a:xfrm>
+          <a:off x="0" y="0"/>
+          <a:ext cx="0" cy="0"/>
+          <a:chOff x="0" y="0"/>
+          <a:chExt cx="0" cy="0"/>
+        </a:xfrm>
+      </p:grpSpPr>
+      <p:sp>
+        <p:nvSpPr>
+          <p:cNvPr id="7181" name="Rectangle 13"/>
+          <p:cNvSpPr>
+            <a:spLocks noGrp="1" noChangeArrowheads="1"/>
+          </p:cNvSpPr>
+          <p:nvPr>
+            <p:ph type="title"/>
+          </p:nvPr>
+        </p:nvSpPr>
+        <p:spPr/>
+        <p:txBody>
+          <a:bodyPr/>
+          <a:lstStyle/>
+          <a:p>
+            <a:r>
+              <a:rPr lang="en-US" altLang="zh-TW" smtClean="0"/>
+              <a:t>Overview</a:t>
+            </a:r>
+          </a:p>
+        </p:txBody>
+      </p:sp>
+      <p:sp>
+        <p:nvSpPr>
+          <p:cNvPr id="22531" name="Rectangle 14"/>
+          <p:cNvSpPr>
+            <a:spLocks noGrp="1" noChangeArrowheads="1"/>
+          </p:cNvSpPr>
+          <p:nvPr>
+            <p:ph idx="1"/>
+          </p:nvPr>
+        </p:nvSpPr>
+        <p:spPr/>
+        <p:txBody>
+          <a:bodyPr/>
+          <a:lstStyle/>
+          <a:p>
+            <a:r>
+              <a:rPr lang="en-US" altLang="zh-TW" smtClean="0"/>
+              <a:t>The uses of arrays</a:t>
+            </a:r>
+          </a:p>
+          <a:p>
+            <a:r>
+              <a:rPr lang="en-US" altLang="zh-TW" smtClean="0"/>
+              <a:t>What are arrays</a:t>
+            </a:r>
+          </a:p>
+          <a:p>
+            <a:r>
+              <a:rPr lang="en-US" altLang="zh-TW" smtClean="0"/>
+              <a:t>How to declare arrays</a:t>
+            </a:r>
+          </a:p>
+          <a:p>
+            <a:r>
+              <a:rPr lang="en-US" altLang="zh-TW" smtClean="0"/>
+              <a:t>Multidimensional array</a:t>
+            </a:r>
+          </a:p>
+          <a:p>
+            <a:r>
+              <a:rPr lang="en-US" altLang="zh-TW" smtClean="0"/>
+              <a:t>Inspecting array</a:t>
+            </a:r>
+          </a:p>
+        </p:txBody>
+      </p:sp>
+    </p:spTree>
+  </p:cSld>
+  <p:clrMapOvr>
+    <a:masterClrMapping/>
+  </p:clrMapOvr>
+  <p:transition>
+    <p:checker/>
+  </p:transition>
+</p:sld>
+</file>
+
+<file path=ppt/slides/slide16.xml><?xml version="1.0" encoding="utf-8"?>
 <p:sld xmlns:a="http://schemas.openxmlformats.org/drawingml/2006/main" xmlns:r="http://schemas.openxmlformats.org/officeDocument/2006/relationships" xmlns:p="http://schemas.openxmlformats.org/presentationml/2006/main">
   <p:cSld>
     <p:spTree>
@@ -12086,326 +13226,6 @@
 </p:sld>
 </file>
 
-<file path=ppt/slides/slide14.xml><?xml version="1.0" encoding="utf-8"?>
-<p:sld xmlns:a="http://schemas.openxmlformats.org/drawingml/2006/main" xmlns:r="http://schemas.openxmlformats.org/officeDocument/2006/relationships" xmlns:p="http://schemas.openxmlformats.org/presentationml/2006/main">
-  <p:cSld>
-    <p:spTree>
-      <p:nvGrpSpPr>
-        <p:cNvPr id="1" name=""/>
-        <p:cNvGrpSpPr/>
-        <p:nvPr/>
-      </p:nvGrpSpPr>
-      <p:grpSpPr>
-        <a:xfrm>
-          <a:off x="0" y="0"/>
-          <a:ext cx="0" cy="0"/>
-          <a:chOff x="0" y="0"/>
-          <a:chExt cx="0" cy="0"/>
-        </a:xfrm>
-      </p:grpSpPr>
-      <p:sp>
-        <p:nvSpPr>
-          <p:cNvPr id="140290" name="Rectangle 2"/>
-          <p:cNvSpPr>
-            <a:spLocks noGrp="1" noChangeArrowheads="1"/>
-          </p:cNvSpPr>
-          <p:nvPr>
-            <p:ph type="title"/>
-          </p:nvPr>
-        </p:nvSpPr>
-        <p:spPr/>
-        <p:txBody>
-          <a:bodyPr/>
-          <a:lstStyle/>
-          <a:p>
-            <a:r>
-              <a:rPr lang="en-US" altLang="zh-TW" smtClean="0"/>
-              <a:t>The uses of arrays</a:t>
-            </a:r>
-          </a:p>
-        </p:txBody>
-      </p:sp>
-      <p:sp>
-        <p:nvSpPr>
-          <p:cNvPr id="24579" name="Rectangle 3"/>
-          <p:cNvSpPr>
-            <a:spLocks noGrp="1" noChangeArrowheads="1"/>
-          </p:cNvSpPr>
-          <p:nvPr>
-            <p:ph idx="1"/>
-          </p:nvPr>
-        </p:nvSpPr>
-        <p:spPr/>
-        <p:txBody>
-          <a:bodyPr/>
-          <a:lstStyle/>
-          <a:p>
-            <a:r>
-              <a:rPr lang="en-US" altLang="zh-TW" smtClean="0"/>
-              <a:t>Store many variables in one variable name</a:t>
-            </a:r>
-          </a:p>
-          <a:p>
-            <a:r>
-              <a:rPr lang="en-US" altLang="zh-TW" smtClean="0"/>
-              <a:t>No difference in data entry, but save a lot of time in generating a result</a:t>
-            </a:r>
-          </a:p>
-          <a:p>
-            <a:endParaRPr lang="en-US" altLang="zh-TW" smtClean="0"/>
-          </a:p>
-          <a:p>
-            <a:r>
-              <a:rPr lang="en-US" altLang="zh-TW" smtClean="0"/>
-              <a:t>How to write that in PHP?</a:t>
-            </a:r>
-            <a:endParaRPr lang="en-US" altLang="zh-TW" dirty="0" smtClean="0"/>
-          </a:p>
-        </p:txBody>
-      </p:sp>
-    </p:spTree>
-  </p:cSld>
-  <p:clrMapOvr>
-    <a:masterClrMapping/>
-  </p:clrMapOvr>
-  <p:transition>
-    <p:checker/>
-  </p:transition>
-</p:sld>
-</file>
-
-<file path=ppt/slides/slide15.xml><?xml version="1.0" encoding="utf-8"?>
-<p:sld xmlns:a="http://schemas.openxmlformats.org/drawingml/2006/main" xmlns:r="http://schemas.openxmlformats.org/officeDocument/2006/relationships" xmlns:p="http://schemas.openxmlformats.org/presentationml/2006/main">
-  <p:cSld>
-    <p:spTree>
-      <p:nvGrpSpPr>
-        <p:cNvPr id="1" name=""/>
-        <p:cNvGrpSpPr/>
-        <p:nvPr/>
-      </p:nvGrpSpPr>
-      <p:grpSpPr>
-        <a:xfrm>
-          <a:off x="0" y="0"/>
-          <a:ext cx="0" cy="0"/>
-          <a:chOff x="0" y="0"/>
-          <a:chExt cx="0" cy="0"/>
-        </a:xfrm>
-      </p:grpSpPr>
-      <p:sp>
-        <p:nvSpPr>
-          <p:cNvPr id="152578" name="Rectangle 2"/>
-          <p:cNvSpPr>
-            <a:spLocks noGrp="1" noChangeArrowheads="1"/>
-          </p:cNvSpPr>
-          <p:nvPr>
-            <p:ph type="title"/>
-          </p:nvPr>
-        </p:nvSpPr>
-        <p:spPr/>
-        <p:txBody>
-          <a:bodyPr/>
-          <a:lstStyle/>
-          <a:p>
-            <a:r>
-              <a:rPr lang="en-US" altLang="zh-TW" smtClean="0"/>
-              <a:t>What are arrays</a:t>
-            </a:r>
-          </a:p>
-        </p:txBody>
-      </p:sp>
-      <p:sp>
-        <p:nvSpPr>
-          <p:cNvPr id="25603" name="Rectangle 3"/>
-          <p:cNvSpPr>
-            <a:spLocks noGrp="1" noChangeArrowheads="1"/>
-          </p:cNvSpPr>
-          <p:nvPr>
-            <p:ph idx="1"/>
-          </p:nvPr>
-        </p:nvSpPr>
-        <p:spPr/>
-        <p:txBody>
-          <a:bodyPr/>
-          <a:lstStyle/>
-          <a:p>
-            <a:r>
-              <a:rPr lang="en-US" altLang="zh-TW" smtClean="0"/>
-              <a:t>an orderly arrangement</a:t>
-            </a:r>
-          </a:p>
-          <a:p>
-            <a:r>
-              <a:rPr lang="en-US" altLang="zh-TW" smtClean="0"/>
-              <a:t>indexed collection of data values</a:t>
-            </a:r>
-          </a:p>
-          <a:p>
-            <a:r>
-              <a:rPr lang="en-US" altLang="zh-TW" smtClean="0"/>
-              <a:t>A series of variables (or objects) that are of the same size and type</a:t>
-            </a:r>
-          </a:p>
-        </p:txBody>
-      </p:sp>
-    </p:spTree>
-  </p:cSld>
-  <p:clrMapOvr>
-    <a:masterClrMapping/>
-  </p:clrMapOvr>
-  <p:transition>
-    <p:checker/>
-  </p:transition>
-</p:sld>
-</file>
-
-<file path=ppt/slides/slide16.xml><?xml version="1.0" encoding="utf-8"?>
-<p:sld xmlns:a="http://schemas.openxmlformats.org/drawingml/2006/main" xmlns:r="http://schemas.openxmlformats.org/officeDocument/2006/relationships" xmlns:p="http://schemas.openxmlformats.org/presentationml/2006/main">
-  <p:cSld>
-    <p:spTree>
-      <p:nvGrpSpPr>
-        <p:cNvPr id="1" name=""/>
-        <p:cNvGrpSpPr/>
-        <p:nvPr/>
-      </p:nvGrpSpPr>
-      <p:grpSpPr>
-        <a:xfrm>
-          <a:off x="0" y="0"/>
-          <a:ext cx="0" cy="0"/>
-          <a:chOff x="0" y="0"/>
-          <a:chExt cx="0" cy="0"/>
-        </a:xfrm>
-      </p:grpSpPr>
-      <p:sp>
-        <p:nvSpPr>
-          <p:cNvPr id="188418" name="Rectangle 2"/>
-          <p:cNvSpPr>
-            <a:spLocks noGrp="1" noChangeArrowheads="1"/>
-          </p:cNvSpPr>
-          <p:nvPr>
-            <p:ph type="title"/>
-          </p:nvPr>
-        </p:nvSpPr>
-        <p:spPr/>
-        <p:txBody>
-          <a:bodyPr/>
-          <a:lstStyle/>
-          <a:p>
-            <a:r>
-              <a:rPr lang="en-US" altLang="zh-TW" smtClean="0"/>
-              <a:t>How to declare arrays</a:t>
-            </a:r>
-          </a:p>
-        </p:txBody>
-      </p:sp>
-      <p:sp>
-        <p:nvSpPr>
-          <p:cNvPr id="26627" name="Rectangle 3"/>
-          <p:cNvSpPr>
-            <a:spLocks noGrp="1" noChangeArrowheads="1"/>
-          </p:cNvSpPr>
-          <p:nvPr>
-            <p:ph idx="1"/>
-          </p:nvPr>
-        </p:nvSpPr>
-        <p:spPr/>
-        <p:txBody>
-          <a:bodyPr/>
-          <a:lstStyle/>
-          <a:p>
-            <a:r>
-              <a:rPr lang="zh-TW" altLang="en-US" dirty="0" smtClean="0"/>
-              <a:t>$</a:t>
-            </a:r>
-            <a:r>
-              <a:rPr lang="en-US" altLang="zh-TW" dirty="0" smtClean="0"/>
-              <a:t>array[0]=</a:t>
-            </a:r>
-            <a:r>
-              <a:rPr lang="mr-IN" altLang="zh-TW" dirty="0" smtClean="0"/>
-              <a:t>"</a:t>
-            </a:r>
-            <a:r>
-              <a:rPr lang="en-US" altLang="zh-TW" dirty="0" smtClean="0"/>
-              <a:t>first thing</a:t>
-            </a:r>
-            <a:r>
-              <a:rPr lang="mr-IN" altLang="zh-TW" dirty="0" smtClean="0"/>
-              <a:t>"</a:t>
-            </a:r>
-            <a:r>
-              <a:rPr lang="en-US" altLang="zh-TW" dirty="0" smtClean="0"/>
-              <a:t>;</a:t>
-            </a:r>
-          </a:p>
-          <a:p>
-            <a:r>
-              <a:rPr lang="en-US" altLang="zh-TW" dirty="0" smtClean="0"/>
-              <a:t>$array[1]=</a:t>
-            </a:r>
-            <a:r>
-              <a:rPr lang="mr-IN" altLang="zh-TW" dirty="0" smtClean="0"/>
-              <a:t>"</a:t>
-            </a:r>
-            <a:r>
-              <a:rPr lang="en-US" altLang="zh-TW" dirty="0" smtClean="0"/>
-              <a:t>second thing</a:t>
-            </a:r>
-            <a:r>
-              <a:rPr lang="mr-IN" altLang="zh-TW" dirty="0" smtClean="0"/>
-              <a:t>"</a:t>
-            </a:r>
-            <a:r>
-              <a:rPr lang="en-US" altLang="zh-TW" dirty="0" smtClean="0"/>
-              <a:t>;</a:t>
-            </a:r>
-          </a:p>
-          <a:p>
-            <a:r>
-              <a:rPr lang="en-US" altLang="zh-TW" dirty="0" smtClean="0"/>
-              <a:t>$array['green']=</a:t>
-            </a:r>
-            <a:r>
-              <a:rPr lang="mr-IN" altLang="zh-TW" dirty="0" smtClean="0"/>
-              <a:t>"</a:t>
-            </a:r>
-            <a:r>
-              <a:rPr lang="en-US" altLang="zh-TW" dirty="0" smtClean="0"/>
-              <a:t>john</a:t>
-            </a:r>
-            <a:r>
-              <a:rPr lang="mr-IN" altLang="zh-TW" dirty="0" smtClean="0"/>
-              <a:t>"</a:t>
-            </a:r>
-            <a:r>
-              <a:rPr lang="en-US" altLang="zh-TW" dirty="0" smtClean="0"/>
-              <a:t>;</a:t>
-            </a:r>
-          </a:p>
-          <a:p>
-            <a:r>
-              <a:rPr lang="en-US" altLang="zh-TW" dirty="0" smtClean="0"/>
-              <a:t>Array key is 0, 1 green</a:t>
-            </a:r>
-          </a:p>
-          <a:p>
-            <a:r>
-              <a:rPr lang="en-US" altLang="zh-TW" dirty="0" smtClean="0"/>
-              <a:t>Array value first thing, second thing, john</a:t>
-            </a:r>
-          </a:p>
-        </p:txBody>
-      </p:sp>
-    </p:spTree>
-  </p:cSld>
-  <p:clrMapOvr>
-    <a:masterClrMapping/>
-  </p:clrMapOvr>
-  <p:transition>
-    <p:checker/>
-  </p:transition>
-</p:sld>
-</file>
-
 <file path=ppt/slides/slide17.xml><?xml version="1.0" encoding="utf-8"?>
 <p:sld xmlns:a="http://schemas.openxmlformats.org/drawingml/2006/main" xmlns:r="http://schemas.openxmlformats.org/officeDocument/2006/relationships" xmlns:p="http://schemas.openxmlformats.org/presentationml/2006/main">
   <p:cSld>
@@ -12425,7 +13245,7 @@
       </p:grpSpPr>
       <p:sp>
         <p:nvSpPr>
-          <p:cNvPr id="167938" name="Rectangle 2"/>
+          <p:cNvPr id="140290" name="Rectangle 2"/>
           <p:cNvSpPr>
             <a:spLocks noGrp="1" noChangeArrowheads="1"/>
           </p:cNvSpPr>
@@ -12440,14 +13260,14 @@
           <a:p>
             <a:r>
               <a:rPr lang="en-US" altLang="zh-TW" smtClean="0"/>
-              <a:t>Exercise</a:t>
+              <a:t>The uses of arrays</a:t>
             </a:r>
           </a:p>
         </p:txBody>
       </p:sp>
       <p:sp>
         <p:nvSpPr>
-          <p:cNvPr id="27651" name="Rectangle 3"/>
+          <p:cNvPr id="24579" name="Rectangle 3"/>
           <p:cNvSpPr>
             <a:spLocks noGrp="1" noChangeArrowheads="1"/>
           </p:cNvSpPr>
@@ -12462,14 +13282,24 @@
           <a:p>
             <a:r>
               <a:rPr lang="en-US" altLang="zh-TW" smtClean="0"/>
-              <a:t>Set student info to an array from student.php</a:t>
+              <a:t>Store many variables in one variable name</a:t>
             </a:r>
           </a:p>
           <a:p>
             <a:r>
               <a:rPr lang="en-US" altLang="zh-TW" smtClean="0"/>
-              <a:t>Student.php</a:t>
-            </a:r>
+              <a:t>No difference in data entry, but save a lot of time in generating a result</a:t>
+            </a:r>
+          </a:p>
+          <a:p>
+            <a:endParaRPr lang="en-US" altLang="zh-TW" smtClean="0"/>
+          </a:p>
+          <a:p>
+            <a:r>
+              <a:rPr lang="en-US" altLang="zh-TW" smtClean="0"/>
+              <a:t>How to write that in PHP?</a:t>
+            </a:r>
+            <a:endParaRPr lang="en-US" altLang="zh-TW" dirty="0" smtClean="0"/>
           </a:p>
         </p:txBody>
       </p:sp>
@@ -12503,7 +13333,7 @@
       </p:grpSpPr>
       <p:sp>
         <p:nvSpPr>
-          <p:cNvPr id="157698" name="Rectangle 2"/>
+          <p:cNvPr id="152578" name="Rectangle 2"/>
           <p:cNvSpPr>
             <a:spLocks noGrp="1" noChangeArrowheads="1"/>
           </p:cNvSpPr>
@@ -12518,14 +13348,14 @@
           <a:p>
             <a:r>
               <a:rPr lang="en-US" altLang="zh-TW" smtClean="0"/>
-              <a:t>Multidimensional array</a:t>
+              <a:t>What are arrays</a:t>
             </a:r>
           </a:p>
         </p:txBody>
       </p:sp>
       <p:sp>
         <p:nvSpPr>
-          <p:cNvPr id="28675" name="Rectangle 3"/>
+          <p:cNvPr id="25603" name="Rectangle 3"/>
           <p:cNvSpPr>
             <a:spLocks noGrp="1" noChangeArrowheads="1"/>
           </p:cNvSpPr>
@@ -12539,76 +13369,21 @@
           <a:lstStyle/>
           <a:p>
             <a:r>
-              <a:rPr lang="en-US" altLang="zh-TW" dirty="0" smtClean="0"/>
-              <a:t>Usually use two dimensional array but no limit of x-dimensional array</a:t>
-            </a:r>
-          </a:p>
-          <a:p>
-            <a:r>
-              <a:rPr lang="en-US" altLang="zh-TW" dirty="0" smtClean="0"/>
-              <a:t>Two dimensional array $</a:t>
-            </a:r>
-            <a:r>
-              <a:rPr lang="en-US" altLang="zh-TW" dirty="0" err="1" smtClean="0"/>
-              <a:t>multi_array</a:t>
-            </a:r>
-            <a:r>
-              <a:rPr lang="en-US" altLang="zh-TW" dirty="0" smtClean="0"/>
-              <a:t>['A'][1]=</a:t>
-            </a:r>
-            <a:r>
-              <a:rPr lang="mr-IN" altLang="zh-TW" dirty="0" smtClean="0"/>
-              <a:t>"</a:t>
-            </a:r>
-            <a:r>
-              <a:rPr lang="en-US" altLang="zh-TW" dirty="0" smtClean="0"/>
-              <a:t>dumping</a:t>
-            </a:r>
-            <a:r>
-              <a:rPr lang="mr-IN" altLang="zh-TW" dirty="0" smtClean="0"/>
-              <a:t>"</a:t>
-            </a:r>
-            <a:r>
-              <a:rPr lang="en-US" altLang="zh-TW" dirty="0" smtClean="0"/>
-              <a:t>;</a:t>
-            </a:r>
-          </a:p>
-          <a:p>
-            <a:r>
-              <a:rPr lang="en-US" altLang="zh-TW" dirty="0" smtClean="0"/>
-              <a:t>Three dimensional array $</a:t>
-            </a:r>
-            <a:r>
-              <a:rPr lang="en-US" altLang="zh-TW" dirty="0" err="1" smtClean="0"/>
-              <a:t>multi_array</a:t>
-            </a:r>
-            <a:r>
-              <a:rPr lang="en-US" altLang="zh-TW" dirty="0" smtClean="0"/>
-              <a:t>['sheet1']['A'][1]=</a:t>
-            </a:r>
-            <a:r>
-              <a:rPr lang="mr-IN" altLang="zh-TW" dirty="0" smtClean="0"/>
-              <a:t>"</a:t>
-            </a:r>
-            <a:r>
-              <a:rPr lang="en-US" altLang="zh-TW" dirty="0" smtClean="0"/>
-              <a:t>dumping</a:t>
-            </a:r>
-            <a:r>
-              <a:rPr lang="mr-IN" altLang="zh-TW" dirty="0" smtClean="0"/>
-              <a:t>"</a:t>
-            </a:r>
-            <a:r>
-              <a:rPr lang="en-US" altLang="zh-TW" dirty="0" smtClean="0"/>
-              <a:t>;</a:t>
-            </a:r>
-          </a:p>
-          <a:p>
-            <a:r>
-              <a:rPr lang="en-US" altLang="zh-TW" dirty="0" err="1" smtClean="0"/>
-              <a:t>car.xls</a:t>
-            </a:r>
-            <a:endParaRPr lang="en-US" altLang="zh-TW" dirty="0" smtClean="0"/>
+              <a:rPr lang="en-US" altLang="zh-TW" smtClean="0"/>
+              <a:t>an orderly arrangement</a:t>
+            </a:r>
+          </a:p>
+          <a:p>
+            <a:r>
+              <a:rPr lang="en-US" altLang="zh-TW" smtClean="0"/>
+              <a:t>indexed collection of data values</a:t>
+            </a:r>
+          </a:p>
+          <a:p>
+            <a:r>
+              <a:rPr lang="en-US" altLang="zh-TW" smtClean="0"/>
+              <a:t>A series of variables (or objects) that are of the same size and type</a:t>
+            </a:r>
           </a:p>
         </p:txBody>
       </p:sp>
@@ -12642,7 +13417,7 @@
       </p:grpSpPr>
       <p:sp>
         <p:nvSpPr>
-          <p:cNvPr id="159746" name="Rectangle 2"/>
+          <p:cNvPr id="188418" name="Rectangle 2"/>
           <p:cNvSpPr>
             <a:spLocks noGrp="1" noChangeArrowheads="1"/>
           </p:cNvSpPr>
@@ -12657,14 +13432,14 @@
           <a:p>
             <a:r>
               <a:rPr lang="en-US" altLang="zh-TW" smtClean="0"/>
-              <a:t>Overview</a:t>
+              <a:t>How to declare arrays</a:t>
             </a:r>
           </a:p>
         </p:txBody>
       </p:sp>
       <p:sp>
         <p:nvSpPr>
-          <p:cNvPr id="29699" name="Rectangle 3"/>
+          <p:cNvPr id="26627" name="Rectangle 3"/>
           <p:cNvSpPr>
             <a:spLocks noGrp="1" noChangeArrowheads="1"/>
           </p:cNvSpPr>
@@ -12678,26 +13453,84 @@
           <a:lstStyle/>
           <a:p>
             <a:r>
-              <a:rPr lang="en-US" altLang="zh-TW" smtClean="0"/>
-              <a:t>If statement</a:t>
-            </a:r>
-          </a:p>
-          <a:p>
-            <a:r>
-              <a:rPr lang="en-US" altLang="zh-TW" smtClean="0"/>
-              <a:t>While loop</a:t>
-            </a:r>
-          </a:p>
-          <a:p>
-            <a:r>
-              <a:rPr lang="en-US" altLang="zh-TW" smtClean="0"/>
-              <a:t>Do while loop</a:t>
-            </a:r>
-          </a:p>
-          <a:p>
-            <a:r>
-              <a:rPr lang="en-US" altLang="zh-TW" smtClean="0"/>
-              <a:t>For loop</a:t>
+              <a:rPr lang="zh-TW" altLang="en-US" dirty="0" smtClean="0"/>
+              <a:t>$</a:t>
+            </a:r>
+            <a:r>
+              <a:rPr lang="en-US" altLang="zh-TW" dirty="0" smtClean="0"/>
+              <a:t>array[0]=</a:t>
+            </a:r>
+            <a:r>
+              <a:rPr lang="mr-IN" altLang="zh-TW" dirty="0" smtClean="0"/>
+              <a:t>"</a:t>
+            </a:r>
+            <a:r>
+              <a:rPr lang="en-US" altLang="zh-TW" dirty="0" smtClean="0"/>
+              <a:t>first thing</a:t>
+            </a:r>
+            <a:r>
+              <a:rPr lang="mr-IN" altLang="zh-TW" dirty="0" smtClean="0"/>
+              <a:t>"</a:t>
+            </a:r>
+            <a:r>
+              <a:rPr lang="en-US" altLang="zh-TW" dirty="0" smtClean="0"/>
+              <a:t>;</a:t>
+            </a:r>
+          </a:p>
+          <a:p>
+            <a:r>
+              <a:rPr lang="en-US" altLang="zh-TW" dirty="0" smtClean="0"/>
+              <a:t>$array[1]=</a:t>
+            </a:r>
+            <a:r>
+              <a:rPr lang="mr-IN" altLang="zh-TW" dirty="0" smtClean="0"/>
+              <a:t>"</a:t>
+            </a:r>
+            <a:r>
+              <a:rPr lang="en-US" altLang="zh-TW" dirty="0" smtClean="0"/>
+              <a:t>second thing</a:t>
+            </a:r>
+            <a:r>
+              <a:rPr lang="mr-IN" altLang="zh-TW" dirty="0" smtClean="0"/>
+              <a:t>"</a:t>
+            </a:r>
+            <a:r>
+              <a:rPr lang="en-US" altLang="zh-TW" dirty="0" smtClean="0"/>
+              <a:t>;</a:t>
+            </a:r>
+          </a:p>
+          <a:p>
+            <a:r>
+              <a:rPr lang="en-US" altLang="zh-TW" dirty="0" smtClean="0"/>
+              <a:t>$array['green']=</a:t>
+            </a:r>
+            <a:r>
+              <a:rPr lang="mr-IN" altLang="zh-TW" dirty="0" smtClean="0"/>
+              <a:t>"</a:t>
+            </a:r>
+            <a:r>
+              <a:rPr lang="en-US" altLang="zh-TW" dirty="0" smtClean="0"/>
+              <a:t>john</a:t>
+            </a:r>
+            <a:r>
+              <a:rPr lang="mr-IN" altLang="zh-TW" dirty="0" smtClean="0"/>
+              <a:t>"</a:t>
+            </a:r>
+            <a:r>
+              <a:rPr lang="en-US" altLang="zh-TW" dirty="0" smtClean="0"/>
+              <a:t>;</a:t>
+            </a:r>
+          </a:p>
+          <a:p>
+            <a:r>
+              <a:rPr lang="en-US" altLang="zh-TW" dirty="0" smtClean="0"/>
+              <a:t>Array key is 0, 1 green</a:t>
+            </a:r>
+          </a:p>
+          <a:p>
+            <a:r>
+              <a:rPr lang="en-US" altLang="zh-TW" dirty="0" smtClean="0"/>
+              <a:t>Array value first thing, second thing, john</a:t>
             </a:r>
           </a:p>
         </p:txBody>
@@ -12836,6 +13669,11 @@
         </p:txBody>
       </p:sp>
     </p:spTree>
+    <p:extLst>
+      <p:ext uri="{BB962C8B-B14F-4D97-AF65-F5344CB8AC3E}">
+        <p14:creationId xmlns:p14="http://schemas.microsoft.com/office/powerpoint/2010/main" val="4251398066"/>
+      </p:ext>
+    </p:extLst>
   </p:cSld>
   <p:clrMapOvr>
     <a:masterClrMapping/>
@@ -12865,7 +13703,7 @@
       </p:grpSpPr>
       <p:sp>
         <p:nvSpPr>
-          <p:cNvPr id="160770" name="Rectangle 2"/>
+          <p:cNvPr id="167938" name="Rectangle 2"/>
           <p:cNvSpPr>
             <a:spLocks noGrp="1" noChangeArrowheads="1"/>
           </p:cNvSpPr>
@@ -12880,14 +13718,14 @@
           <a:p>
             <a:r>
               <a:rPr lang="en-US" altLang="zh-TW" smtClean="0"/>
-              <a:t>If statement</a:t>
+              <a:t>Exercise</a:t>
             </a:r>
           </a:p>
         </p:txBody>
       </p:sp>
       <p:sp>
         <p:nvSpPr>
-          <p:cNvPr id="30723" name="Rectangle 3"/>
+          <p:cNvPr id="27651" name="Rectangle 3"/>
           <p:cNvSpPr>
             <a:spLocks noGrp="1" noChangeArrowheads="1"/>
           </p:cNvSpPr>
@@ -12902,27 +13740,14 @@
           <a:p>
             <a:r>
               <a:rPr lang="en-US" altLang="zh-TW" smtClean="0"/>
-              <a:t>For a special condition, use if for making a decision</a:t>
+              <a:t>Set student info to an array from student.php</a:t>
             </a:r>
           </a:p>
           <a:p>
             <a:r>
               <a:rPr lang="en-US" altLang="zh-TW" smtClean="0"/>
-              <a:t>if only</a:t>
-            </a:r>
-          </a:p>
-          <a:p>
-            <a:r>
-              <a:rPr lang="en-US" altLang="zh-TW" smtClean="0"/>
-              <a:t>if {} else {}</a:t>
-            </a:r>
-          </a:p>
-          <a:p>
-            <a:r>
-              <a:rPr lang="en-US" altLang="zh-TW" smtClean="0"/>
-              <a:t>if {} elseif {} else {}</a:t>
-            </a:r>
-            <a:endParaRPr lang="en-US" altLang="zh-TW" dirty="0" smtClean="0"/>
+              <a:t>Student.php</a:t>
+            </a:r>
           </a:p>
         </p:txBody>
       </p:sp>
@@ -12956,7 +13781,7 @@
       </p:grpSpPr>
       <p:sp>
         <p:nvSpPr>
-          <p:cNvPr id="160770" name="Rectangle 2"/>
+          <p:cNvPr id="157698" name="Rectangle 2"/>
           <p:cNvSpPr>
             <a:spLocks noGrp="1" noChangeArrowheads="1"/>
           </p:cNvSpPr>
@@ -12971,14 +13796,14 @@
           <a:p>
             <a:r>
               <a:rPr lang="en-US" altLang="zh-TW" smtClean="0"/>
-              <a:t>If statement</a:t>
+              <a:t>Multidimensional array</a:t>
             </a:r>
           </a:p>
         </p:txBody>
       </p:sp>
       <p:sp>
         <p:nvSpPr>
-          <p:cNvPr id="30723" name="Rectangle 3"/>
+          <p:cNvPr id="28675" name="Rectangle 3"/>
           <p:cNvSpPr>
             <a:spLocks noGrp="1" noChangeArrowheads="1"/>
           </p:cNvSpPr>
@@ -12988,41 +13813,26 @@
         </p:nvSpPr>
         <p:spPr/>
         <p:txBody>
-          <a:bodyPr>
-            <a:normAutofit fontScale="70000" lnSpcReduction="20000"/>
-          </a:bodyPr>
+          <a:bodyPr/>
           <a:lstStyle/>
           <a:p>
             <a:r>
               <a:rPr lang="en-US" altLang="zh-TW" dirty="0" smtClean="0"/>
-              <a:t>if (condition){</a:t>
+              <a:t>Usually use two dimensional array but no limit of x-dimensional array</a:t>
             </a:r>
           </a:p>
           <a:p>
             <a:r>
               <a:rPr lang="en-US" altLang="zh-TW" dirty="0" smtClean="0"/>
-              <a:t>	statement;</a:t>
-            </a:r>
-          </a:p>
-          <a:p>
+              <a:t>Two dimensional array $</a:t>
+            </a:r>
+            <a:r>
+              <a:rPr lang="en-US" altLang="zh-TW" dirty="0" err="1" smtClean="0"/>
+              <a:t>multi_array</a:t>
+            </a:r>
             <a:r>
               <a:rPr lang="en-US" altLang="zh-TW" dirty="0" smtClean="0"/>
-              <a:t>}</a:t>
-            </a:r>
-          </a:p>
-          <a:p>
-            <a:endParaRPr lang="en-US" altLang="zh-TW" dirty="0" smtClean="0"/>
-          </a:p>
-          <a:p>
-            <a:r>
-              <a:rPr lang="en-US" altLang="zh-TW" dirty="0" smtClean="0"/>
-              <a:t>if ($marks==100){</a:t>
-            </a:r>
-          </a:p>
-          <a:p>
-            <a:r>
-              <a:rPr lang="en-US" altLang="zh-TW" dirty="0" smtClean="0"/>
-              <a:t>	echo </a:t>
+              <a:t>['A'][1]=</a:t>
             </a:r>
             <a:r>
               <a:rPr lang="mr-IN" altLang="zh-TW" dirty="0" smtClean="0"/>
@@ -13030,7 +13840,7 @@
             </a:r>
             <a:r>
               <a:rPr lang="en-US" altLang="zh-TW" dirty="0" smtClean="0"/>
-              <a:t>you get full marks</a:t>
+              <a:t>dumping</a:t>
             </a:r>
             <a:r>
               <a:rPr lang="mr-IN" altLang="zh-TW" dirty="0" smtClean="0"/>
@@ -13044,19 +13854,15 @@
           <a:p>
             <a:r>
               <a:rPr lang="en-US" altLang="zh-TW" dirty="0" smtClean="0"/>
-              <a:t>}</a:t>
-            </a:r>
-          </a:p>
-          <a:p>
+              <a:t>Three dimensional array $</a:t>
+            </a:r>
+            <a:r>
+              <a:rPr lang="en-US" altLang="zh-TW" dirty="0" err="1" smtClean="0"/>
+              <a:t>multi_array</a:t>
+            </a:r>
             <a:r>
               <a:rPr lang="en-US" altLang="zh-TW" dirty="0" smtClean="0"/>
-              <a:t>if ($marks&lt;60){</a:t>
-            </a:r>
-          </a:p>
-          <a:p>
-            <a:r>
-              <a:rPr lang="en-US" altLang="zh-TW" dirty="0" smtClean="0"/>
-              <a:t>	echo </a:t>
+              <a:t>['sheet1']['A'][1]=</a:t>
             </a:r>
             <a:r>
               <a:rPr lang="mr-IN" altLang="zh-TW" dirty="0" smtClean="0"/>
@@ -13064,7 +13870,7 @@
             </a:r>
             <a:r>
               <a:rPr lang="en-US" altLang="zh-TW" dirty="0" smtClean="0"/>
-              <a:t>you are fail</a:t>
+              <a:t>dumping</a:t>
             </a:r>
             <a:r>
               <a:rPr lang="mr-IN" altLang="zh-TW" dirty="0" smtClean="0"/>
@@ -13077,19 +13883,14 @@
           </a:p>
           <a:p>
             <a:r>
-              <a:rPr lang="en-US" altLang="zh-TW" dirty="0" smtClean="0"/>
-              <a:t>}</a:t>
-            </a:r>
-            <a:endParaRPr lang="en-US" altLang="zh-TW" dirty="0"/>
+              <a:rPr lang="en-US" altLang="zh-TW" dirty="0" err="1" smtClean="0"/>
+              <a:t>car.xls</a:t>
+            </a:r>
+            <a:endParaRPr lang="en-US" altLang="zh-TW" dirty="0" smtClean="0"/>
           </a:p>
         </p:txBody>
       </p:sp>
     </p:spTree>
-    <p:extLst>
-      <p:ext uri="{BB962C8B-B14F-4D97-AF65-F5344CB8AC3E}">
-        <p14:creationId xmlns:p14="http://schemas.microsoft.com/office/powerpoint/2010/main" val="1314402835"/>
-      </p:ext>
-    </p:extLst>
   </p:cSld>
   <p:clrMapOvr>
     <a:masterClrMapping/>
@@ -13119,7 +13920,7 @@
       </p:grpSpPr>
       <p:sp>
         <p:nvSpPr>
-          <p:cNvPr id="160770" name="Rectangle 2"/>
+          <p:cNvPr id="159746" name="Rectangle 2"/>
           <p:cNvSpPr>
             <a:spLocks noGrp="1" noChangeArrowheads="1"/>
           </p:cNvSpPr>
@@ -13134,14 +13935,14 @@
           <a:p>
             <a:r>
               <a:rPr lang="en-US" altLang="zh-TW" smtClean="0"/>
-              <a:t>If statement</a:t>
+              <a:t>Overview</a:t>
             </a:r>
           </a:p>
         </p:txBody>
       </p:sp>
       <p:sp>
         <p:nvSpPr>
-          <p:cNvPr id="30723" name="Rectangle 3"/>
+          <p:cNvPr id="29699" name="Rectangle 3"/>
           <p:cNvSpPr>
             <a:spLocks noGrp="1" noChangeArrowheads="1"/>
           </p:cNvSpPr>
@@ -13151,119 +13952,35 @@
         </p:nvSpPr>
         <p:spPr/>
         <p:txBody>
-          <a:bodyPr>
-            <a:noAutofit/>
-          </a:bodyPr>
+          <a:bodyPr/>
           <a:lstStyle/>
           <a:p>
             <a:r>
-              <a:rPr lang="en-US" altLang="zh-TW" sz="1800" dirty="0" smtClean="0"/>
-              <a:t>if (condition){</a:t>
-            </a:r>
-          </a:p>
-          <a:p>
-            <a:r>
-              <a:rPr lang="en-US" altLang="zh-TW" sz="1800" dirty="0" smtClean="0"/>
-              <a:t>	statment1;</a:t>
-            </a:r>
-          </a:p>
-          <a:p>
-            <a:r>
-              <a:rPr lang="en-US" altLang="zh-TW" sz="1800" dirty="0" smtClean="0"/>
-              <a:t>}else{</a:t>
-            </a:r>
-          </a:p>
-          <a:p>
-            <a:r>
-              <a:rPr lang="en-US" altLang="zh-TW" sz="1800" dirty="0" smtClean="0"/>
-              <a:t>	statment2;</a:t>
-            </a:r>
-          </a:p>
-          <a:p>
-            <a:r>
-              <a:rPr lang="en-US" altLang="zh-TW" sz="1800" dirty="0" smtClean="0"/>
-              <a:t>}</a:t>
-            </a:r>
-          </a:p>
-          <a:p>
-            <a:endParaRPr lang="en-US" altLang="zh-TW" sz="1800" dirty="0" smtClean="0"/>
-          </a:p>
-          <a:p>
-            <a:r>
-              <a:rPr lang="en-US" altLang="zh-TW" sz="1800" dirty="0" smtClean="0"/>
-              <a:t>if ($marks&gt;=60){</a:t>
-            </a:r>
-          </a:p>
-          <a:p>
-            <a:r>
-              <a:rPr lang="en-US" altLang="zh-TW" sz="1800" dirty="0" smtClean="0"/>
-              <a:t>	echo </a:t>
-            </a:r>
-            <a:r>
-              <a:rPr lang="mr-IN" altLang="zh-TW" sz="1800" dirty="0" smtClean="0"/>
-              <a:t>"</a:t>
-            </a:r>
-            <a:r>
-              <a:rPr lang="en-US" altLang="zh-TW" sz="1800" dirty="0" smtClean="0"/>
-              <a:t>you are pass</a:t>
-            </a:r>
-            <a:r>
-              <a:rPr lang="mr-IN" altLang="zh-TW" sz="1800" dirty="0" smtClean="0"/>
-              <a:t>"</a:t>
-            </a:r>
-            <a:r>
-              <a:rPr lang="en-US" altLang="zh-TW" sz="1800" dirty="0" smtClean="0"/>
-              <a:t>;</a:t>
-            </a:r>
-          </a:p>
-          <a:p>
-            <a:r>
-              <a:rPr lang="en-US" altLang="zh-TW" sz="1800" dirty="0" smtClean="0"/>
-              <a:t>} else {</a:t>
-            </a:r>
-          </a:p>
-          <a:p>
-            <a:r>
-              <a:rPr lang="en-US" altLang="zh-TW" sz="1800" dirty="0" smtClean="0"/>
-              <a:t>	echo </a:t>
-            </a:r>
-            <a:r>
-              <a:rPr lang="mr-IN" altLang="zh-TW" sz="1800" dirty="0" smtClean="0"/>
-              <a:t>"</a:t>
-            </a:r>
-            <a:r>
-              <a:rPr lang="en-US" altLang="zh-TW" sz="1800" dirty="0" smtClean="0"/>
-              <a:t>you are fail</a:t>
-            </a:r>
-            <a:r>
-              <a:rPr lang="mr-IN" altLang="zh-TW" sz="1800" dirty="0" smtClean="0"/>
-              <a:t>"</a:t>
-            </a:r>
-            <a:r>
-              <a:rPr lang="en-US" altLang="zh-TW" sz="1800" dirty="0" smtClean="0"/>
-              <a:t>;</a:t>
-            </a:r>
-          </a:p>
-          <a:p>
-            <a:r>
-              <a:rPr lang="en-US" altLang="zh-TW" sz="1800" dirty="0" smtClean="0"/>
-              <a:t>}</a:t>
-            </a:r>
-          </a:p>
-          <a:p>
-            <a:endParaRPr lang="en-US" altLang="zh-TW" sz="1800" dirty="0" smtClean="0"/>
-          </a:p>
-          <a:p>
-            <a:endParaRPr lang="en-US" altLang="zh-TW" sz="1800" dirty="0"/>
+              <a:rPr lang="en-US" altLang="zh-TW" smtClean="0"/>
+              <a:t>If statement</a:t>
+            </a:r>
+          </a:p>
+          <a:p>
+            <a:r>
+              <a:rPr lang="en-US" altLang="zh-TW" smtClean="0"/>
+              <a:t>While loop</a:t>
+            </a:r>
+          </a:p>
+          <a:p>
+            <a:r>
+              <a:rPr lang="en-US" altLang="zh-TW" smtClean="0"/>
+              <a:t>Do while loop</a:t>
+            </a:r>
+          </a:p>
+          <a:p>
+            <a:r>
+              <a:rPr lang="en-US" altLang="zh-TW" smtClean="0"/>
+              <a:t>For loop</a:t>
+            </a:r>
           </a:p>
         </p:txBody>
       </p:sp>
     </p:spTree>
-    <p:extLst>
-      <p:ext uri="{BB962C8B-B14F-4D97-AF65-F5344CB8AC3E}">
-        <p14:creationId xmlns:p14="http://schemas.microsoft.com/office/powerpoint/2010/main" val="35930877"/>
-      </p:ext>
-    </p:extLst>
   </p:cSld>
   <p:clrMapOvr>
     <a:masterClrMapping/>
@@ -13325,61 +14042,36 @@
         </p:nvSpPr>
         <p:spPr/>
         <p:txBody>
-          <a:bodyPr>
-            <a:normAutofit lnSpcReduction="10000"/>
-          </a:bodyPr>
+          <a:bodyPr/>
           <a:lstStyle/>
           <a:p>
             <a:r>
               <a:rPr lang="en-US" altLang="zh-TW" smtClean="0"/>
-              <a:t>if (condition1){</a:t>
+              <a:t>For a special condition, use if for making a decision</a:t>
             </a:r>
           </a:p>
           <a:p>
             <a:r>
               <a:rPr lang="en-US" altLang="zh-TW" smtClean="0"/>
-              <a:t>	statment1;</a:t>
+              <a:t>if only</a:t>
             </a:r>
           </a:p>
           <a:p>
             <a:r>
               <a:rPr lang="en-US" altLang="zh-TW" smtClean="0"/>
-              <a:t>}elseif(condition2){</a:t>
+              <a:t>if {} else {}</a:t>
             </a:r>
           </a:p>
           <a:p>
             <a:r>
               <a:rPr lang="en-US" altLang="zh-TW" smtClean="0"/>
-              <a:t>	statment2;</a:t>
-            </a:r>
-          </a:p>
-          <a:p>
-            <a:r>
-              <a:rPr lang="en-US" altLang="zh-TW" smtClean="0"/>
-              <a:t>}elseif(condition3){</a:t>
-            </a:r>
-          </a:p>
-          <a:p>
-            <a:r>
-              <a:rPr lang="en-US" altLang="zh-TW" smtClean="0"/>
-              <a:t>	statement3;</a:t>
-            </a:r>
-          </a:p>
-          <a:p>
-            <a:r>
-              <a:rPr lang="en-US" altLang="zh-TW" smtClean="0"/>
-              <a:t>}</a:t>
-            </a:r>
-            <a:endParaRPr lang="en-US" altLang="zh-TW" dirty="0"/>
+              <a:t>if {} elseif {} else {}</a:t>
+            </a:r>
+            <a:endParaRPr lang="en-US" altLang="zh-TW" dirty="0" smtClean="0"/>
           </a:p>
         </p:txBody>
       </p:sp>
     </p:spTree>
-    <p:extLst>
-      <p:ext uri="{BB962C8B-B14F-4D97-AF65-F5344CB8AC3E}">
-        <p14:creationId xmlns:p14="http://schemas.microsoft.com/office/powerpoint/2010/main" val="1422873087"/>
-      </p:ext>
-    </p:extLst>
   </p:cSld>
   <p:clrMapOvr>
     <a:masterClrMapping/>
@@ -13442,70 +14134,105 @@
         <p:spPr/>
         <p:txBody>
           <a:bodyPr>
-            <a:normAutofit fontScale="77500" lnSpcReduction="20000"/>
+            <a:normAutofit fontScale="70000" lnSpcReduction="20000"/>
           </a:bodyPr>
           <a:lstStyle/>
           <a:p>
             <a:r>
-              <a:rPr lang="en-US" altLang="zh-TW" smtClean="0"/>
-              <a:t>if (condition1){</a:t>
-            </a:r>
-          </a:p>
-          <a:p>
-            <a:r>
-              <a:rPr lang="en-US" altLang="zh-TW" smtClean="0"/>
-              <a:t>	statment1;</a:t>
-            </a:r>
-          </a:p>
-          <a:p>
-            <a:r>
-              <a:rPr lang="en-US" altLang="zh-TW" smtClean="0"/>
-              <a:t>}elseif(condition2){</a:t>
-            </a:r>
-          </a:p>
-          <a:p>
-            <a:r>
-              <a:rPr lang="en-US" altLang="zh-TW" smtClean="0"/>
-              <a:t>	statment2;</a:t>
-            </a:r>
-          </a:p>
-          <a:p>
-            <a:r>
-              <a:rPr lang="en-US" altLang="zh-TW" smtClean="0"/>
-              <a:t>}elseif(condition3){</a:t>
-            </a:r>
-          </a:p>
-          <a:p>
-            <a:r>
-              <a:rPr lang="en-US" altLang="zh-TW" smtClean="0"/>
-              <a:t>	statement3;</a:t>
-            </a:r>
-          </a:p>
-          <a:p>
-            <a:r>
-              <a:rPr lang="en-US" altLang="zh-TW" smtClean="0"/>
-              <a:t>}else{</a:t>
-            </a:r>
-          </a:p>
-          <a:p>
-            <a:r>
-              <a:rPr lang="en-US" altLang="zh-TW" smtClean="0"/>
-              <a:t>	statement4;</a:t>
-            </a:r>
-          </a:p>
-          <a:p>
-            <a:r>
-              <a:rPr lang="en-US" altLang="zh-TW" smtClean="0"/>
+              <a:rPr lang="en-US" altLang="zh-TW" dirty="0" smtClean="0"/>
+              <a:t>if (condition){</a:t>
+            </a:r>
+          </a:p>
+          <a:p>
+            <a:r>
+              <a:rPr lang="en-US" altLang="zh-TW" dirty="0" smtClean="0"/>
+              <a:t>	statement;</a:t>
+            </a:r>
+          </a:p>
+          <a:p>
+            <a:r>
+              <a:rPr lang="en-US" altLang="zh-TW" dirty="0" smtClean="0"/>
               <a:t>}</a:t>
             </a:r>
+          </a:p>
+          <a:p>
             <a:endParaRPr lang="en-US" altLang="zh-TW" dirty="0" smtClean="0"/>
+          </a:p>
+          <a:p>
+            <a:r>
+              <a:rPr lang="en-US" altLang="zh-TW" dirty="0" smtClean="0"/>
+              <a:t>if ($marks==100){</a:t>
+            </a:r>
+          </a:p>
+          <a:p>
+            <a:r>
+              <a:rPr lang="en-US" altLang="zh-TW" dirty="0" smtClean="0"/>
+              <a:t>	echo </a:t>
+            </a:r>
+            <a:r>
+              <a:rPr lang="mr-IN" altLang="zh-TW" dirty="0" smtClean="0"/>
+              <a:t>"</a:t>
+            </a:r>
+            <a:r>
+              <a:rPr lang="en-US" altLang="zh-TW" dirty="0" smtClean="0"/>
+              <a:t>you get full marks</a:t>
+            </a:r>
+            <a:r>
+              <a:rPr lang="mr-IN" altLang="zh-TW" dirty="0" smtClean="0"/>
+              <a:t>"</a:t>
+            </a:r>
+            <a:r>
+              <a:rPr lang="en-US" altLang="zh-TW" dirty="0" smtClean="0"/>
+              <a:t>;</a:t>
+            </a:r>
+          </a:p>
+          <a:p>
+            <a:r>
+              <a:rPr lang="en-US" altLang="zh-TW" dirty="0" smtClean="0"/>
+              <a:t>}</a:t>
+            </a:r>
+          </a:p>
+          <a:p>
+            <a:r>
+              <a:rPr lang="en-US" altLang="zh-TW" dirty="0" smtClean="0"/>
+              <a:t>if ($marks&lt;60){</a:t>
+            </a:r>
+          </a:p>
+          <a:p>
+            <a:r>
+              <a:rPr lang="en-US" altLang="zh-TW" dirty="0" smtClean="0"/>
+              <a:t>	echo </a:t>
+            </a:r>
+            <a:r>
+              <a:rPr lang="mr-IN" altLang="zh-TW" dirty="0" smtClean="0"/>
+              <a:t>"</a:t>
+            </a:r>
+            <a:r>
+              <a:rPr lang="en-US" altLang="zh-TW" dirty="0" smtClean="0"/>
+              <a:t>you are fail</a:t>
+            </a:r>
+            <a:r>
+              <a:rPr lang="mr-IN" altLang="zh-TW" dirty="0" smtClean="0"/>
+              <a:t>"</a:t>
+            </a:r>
+            <a:r>
+              <a:rPr lang="en-US" altLang="zh-TW" dirty="0" smtClean="0"/>
+              <a:t>;</a:t>
+            </a:r>
+          </a:p>
+          <a:p>
+            <a:r>
+              <a:rPr lang="en-US" altLang="zh-TW" dirty="0" smtClean="0"/>
+              <a:t>}</a:t>
+            </a:r>
+            <a:endParaRPr lang="en-US" altLang="zh-TW" dirty="0"/>
           </a:p>
         </p:txBody>
       </p:sp>
     </p:spTree>
     <p:extLst>
       <p:ext uri="{BB962C8B-B14F-4D97-AF65-F5344CB8AC3E}">
-        <p14:creationId xmlns:p14="http://schemas.microsoft.com/office/powerpoint/2010/main" val="303936503"/>
+        <p14:creationId xmlns:p14="http://schemas.microsoft.com/office/powerpoint/2010/main" val="1314402835"/>
       </p:ext>
     </p:extLst>
   </p:cSld>
@@ -13570,113 +14297,116 @@
         <p:spPr/>
         <p:txBody>
           <a:bodyPr>
-            <a:normAutofit lnSpcReduction="10000"/>
+            <a:noAutofit/>
           </a:bodyPr>
           <a:lstStyle/>
           <a:p>
             <a:r>
-              <a:rPr lang="en-US" altLang="zh-TW" dirty="0" smtClean="0"/>
-              <a:t>if ($marks==100){</a:t>
-            </a:r>
-          </a:p>
-          <a:p>
-            <a:r>
-              <a:rPr lang="en-US" altLang="zh-TW" dirty="0" smtClean="0"/>
+              <a:rPr lang="en-US" altLang="zh-TW" sz="1800" dirty="0" smtClean="0"/>
+              <a:t>if (condition){</a:t>
+            </a:r>
+          </a:p>
+          <a:p>
+            <a:r>
+              <a:rPr lang="en-US" altLang="zh-TW" sz="1800" dirty="0" smtClean="0"/>
+              <a:t>	statment1;</a:t>
+            </a:r>
+          </a:p>
+          <a:p>
+            <a:r>
+              <a:rPr lang="en-US" altLang="zh-TW" sz="1800" dirty="0" smtClean="0"/>
+              <a:t>}else{</a:t>
+            </a:r>
+          </a:p>
+          <a:p>
+            <a:r>
+              <a:rPr lang="en-US" altLang="zh-TW" sz="1800" dirty="0" smtClean="0"/>
+              <a:t>	statment2;</a:t>
+            </a:r>
+          </a:p>
+          <a:p>
+            <a:r>
+              <a:rPr lang="en-US" altLang="zh-TW" sz="1800" dirty="0" smtClean="0"/>
+              <a:t>}</a:t>
+            </a:r>
+          </a:p>
+          <a:p>
+            <a:endParaRPr lang="en-US" altLang="zh-TW" sz="1800" dirty="0" smtClean="0"/>
+          </a:p>
+          <a:p>
+            <a:r>
+              <a:rPr lang="en-US" altLang="zh-TW" sz="1800" dirty="0" smtClean="0"/>
+              <a:t>if ($marks&gt;=60){</a:t>
+            </a:r>
+          </a:p>
+          <a:p>
+            <a:r>
+              <a:rPr lang="en-US" altLang="zh-TW" sz="1800" dirty="0" smtClean="0"/>
               <a:t>	echo </a:t>
             </a:r>
             <a:r>
-              <a:rPr lang="mr-IN" altLang="zh-TW" dirty="0" smtClean="0"/>
+              <a:rPr lang="mr-IN" altLang="zh-TW" sz="1800" dirty="0" smtClean="0"/>
               <a:t>"</a:t>
             </a:r>
             <a:r>
-              <a:rPr lang="en-US" altLang="zh-TW" dirty="0" smtClean="0"/>
-              <a:t>you get full marks</a:t>
-            </a:r>
-            <a:r>
-              <a:rPr lang="mr-IN" altLang="zh-TW" dirty="0" smtClean="0"/>
+              <a:rPr lang="en-US" altLang="zh-TW" sz="1800" dirty="0" smtClean="0"/>
+              <a:t>you are pass</a:t>
+            </a:r>
+            <a:r>
+              <a:rPr lang="mr-IN" altLang="zh-TW" sz="1800" dirty="0" smtClean="0"/>
               <a:t>"</a:t>
             </a:r>
             <a:r>
-              <a:rPr lang="en-US" altLang="zh-TW" dirty="0" smtClean="0"/>
+              <a:rPr lang="en-US" altLang="zh-TW" sz="1800" dirty="0" smtClean="0"/>
               <a:t>;</a:t>
             </a:r>
           </a:p>
           <a:p>
             <a:r>
-              <a:rPr lang="en-US" altLang="zh-TW" dirty="0" smtClean="0"/>
-              <a:t>} </a:t>
-            </a:r>
-            <a:r>
-              <a:rPr lang="en-US" altLang="zh-TW" dirty="0" err="1" smtClean="0"/>
-              <a:t>elseif</a:t>
-            </a:r>
-            <a:r>
-              <a:rPr lang="en-US" altLang="zh-TW" dirty="0" smtClean="0"/>
-              <a:t> ($marks&gt;=60){</a:t>
-            </a:r>
-          </a:p>
-          <a:p>
-            <a:r>
-              <a:rPr lang="en-US" altLang="zh-TW" dirty="0" smtClean="0"/>
+              <a:rPr lang="en-US" altLang="zh-TW" sz="1800" dirty="0" smtClean="0"/>
+              <a:t>} else {</a:t>
+            </a:r>
+          </a:p>
+          <a:p>
+            <a:r>
+              <a:rPr lang="en-US" altLang="zh-TW" sz="1800" dirty="0" smtClean="0"/>
               <a:t>	echo </a:t>
             </a:r>
             <a:r>
-              <a:rPr lang="mr-IN" altLang="zh-TW" dirty="0" smtClean="0"/>
+              <a:rPr lang="mr-IN" altLang="zh-TW" sz="1800" dirty="0" smtClean="0"/>
               <a:t>"</a:t>
             </a:r>
             <a:r>
-              <a:rPr lang="en-US" altLang="zh-TW" dirty="0" smtClean="0"/>
-              <a:t>you are pass</a:t>
-            </a:r>
-            <a:r>
-              <a:rPr lang="mr-IN" altLang="zh-TW" dirty="0" smtClean="0"/>
+              <a:rPr lang="en-US" altLang="zh-TW" sz="1800" dirty="0" smtClean="0"/>
+              <a:t>you are fail</a:t>
+            </a:r>
+            <a:r>
+              <a:rPr lang="mr-IN" altLang="zh-TW" sz="1800" dirty="0" smtClean="0"/>
               <a:t>"</a:t>
             </a:r>
             <a:r>
-              <a:rPr lang="en-US" altLang="zh-TW" dirty="0" smtClean="0"/>
+              <a:rPr lang="en-US" altLang="zh-TW" sz="1800" dirty="0" smtClean="0"/>
               <a:t>;</a:t>
             </a:r>
           </a:p>
           <a:p>
             <a:r>
-              <a:rPr lang="en-US" altLang="zh-TW" dirty="0" smtClean="0"/>
-              <a:t>} else {</a:t>
-            </a:r>
-          </a:p>
-          <a:p>
-            <a:r>
-              <a:rPr lang="en-US" altLang="zh-TW" dirty="0" smtClean="0"/>
-              <a:t>	echo </a:t>
-            </a:r>
-            <a:r>
-              <a:rPr lang="mr-IN" altLang="zh-TW" dirty="0" smtClean="0"/>
-              <a:t>"</a:t>
-            </a:r>
-            <a:r>
-              <a:rPr lang="en-US" altLang="zh-TW" dirty="0" smtClean="0"/>
-              <a:t>you are fail</a:t>
-            </a:r>
-            <a:r>
-              <a:rPr lang="mr-IN" altLang="zh-TW" dirty="0" smtClean="0"/>
-              <a:t>"</a:t>
-            </a:r>
-            <a:r>
-              <a:rPr lang="en-US" altLang="zh-TW" dirty="0" smtClean="0"/>
-              <a:t>;</a:t>
-            </a:r>
-          </a:p>
-          <a:p>
-            <a:r>
-              <a:rPr lang="en-US" altLang="zh-TW" dirty="0" smtClean="0"/>
+              <a:rPr lang="en-US" altLang="zh-TW" sz="1800" dirty="0" smtClean="0"/>
               <a:t>}</a:t>
             </a:r>
+          </a:p>
+          <a:p>
+            <a:endParaRPr lang="en-US" altLang="zh-TW" sz="1800" dirty="0" smtClean="0"/>
+          </a:p>
+          <a:p>
+            <a:endParaRPr lang="en-US" altLang="zh-TW" sz="1800" dirty="0"/>
           </a:p>
         </p:txBody>
       </p:sp>
     </p:spTree>
     <p:extLst>
       <p:ext uri="{BB962C8B-B14F-4D97-AF65-F5344CB8AC3E}">
-        <p14:creationId xmlns:p14="http://schemas.microsoft.com/office/powerpoint/2010/main" val="1704859916"/>
+        <p14:creationId xmlns:p14="http://schemas.microsoft.com/office/powerpoint/2010/main" val="35930877"/>
       </p:ext>
     </p:extLst>
   </p:cSld>
@@ -13722,8 +14452,8 @@
           <a:lstStyle/>
           <a:p>
             <a:r>
-              <a:rPr lang="en-US" altLang="zh-TW" dirty="0" smtClean="0"/>
-              <a:t>Classwork</a:t>
+              <a:rPr lang="en-US" altLang="zh-TW" smtClean="0"/>
+              <a:t>If statement</a:t>
             </a:r>
           </a:p>
         </p:txBody>
@@ -13741,124 +14471,58 @@
         <p:spPr/>
         <p:txBody>
           <a:bodyPr>
-            <a:normAutofit/>
+            <a:normAutofit lnSpcReduction="10000"/>
           </a:bodyPr>
           <a:lstStyle/>
           <a:p>
             <a:r>
-              <a:rPr lang="en-US" altLang="zh-TW" dirty="0" smtClean="0"/>
-              <a:t>100=</a:t>
-            </a:r>
-            <a:r>
-              <a:rPr lang="mr-IN" altLang="zh-TW" dirty="0" smtClean="0"/>
-              <a:t>"</a:t>
-            </a:r>
-            <a:r>
-              <a:rPr lang="en-US" altLang="zh-TW" dirty="0" smtClean="0"/>
-              <a:t>full marks</a:t>
-            </a:r>
-            <a:r>
-              <a:rPr lang="mr-IN" altLang="zh-TW" dirty="0" smtClean="0"/>
-              <a:t>"</a:t>
-            </a:r>
-            <a:endParaRPr lang="en-US" altLang="zh-TW" dirty="0" smtClean="0"/>
-          </a:p>
-          <a:p>
-            <a:r>
-              <a:rPr lang="en-US" altLang="zh-TW" dirty="0" smtClean="0"/>
-              <a:t>&gt;90=</a:t>
-            </a:r>
-            <a:r>
-              <a:rPr lang="mr-IN" altLang="zh-TW" dirty="0" smtClean="0"/>
-              <a:t>"</a:t>
-            </a:r>
-            <a:r>
-              <a:rPr lang="en-US" altLang="zh-TW" dirty="0" smtClean="0"/>
-              <a:t>A</a:t>
-            </a:r>
-            <a:r>
-              <a:rPr lang="mr-IN" altLang="zh-TW" dirty="0" smtClean="0"/>
-              <a:t>"</a:t>
-            </a:r>
-            <a:endParaRPr lang="en-US" altLang="zh-TW" dirty="0" smtClean="0"/>
-          </a:p>
-          <a:p>
-            <a:r>
-              <a:rPr lang="en-US" altLang="zh-TW" dirty="0" smtClean="0"/>
-              <a:t>&gt;80=</a:t>
-            </a:r>
-            <a:r>
-              <a:rPr lang="mr-IN" altLang="zh-TW" dirty="0" smtClean="0"/>
-              <a:t>"</a:t>
-            </a:r>
-            <a:r>
-              <a:rPr lang="en-US" altLang="zh-TW" dirty="0" smtClean="0"/>
-              <a:t>B</a:t>
-            </a:r>
-            <a:r>
-              <a:rPr lang="mr-IN" altLang="zh-TW" dirty="0" smtClean="0"/>
-              <a:t>"</a:t>
-            </a:r>
-            <a:endParaRPr lang="en-US" altLang="zh-TW" dirty="0" smtClean="0"/>
-          </a:p>
-          <a:p>
-            <a:r>
-              <a:rPr lang="en-US" altLang="zh-TW" dirty="0" smtClean="0"/>
-              <a:t>&gt;70=</a:t>
-            </a:r>
-            <a:r>
-              <a:rPr lang="mr-IN" altLang="zh-TW" dirty="0" smtClean="0"/>
-              <a:t>"</a:t>
-            </a:r>
-            <a:r>
-              <a:rPr lang="en-US" altLang="zh-TW" dirty="0" smtClean="0"/>
-              <a:t>C</a:t>
-            </a:r>
-            <a:r>
-              <a:rPr lang="mr-IN" altLang="zh-TW" dirty="0" smtClean="0"/>
-              <a:t>"</a:t>
-            </a:r>
-            <a:endParaRPr lang="en-US" altLang="zh-TW" dirty="0" smtClean="0"/>
-          </a:p>
-          <a:p>
-            <a:r>
-              <a:rPr lang="en-US" altLang="zh-TW" dirty="0" smtClean="0"/>
-              <a:t>&gt;=60=</a:t>
-            </a:r>
-            <a:r>
-              <a:rPr lang="mr-IN" altLang="zh-TW" dirty="0" smtClean="0"/>
-              <a:t>"</a:t>
-            </a:r>
-            <a:r>
-              <a:rPr lang="en-US" altLang="zh-TW" dirty="0" smtClean="0"/>
-              <a:t>D</a:t>
-            </a:r>
-            <a:r>
-              <a:rPr lang="mr-IN" altLang="zh-TW" dirty="0" smtClean="0"/>
-              <a:t>"</a:t>
-            </a:r>
-            <a:endParaRPr lang="en-US" altLang="zh-TW" dirty="0" smtClean="0"/>
-          </a:p>
-          <a:p>
-            <a:r>
-              <a:rPr lang="en-US" altLang="zh-TW" dirty="0" smtClean="0"/>
-              <a:t>&lt;60=</a:t>
-            </a:r>
-            <a:r>
-              <a:rPr lang="mr-IN" altLang="zh-TW" dirty="0" smtClean="0"/>
-              <a:t>"</a:t>
-            </a:r>
-            <a:r>
-              <a:rPr lang="en-US" altLang="zh-TW" dirty="0" smtClean="0"/>
-              <a:t>fail</a:t>
-            </a:r>
+              <a:rPr lang="en-US" altLang="zh-TW" smtClean="0"/>
+              <a:t>if (condition1){</a:t>
+            </a:r>
+          </a:p>
+          <a:p>
+            <a:r>
+              <a:rPr lang="en-US" altLang="zh-TW" smtClean="0"/>
+              <a:t>	statment1;</a:t>
+            </a:r>
+          </a:p>
+          <a:p>
+            <a:r>
+              <a:rPr lang="en-US" altLang="zh-TW" smtClean="0"/>
+              <a:t>}elseif(condition2){</a:t>
+            </a:r>
+          </a:p>
+          <a:p>
+            <a:r>
+              <a:rPr lang="en-US" altLang="zh-TW" smtClean="0"/>
+              <a:t>	statment2;</a:t>
+            </a:r>
+          </a:p>
+          <a:p>
+            <a:r>
+              <a:rPr lang="en-US" altLang="zh-TW" smtClean="0"/>
+              <a:t>}elseif(condition3){</a:t>
+            </a:r>
+          </a:p>
+          <a:p>
+            <a:r>
+              <a:rPr lang="en-US" altLang="zh-TW" smtClean="0"/>
+              <a:t>	statement3;</a:t>
+            </a:r>
+          </a:p>
+          <a:p>
+            <a:r>
+              <a:rPr lang="en-US" altLang="zh-TW" smtClean="0"/>
+              <a:t>}</a:t>
+            </a:r>
+            <a:endParaRPr lang="en-US" altLang="zh-TW" dirty="0"/>
           </a:p>
         </p:txBody>
       </p:sp>
     </p:spTree>
     <p:extLst>
       <p:ext uri="{BB962C8B-B14F-4D97-AF65-F5344CB8AC3E}">
-        <p14:creationId xmlns:p14="http://schemas.microsoft.com/office/powerpoint/2010/main" val="2359767041"/>
+        <p14:creationId xmlns:p14="http://schemas.microsoft.com/office/powerpoint/2010/main" val="1422873087"/>
       </p:ext>
     </p:extLst>
   </p:cSld>
@@ -13890,6 +14554,561 @@
       </p:grpSpPr>
       <p:sp>
         <p:nvSpPr>
+          <p:cNvPr id="160770" name="Rectangle 2"/>
+          <p:cNvSpPr>
+            <a:spLocks noGrp="1" noChangeArrowheads="1"/>
+          </p:cNvSpPr>
+          <p:nvPr>
+            <p:ph type="title"/>
+          </p:nvPr>
+        </p:nvSpPr>
+        <p:spPr/>
+        <p:txBody>
+          <a:bodyPr/>
+          <a:lstStyle/>
+          <a:p>
+            <a:r>
+              <a:rPr lang="en-US" altLang="zh-TW" smtClean="0"/>
+              <a:t>If statement</a:t>
+            </a:r>
+          </a:p>
+        </p:txBody>
+      </p:sp>
+      <p:sp>
+        <p:nvSpPr>
+          <p:cNvPr id="30723" name="Rectangle 3"/>
+          <p:cNvSpPr>
+            <a:spLocks noGrp="1" noChangeArrowheads="1"/>
+          </p:cNvSpPr>
+          <p:nvPr>
+            <p:ph idx="1"/>
+          </p:nvPr>
+        </p:nvSpPr>
+        <p:spPr/>
+        <p:txBody>
+          <a:bodyPr>
+            <a:normAutofit fontScale="77500" lnSpcReduction="20000"/>
+          </a:bodyPr>
+          <a:lstStyle/>
+          <a:p>
+            <a:r>
+              <a:rPr lang="en-US" altLang="zh-TW" smtClean="0"/>
+              <a:t>if (condition1){</a:t>
+            </a:r>
+          </a:p>
+          <a:p>
+            <a:r>
+              <a:rPr lang="en-US" altLang="zh-TW" smtClean="0"/>
+              <a:t>	statment1;</a:t>
+            </a:r>
+          </a:p>
+          <a:p>
+            <a:r>
+              <a:rPr lang="en-US" altLang="zh-TW" smtClean="0"/>
+              <a:t>}elseif(condition2){</a:t>
+            </a:r>
+          </a:p>
+          <a:p>
+            <a:r>
+              <a:rPr lang="en-US" altLang="zh-TW" smtClean="0"/>
+              <a:t>	statment2;</a:t>
+            </a:r>
+          </a:p>
+          <a:p>
+            <a:r>
+              <a:rPr lang="en-US" altLang="zh-TW" smtClean="0"/>
+              <a:t>}elseif(condition3){</a:t>
+            </a:r>
+          </a:p>
+          <a:p>
+            <a:r>
+              <a:rPr lang="en-US" altLang="zh-TW" smtClean="0"/>
+              <a:t>	statement3;</a:t>
+            </a:r>
+          </a:p>
+          <a:p>
+            <a:r>
+              <a:rPr lang="en-US" altLang="zh-TW" smtClean="0"/>
+              <a:t>}else{</a:t>
+            </a:r>
+          </a:p>
+          <a:p>
+            <a:r>
+              <a:rPr lang="en-US" altLang="zh-TW" smtClean="0"/>
+              <a:t>	statement4;</a:t>
+            </a:r>
+          </a:p>
+          <a:p>
+            <a:r>
+              <a:rPr lang="en-US" altLang="zh-TW" smtClean="0"/>
+              <a:t>}</a:t>
+            </a:r>
+            <a:endParaRPr lang="en-US" altLang="zh-TW" dirty="0" smtClean="0"/>
+          </a:p>
+        </p:txBody>
+      </p:sp>
+    </p:spTree>
+    <p:extLst>
+      <p:ext uri="{BB962C8B-B14F-4D97-AF65-F5344CB8AC3E}">
+        <p14:creationId xmlns:p14="http://schemas.microsoft.com/office/powerpoint/2010/main" val="303936503"/>
+      </p:ext>
+    </p:extLst>
+  </p:cSld>
+  <p:clrMapOvr>
+    <a:masterClrMapping/>
+  </p:clrMapOvr>
+  <p:transition>
+    <p:checker/>
+  </p:transition>
+</p:sld>
+</file>
+
+<file path=ppt/slides/slide28.xml><?xml version="1.0" encoding="utf-8"?>
+<p:sld xmlns:a="http://schemas.openxmlformats.org/drawingml/2006/main" xmlns:r="http://schemas.openxmlformats.org/officeDocument/2006/relationships" xmlns:p="http://schemas.openxmlformats.org/presentationml/2006/main">
+  <p:cSld>
+    <p:spTree>
+      <p:nvGrpSpPr>
+        <p:cNvPr id="1" name=""/>
+        <p:cNvGrpSpPr/>
+        <p:nvPr/>
+      </p:nvGrpSpPr>
+      <p:grpSpPr>
+        <a:xfrm>
+          <a:off x="0" y="0"/>
+          <a:ext cx="0" cy="0"/>
+          <a:chOff x="0" y="0"/>
+          <a:chExt cx="0" cy="0"/>
+        </a:xfrm>
+      </p:grpSpPr>
+      <p:sp>
+        <p:nvSpPr>
+          <p:cNvPr id="160770" name="Rectangle 2"/>
+          <p:cNvSpPr>
+            <a:spLocks noGrp="1" noChangeArrowheads="1"/>
+          </p:cNvSpPr>
+          <p:nvPr>
+            <p:ph type="title"/>
+          </p:nvPr>
+        </p:nvSpPr>
+        <p:spPr/>
+        <p:txBody>
+          <a:bodyPr/>
+          <a:lstStyle/>
+          <a:p>
+            <a:r>
+              <a:rPr lang="en-US" altLang="zh-TW" smtClean="0"/>
+              <a:t>If statement</a:t>
+            </a:r>
+          </a:p>
+        </p:txBody>
+      </p:sp>
+      <p:sp>
+        <p:nvSpPr>
+          <p:cNvPr id="30723" name="Rectangle 3"/>
+          <p:cNvSpPr>
+            <a:spLocks noGrp="1" noChangeArrowheads="1"/>
+          </p:cNvSpPr>
+          <p:nvPr>
+            <p:ph idx="1"/>
+          </p:nvPr>
+        </p:nvSpPr>
+        <p:spPr/>
+        <p:txBody>
+          <a:bodyPr>
+            <a:normAutofit lnSpcReduction="10000"/>
+          </a:bodyPr>
+          <a:lstStyle/>
+          <a:p>
+            <a:r>
+              <a:rPr lang="en-US" altLang="zh-TW" dirty="0" smtClean="0"/>
+              <a:t>if ($marks==100){</a:t>
+            </a:r>
+          </a:p>
+          <a:p>
+            <a:r>
+              <a:rPr lang="en-US" altLang="zh-TW" dirty="0" smtClean="0"/>
+              <a:t>	echo </a:t>
+            </a:r>
+            <a:r>
+              <a:rPr lang="mr-IN" altLang="zh-TW" dirty="0" smtClean="0"/>
+              <a:t>"</a:t>
+            </a:r>
+            <a:r>
+              <a:rPr lang="en-US" altLang="zh-TW" dirty="0" smtClean="0"/>
+              <a:t>you get full marks</a:t>
+            </a:r>
+            <a:r>
+              <a:rPr lang="mr-IN" altLang="zh-TW" dirty="0" smtClean="0"/>
+              <a:t>"</a:t>
+            </a:r>
+            <a:r>
+              <a:rPr lang="en-US" altLang="zh-TW" dirty="0" smtClean="0"/>
+              <a:t>;</a:t>
+            </a:r>
+          </a:p>
+          <a:p>
+            <a:r>
+              <a:rPr lang="en-US" altLang="zh-TW" dirty="0" smtClean="0"/>
+              <a:t>} </a:t>
+            </a:r>
+            <a:r>
+              <a:rPr lang="en-US" altLang="zh-TW" dirty="0" err="1" smtClean="0"/>
+              <a:t>elseif</a:t>
+            </a:r>
+            <a:r>
+              <a:rPr lang="en-US" altLang="zh-TW" dirty="0" smtClean="0"/>
+              <a:t> ($marks&gt;=60){</a:t>
+            </a:r>
+          </a:p>
+          <a:p>
+            <a:r>
+              <a:rPr lang="en-US" altLang="zh-TW" dirty="0" smtClean="0"/>
+              <a:t>	echo </a:t>
+            </a:r>
+            <a:r>
+              <a:rPr lang="mr-IN" altLang="zh-TW" dirty="0" smtClean="0"/>
+              <a:t>"</a:t>
+            </a:r>
+            <a:r>
+              <a:rPr lang="en-US" altLang="zh-TW" dirty="0" smtClean="0"/>
+              <a:t>you are pass</a:t>
+            </a:r>
+            <a:r>
+              <a:rPr lang="mr-IN" altLang="zh-TW" dirty="0" smtClean="0"/>
+              <a:t>"</a:t>
+            </a:r>
+            <a:r>
+              <a:rPr lang="en-US" altLang="zh-TW" dirty="0" smtClean="0"/>
+              <a:t>;</a:t>
+            </a:r>
+          </a:p>
+          <a:p>
+            <a:r>
+              <a:rPr lang="en-US" altLang="zh-TW" dirty="0" smtClean="0"/>
+              <a:t>} else {</a:t>
+            </a:r>
+          </a:p>
+          <a:p>
+            <a:r>
+              <a:rPr lang="en-US" altLang="zh-TW" dirty="0" smtClean="0"/>
+              <a:t>	echo </a:t>
+            </a:r>
+            <a:r>
+              <a:rPr lang="mr-IN" altLang="zh-TW" dirty="0" smtClean="0"/>
+              <a:t>"</a:t>
+            </a:r>
+            <a:r>
+              <a:rPr lang="en-US" altLang="zh-TW" dirty="0" smtClean="0"/>
+              <a:t>you are fail</a:t>
+            </a:r>
+            <a:r>
+              <a:rPr lang="mr-IN" altLang="zh-TW" dirty="0" smtClean="0"/>
+              <a:t>"</a:t>
+            </a:r>
+            <a:r>
+              <a:rPr lang="en-US" altLang="zh-TW" dirty="0" smtClean="0"/>
+              <a:t>;</a:t>
+            </a:r>
+          </a:p>
+          <a:p>
+            <a:r>
+              <a:rPr lang="en-US" altLang="zh-TW" dirty="0" smtClean="0"/>
+              <a:t>}</a:t>
+            </a:r>
+          </a:p>
+        </p:txBody>
+      </p:sp>
+    </p:spTree>
+    <p:extLst>
+      <p:ext uri="{BB962C8B-B14F-4D97-AF65-F5344CB8AC3E}">
+        <p14:creationId xmlns:p14="http://schemas.microsoft.com/office/powerpoint/2010/main" val="1704859916"/>
+      </p:ext>
+    </p:extLst>
+  </p:cSld>
+  <p:clrMapOvr>
+    <a:masterClrMapping/>
+  </p:clrMapOvr>
+  <p:transition>
+    <p:checker/>
+  </p:transition>
+</p:sld>
+</file>
+
+<file path=ppt/slides/slide29.xml><?xml version="1.0" encoding="utf-8"?>
+<p:sld xmlns:a="http://schemas.openxmlformats.org/drawingml/2006/main" xmlns:r="http://schemas.openxmlformats.org/officeDocument/2006/relationships" xmlns:p="http://schemas.openxmlformats.org/presentationml/2006/main">
+  <p:cSld>
+    <p:spTree>
+      <p:nvGrpSpPr>
+        <p:cNvPr id="1" name=""/>
+        <p:cNvGrpSpPr/>
+        <p:nvPr/>
+      </p:nvGrpSpPr>
+      <p:grpSpPr>
+        <a:xfrm>
+          <a:off x="0" y="0"/>
+          <a:ext cx="0" cy="0"/>
+          <a:chOff x="0" y="0"/>
+          <a:chExt cx="0" cy="0"/>
+        </a:xfrm>
+      </p:grpSpPr>
+      <p:sp>
+        <p:nvSpPr>
+          <p:cNvPr id="160770" name="Rectangle 2"/>
+          <p:cNvSpPr>
+            <a:spLocks noGrp="1" noChangeArrowheads="1"/>
+          </p:cNvSpPr>
+          <p:nvPr>
+            <p:ph type="title"/>
+          </p:nvPr>
+        </p:nvSpPr>
+        <p:spPr/>
+        <p:txBody>
+          <a:bodyPr/>
+          <a:lstStyle/>
+          <a:p>
+            <a:r>
+              <a:rPr lang="en-US" altLang="zh-TW" dirty="0" smtClean="0"/>
+              <a:t>Classwork</a:t>
+            </a:r>
+          </a:p>
+        </p:txBody>
+      </p:sp>
+      <p:sp>
+        <p:nvSpPr>
+          <p:cNvPr id="30723" name="Rectangle 3"/>
+          <p:cNvSpPr>
+            <a:spLocks noGrp="1" noChangeArrowheads="1"/>
+          </p:cNvSpPr>
+          <p:nvPr>
+            <p:ph idx="1"/>
+          </p:nvPr>
+        </p:nvSpPr>
+        <p:spPr/>
+        <p:txBody>
+          <a:bodyPr>
+            <a:normAutofit/>
+          </a:bodyPr>
+          <a:lstStyle/>
+          <a:p>
+            <a:r>
+              <a:rPr lang="en-US" altLang="zh-TW" dirty="0" smtClean="0"/>
+              <a:t>100=</a:t>
+            </a:r>
+            <a:r>
+              <a:rPr lang="mr-IN" altLang="zh-TW" dirty="0" smtClean="0"/>
+              <a:t>"</a:t>
+            </a:r>
+            <a:r>
+              <a:rPr lang="en-US" altLang="zh-TW" dirty="0" smtClean="0"/>
+              <a:t>full marks</a:t>
+            </a:r>
+            <a:r>
+              <a:rPr lang="mr-IN" altLang="zh-TW" dirty="0" smtClean="0"/>
+              <a:t>"</a:t>
+            </a:r>
+            <a:endParaRPr lang="en-US" altLang="zh-TW" dirty="0" smtClean="0"/>
+          </a:p>
+          <a:p>
+            <a:r>
+              <a:rPr lang="en-US" altLang="zh-TW" dirty="0" smtClean="0"/>
+              <a:t>&gt;90=</a:t>
+            </a:r>
+            <a:r>
+              <a:rPr lang="mr-IN" altLang="zh-TW" dirty="0" smtClean="0"/>
+              <a:t>"</a:t>
+            </a:r>
+            <a:r>
+              <a:rPr lang="en-US" altLang="zh-TW" dirty="0" smtClean="0"/>
+              <a:t>A</a:t>
+            </a:r>
+            <a:r>
+              <a:rPr lang="mr-IN" altLang="zh-TW" dirty="0" smtClean="0"/>
+              <a:t>"</a:t>
+            </a:r>
+            <a:endParaRPr lang="en-US" altLang="zh-TW" dirty="0" smtClean="0"/>
+          </a:p>
+          <a:p>
+            <a:r>
+              <a:rPr lang="en-US" altLang="zh-TW" dirty="0" smtClean="0"/>
+              <a:t>&gt;80=</a:t>
+            </a:r>
+            <a:r>
+              <a:rPr lang="mr-IN" altLang="zh-TW" dirty="0" smtClean="0"/>
+              <a:t>"</a:t>
+            </a:r>
+            <a:r>
+              <a:rPr lang="en-US" altLang="zh-TW" dirty="0" smtClean="0"/>
+              <a:t>B</a:t>
+            </a:r>
+            <a:r>
+              <a:rPr lang="mr-IN" altLang="zh-TW" dirty="0" smtClean="0"/>
+              <a:t>"</a:t>
+            </a:r>
+            <a:endParaRPr lang="en-US" altLang="zh-TW" dirty="0" smtClean="0"/>
+          </a:p>
+          <a:p>
+            <a:r>
+              <a:rPr lang="en-US" altLang="zh-TW" dirty="0" smtClean="0"/>
+              <a:t>&gt;70=</a:t>
+            </a:r>
+            <a:r>
+              <a:rPr lang="mr-IN" altLang="zh-TW" dirty="0" smtClean="0"/>
+              <a:t>"</a:t>
+            </a:r>
+            <a:r>
+              <a:rPr lang="en-US" altLang="zh-TW" dirty="0" smtClean="0"/>
+              <a:t>C</a:t>
+            </a:r>
+            <a:r>
+              <a:rPr lang="mr-IN" altLang="zh-TW" dirty="0" smtClean="0"/>
+              <a:t>"</a:t>
+            </a:r>
+            <a:endParaRPr lang="en-US" altLang="zh-TW" dirty="0" smtClean="0"/>
+          </a:p>
+          <a:p>
+            <a:r>
+              <a:rPr lang="en-US" altLang="zh-TW" dirty="0" smtClean="0"/>
+              <a:t>&gt;=60=</a:t>
+            </a:r>
+            <a:r>
+              <a:rPr lang="mr-IN" altLang="zh-TW" dirty="0" smtClean="0"/>
+              <a:t>"</a:t>
+            </a:r>
+            <a:r>
+              <a:rPr lang="en-US" altLang="zh-TW" dirty="0" smtClean="0"/>
+              <a:t>D</a:t>
+            </a:r>
+            <a:r>
+              <a:rPr lang="mr-IN" altLang="zh-TW" dirty="0" smtClean="0"/>
+              <a:t>"</a:t>
+            </a:r>
+            <a:endParaRPr lang="en-US" altLang="zh-TW" dirty="0" smtClean="0"/>
+          </a:p>
+          <a:p>
+            <a:r>
+              <a:rPr lang="en-US" altLang="zh-TW" dirty="0" smtClean="0"/>
+              <a:t>&lt;60=</a:t>
+            </a:r>
+            <a:r>
+              <a:rPr lang="mr-IN" altLang="zh-TW" dirty="0" smtClean="0"/>
+              <a:t>"</a:t>
+            </a:r>
+            <a:r>
+              <a:rPr lang="en-US" altLang="zh-TW" dirty="0" smtClean="0"/>
+              <a:t>fail</a:t>
+            </a:r>
+          </a:p>
+        </p:txBody>
+      </p:sp>
+    </p:spTree>
+    <p:extLst>
+      <p:ext uri="{BB962C8B-B14F-4D97-AF65-F5344CB8AC3E}">
+        <p14:creationId xmlns:p14="http://schemas.microsoft.com/office/powerpoint/2010/main" val="2359767041"/>
+      </p:ext>
+    </p:extLst>
+  </p:cSld>
+  <p:clrMapOvr>
+    <a:masterClrMapping/>
+  </p:clrMapOvr>
+  <p:transition>
+    <p:checker/>
+  </p:transition>
+</p:sld>
+</file>
+
+<file path=ppt/slides/slide3.xml><?xml version="1.0" encoding="utf-8"?>
+<p:sld xmlns:a="http://schemas.openxmlformats.org/drawingml/2006/main" xmlns:r="http://schemas.openxmlformats.org/officeDocument/2006/relationships" xmlns:p="http://schemas.openxmlformats.org/presentationml/2006/main">
+  <p:cSld>
+    <p:spTree>
+      <p:nvGrpSpPr>
+        <p:cNvPr id="1" name=""/>
+        <p:cNvGrpSpPr/>
+        <p:nvPr/>
+      </p:nvGrpSpPr>
+      <p:grpSpPr>
+        <a:xfrm>
+          <a:off x="0" y="0"/>
+          <a:ext cx="0" cy="0"/>
+          <a:chOff x="0" y="0"/>
+          <a:chExt cx="0" cy="0"/>
+        </a:xfrm>
+      </p:grpSpPr>
+      <p:sp>
+        <p:nvSpPr>
+          <p:cNvPr id="168962" name="Rectangle 2"/>
+          <p:cNvSpPr>
+            <a:spLocks noGrp="1" noChangeArrowheads="1"/>
+          </p:cNvSpPr>
+          <p:nvPr>
+            <p:ph type="title"/>
+          </p:nvPr>
+        </p:nvSpPr>
+        <p:spPr/>
+        <p:txBody>
+          <a:bodyPr/>
+          <a:lstStyle/>
+          <a:p>
+            <a:r>
+              <a:rPr lang="en-US" altLang="zh-TW" dirty="0" smtClean="0"/>
+              <a:t>Classwork</a:t>
+            </a:r>
+            <a:endParaRPr lang="en-US" altLang="zh-TW" dirty="0" smtClean="0"/>
+          </a:p>
+        </p:txBody>
+      </p:sp>
+      <p:sp>
+        <p:nvSpPr>
+          <p:cNvPr id="14339" name="Rectangle 3"/>
+          <p:cNvSpPr>
+            <a:spLocks noGrp="1" noChangeArrowheads="1"/>
+          </p:cNvSpPr>
+          <p:nvPr>
+            <p:ph idx="1"/>
+          </p:nvPr>
+        </p:nvSpPr>
+        <p:spPr/>
+        <p:txBody>
+          <a:bodyPr/>
+          <a:lstStyle/>
+          <a:p>
+            <a:r>
+              <a:rPr lang="en-US" altLang="zh-TW" dirty="0" err="1" smtClean="0"/>
+              <a:t>greeting.php</a:t>
+            </a:r>
+            <a:endParaRPr lang="en-US" altLang="zh-TW" dirty="0" smtClean="0"/>
+          </a:p>
+        </p:txBody>
+      </p:sp>
+    </p:spTree>
+  </p:cSld>
+  <p:clrMapOvr>
+    <a:masterClrMapping/>
+  </p:clrMapOvr>
+  <p:transition>
+    <p:checker/>
+  </p:transition>
+</p:sld>
+</file>
+
+<file path=ppt/slides/slide30.xml><?xml version="1.0" encoding="utf-8"?>
+<p:sld xmlns:a="http://schemas.openxmlformats.org/drawingml/2006/main" xmlns:r="http://schemas.openxmlformats.org/officeDocument/2006/relationships" xmlns:p="http://schemas.openxmlformats.org/presentationml/2006/main">
+  <p:cSld>
+    <p:spTree>
+      <p:nvGrpSpPr>
+        <p:cNvPr id="1" name=""/>
+        <p:cNvGrpSpPr/>
+        <p:nvPr/>
+      </p:nvGrpSpPr>
+      <p:grpSpPr>
+        <a:xfrm>
+          <a:off x="0" y="0"/>
+          <a:ext cx="0" cy="0"/>
+          <a:chOff x="0" y="0"/>
+          <a:chExt cx="0" cy="0"/>
+        </a:xfrm>
+      </p:grpSpPr>
+      <p:sp>
+        <p:nvSpPr>
           <p:cNvPr id="156674" name="Rectangle 2"/>
           <p:cNvSpPr>
             <a:spLocks noGrp="1" noChangeArrowheads="1"/>
@@ -13976,14 +15195,14 @@
                 <a:gridCol w="3048000">
                   <a:extLst>
                     <a:ext uri="{9D8B030D-6E8A-4147-A177-3AD203B41FA5}">
-                      <a16:colId xmlns:a16="http://schemas.microsoft.com/office/drawing/2014/main" val="20000"/>
+                      <a16:colId xmlns:a16="http://schemas.microsoft.com/office/drawing/2014/main" xmlns="" val="20000"/>
                     </a:ext>
                   </a:extLst>
                 </a:gridCol>
                 <a:gridCol w="3048000">
                   <a:extLst>
                     <a:ext uri="{9D8B030D-6E8A-4147-A177-3AD203B41FA5}">
-                      <a16:colId xmlns:a16="http://schemas.microsoft.com/office/drawing/2014/main" val="20001"/>
+                      <a16:colId xmlns:a16="http://schemas.microsoft.com/office/drawing/2014/main" xmlns="" val="20001"/>
                     </a:ext>
                   </a:extLst>
                 </a:gridCol>
@@ -14018,7 +15237,7 @@
                 </a:tc>
                 <a:extLst>
                   <a:ext uri="{0D108BD9-81ED-4DB2-BD59-A6C34878D82A}">
-                    <a16:rowId xmlns:a16="http://schemas.microsoft.com/office/drawing/2014/main" val="10000"/>
+                    <a16:rowId xmlns:a16="http://schemas.microsoft.com/office/drawing/2014/main" xmlns="" val="10000"/>
                   </a:ext>
                 </a:extLst>
               </a:tr>
@@ -14053,7 +15272,7 @@
                 </a:tc>
                 <a:extLst>
                   <a:ext uri="{0D108BD9-81ED-4DB2-BD59-A6C34878D82A}">
-                    <a16:rowId xmlns:a16="http://schemas.microsoft.com/office/drawing/2014/main" val="10001"/>
+                    <a16:rowId xmlns:a16="http://schemas.microsoft.com/office/drawing/2014/main" xmlns="" val="10001"/>
                   </a:ext>
                 </a:extLst>
               </a:tr>
@@ -14088,7 +15307,7 @@
                 </a:tc>
                 <a:extLst>
                   <a:ext uri="{0D108BD9-81ED-4DB2-BD59-A6C34878D82A}">
-                    <a16:rowId xmlns:a16="http://schemas.microsoft.com/office/drawing/2014/main" val="10002"/>
+                    <a16:rowId xmlns:a16="http://schemas.microsoft.com/office/drawing/2014/main" xmlns="" val="10002"/>
                   </a:ext>
                 </a:extLst>
               </a:tr>
@@ -14123,7 +15342,7 @@
                 </a:tc>
                 <a:extLst>
                   <a:ext uri="{0D108BD9-81ED-4DB2-BD59-A6C34878D82A}">
-                    <a16:rowId xmlns:a16="http://schemas.microsoft.com/office/drawing/2014/main" val="10003"/>
+                    <a16:rowId xmlns:a16="http://schemas.microsoft.com/office/drawing/2014/main" xmlns="" val="10003"/>
                   </a:ext>
                 </a:extLst>
               </a:tr>
@@ -14174,7 +15393,7 @@
                 </a:tc>
                 <a:extLst>
                   <a:ext uri="{0D108BD9-81ED-4DB2-BD59-A6C34878D82A}">
-                    <a16:rowId xmlns:a16="http://schemas.microsoft.com/office/drawing/2014/main" val="10004"/>
+                    <a16:rowId xmlns:a16="http://schemas.microsoft.com/office/drawing/2014/main" xmlns="" val="10004"/>
                   </a:ext>
                 </a:extLst>
               </a:tr>
@@ -14225,7 +15444,7 @@
                 </a:tc>
                 <a:extLst>
                   <a:ext uri="{0D108BD9-81ED-4DB2-BD59-A6C34878D82A}">
-                    <a16:rowId xmlns:a16="http://schemas.microsoft.com/office/drawing/2014/main" val="10005"/>
+                    <a16:rowId xmlns:a16="http://schemas.microsoft.com/office/drawing/2014/main" xmlns="" val="10005"/>
                   </a:ext>
                 </a:extLst>
               </a:tr>
@@ -14292,7 +15511,7 @@
                 </a:tc>
                 <a:extLst>
                   <a:ext uri="{0D108BD9-81ED-4DB2-BD59-A6C34878D82A}">
-                    <a16:rowId xmlns:a16="http://schemas.microsoft.com/office/drawing/2014/main" val="10006"/>
+                    <a16:rowId xmlns:a16="http://schemas.microsoft.com/office/drawing/2014/main" xmlns="" val="10006"/>
                   </a:ext>
                 </a:extLst>
               </a:tr>
@@ -14359,7 +15578,7 @@
                 </a:tc>
                 <a:extLst>
                   <a:ext uri="{0D108BD9-81ED-4DB2-BD59-A6C34878D82A}">
-                    <a16:rowId xmlns:a16="http://schemas.microsoft.com/office/drawing/2014/main" val="10007"/>
+                    <a16:rowId xmlns:a16="http://schemas.microsoft.com/office/drawing/2014/main" xmlns="" val="10007"/>
                   </a:ext>
                 </a:extLst>
               </a:tr>
@@ -14367,421 +15586,6 @@
           </a:graphicData>
         </a:graphic>
       </p:graphicFrame>
-    </p:spTree>
-  </p:cSld>
-  <p:clrMapOvr>
-    <a:masterClrMapping/>
-  </p:clrMapOvr>
-  <p:transition>
-    <p:checker/>
-  </p:transition>
-</p:sld>
-</file>
-
-<file path=ppt/slides/slide28.xml><?xml version="1.0" encoding="utf-8"?>
-<p:sld xmlns:a="http://schemas.openxmlformats.org/drawingml/2006/main" xmlns:r="http://schemas.openxmlformats.org/officeDocument/2006/relationships" xmlns:p="http://schemas.openxmlformats.org/presentationml/2006/main">
-  <p:cSld>
-    <p:spTree>
-      <p:nvGrpSpPr>
-        <p:cNvPr id="1" name=""/>
-        <p:cNvGrpSpPr/>
-        <p:nvPr/>
-      </p:nvGrpSpPr>
-      <p:grpSpPr>
-        <a:xfrm>
-          <a:off x="0" y="0"/>
-          <a:ext cx="0" cy="0"/>
-          <a:chOff x="0" y="0"/>
-          <a:chExt cx="0" cy="0"/>
-        </a:xfrm>
-      </p:grpSpPr>
-      <p:sp>
-        <p:nvSpPr>
-          <p:cNvPr id="161794" name="Rectangle 2"/>
-          <p:cNvSpPr>
-            <a:spLocks noGrp="1" noChangeArrowheads="1"/>
-          </p:cNvSpPr>
-          <p:nvPr>
-            <p:ph type="title"/>
-          </p:nvPr>
-        </p:nvSpPr>
-        <p:spPr/>
-        <p:txBody>
-          <a:bodyPr/>
-          <a:lstStyle/>
-          <a:p>
-            <a:r>
-              <a:rPr lang="en-US" altLang="zh-TW" smtClean="0"/>
-              <a:t>White spacing</a:t>
-            </a:r>
-          </a:p>
-        </p:txBody>
-      </p:sp>
-      <p:sp>
-        <p:nvSpPr>
-          <p:cNvPr id="32771" name="Rectangle 3"/>
-          <p:cNvSpPr>
-            <a:spLocks noGrp="1" noChangeArrowheads="1"/>
-          </p:cNvSpPr>
-          <p:nvPr>
-            <p:ph idx="1"/>
-          </p:nvPr>
-        </p:nvSpPr>
-        <p:spPr/>
-        <p:txBody>
-          <a:bodyPr/>
-          <a:lstStyle/>
-          <a:p>
-            <a:r>
-              <a:rPr lang="en-US" altLang="zh-TW" dirty="0" smtClean="0"/>
-              <a:t>Easier for </a:t>
-            </a:r>
-            <a:r>
-              <a:rPr lang="en-US" altLang="zh-TW" dirty="0" err="1" smtClean="0"/>
-              <a:t>dubugging</a:t>
-            </a:r>
-            <a:endParaRPr lang="en-US" altLang="zh-TW" dirty="0" smtClean="0"/>
-          </a:p>
-          <a:p>
-            <a:r>
-              <a:rPr lang="en-US" altLang="zh-TW" dirty="0" smtClean="0"/>
-              <a:t>Usually use tab for under each blanket</a:t>
-            </a:r>
-          </a:p>
-          <a:p>
-            <a:r>
-              <a:rPr lang="en-US" altLang="zh-TW" dirty="0" smtClean="0"/>
-              <a:t>Highlight the code</a:t>
-            </a:r>
-          </a:p>
-          <a:p>
-            <a:r>
-              <a:rPr lang="en-US" altLang="zh-TW" dirty="0" smtClean="0"/>
-              <a:t>Use </a:t>
-            </a:r>
-            <a:r>
-              <a:rPr lang="mr-IN" altLang="zh-TW" dirty="0" smtClean="0"/>
-              <a:t>"</a:t>
-            </a:r>
-            <a:r>
-              <a:rPr lang="en-US" altLang="zh-TW" dirty="0" err="1" smtClean="0"/>
-              <a:t>Ctrl+Shift</a:t>
-            </a:r>
-            <a:r>
-              <a:rPr lang="en-US" altLang="zh-TW" dirty="0" smtClean="0"/>
-              <a:t>+&gt;</a:t>
-            </a:r>
-            <a:r>
-              <a:rPr lang="mr-IN" altLang="zh-TW" dirty="0" smtClean="0"/>
-              <a:t>"</a:t>
-            </a:r>
-            <a:r>
-              <a:rPr lang="en-US" altLang="zh-TW" dirty="0" smtClean="0"/>
-              <a:t> or </a:t>
-            </a:r>
-            <a:r>
-              <a:rPr lang="mr-IN" altLang="zh-TW" dirty="0" smtClean="0"/>
-              <a:t>"</a:t>
-            </a:r>
-            <a:r>
-              <a:rPr lang="en-US" altLang="zh-TW" dirty="0" err="1" smtClean="0"/>
-              <a:t>Ctrl+Shift</a:t>
-            </a:r>
-            <a:r>
-              <a:rPr lang="en-US" altLang="zh-TW" dirty="0" smtClean="0"/>
-              <a:t>+&lt;</a:t>
-            </a:r>
-            <a:r>
-              <a:rPr lang="mr-IN" altLang="zh-TW" dirty="0" smtClean="0"/>
-              <a:t>"</a:t>
-            </a:r>
-            <a:r>
-              <a:rPr lang="en-US" altLang="zh-TW" dirty="0" smtClean="0"/>
-              <a:t> for formatting</a:t>
-            </a:r>
-          </a:p>
-        </p:txBody>
-      </p:sp>
-    </p:spTree>
-  </p:cSld>
-  <p:clrMapOvr>
-    <a:masterClrMapping/>
-  </p:clrMapOvr>
-  <p:transition>
-    <p:checker/>
-  </p:transition>
-</p:sld>
-</file>
-
-<file path=ppt/slides/slide29.xml><?xml version="1.0" encoding="utf-8"?>
-<p:sld xmlns:a="http://schemas.openxmlformats.org/drawingml/2006/main" xmlns:r="http://schemas.openxmlformats.org/officeDocument/2006/relationships" xmlns:p="http://schemas.openxmlformats.org/presentationml/2006/main">
-  <p:cSld>
-    <p:spTree>
-      <p:nvGrpSpPr>
-        <p:cNvPr id="1" name=""/>
-        <p:cNvGrpSpPr/>
-        <p:nvPr/>
-      </p:nvGrpSpPr>
-      <p:grpSpPr>
-        <a:xfrm>
-          <a:off x="0" y="0"/>
-          <a:ext cx="0" cy="0"/>
-          <a:chOff x="0" y="0"/>
-          <a:chExt cx="0" cy="0"/>
-        </a:xfrm>
-      </p:grpSpPr>
-      <p:sp>
-        <p:nvSpPr>
-          <p:cNvPr id="197634" name="Rectangle 1026"/>
-          <p:cNvSpPr>
-            <a:spLocks noGrp="1" noChangeArrowheads="1"/>
-          </p:cNvSpPr>
-          <p:nvPr>
-            <p:ph type="title"/>
-          </p:nvPr>
-        </p:nvSpPr>
-        <p:spPr/>
-        <p:txBody>
-          <a:bodyPr/>
-          <a:lstStyle/>
-          <a:p>
-            <a:r>
-              <a:rPr lang="en-US" altLang="zh-TW" smtClean="0"/>
-              <a:t>While loop</a:t>
-            </a:r>
-          </a:p>
-        </p:txBody>
-      </p:sp>
-      <p:sp>
-        <p:nvSpPr>
-          <p:cNvPr id="34819" name="Rectangle 1027"/>
-          <p:cNvSpPr>
-            <a:spLocks noGrp="1" noChangeArrowheads="1"/>
-          </p:cNvSpPr>
-          <p:nvPr>
-            <p:ph idx="1"/>
-          </p:nvPr>
-        </p:nvSpPr>
-        <p:spPr/>
-        <p:txBody>
-          <a:bodyPr/>
-          <a:lstStyle/>
-          <a:p>
-            <a:r>
-              <a:rPr lang="en-US" altLang="zh-TW" smtClean="0"/>
-              <a:t>Also relies on a condition, but it executes repeatedly for as long as the condition is true</a:t>
-            </a:r>
-          </a:p>
-          <a:p>
-            <a:r>
-              <a:rPr lang="en-US" altLang="zh-TW" smtClean="0"/>
-              <a:t>See while.php</a:t>
-            </a:r>
-          </a:p>
-          <a:p>
-            <a:r>
-              <a:rPr lang="en-US" altLang="zh-TW" smtClean="0"/>
-              <a:t>Loop forever if this has been setup incorrectly</a:t>
-            </a:r>
-          </a:p>
-          <a:p>
-            <a:r>
-              <a:rPr lang="en-US" altLang="zh-TW" smtClean="0"/>
-              <a:t>$num=6;</a:t>
-            </a:r>
-          </a:p>
-          <a:p>
-            <a:r>
-              <a:rPr lang="en-US" altLang="zh-TW" smtClean="0"/>
-              <a:t>IE -&gt; Stop</a:t>
-            </a:r>
-          </a:p>
-        </p:txBody>
-      </p:sp>
-    </p:spTree>
-  </p:cSld>
-  <p:clrMapOvr>
-    <a:masterClrMapping/>
-  </p:clrMapOvr>
-  <p:transition>
-    <p:checker/>
-  </p:transition>
-</p:sld>
-</file>
-
-<file path=ppt/slides/slide3.xml><?xml version="1.0" encoding="utf-8"?>
-<p:sld xmlns:a="http://schemas.openxmlformats.org/drawingml/2006/main" xmlns:r="http://schemas.openxmlformats.org/officeDocument/2006/relationships" xmlns:p="http://schemas.openxmlformats.org/presentationml/2006/main">
-  <p:cSld>
-    <p:spTree>
-      <p:nvGrpSpPr>
-        <p:cNvPr id="1" name=""/>
-        <p:cNvGrpSpPr/>
-        <p:nvPr/>
-      </p:nvGrpSpPr>
-      <p:grpSpPr>
-        <a:xfrm>
-          <a:off x="0" y="0"/>
-          <a:ext cx="0" cy="0"/>
-          <a:chOff x="0" y="0"/>
-          <a:chExt cx="0" cy="0"/>
-        </a:xfrm>
-      </p:grpSpPr>
-      <p:sp>
-        <p:nvSpPr>
-          <p:cNvPr id="150530" name="Rectangle 2"/>
-          <p:cNvSpPr>
-            <a:spLocks noGrp="1" noChangeArrowheads="1"/>
-          </p:cNvSpPr>
-          <p:nvPr>
-            <p:ph type="title"/>
-          </p:nvPr>
-        </p:nvSpPr>
-        <p:spPr/>
-        <p:txBody>
-          <a:bodyPr/>
-          <a:lstStyle/>
-          <a:p>
-            <a:r>
-              <a:rPr lang="en-US" altLang="zh-TW" smtClean="0"/>
-              <a:t>Operands III</a:t>
-            </a:r>
-          </a:p>
-        </p:txBody>
-      </p:sp>
-      <p:sp>
-        <p:nvSpPr>
-          <p:cNvPr id="15363" name="Rectangle 3"/>
-          <p:cNvSpPr>
-            <a:spLocks noGrp="1" noChangeArrowheads="1"/>
-          </p:cNvSpPr>
-          <p:nvPr>
-            <p:ph idx="1"/>
-          </p:nvPr>
-        </p:nvSpPr>
-        <p:spPr/>
-        <p:txBody>
-          <a:bodyPr/>
-          <a:lstStyle/>
-          <a:p>
-            <a:r>
-              <a:rPr lang="en-US" altLang="zh-TW" dirty="0" smtClean="0"/>
-              <a:t>Assignment operators</a:t>
-            </a:r>
-          </a:p>
-          <a:p>
-            <a:r>
-              <a:rPr lang="en-US" altLang="zh-TW" dirty="0" smtClean="0"/>
-              <a:t>$a=000;</a:t>
-            </a:r>
-          </a:p>
-          <a:p>
-            <a:r>
-              <a:rPr lang="en-US" altLang="zh-TW" dirty="0" smtClean="0"/>
-              <a:t>$b=</a:t>
-            </a:r>
-            <a:r>
-              <a:rPr lang="mr-IN" altLang="zh-TW" dirty="0" smtClean="0"/>
-              <a:t>"</a:t>
-            </a:r>
-            <a:r>
-              <a:rPr lang="en-US" altLang="zh-TW" dirty="0" smtClean="0"/>
-              <a:t>000</a:t>
-            </a:r>
-            <a:r>
-              <a:rPr lang="mr-IN" altLang="zh-TW" dirty="0" smtClean="0"/>
-              <a:t>"</a:t>
-            </a:r>
-            <a:r>
-              <a:rPr lang="en-US" altLang="zh-TW" dirty="0" smtClean="0"/>
-              <a:t>;</a:t>
-            </a:r>
-          </a:p>
-          <a:p>
-            <a:r>
-              <a:rPr lang="en-US" altLang="zh-TW" dirty="0" smtClean="0"/>
-              <a:t>operand3.php</a:t>
-            </a:r>
-          </a:p>
-        </p:txBody>
-      </p:sp>
-    </p:spTree>
-  </p:cSld>
-  <p:clrMapOvr>
-    <a:masterClrMapping/>
-  </p:clrMapOvr>
-  <p:transition>
-    <p:checker/>
-  </p:transition>
-</p:sld>
-</file>
-
-<file path=ppt/slides/slide30.xml><?xml version="1.0" encoding="utf-8"?>
-<p:sld xmlns:a="http://schemas.openxmlformats.org/drawingml/2006/main" xmlns:r="http://schemas.openxmlformats.org/officeDocument/2006/relationships" xmlns:p="http://schemas.openxmlformats.org/presentationml/2006/main">
-  <p:cSld>
-    <p:spTree>
-      <p:nvGrpSpPr>
-        <p:cNvPr id="1" name=""/>
-        <p:cNvGrpSpPr/>
-        <p:nvPr/>
-      </p:nvGrpSpPr>
-      <p:grpSpPr>
-        <a:xfrm>
-          <a:off x="0" y="0"/>
-          <a:ext cx="0" cy="0"/>
-          <a:chOff x="0" y="0"/>
-          <a:chExt cx="0" cy="0"/>
-        </a:xfrm>
-      </p:grpSpPr>
-      <p:sp>
-        <p:nvSpPr>
-          <p:cNvPr id="164866" name="Rectangle 2"/>
-          <p:cNvSpPr>
-            <a:spLocks noGrp="1" noChangeArrowheads="1"/>
-          </p:cNvSpPr>
-          <p:nvPr>
-            <p:ph type="title"/>
-          </p:nvPr>
-        </p:nvSpPr>
-        <p:spPr/>
-        <p:txBody>
-          <a:bodyPr/>
-          <a:lstStyle/>
-          <a:p>
-            <a:r>
-              <a:rPr lang="en-US" altLang="zh-TW" smtClean="0"/>
-              <a:t>Do while loop</a:t>
-            </a:r>
-          </a:p>
-        </p:txBody>
-      </p:sp>
-      <p:sp>
-        <p:nvSpPr>
-          <p:cNvPr id="35843" name="Rectangle 3"/>
-          <p:cNvSpPr>
-            <a:spLocks noGrp="1" noChangeArrowheads="1"/>
-          </p:cNvSpPr>
-          <p:nvPr>
-            <p:ph idx="1"/>
-          </p:nvPr>
-        </p:nvSpPr>
-        <p:spPr/>
-        <p:txBody>
-          <a:bodyPr/>
-          <a:lstStyle/>
-          <a:p>
-            <a:r>
-              <a:rPr lang="en-US" altLang="zh-TW" smtClean="0"/>
-              <a:t>Very similar to while loop, but it executes at least once before checking the condition</a:t>
-            </a:r>
-          </a:p>
-          <a:p>
-            <a:r>
-              <a:rPr lang="en-US" altLang="zh-TW" smtClean="0"/>
-              <a:t>See dowhile.php</a:t>
-            </a:r>
-          </a:p>
-        </p:txBody>
-      </p:sp>
     </p:spTree>
   </p:cSld>
   <p:clrMapOvr>
@@ -14812,7 +15616,7 @@
       </p:grpSpPr>
       <p:sp>
         <p:nvSpPr>
-          <p:cNvPr id="163842" name="Rectangle 2"/>
+          <p:cNvPr id="161794" name="Rectangle 2"/>
           <p:cNvSpPr>
             <a:spLocks noGrp="1" noChangeArrowheads="1"/>
           </p:cNvSpPr>
@@ -14827,14 +15631,14 @@
           <a:p>
             <a:r>
               <a:rPr lang="en-US" altLang="zh-TW" smtClean="0"/>
-              <a:t>For loop</a:t>
+              <a:t>White spacing</a:t>
             </a:r>
           </a:p>
         </p:txBody>
       </p:sp>
       <p:sp>
         <p:nvSpPr>
-          <p:cNvPr id="36867" name="Rectangle 3"/>
+          <p:cNvPr id="32771" name="Rectangle 3"/>
           <p:cNvSpPr>
             <a:spLocks noGrp="1" noChangeArrowheads="1"/>
           </p:cNvSpPr>
@@ -14848,31 +15652,72 @@
           <a:lstStyle/>
           <a:p>
             <a:r>
-              <a:rPr lang="en-US" altLang="zh-TW" smtClean="0"/>
-              <a:t>Similar to while loop. Also relies on a condition, but we set a counter to begin. </a:t>
-            </a:r>
-          </a:p>
-          <a:p>
-            <a:endParaRPr lang="en-US" altLang="zh-TW" smtClean="0"/>
-          </a:p>
-          <a:p>
-            <a:r>
-              <a:rPr lang="en-US" altLang="zh-TW" smtClean="0"/>
-              <a:t>Initialize a counter</a:t>
-            </a:r>
-          </a:p>
-          <a:p>
-            <a:r>
-              <a:rPr lang="en-US" altLang="zh-TW" smtClean="0"/>
-              <a:t>Set condition</a:t>
-            </a:r>
-          </a:p>
-          <a:p>
-            <a:r>
-              <a:rPr lang="en-US" altLang="zh-TW" smtClean="0"/>
-              <a:t>At the end of each iteration, we modified the counter</a:t>
+              <a:rPr lang="en-US" altLang="zh-TW" dirty="0" smtClean="0"/>
+              <a:t>Easier for </a:t>
+            </a:r>
+            <a:r>
+              <a:rPr lang="en-US" altLang="zh-TW" dirty="0" err="1" smtClean="0"/>
+              <a:t>dubugging</a:t>
             </a:r>
             <a:endParaRPr lang="en-US" altLang="zh-TW" dirty="0" smtClean="0"/>
+          </a:p>
+          <a:p>
+            <a:r>
+              <a:rPr lang="en-US" altLang="zh-TW" dirty="0" smtClean="0"/>
+              <a:t>Usually use tab for under each blanket</a:t>
+            </a:r>
+          </a:p>
+          <a:p>
+            <a:r>
+              <a:rPr lang="en-US" altLang="zh-TW" dirty="0" smtClean="0"/>
+              <a:t>Highlight the code</a:t>
+            </a:r>
+          </a:p>
+          <a:p>
+            <a:r>
+              <a:rPr lang="en-US" altLang="zh-TW" dirty="0" smtClean="0"/>
+              <a:t>Use </a:t>
+            </a:r>
+            <a:r>
+              <a:rPr lang="mr-IN" altLang="zh-TW" dirty="0" smtClean="0"/>
+              <a:t>"</a:t>
+            </a:r>
+            <a:r>
+              <a:rPr lang="en-US" altLang="zh-TW" dirty="0" err="1" smtClean="0"/>
+              <a:t>Ctrl+Shift</a:t>
+            </a:r>
+            <a:r>
+              <a:rPr lang="en-US" altLang="zh-TW" dirty="0" smtClean="0"/>
+              <a:t>+&gt;</a:t>
+            </a:r>
+            <a:r>
+              <a:rPr lang="mr-IN" altLang="zh-TW" dirty="0" smtClean="0"/>
+              <a:t>"</a:t>
+            </a:r>
+            <a:r>
+              <a:rPr lang="en-US" altLang="zh-TW" dirty="0" smtClean="0"/>
+              <a:t> or </a:t>
+            </a:r>
+            <a:r>
+              <a:rPr lang="mr-IN" altLang="zh-TW" dirty="0" smtClean="0"/>
+              <a:t>"</a:t>
+            </a:r>
+            <a:r>
+              <a:rPr lang="en-US" altLang="zh-TW" dirty="0" err="1" smtClean="0"/>
+              <a:t>Ctrl+Shift</a:t>
+            </a:r>
+            <a:r>
+              <a:rPr lang="en-US" altLang="zh-TW" dirty="0" smtClean="0"/>
+              <a:t>+&lt;</a:t>
+            </a:r>
+            <a:r>
+              <a:rPr lang="mr-IN" altLang="zh-TW" dirty="0" smtClean="0"/>
+              <a:t>"</a:t>
+            </a:r>
+            <a:r>
+              <a:rPr lang="en-US" altLang="zh-TW" dirty="0" smtClean="0"/>
+              <a:t> for formatting</a:t>
+            </a:r>
           </a:p>
         </p:txBody>
       </p:sp>
@@ -14906,7 +15751,7 @@
       </p:grpSpPr>
       <p:sp>
         <p:nvSpPr>
-          <p:cNvPr id="163842" name="Rectangle 2"/>
+          <p:cNvPr id="197634" name="Rectangle 1026"/>
           <p:cNvSpPr>
             <a:spLocks noGrp="1" noChangeArrowheads="1"/>
           </p:cNvSpPr>
@@ -14921,14 +15766,14 @@
           <a:p>
             <a:r>
               <a:rPr lang="en-US" altLang="zh-TW" smtClean="0"/>
-              <a:t>For loop</a:t>
+              <a:t>While loop</a:t>
             </a:r>
           </a:p>
         </p:txBody>
       </p:sp>
       <p:sp>
         <p:nvSpPr>
-          <p:cNvPr id="36867" name="Rectangle 3"/>
+          <p:cNvPr id="34819" name="Rectangle 1027"/>
           <p:cNvSpPr>
             <a:spLocks noGrp="1" noChangeArrowheads="1"/>
           </p:cNvSpPr>
@@ -14938,98 +15783,58 @@
         </p:nvSpPr>
         <p:spPr/>
         <p:txBody>
-          <a:bodyPr>
-            <a:normAutofit lnSpcReduction="10000"/>
-          </a:bodyPr>
+          <a:bodyPr/>
           <a:lstStyle/>
           <a:p>
             <a:r>
               <a:rPr lang="en-US" altLang="zh-TW" dirty="0" smtClean="0"/>
-              <a:t>for (</a:t>
+              <a:t>Also relies on a condition, but it executes repeatedly for as long as the condition is true</a:t>
+            </a:r>
+          </a:p>
+          <a:p>
+            <a:r>
+              <a:rPr lang="en-US" altLang="zh-TW" dirty="0" smtClean="0"/>
+              <a:t>See </a:t>
             </a:r>
             <a:r>
               <a:rPr lang="en-US" altLang="zh-TW" dirty="0" err="1" smtClean="0"/>
-              <a:t>init</a:t>
-            </a:r>
+              <a:t>while.php</a:t>
+            </a:r>
+            <a:endParaRPr lang="en-US" altLang="zh-TW" dirty="0" smtClean="0"/>
+          </a:p>
+          <a:p>
             <a:r>
               <a:rPr lang="en-US" altLang="zh-TW" dirty="0" smtClean="0"/>
-              <a:t>; condition; update){</a:t>
+              <a:t>Loop forever if this has been setup incorrectly</a:t>
             </a:r>
           </a:p>
           <a:p>
             <a:r>
               <a:rPr lang="en-US" altLang="zh-TW" dirty="0" smtClean="0"/>
-              <a:t>	statement;</a:t>
-            </a:r>
-          </a:p>
-          <a:p>
+              <a:t>$</a:t>
+            </a:r>
+            <a:r>
+              <a:rPr lang="en-US" altLang="zh-TW" dirty="0" err="1" smtClean="0"/>
+              <a:t>num</a:t>
+            </a:r>
             <a:r>
               <a:rPr lang="en-US" altLang="zh-TW" dirty="0" smtClean="0"/>
-              <a:t>}</a:t>
-            </a:r>
-          </a:p>
-          <a:p>
-            <a:endParaRPr lang="en-US" altLang="zh-TW" dirty="0" smtClean="0"/>
-          </a:p>
-          <a:p>
-            <a:r>
-              <a:rPr lang="pt-BR" altLang="zh-TW" dirty="0" smtClean="0"/>
-              <a:t>for ($num=1; $num&lt;=5; $num++) {</a:t>
-            </a:r>
-          </a:p>
-          <a:p>
-            <a:r>
-              <a:rPr lang="pt-BR" altLang="zh-TW" dirty="0" smtClean="0"/>
-              <a:t>	</a:t>
-            </a:r>
-            <a:r>
-              <a:rPr lang="pt-BR" altLang="zh-TW" dirty="0" err="1" smtClean="0"/>
-              <a:t>echo</a:t>
-            </a:r>
-            <a:r>
-              <a:rPr lang="pt-BR" altLang="zh-TW" dirty="0" smtClean="0"/>
-              <a:t> $num.</a:t>
-            </a:r>
-            <a:r>
-              <a:rPr lang="mr-IN" altLang="zh-TW" dirty="0" smtClean="0"/>
-              <a:t>"</a:t>
-            </a:r>
-            <a:r>
-              <a:rPr lang="pt-BR" altLang="zh-TW" dirty="0" smtClean="0"/>
-              <a:t>&lt;</a:t>
-            </a:r>
-            <a:r>
-              <a:rPr lang="pt-BR" altLang="zh-TW" dirty="0" err="1" smtClean="0"/>
-              <a:t>br</a:t>
-            </a:r>
-            <a:r>
-              <a:rPr lang="pt-BR" altLang="zh-TW" dirty="0" smtClean="0"/>
-              <a:t>&gt;</a:t>
-            </a:r>
-            <a:r>
-              <a:rPr lang="mr-IN" altLang="zh-TW" dirty="0" smtClean="0"/>
-              <a:t>"</a:t>
-            </a:r>
-            <a:r>
-              <a:rPr lang="pt-BR" altLang="zh-TW" dirty="0" smtClean="0"/>
-              <a:t>;</a:t>
-            </a:r>
-          </a:p>
-          <a:p>
-            <a:r>
-              <a:rPr lang="pt-BR" altLang="zh-TW" dirty="0" smtClean="0"/>
-              <a:t>}</a:t>
-            </a:r>
-            <a:endParaRPr lang="en-US" altLang="zh-TW" dirty="0" smtClean="0"/>
+              <a:t>=6;</a:t>
+            </a:r>
+          </a:p>
+          <a:p>
+            <a:r>
+              <a:rPr lang="en-US" altLang="zh-TW" dirty="0" smtClean="0"/>
+              <a:t>If loading for over 5 seconds, Browser </a:t>
+            </a:r>
+            <a:r>
+              <a:rPr lang="en-US" altLang="zh-TW" dirty="0" smtClean="0"/>
+              <a:t>-&gt; Stop</a:t>
+            </a:r>
           </a:p>
         </p:txBody>
       </p:sp>
     </p:spTree>
-    <p:extLst>
-      <p:ext uri="{BB962C8B-B14F-4D97-AF65-F5344CB8AC3E}">
-        <p14:creationId xmlns:p14="http://schemas.microsoft.com/office/powerpoint/2010/main" val="2001441426"/>
-      </p:ext>
-    </p:extLst>
   </p:cSld>
   <p:clrMapOvr>
     <a:masterClrMapping/>
@@ -15059,7 +15864,7 @@
       </p:grpSpPr>
       <p:sp>
         <p:nvSpPr>
-          <p:cNvPr id="163842" name="Rectangle 2"/>
+          <p:cNvPr id="164866" name="Rectangle 2"/>
           <p:cNvSpPr>
             <a:spLocks noGrp="1" noChangeArrowheads="1"/>
           </p:cNvSpPr>
@@ -15074,15 +15879,14 @@
           <a:p>
             <a:r>
               <a:rPr lang="en-US" altLang="zh-TW" smtClean="0"/>
-              <a:t>Classwork</a:t>
-            </a:r>
-            <a:endParaRPr lang="en-US" altLang="zh-TW" dirty="0" smtClean="0"/>
+              <a:t>Do while loop</a:t>
+            </a:r>
           </a:p>
         </p:txBody>
       </p:sp>
       <p:sp>
         <p:nvSpPr>
-          <p:cNvPr id="36867" name="Rectangle 3"/>
+          <p:cNvPr id="35843" name="Rectangle 3"/>
           <p:cNvSpPr>
             <a:spLocks noGrp="1" noChangeArrowheads="1"/>
           </p:cNvSpPr>
@@ -15097,36 +15901,18 @@
           <a:p>
             <a:r>
               <a:rPr lang="en-US" altLang="zh-TW" smtClean="0"/>
-              <a:t>find all numbers from 11-20	//fora.php</a:t>
+              <a:t>Very similar to while loop, but it executes at least once before checking the condition</a:t>
             </a:r>
           </a:p>
           <a:p>
             <a:r>
               <a:rPr lang="en-US" altLang="zh-TW" smtClean="0"/>
-              <a:t>find all odd numbers from 1-10	 //forb.php</a:t>
-            </a:r>
-          </a:p>
-          <a:p>
-            <a:r>
-              <a:rPr lang="en-US" altLang="zh-TW" smtClean="0"/>
-              <a:t>find all even numbers from 1-10 //forc.php</a:t>
-            </a:r>
-          </a:p>
-          <a:p>
-            <a:r>
-              <a:rPr lang="en-US" altLang="zh-TW" smtClean="0"/>
-              <a:t>find all multiple of 5 numbers from 1-100 //ford.php</a:t>
-            </a:r>
-            <a:endParaRPr lang="en-US" altLang="zh-TW" dirty="0" smtClean="0"/>
+              <a:t>See dowhile.php</a:t>
+            </a:r>
           </a:p>
         </p:txBody>
       </p:sp>
     </p:spTree>
-    <p:extLst>
-      <p:ext uri="{BB962C8B-B14F-4D97-AF65-F5344CB8AC3E}">
-        <p14:creationId xmlns:p14="http://schemas.microsoft.com/office/powerpoint/2010/main" val="699485203"/>
-      </p:ext>
-    </p:extLst>
   </p:cSld>
   <p:clrMapOvr>
     <a:masterClrMapping/>
@@ -15156,6 +15942,350 @@
       </p:grpSpPr>
       <p:sp>
         <p:nvSpPr>
+          <p:cNvPr id="163842" name="Rectangle 2"/>
+          <p:cNvSpPr>
+            <a:spLocks noGrp="1" noChangeArrowheads="1"/>
+          </p:cNvSpPr>
+          <p:nvPr>
+            <p:ph type="title"/>
+          </p:nvPr>
+        </p:nvSpPr>
+        <p:spPr/>
+        <p:txBody>
+          <a:bodyPr/>
+          <a:lstStyle/>
+          <a:p>
+            <a:r>
+              <a:rPr lang="en-US" altLang="zh-TW" smtClean="0"/>
+              <a:t>For loop</a:t>
+            </a:r>
+          </a:p>
+        </p:txBody>
+      </p:sp>
+      <p:sp>
+        <p:nvSpPr>
+          <p:cNvPr id="36867" name="Rectangle 3"/>
+          <p:cNvSpPr>
+            <a:spLocks noGrp="1" noChangeArrowheads="1"/>
+          </p:cNvSpPr>
+          <p:nvPr>
+            <p:ph idx="1"/>
+          </p:nvPr>
+        </p:nvSpPr>
+        <p:spPr/>
+        <p:txBody>
+          <a:bodyPr/>
+          <a:lstStyle/>
+          <a:p>
+            <a:r>
+              <a:rPr lang="en-US" altLang="zh-TW" smtClean="0"/>
+              <a:t>Similar to while loop. Also relies on a condition, but we set a counter to begin. </a:t>
+            </a:r>
+          </a:p>
+          <a:p>
+            <a:endParaRPr lang="en-US" altLang="zh-TW" smtClean="0"/>
+          </a:p>
+          <a:p>
+            <a:r>
+              <a:rPr lang="en-US" altLang="zh-TW" smtClean="0"/>
+              <a:t>Initialize a counter</a:t>
+            </a:r>
+          </a:p>
+          <a:p>
+            <a:r>
+              <a:rPr lang="en-US" altLang="zh-TW" smtClean="0"/>
+              <a:t>Set condition</a:t>
+            </a:r>
+          </a:p>
+          <a:p>
+            <a:r>
+              <a:rPr lang="en-US" altLang="zh-TW" smtClean="0"/>
+              <a:t>At the end of each iteration, we modified the counter</a:t>
+            </a:r>
+            <a:endParaRPr lang="en-US" altLang="zh-TW" dirty="0" smtClean="0"/>
+          </a:p>
+        </p:txBody>
+      </p:sp>
+    </p:spTree>
+  </p:cSld>
+  <p:clrMapOvr>
+    <a:masterClrMapping/>
+  </p:clrMapOvr>
+  <p:transition>
+    <p:checker/>
+  </p:transition>
+</p:sld>
+</file>
+
+<file path=ppt/slides/slide35.xml><?xml version="1.0" encoding="utf-8"?>
+<p:sld xmlns:a="http://schemas.openxmlformats.org/drawingml/2006/main" xmlns:r="http://schemas.openxmlformats.org/officeDocument/2006/relationships" xmlns:p="http://schemas.openxmlformats.org/presentationml/2006/main">
+  <p:cSld>
+    <p:spTree>
+      <p:nvGrpSpPr>
+        <p:cNvPr id="1" name=""/>
+        <p:cNvGrpSpPr/>
+        <p:nvPr/>
+      </p:nvGrpSpPr>
+      <p:grpSpPr>
+        <a:xfrm>
+          <a:off x="0" y="0"/>
+          <a:ext cx="0" cy="0"/>
+          <a:chOff x="0" y="0"/>
+          <a:chExt cx="0" cy="0"/>
+        </a:xfrm>
+      </p:grpSpPr>
+      <p:sp>
+        <p:nvSpPr>
+          <p:cNvPr id="163842" name="Rectangle 2"/>
+          <p:cNvSpPr>
+            <a:spLocks noGrp="1" noChangeArrowheads="1"/>
+          </p:cNvSpPr>
+          <p:nvPr>
+            <p:ph type="title"/>
+          </p:nvPr>
+        </p:nvSpPr>
+        <p:spPr/>
+        <p:txBody>
+          <a:bodyPr/>
+          <a:lstStyle/>
+          <a:p>
+            <a:r>
+              <a:rPr lang="en-US" altLang="zh-TW" smtClean="0"/>
+              <a:t>For loop</a:t>
+            </a:r>
+          </a:p>
+        </p:txBody>
+      </p:sp>
+      <p:sp>
+        <p:nvSpPr>
+          <p:cNvPr id="36867" name="Rectangle 3"/>
+          <p:cNvSpPr>
+            <a:spLocks noGrp="1" noChangeArrowheads="1"/>
+          </p:cNvSpPr>
+          <p:nvPr>
+            <p:ph idx="1"/>
+          </p:nvPr>
+        </p:nvSpPr>
+        <p:spPr/>
+        <p:txBody>
+          <a:bodyPr>
+            <a:normAutofit lnSpcReduction="10000"/>
+          </a:bodyPr>
+          <a:lstStyle/>
+          <a:p>
+            <a:r>
+              <a:rPr lang="en-US" altLang="zh-TW" dirty="0" smtClean="0"/>
+              <a:t>for (</a:t>
+            </a:r>
+            <a:r>
+              <a:rPr lang="en-US" altLang="zh-TW" dirty="0" err="1" smtClean="0"/>
+              <a:t>init</a:t>
+            </a:r>
+            <a:r>
+              <a:rPr lang="en-US" altLang="zh-TW" dirty="0" smtClean="0"/>
+              <a:t>; condition; update){</a:t>
+            </a:r>
+          </a:p>
+          <a:p>
+            <a:r>
+              <a:rPr lang="en-US" altLang="zh-TW" dirty="0" smtClean="0"/>
+              <a:t>	statement;</a:t>
+            </a:r>
+          </a:p>
+          <a:p>
+            <a:r>
+              <a:rPr lang="en-US" altLang="zh-TW" dirty="0" smtClean="0"/>
+              <a:t>}</a:t>
+            </a:r>
+          </a:p>
+          <a:p>
+            <a:endParaRPr lang="en-US" altLang="zh-TW" dirty="0" smtClean="0"/>
+          </a:p>
+          <a:p>
+            <a:r>
+              <a:rPr lang="pt-BR" altLang="zh-TW" dirty="0" smtClean="0"/>
+              <a:t>for ($num=1; $num&lt;=5; $num++) {</a:t>
+            </a:r>
+          </a:p>
+          <a:p>
+            <a:r>
+              <a:rPr lang="pt-BR" altLang="zh-TW" dirty="0" smtClean="0"/>
+              <a:t>	</a:t>
+            </a:r>
+            <a:r>
+              <a:rPr lang="pt-BR" altLang="zh-TW" dirty="0" err="1" smtClean="0"/>
+              <a:t>echo</a:t>
+            </a:r>
+            <a:r>
+              <a:rPr lang="pt-BR" altLang="zh-TW" dirty="0" smtClean="0"/>
+              <a:t> $num.</a:t>
+            </a:r>
+            <a:r>
+              <a:rPr lang="mr-IN" altLang="zh-TW" dirty="0" smtClean="0"/>
+              <a:t>"</a:t>
+            </a:r>
+            <a:r>
+              <a:rPr lang="pt-BR" altLang="zh-TW" dirty="0" smtClean="0"/>
+              <a:t>&lt;</a:t>
+            </a:r>
+            <a:r>
+              <a:rPr lang="pt-BR" altLang="zh-TW" dirty="0" err="1" smtClean="0"/>
+              <a:t>br</a:t>
+            </a:r>
+            <a:r>
+              <a:rPr lang="pt-BR" altLang="zh-TW" dirty="0" smtClean="0"/>
+              <a:t>&gt;</a:t>
+            </a:r>
+            <a:r>
+              <a:rPr lang="mr-IN" altLang="zh-TW" dirty="0" smtClean="0"/>
+              <a:t>"</a:t>
+            </a:r>
+            <a:r>
+              <a:rPr lang="pt-BR" altLang="zh-TW" dirty="0" smtClean="0"/>
+              <a:t>;</a:t>
+            </a:r>
+          </a:p>
+          <a:p>
+            <a:r>
+              <a:rPr lang="pt-BR" altLang="zh-TW" dirty="0" smtClean="0"/>
+              <a:t>}</a:t>
+            </a:r>
+            <a:endParaRPr lang="en-US" altLang="zh-TW" dirty="0" smtClean="0"/>
+          </a:p>
+        </p:txBody>
+      </p:sp>
+    </p:spTree>
+    <p:extLst>
+      <p:ext uri="{BB962C8B-B14F-4D97-AF65-F5344CB8AC3E}">
+        <p14:creationId xmlns:p14="http://schemas.microsoft.com/office/powerpoint/2010/main" val="2001441426"/>
+      </p:ext>
+    </p:extLst>
+  </p:cSld>
+  <p:clrMapOvr>
+    <a:masterClrMapping/>
+  </p:clrMapOvr>
+  <p:transition>
+    <p:checker/>
+  </p:transition>
+</p:sld>
+</file>
+
+<file path=ppt/slides/slide36.xml><?xml version="1.0" encoding="utf-8"?>
+<p:sld xmlns:a="http://schemas.openxmlformats.org/drawingml/2006/main" xmlns:r="http://schemas.openxmlformats.org/officeDocument/2006/relationships" xmlns:p="http://schemas.openxmlformats.org/presentationml/2006/main">
+  <p:cSld>
+    <p:spTree>
+      <p:nvGrpSpPr>
+        <p:cNvPr id="1" name=""/>
+        <p:cNvGrpSpPr/>
+        <p:nvPr/>
+      </p:nvGrpSpPr>
+      <p:grpSpPr>
+        <a:xfrm>
+          <a:off x="0" y="0"/>
+          <a:ext cx="0" cy="0"/>
+          <a:chOff x="0" y="0"/>
+          <a:chExt cx="0" cy="0"/>
+        </a:xfrm>
+      </p:grpSpPr>
+      <p:sp>
+        <p:nvSpPr>
+          <p:cNvPr id="163842" name="Rectangle 2"/>
+          <p:cNvSpPr>
+            <a:spLocks noGrp="1" noChangeArrowheads="1"/>
+          </p:cNvSpPr>
+          <p:nvPr>
+            <p:ph type="title"/>
+          </p:nvPr>
+        </p:nvSpPr>
+        <p:spPr/>
+        <p:txBody>
+          <a:bodyPr/>
+          <a:lstStyle/>
+          <a:p>
+            <a:r>
+              <a:rPr lang="en-US" altLang="zh-TW" smtClean="0"/>
+              <a:t>Classwork</a:t>
+            </a:r>
+            <a:endParaRPr lang="en-US" altLang="zh-TW" dirty="0" smtClean="0"/>
+          </a:p>
+        </p:txBody>
+      </p:sp>
+      <p:sp>
+        <p:nvSpPr>
+          <p:cNvPr id="36867" name="Rectangle 3"/>
+          <p:cNvSpPr>
+            <a:spLocks noGrp="1" noChangeArrowheads="1"/>
+          </p:cNvSpPr>
+          <p:nvPr>
+            <p:ph idx="1"/>
+          </p:nvPr>
+        </p:nvSpPr>
+        <p:spPr/>
+        <p:txBody>
+          <a:bodyPr/>
+          <a:lstStyle/>
+          <a:p>
+            <a:r>
+              <a:rPr lang="en-US" altLang="zh-TW" smtClean="0"/>
+              <a:t>find all numbers from 11-20	//fora.php</a:t>
+            </a:r>
+          </a:p>
+          <a:p>
+            <a:r>
+              <a:rPr lang="en-US" altLang="zh-TW" smtClean="0"/>
+              <a:t>find all odd numbers from 1-10	 //forb.php</a:t>
+            </a:r>
+          </a:p>
+          <a:p>
+            <a:r>
+              <a:rPr lang="en-US" altLang="zh-TW" smtClean="0"/>
+              <a:t>find all even numbers from 1-10 //forc.php</a:t>
+            </a:r>
+          </a:p>
+          <a:p>
+            <a:r>
+              <a:rPr lang="en-US" altLang="zh-TW" smtClean="0"/>
+              <a:t>find all multiple of 5 numbers from 1-100 //ford.php</a:t>
+            </a:r>
+            <a:endParaRPr lang="en-US" altLang="zh-TW" dirty="0" smtClean="0"/>
+          </a:p>
+        </p:txBody>
+      </p:sp>
+    </p:spTree>
+    <p:extLst>
+      <p:ext uri="{BB962C8B-B14F-4D97-AF65-F5344CB8AC3E}">
+        <p14:creationId xmlns:p14="http://schemas.microsoft.com/office/powerpoint/2010/main" val="699485203"/>
+      </p:ext>
+    </p:extLst>
+  </p:cSld>
+  <p:clrMapOvr>
+    <a:masterClrMapping/>
+  </p:clrMapOvr>
+  <p:transition>
+    <p:checker/>
+  </p:transition>
+</p:sld>
+</file>
+
+<file path=ppt/slides/slide37.xml><?xml version="1.0" encoding="utf-8"?>
+<p:sld xmlns:a="http://schemas.openxmlformats.org/drawingml/2006/main" xmlns:r="http://schemas.openxmlformats.org/officeDocument/2006/relationships" xmlns:p="http://schemas.openxmlformats.org/presentationml/2006/main">
+  <p:cSld>
+    <p:spTree>
+      <p:nvGrpSpPr>
+        <p:cNvPr id="1" name=""/>
+        <p:cNvGrpSpPr/>
+        <p:nvPr/>
+      </p:nvGrpSpPr>
+      <p:grpSpPr>
+        <a:xfrm>
+          <a:off x="0" y="0"/>
+          <a:ext cx="0" cy="0"/>
+          <a:chOff x="0" y="0"/>
+          <a:chExt cx="0" cy="0"/>
+        </a:xfrm>
+      </p:grpSpPr>
+      <p:sp>
+        <p:nvSpPr>
           <p:cNvPr id="169986" name="Rectangle 2"/>
           <p:cNvSpPr>
             <a:spLocks noGrp="1" noChangeArrowheads="1"/>
@@ -15243,70 +16373,70 @@
                 <a:gridCol w="609600">
                   <a:extLst>
                     <a:ext uri="{9D8B030D-6E8A-4147-A177-3AD203B41FA5}">
-                      <a16:colId xmlns:a16="http://schemas.microsoft.com/office/drawing/2014/main" val="20000"/>
+                      <a16:colId xmlns:a16="http://schemas.microsoft.com/office/drawing/2014/main" xmlns="" val="20000"/>
                     </a:ext>
                   </a:extLst>
                 </a:gridCol>
                 <a:gridCol w="609600">
                   <a:extLst>
                     <a:ext uri="{9D8B030D-6E8A-4147-A177-3AD203B41FA5}">
-                      <a16:colId xmlns:a16="http://schemas.microsoft.com/office/drawing/2014/main" val="20001"/>
+                      <a16:colId xmlns:a16="http://schemas.microsoft.com/office/drawing/2014/main" xmlns="" val="20001"/>
                     </a:ext>
                   </a:extLst>
                 </a:gridCol>
                 <a:gridCol w="609600">
                   <a:extLst>
                     <a:ext uri="{9D8B030D-6E8A-4147-A177-3AD203B41FA5}">
-                      <a16:colId xmlns:a16="http://schemas.microsoft.com/office/drawing/2014/main" val="20002"/>
+                      <a16:colId xmlns:a16="http://schemas.microsoft.com/office/drawing/2014/main" xmlns="" val="20002"/>
                     </a:ext>
                   </a:extLst>
                 </a:gridCol>
                 <a:gridCol w="609600">
                   <a:extLst>
                     <a:ext uri="{9D8B030D-6E8A-4147-A177-3AD203B41FA5}">
-                      <a16:colId xmlns:a16="http://schemas.microsoft.com/office/drawing/2014/main" val="20003"/>
+                      <a16:colId xmlns:a16="http://schemas.microsoft.com/office/drawing/2014/main" xmlns="" val="20003"/>
                     </a:ext>
                   </a:extLst>
                 </a:gridCol>
                 <a:gridCol w="609600">
                   <a:extLst>
                     <a:ext uri="{9D8B030D-6E8A-4147-A177-3AD203B41FA5}">
-                      <a16:colId xmlns:a16="http://schemas.microsoft.com/office/drawing/2014/main" val="20004"/>
+                      <a16:colId xmlns:a16="http://schemas.microsoft.com/office/drawing/2014/main" xmlns="" val="20004"/>
                     </a:ext>
                   </a:extLst>
                 </a:gridCol>
                 <a:gridCol w="609600">
                   <a:extLst>
                     <a:ext uri="{9D8B030D-6E8A-4147-A177-3AD203B41FA5}">
-                      <a16:colId xmlns:a16="http://schemas.microsoft.com/office/drawing/2014/main" val="20005"/>
+                      <a16:colId xmlns:a16="http://schemas.microsoft.com/office/drawing/2014/main" xmlns="" val="20005"/>
                     </a:ext>
                   </a:extLst>
                 </a:gridCol>
                 <a:gridCol w="609600">
                   <a:extLst>
                     <a:ext uri="{9D8B030D-6E8A-4147-A177-3AD203B41FA5}">
-                      <a16:colId xmlns:a16="http://schemas.microsoft.com/office/drawing/2014/main" val="20006"/>
+                      <a16:colId xmlns:a16="http://schemas.microsoft.com/office/drawing/2014/main" xmlns="" val="20006"/>
                     </a:ext>
                   </a:extLst>
                 </a:gridCol>
                 <a:gridCol w="609600">
                   <a:extLst>
                     <a:ext uri="{9D8B030D-6E8A-4147-A177-3AD203B41FA5}">
-                      <a16:colId xmlns:a16="http://schemas.microsoft.com/office/drawing/2014/main" val="20007"/>
+                      <a16:colId xmlns:a16="http://schemas.microsoft.com/office/drawing/2014/main" xmlns="" val="20007"/>
                     </a:ext>
                   </a:extLst>
                 </a:gridCol>
                 <a:gridCol w="609600">
                   <a:extLst>
                     <a:ext uri="{9D8B030D-6E8A-4147-A177-3AD203B41FA5}">
-                      <a16:colId xmlns:a16="http://schemas.microsoft.com/office/drawing/2014/main" val="20008"/>
+                      <a16:colId xmlns:a16="http://schemas.microsoft.com/office/drawing/2014/main" xmlns="" val="20008"/>
                     </a:ext>
                   </a:extLst>
                 </a:gridCol>
                 <a:gridCol w="609600">
                   <a:extLst>
                     <a:ext uri="{9D8B030D-6E8A-4147-A177-3AD203B41FA5}">
-                      <a16:colId xmlns:a16="http://schemas.microsoft.com/office/drawing/2014/main" val="20009"/>
+                      <a16:colId xmlns:a16="http://schemas.microsoft.com/office/drawing/2014/main" xmlns="" val="20009"/>
                     </a:ext>
                   </a:extLst>
                 </a:gridCol>
@@ -16164,7 +17294,7 @@
                 </a:tc>
                 <a:extLst>
                   <a:ext uri="{0D108BD9-81ED-4DB2-BD59-A6C34878D82A}">
-                    <a16:rowId xmlns:a16="http://schemas.microsoft.com/office/drawing/2014/main" val="10000"/>
+                    <a16:rowId xmlns:a16="http://schemas.microsoft.com/office/drawing/2014/main" xmlns="" val="10000"/>
                   </a:ext>
                 </a:extLst>
               </a:tr>
@@ -17021,7 +18151,7 @@
                 </a:tc>
                 <a:extLst>
                   <a:ext uri="{0D108BD9-81ED-4DB2-BD59-A6C34878D82A}">
-                    <a16:rowId xmlns:a16="http://schemas.microsoft.com/office/drawing/2014/main" val="10001"/>
+                    <a16:rowId xmlns:a16="http://schemas.microsoft.com/office/drawing/2014/main" xmlns="" val="10001"/>
                   </a:ext>
                 </a:extLst>
               </a:tr>
@@ -17878,7 +19008,7 @@
                 </a:tc>
                 <a:extLst>
                   <a:ext uri="{0D108BD9-81ED-4DB2-BD59-A6C34878D82A}">
-                    <a16:rowId xmlns:a16="http://schemas.microsoft.com/office/drawing/2014/main" val="10002"/>
+                    <a16:rowId xmlns:a16="http://schemas.microsoft.com/office/drawing/2014/main" xmlns="" val="10002"/>
                   </a:ext>
                 </a:extLst>
               </a:tr>
@@ -17897,7 +19027,7 @@
 </p:sld>
 </file>
 
-<file path=ppt/slides/slide35.xml><?xml version="1.0" encoding="utf-8"?>
+<file path=ppt/slides/slide38.xml><?xml version="1.0" encoding="utf-8"?>
 <p:sld xmlns:a="http://schemas.openxmlformats.org/drawingml/2006/main" xmlns:r="http://schemas.openxmlformats.org/officeDocument/2006/relationships" xmlns:p="http://schemas.openxmlformats.org/presentationml/2006/main">
   <p:cSld>
     <p:spTree>
@@ -17982,7 +19112,7 @@
       </p:grpSpPr>
       <p:sp>
         <p:nvSpPr>
-          <p:cNvPr id="155650" name="Rectangle 2"/>
+          <p:cNvPr id="150530" name="Rectangle 2"/>
           <p:cNvSpPr>
             <a:spLocks noGrp="1" noChangeArrowheads="1"/>
           </p:cNvSpPr>
@@ -17997,14 +19127,14 @@
           <a:p>
             <a:r>
               <a:rPr lang="en-US" altLang="zh-TW" smtClean="0"/>
-              <a:t>Operands IV</a:t>
+              <a:t>Operands III</a:t>
             </a:r>
           </a:p>
         </p:txBody>
       </p:sp>
       <p:sp>
         <p:nvSpPr>
-          <p:cNvPr id="16387" name="Rectangle 3"/>
+          <p:cNvPr id="15363" name="Rectangle 3"/>
           <p:cNvSpPr>
             <a:spLocks noGrp="1" noChangeArrowheads="1"/>
           </p:cNvSpPr>
@@ -18014,49 +19144,47 @@
         </p:nvSpPr>
         <p:spPr/>
         <p:txBody>
-          <a:bodyPr>
-            <a:normAutofit fontScale="92500"/>
-          </a:bodyPr>
+          <a:bodyPr/>
           <a:lstStyle/>
           <a:p>
             <a:r>
-              <a:rPr lang="en-US" altLang="zh-TW" smtClean="0"/>
-              <a:t>and, &amp;&amp; – both true</a:t>
-            </a:r>
-          </a:p>
-          <a:p>
-            <a:r>
-              <a:rPr lang="en-US" altLang="zh-TW" smtClean="0"/>
-              <a:t>or, || – either true</a:t>
-            </a:r>
-          </a:p>
-          <a:p>
-            <a:r>
-              <a:rPr lang="en-US" altLang="zh-TW" smtClean="0"/>
-              <a:t>! – not, opposite</a:t>
-            </a:r>
-          </a:p>
-          <a:p>
-            <a:r>
-              <a:rPr lang="en-US" altLang="zh-TW" smtClean="0"/>
-              <a:t>!=, &lt;&gt; - not equal</a:t>
-            </a:r>
-          </a:p>
-          <a:p>
-            <a:r>
-              <a:rPr lang="en-US" altLang="zh-TW" smtClean="0"/>
-              <a:t>xor </a:t>
-            </a:r>
-          </a:p>
-          <a:p>
-            <a:endParaRPr lang="en-US" altLang="zh-TW" smtClean="0"/>
-          </a:p>
-          <a:p>
-            <a:r>
-              <a:rPr lang="en-US" altLang="zh-TW" smtClean="0"/>
-              <a:t>&amp;, |, ~(not), ^(xor), &gt;&gt;, &lt;&lt;(move left/right) - for bit checking</a:t>
-            </a:r>
-            <a:endParaRPr lang="en-US" altLang="zh-TW" dirty="0" smtClean="0"/>
+              <a:rPr lang="en-US" altLang="zh-TW" dirty="0" smtClean="0"/>
+              <a:t>Assignment operators</a:t>
+            </a:r>
+          </a:p>
+          <a:p>
+            <a:r>
+              <a:rPr lang="en-US" altLang="zh-TW" dirty="0" smtClean="0"/>
+              <a:t>$a=000;</a:t>
+            </a:r>
+          </a:p>
+          <a:p>
+            <a:r>
+              <a:rPr lang="en-US" altLang="zh-TW" dirty="0" smtClean="0"/>
+              <a:t>$b=</a:t>
+            </a:r>
+            <a:r>
+              <a:rPr lang="mr-IN" altLang="zh-TW" dirty="0" smtClean="0"/>
+              <a:t>"</a:t>
+            </a:r>
+            <a:r>
+              <a:rPr lang="en-US" altLang="zh-TW" dirty="0" smtClean="0"/>
+              <a:t>000</a:t>
+            </a:r>
+            <a:r>
+              <a:rPr lang="mr-IN" altLang="zh-TW" dirty="0" smtClean="0"/>
+              <a:t>"</a:t>
+            </a:r>
+            <a:r>
+              <a:rPr lang="en-US" altLang="zh-TW" dirty="0" smtClean="0"/>
+              <a:t>;</a:t>
+            </a:r>
+          </a:p>
+          <a:p>
+            <a:r>
+              <a:rPr lang="en-US" altLang="zh-TW" dirty="0" smtClean="0"/>
+              <a:t>operand3.php</a:t>
+            </a:r>
           </a:p>
         </p:txBody>
       </p:sp>
@@ -18090,6 +19218,250 @@
       </p:grpSpPr>
       <p:sp>
         <p:nvSpPr>
+          <p:cNvPr id="143362" name="Rectangle 3074"/>
+          <p:cNvSpPr>
+            <a:spLocks noGrp="1" noChangeArrowheads="1"/>
+          </p:cNvSpPr>
+          <p:nvPr>
+            <p:ph type="title"/>
+          </p:nvPr>
+        </p:nvSpPr>
+        <p:spPr/>
+        <p:txBody>
+          <a:bodyPr/>
+          <a:lstStyle/>
+          <a:p>
+            <a:r>
+              <a:rPr lang="en-US" altLang="zh-TW" dirty="0" smtClean="0"/>
+              <a:t>quotation</a:t>
+            </a:r>
+            <a:endParaRPr lang="en-US" altLang="zh-TW" dirty="0" smtClean="0"/>
+          </a:p>
+        </p:txBody>
+      </p:sp>
+      <p:sp>
+        <p:nvSpPr>
+          <p:cNvPr id="20483" name="Rectangle 3075"/>
+          <p:cNvSpPr>
+            <a:spLocks noGrp="1" noChangeArrowheads="1"/>
+          </p:cNvSpPr>
+          <p:nvPr>
+            <p:ph idx="1"/>
+          </p:nvPr>
+        </p:nvSpPr>
+        <p:spPr/>
+        <p:txBody>
+          <a:bodyPr/>
+          <a:lstStyle/>
+          <a:p>
+            <a:r>
+              <a:rPr lang="en-US" altLang="zh-TW" dirty="0"/>
+              <a:t>$</a:t>
+            </a:r>
+            <a:r>
+              <a:rPr lang="en-US" altLang="zh-TW" dirty="0" err="1" smtClean="0"/>
+              <a:t>jamesbond</a:t>
+            </a:r>
+            <a:r>
+              <a:rPr lang="en-US" altLang="zh-TW" dirty="0" smtClean="0"/>
+              <a:t>=007</a:t>
+            </a:r>
+            <a:r>
+              <a:rPr lang="en-US" altLang="zh-TW" dirty="0" smtClean="0"/>
+              <a:t>;</a:t>
+            </a:r>
+          </a:p>
+          <a:p>
+            <a:r>
+              <a:rPr lang="en-US" altLang="zh-TW" dirty="0"/>
+              <a:t>echo $</a:t>
+            </a:r>
+            <a:r>
+              <a:rPr lang="en-US" altLang="zh-TW" dirty="0" err="1"/>
+              <a:t>jamesbond</a:t>
+            </a:r>
+            <a:r>
+              <a:rPr lang="en-US" altLang="zh-TW" dirty="0"/>
+              <a:t>;</a:t>
+            </a:r>
+          </a:p>
+          <a:p>
+            <a:endParaRPr lang="en-US" altLang="zh-TW" dirty="0"/>
+          </a:p>
+          <a:p>
+            <a:r>
+              <a:rPr lang="en-US" altLang="zh-TW" dirty="0"/>
+              <a:t>$</a:t>
+            </a:r>
+            <a:r>
+              <a:rPr lang="en-US" altLang="zh-TW" dirty="0" err="1"/>
+              <a:t>jamesbond</a:t>
+            </a:r>
+            <a:r>
+              <a:rPr lang="en-US" altLang="zh-TW" dirty="0"/>
+              <a:t>="007";</a:t>
+            </a:r>
+          </a:p>
+          <a:p>
+            <a:r>
+              <a:rPr lang="en-US" altLang="zh-TW" dirty="0"/>
+              <a:t>echo $</a:t>
+            </a:r>
+            <a:r>
+              <a:rPr lang="en-US" altLang="zh-TW" dirty="0" err="1"/>
+              <a:t>jamesbond</a:t>
+            </a:r>
+            <a:r>
+              <a:rPr lang="en-US" altLang="zh-TW" dirty="0"/>
+              <a:t>;</a:t>
+            </a:r>
+            <a:endParaRPr lang="en-US" altLang="zh-TW" dirty="0" smtClean="0"/>
+          </a:p>
+        </p:txBody>
+      </p:sp>
+    </p:spTree>
+    <p:extLst>
+      <p:ext uri="{BB962C8B-B14F-4D97-AF65-F5344CB8AC3E}">
+        <p14:creationId xmlns:p14="http://schemas.microsoft.com/office/powerpoint/2010/main" val="3452413021"/>
+      </p:ext>
+    </p:extLst>
+  </p:cSld>
+  <p:clrMapOvr>
+    <a:masterClrMapping/>
+  </p:clrMapOvr>
+  <p:transition>
+    <p:checker/>
+  </p:transition>
+</p:sld>
+</file>
+
+<file path=ppt/slides/slide6.xml><?xml version="1.0" encoding="utf-8"?>
+<p:sld xmlns:a="http://schemas.openxmlformats.org/drawingml/2006/main" xmlns:r="http://schemas.openxmlformats.org/officeDocument/2006/relationships" xmlns:p="http://schemas.openxmlformats.org/presentationml/2006/main">
+  <p:cSld>
+    <p:spTree>
+      <p:nvGrpSpPr>
+        <p:cNvPr id="1" name=""/>
+        <p:cNvGrpSpPr/>
+        <p:nvPr/>
+      </p:nvGrpSpPr>
+      <p:grpSpPr>
+        <a:xfrm>
+          <a:off x="0" y="0"/>
+          <a:ext cx="0" cy="0"/>
+          <a:chOff x="0" y="0"/>
+          <a:chExt cx="0" cy="0"/>
+        </a:xfrm>
+      </p:grpSpPr>
+      <p:sp>
+        <p:nvSpPr>
+          <p:cNvPr id="155650" name="Rectangle 2"/>
+          <p:cNvSpPr>
+            <a:spLocks noGrp="1" noChangeArrowheads="1"/>
+          </p:cNvSpPr>
+          <p:nvPr>
+            <p:ph type="title"/>
+          </p:nvPr>
+        </p:nvSpPr>
+        <p:spPr/>
+        <p:txBody>
+          <a:bodyPr/>
+          <a:lstStyle/>
+          <a:p>
+            <a:r>
+              <a:rPr lang="en-US" altLang="zh-TW" smtClean="0"/>
+              <a:t>Operands IV</a:t>
+            </a:r>
+          </a:p>
+        </p:txBody>
+      </p:sp>
+      <p:sp>
+        <p:nvSpPr>
+          <p:cNvPr id="16387" name="Rectangle 3"/>
+          <p:cNvSpPr>
+            <a:spLocks noGrp="1" noChangeArrowheads="1"/>
+          </p:cNvSpPr>
+          <p:nvPr>
+            <p:ph idx="1"/>
+          </p:nvPr>
+        </p:nvSpPr>
+        <p:spPr/>
+        <p:txBody>
+          <a:bodyPr>
+            <a:normAutofit fontScale="92500"/>
+          </a:bodyPr>
+          <a:lstStyle/>
+          <a:p>
+            <a:r>
+              <a:rPr lang="en-US" altLang="zh-TW" smtClean="0"/>
+              <a:t>and, &amp;&amp; – both true</a:t>
+            </a:r>
+          </a:p>
+          <a:p>
+            <a:r>
+              <a:rPr lang="en-US" altLang="zh-TW" smtClean="0"/>
+              <a:t>or, || – either true</a:t>
+            </a:r>
+          </a:p>
+          <a:p>
+            <a:r>
+              <a:rPr lang="en-US" altLang="zh-TW" smtClean="0"/>
+              <a:t>! – not, opposite</a:t>
+            </a:r>
+          </a:p>
+          <a:p>
+            <a:r>
+              <a:rPr lang="en-US" altLang="zh-TW" smtClean="0"/>
+              <a:t>!=, &lt;&gt; - not equal</a:t>
+            </a:r>
+          </a:p>
+          <a:p>
+            <a:r>
+              <a:rPr lang="en-US" altLang="zh-TW" smtClean="0"/>
+              <a:t>xor </a:t>
+            </a:r>
+          </a:p>
+          <a:p>
+            <a:endParaRPr lang="en-US" altLang="zh-TW" smtClean="0"/>
+          </a:p>
+          <a:p>
+            <a:r>
+              <a:rPr lang="en-US" altLang="zh-TW" smtClean="0"/>
+              <a:t>&amp;, |, ~(not), ^(xor), &gt;&gt;, &lt;&lt;(move left/right) - for bit checking</a:t>
+            </a:r>
+            <a:endParaRPr lang="en-US" altLang="zh-TW" dirty="0" smtClean="0"/>
+          </a:p>
+        </p:txBody>
+      </p:sp>
+    </p:spTree>
+  </p:cSld>
+  <p:clrMapOvr>
+    <a:masterClrMapping/>
+  </p:clrMapOvr>
+  <p:transition>
+    <p:checker/>
+  </p:transition>
+</p:sld>
+</file>
+
+<file path=ppt/slides/slide7.xml><?xml version="1.0" encoding="utf-8"?>
+<p:sld xmlns:a="http://schemas.openxmlformats.org/drawingml/2006/main" xmlns:r="http://schemas.openxmlformats.org/officeDocument/2006/relationships" xmlns:p="http://schemas.openxmlformats.org/presentationml/2006/main">
+  <p:cSld>
+    <p:spTree>
+      <p:nvGrpSpPr>
+        <p:cNvPr id="1" name=""/>
+        <p:cNvGrpSpPr/>
+        <p:nvPr/>
+      </p:nvGrpSpPr>
+      <p:grpSpPr>
+        <a:xfrm>
+          <a:off x="0" y="0"/>
+          <a:ext cx="0" cy="0"/>
+          <a:chOff x="0" y="0"/>
+          <a:chExt cx="0" cy="0"/>
+        </a:xfrm>
+      </p:grpSpPr>
+      <p:sp>
+        <p:nvSpPr>
           <p:cNvPr id="155650" name="Rectangle 2"/>
           <p:cNvSpPr>
             <a:spLocks noGrp="1" noChangeArrowheads="1"/>
@@ -18158,21 +19530,21 @@
                 <a:gridCol w="904875">
                   <a:extLst>
                     <a:ext uri="{9D8B030D-6E8A-4147-A177-3AD203B41FA5}">
-                      <a16:colId xmlns:a16="http://schemas.microsoft.com/office/drawing/2014/main" val="20000"/>
+                      <a16:colId xmlns:a16="http://schemas.microsoft.com/office/drawing/2014/main" xmlns="" val="20000"/>
                     </a:ext>
                   </a:extLst>
                 </a:gridCol>
                 <a:gridCol w="904875">
                   <a:extLst>
                     <a:ext uri="{9D8B030D-6E8A-4147-A177-3AD203B41FA5}">
-                      <a16:colId xmlns:a16="http://schemas.microsoft.com/office/drawing/2014/main" val="20001"/>
+                      <a16:colId xmlns:a16="http://schemas.microsoft.com/office/drawing/2014/main" xmlns="" val="20001"/>
                     </a:ext>
                   </a:extLst>
                 </a:gridCol>
                 <a:gridCol w="904875">
                   <a:extLst>
                     <a:ext uri="{9D8B030D-6E8A-4147-A177-3AD203B41FA5}">
-                      <a16:colId xmlns:a16="http://schemas.microsoft.com/office/drawing/2014/main" val="20002"/>
+                      <a16:colId xmlns:a16="http://schemas.microsoft.com/office/drawing/2014/main" xmlns="" val="20002"/>
                     </a:ext>
                   </a:extLst>
                 </a:gridCol>
@@ -18428,7 +19800,7 @@
                 </a:tc>
                 <a:extLst>
                   <a:ext uri="{0D108BD9-81ED-4DB2-BD59-A6C34878D82A}">
-                    <a16:rowId xmlns:a16="http://schemas.microsoft.com/office/drawing/2014/main" val="10000"/>
+                    <a16:rowId xmlns:a16="http://schemas.microsoft.com/office/drawing/2014/main" xmlns="" val="10000"/>
                   </a:ext>
                 </a:extLst>
               </a:tr>
@@ -18696,7 +20068,7 @@
                 </a:tc>
                 <a:extLst>
                   <a:ext uri="{0D108BD9-81ED-4DB2-BD59-A6C34878D82A}">
-                    <a16:rowId xmlns:a16="http://schemas.microsoft.com/office/drawing/2014/main" val="10001"/>
+                    <a16:rowId xmlns:a16="http://schemas.microsoft.com/office/drawing/2014/main" xmlns="" val="10001"/>
                   </a:ext>
                 </a:extLst>
               </a:tr>
@@ -18964,7 +20336,7 @@
                 </a:tc>
                 <a:extLst>
                   <a:ext uri="{0D108BD9-81ED-4DB2-BD59-A6C34878D82A}">
-                    <a16:rowId xmlns:a16="http://schemas.microsoft.com/office/drawing/2014/main" val="10002"/>
+                    <a16:rowId xmlns:a16="http://schemas.microsoft.com/office/drawing/2014/main" xmlns="" val="10002"/>
                   </a:ext>
                 </a:extLst>
               </a:tr>
@@ -18998,21 +20370,21 @@
                 <a:gridCol w="904875">
                   <a:extLst>
                     <a:ext uri="{9D8B030D-6E8A-4147-A177-3AD203B41FA5}">
-                      <a16:colId xmlns:a16="http://schemas.microsoft.com/office/drawing/2014/main" val="20000"/>
+                      <a16:colId xmlns:a16="http://schemas.microsoft.com/office/drawing/2014/main" xmlns="" val="20000"/>
                     </a:ext>
                   </a:extLst>
                 </a:gridCol>
                 <a:gridCol w="904875">
                   <a:extLst>
                     <a:ext uri="{9D8B030D-6E8A-4147-A177-3AD203B41FA5}">
-                      <a16:colId xmlns:a16="http://schemas.microsoft.com/office/drawing/2014/main" val="20001"/>
+                      <a16:colId xmlns:a16="http://schemas.microsoft.com/office/drawing/2014/main" xmlns="" val="20001"/>
                     </a:ext>
                   </a:extLst>
                 </a:gridCol>
                 <a:gridCol w="904875">
                   <a:extLst>
                     <a:ext uri="{9D8B030D-6E8A-4147-A177-3AD203B41FA5}">
-                      <a16:colId xmlns:a16="http://schemas.microsoft.com/office/drawing/2014/main" val="20002"/>
+                      <a16:colId xmlns:a16="http://schemas.microsoft.com/office/drawing/2014/main" xmlns="" val="20002"/>
                     </a:ext>
                   </a:extLst>
                 </a:gridCol>
@@ -19299,7 +20671,7 @@
                 </a:tc>
                 <a:extLst>
                   <a:ext uri="{0D108BD9-81ED-4DB2-BD59-A6C34878D82A}">
-                    <a16:rowId xmlns:a16="http://schemas.microsoft.com/office/drawing/2014/main" val="10000"/>
+                    <a16:rowId xmlns:a16="http://schemas.microsoft.com/office/drawing/2014/main" xmlns="" val="10000"/>
                   </a:ext>
                 </a:extLst>
               </a:tr>
@@ -19597,7 +20969,7 @@
                 </a:tc>
                 <a:extLst>
                   <a:ext uri="{0D108BD9-81ED-4DB2-BD59-A6C34878D82A}">
-                    <a16:rowId xmlns:a16="http://schemas.microsoft.com/office/drawing/2014/main" val="10001"/>
+                    <a16:rowId xmlns:a16="http://schemas.microsoft.com/office/drawing/2014/main" xmlns="" val="10001"/>
                   </a:ext>
                 </a:extLst>
               </a:tr>
@@ -19895,7 +21267,7 @@
                 </a:tc>
                 <a:extLst>
                   <a:ext uri="{0D108BD9-81ED-4DB2-BD59-A6C34878D82A}">
-                    <a16:rowId xmlns:a16="http://schemas.microsoft.com/office/drawing/2014/main" val="10002"/>
+                    <a16:rowId xmlns:a16="http://schemas.microsoft.com/office/drawing/2014/main" xmlns="" val="10002"/>
                   </a:ext>
                 </a:extLst>
               </a:tr>
@@ -19929,14 +21301,14 @@
                 <a:gridCol w="904875">
                   <a:extLst>
                     <a:ext uri="{9D8B030D-6E8A-4147-A177-3AD203B41FA5}">
-                      <a16:colId xmlns:a16="http://schemas.microsoft.com/office/drawing/2014/main" val="20000"/>
+                      <a16:colId xmlns:a16="http://schemas.microsoft.com/office/drawing/2014/main" xmlns="" val="20000"/>
                     </a:ext>
                   </a:extLst>
                 </a:gridCol>
                 <a:gridCol w="904875">
                   <a:extLst>
                     <a:ext uri="{9D8B030D-6E8A-4147-A177-3AD203B41FA5}">
-                      <a16:colId xmlns:a16="http://schemas.microsoft.com/office/drawing/2014/main" val="20001"/>
+                      <a16:colId xmlns:a16="http://schemas.microsoft.com/office/drawing/2014/main" xmlns="" val="20001"/>
                     </a:ext>
                   </a:extLst>
                 </a:gridCol>
@@ -20126,7 +21498,7 @@
                 </a:tc>
                 <a:extLst>
                   <a:ext uri="{0D108BD9-81ED-4DB2-BD59-A6C34878D82A}">
-                    <a16:rowId xmlns:a16="http://schemas.microsoft.com/office/drawing/2014/main" val="10000"/>
+                    <a16:rowId xmlns:a16="http://schemas.microsoft.com/office/drawing/2014/main" xmlns="" val="10000"/>
                   </a:ext>
                 </a:extLst>
               </a:tr>
@@ -20327,7 +21699,7 @@
                 </a:tc>
                 <a:extLst>
                   <a:ext uri="{0D108BD9-81ED-4DB2-BD59-A6C34878D82A}">
-                    <a16:rowId xmlns:a16="http://schemas.microsoft.com/office/drawing/2014/main" val="10001"/>
+                    <a16:rowId xmlns:a16="http://schemas.microsoft.com/office/drawing/2014/main" xmlns="" val="10001"/>
                   </a:ext>
                 </a:extLst>
               </a:tr>
@@ -20528,7 +21900,7 @@
                 </a:tc>
                 <a:extLst>
                   <a:ext uri="{0D108BD9-81ED-4DB2-BD59-A6C34878D82A}">
-                    <a16:rowId xmlns:a16="http://schemas.microsoft.com/office/drawing/2014/main" val="10002"/>
+                    <a16:rowId xmlns:a16="http://schemas.microsoft.com/office/drawing/2014/main" xmlns="" val="10002"/>
                   </a:ext>
                 </a:extLst>
               </a:tr>
@@ -20562,14 +21934,14 @@
                 <a:gridCol w="904875">
                   <a:extLst>
                     <a:ext uri="{9D8B030D-6E8A-4147-A177-3AD203B41FA5}">
-                      <a16:colId xmlns:a16="http://schemas.microsoft.com/office/drawing/2014/main" val="20000"/>
+                      <a16:colId xmlns:a16="http://schemas.microsoft.com/office/drawing/2014/main" xmlns="" val="20000"/>
                     </a:ext>
                   </a:extLst>
                 </a:gridCol>
                 <a:gridCol w="904875">
                   <a:extLst>
                     <a:ext uri="{9D8B030D-6E8A-4147-A177-3AD203B41FA5}">
-                      <a16:colId xmlns:a16="http://schemas.microsoft.com/office/drawing/2014/main" val="20001"/>
+                      <a16:colId xmlns:a16="http://schemas.microsoft.com/office/drawing/2014/main" xmlns="" val="20001"/>
                     </a:ext>
                   </a:extLst>
                 </a:gridCol>
@@ -20758,7 +22130,7 @@
                 </a:tc>
                 <a:extLst>
                   <a:ext uri="{0D108BD9-81ED-4DB2-BD59-A6C34878D82A}">
-                    <a16:rowId xmlns:a16="http://schemas.microsoft.com/office/drawing/2014/main" val="10000"/>
+                    <a16:rowId xmlns:a16="http://schemas.microsoft.com/office/drawing/2014/main" xmlns="" val="10000"/>
                   </a:ext>
                 </a:extLst>
               </a:tr>
@@ -20959,7 +22331,7 @@
                 </a:tc>
                 <a:extLst>
                   <a:ext uri="{0D108BD9-81ED-4DB2-BD59-A6C34878D82A}">
-                    <a16:rowId xmlns:a16="http://schemas.microsoft.com/office/drawing/2014/main" val="10001"/>
+                    <a16:rowId xmlns:a16="http://schemas.microsoft.com/office/drawing/2014/main" xmlns="" val="10001"/>
                   </a:ext>
                 </a:extLst>
               </a:tr>
@@ -21160,7 +22532,7 @@
                 </a:tc>
                 <a:extLst>
                   <a:ext uri="{0D108BD9-81ED-4DB2-BD59-A6C34878D82A}">
-                    <a16:rowId xmlns:a16="http://schemas.microsoft.com/office/drawing/2014/main" val="10002"/>
+                    <a16:rowId xmlns:a16="http://schemas.microsoft.com/office/drawing/2014/main" xmlns="" val="10002"/>
                   </a:ext>
                 </a:extLst>
               </a:tr>
@@ -21168,232 +22540,6 @@
           </a:graphicData>
         </a:graphic>
       </p:graphicFrame>
-    </p:spTree>
-  </p:cSld>
-  <p:clrMapOvr>
-    <a:masterClrMapping/>
-  </p:clrMapOvr>
-  <p:transition>
-    <p:checker/>
-  </p:transition>
-</p:sld>
-</file>
-
-<file path=ppt/slides/slide6.xml><?xml version="1.0" encoding="utf-8"?>
-<p:sld xmlns:a="http://schemas.openxmlformats.org/drawingml/2006/main" xmlns:r="http://schemas.openxmlformats.org/officeDocument/2006/relationships" xmlns:p="http://schemas.openxmlformats.org/presentationml/2006/main">
-  <p:cSld>
-    <p:spTree>
-      <p:nvGrpSpPr>
-        <p:cNvPr id="1" name=""/>
-        <p:cNvGrpSpPr/>
-        <p:nvPr/>
-      </p:nvGrpSpPr>
-      <p:grpSpPr>
-        <a:xfrm>
-          <a:off x="0" y="0"/>
-          <a:ext cx="0" cy="0"/>
-          <a:chOff x="0" y="0"/>
-          <a:chExt cx="0" cy="0"/>
-        </a:xfrm>
-      </p:grpSpPr>
-      <p:sp>
-        <p:nvSpPr>
-          <p:cNvPr id="148482" name="Rectangle 2"/>
-          <p:cNvSpPr>
-            <a:spLocks noGrp="1" noChangeArrowheads="1"/>
-          </p:cNvSpPr>
-          <p:nvPr>
-            <p:ph type="title"/>
-          </p:nvPr>
-        </p:nvSpPr>
-        <p:spPr/>
-        <p:txBody>
-          <a:bodyPr/>
-          <a:lstStyle/>
-          <a:p>
-            <a:r>
-              <a:rPr lang="en-US" altLang="zh-TW" smtClean="0"/>
-              <a:t>Combination Assignment Operators</a:t>
-            </a:r>
-          </a:p>
-        </p:txBody>
-      </p:sp>
-      <p:sp>
-        <p:nvSpPr>
-          <p:cNvPr id="18435" name="Rectangle 3"/>
-          <p:cNvSpPr>
-            <a:spLocks noGrp="1" noChangeArrowheads="1"/>
-          </p:cNvSpPr>
-          <p:nvPr>
-            <p:ph idx="1"/>
-          </p:nvPr>
-        </p:nvSpPr>
-        <p:spPr/>
-        <p:txBody>
-          <a:bodyPr>
-            <a:normAutofit lnSpcReduction="10000"/>
-          </a:bodyPr>
-          <a:lstStyle/>
-          <a:p>
-            <a:r>
-              <a:rPr lang="zh-TW" altLang="en-US" dirty="0" smtClean="0"/>
-              <a:t>$</a:t>
-            </a:r>
-            <a:r>
-              <a:rPr lang="en-US" altLang="zh-TW" dirty="0" smtClean="0"/>
-              <a:t>a += $b; same as $a=$a+$b</a:t>
-            </a:r>
-          </a:p>
-          <a:p>
-            <a:r>
-              <a:rPr lang="en-US" altLang="zh-TW" dirty="0" smtClean="0"/>
-              <a:t>$a -= $b; same as $a=$a-$b</a:t>
-            </a:r>
-          </a:p>
-          <a:p>
-            <a:r>
-              <a:rPr lang="en-US" altLang="zh-TW" dirty="0" smtClean="0"/>
-              <a:t>$a *= $b; same as $a=$a*$b</a:t>
-            </a:r>
-          </a:p>
-          <a:p>
-            <a:r>
-              <a:rPr lang="en-US" altLang="zh-TW" dirty="0" smtClean="0"/>
-              <a:t>$a /= $b; same as $a=$a/$b</a:t>
-            </a:r>
-          </a:p>
-          <a:p>
-            <a:r>
-              <a:rPr lang="en-US" altLang="zh-TW" dirty="0" smtClean="0"/>
-              <a:t>$a %= $b; same as $a=$a%$b</a:t>
-            </a:r>
-          </a:p>
-          <a:p>
-            <a:r>
-              <a:rPr lang="en-US" altLang="zh-TW" dirty="0" smtClean="0"/>
-              <a:t>$a .= $b; same as $a=$</a:t>
-            </a:r>
-            <a:r>
-              <a:rPr lang="en-US" altLang="zh-TW" dirty="0" err="1" smtClean="0"/>
-              <a:t>a.$b</a:t>
-            </a:r>
-            <a:endParaRPr lang="en-US" altLang="zh-TW" dirty="0" smtClean="0"/>
-          </a:p>
-          <a:p>
-            <a:r>
-              <a:rPr lang="en-US" altLang="zh-TW" dirty="0" smtClean="0"/>
-              <a:t>Pre.txt</a:t>
-            </a:r>
-          </a:p>
-        </p:txBody>
-      </p:sp>
-    </p:spTree>
-  </p:cSld>
-  <p:clrMapOvr>
-    <a:masterClrMapping/>
-  </p:clrMapOvr>
-  <p:transition>
-    <p:checker/>
-  </p:transition>
-</p:sld>
-</file>
-
-<file path=ppt/slides/slide7.xml><?xml version="1.0" encoding="utf-8"?>
-<p:sld xmlns:a="http://schemas.openxmlformats.org/drawingml/2006/main" xmlns:r="http://schemas.openxmlformats.org/officeDocument/2006/relationships" xmlns:p="http://schemas.openxmlformats.org/presentationml/2006/main">
-  <p:cSld>
-    <p:spTree>
-      <p:nvGrpSpPr>
-        <p:cNvPr id="1" name=""/>
-        <p:cNvGrpSpPr/>
-        <p:nvPr/>
-      </p:nvGrpSpPr>
-      <p:grpSpPr>
-        <a:xfrm>
-          <a:off x="0" y="0"/>
-          <a:ext cx="0" cy="0"/>
-          <a:chOff x="0" y="0"/>
-          <a:chExt cx="0" cy="0"/>
-        </a:xfrm>
-      </p:grpSpPr>
-      <p:sp>
-        <p:nvSpPr>
-          <p:cNvPr id="149506" name="Rectangle 2"/>
-          <p:cNvSpPr>
-            <a:spLocks noGrp="1" noChangeArrowheads="1"/>
-          </p:cNvSpPr>
-          <p:nvPr>
-            <p:ph type="title"/>
-          </p:nvPr>
-        </p:nvSpPr>
-        <p:spPr/>
-        <p:txBody>
-          <a:bodyPr/>
-          <a:lstStyle/>
-          <a:p>
-            <a:r>
-              <a:rPr lang="en-US" altLang="zh-TW" smtClean="0"/>
-              <a:t>Pre- and Post-Increment and Decrement</a:t>
-            </a:r>
-            <a:endParaRPr lang="en-US" altLang="zh-TW" dirty="0" smtClean="0"/>
-          </a:p>
-        </p:txBody>
-      </p:sp>
-      <p:sp>
-        <p:nvSpPr>
-          <p:cNvPr id="19459" name="Rectangle 3"/>
-          <p:cNvSpPr>
-            <a:spLocks noGrp="1" noChangeArrowheads="1"/>
-          </p:cNvSpPr>
-          <p:nvPr>
-            <p:ph idx="1"/>
-          </p:nvPr>
-        </p:nvSpPr>
-        <p:spPr/>
-        <p:txBody>
-          <a:bodyPr/>
-          <a:lstStyle/>
-          <a:p>
-            <a:r>
-              <a:rPr lang="zh-TW" altLang="en-US" dirty="0" smtClean="0"/>
-              <a:t>$</a:t>
-            </a:r>
-            <a:r>
-              <a:rPr lang="en-US" altLang="zh-TW" dirty="0" smtClean="0"/>
-              <a:t>a=1;</a:t>
-            </a:r>
-          </a:p>
-          <a:p>
-            <a:r>
-              <a:rPr lang="en-US" altLang="zh-TW" dirty="0" smtClean="0"/>
-              <a:t>echo ++$a; same as $a+=1;</a:t>
-            </a:r>
-          </a:p>
-          <a:p>
-            <a:r>
-              <a:rPr lang="en-US" altLang="zh-TW" dirty="0" smtClean="0"/>
-              <a:t>echo --$a; same as $a-=1;</a:t>
-            </a:r>
-          </a:p>
-          <a:p>
-            <a:r>
-              <a:rPr lang="en-US" altLang="zh-TW" dirty="0" smtClean="0"/>
-              <a:t>echo $a++; same as $a+=1;</a:t>
-            </a:r>
-          </a:p>
-          <a:p>
-            <a:r>
-              <a:rPr lang="en-US" altLang="zh-TW" dirty="0" smtClean="0"/>
-              <a:t>echo $a--; same as $a-=1;</a:t>
-            </a:r>
-          </a:p>
-          <a:p>
-            <a:r>
-              <a:rPr lang="en-US" altLang="zh-TW" dirty="0" smtClean="0"/>
-              <a:t>incremental.txt</a:t>
-            </a:r>
-          </a:p>
-        </p:txBody>
-      </p:sp>
     </p:spTree>
   </p:cSld>
   <p:clrMapOvr>
@@ -21424,7 +22570,7 @@
       </p:grpSpPr>
       <p:sp>
         <p:nvSpPr>
-          <p:cNvPr id="143362" name="Rectangle 3074"/>
+          <p:cNvPr id="148482" name="Rectangle 2"/>
           <p:cNvSpPr>
             <a:spLocks noGrp="1" noChangeArrowheads="1"/>
           </p:cNvSpPr>
@@ -21439,7 +22585,7 @@
           <a:p>
             <a:r>
               <a:rPr lang="en-US" altLang="zh-TW" smtClean="0"/>
-              <a:t>Constants</a:t>
+              <a:t>Classwork</a:t>
             </a:r>
             <a:endParaRPr lang="en-US" altLang="zh-TW" dirty="0" smtClean="0"/>
           </a:p>
@@ -21447,7 +22593,7 @@
       </p:sp>
       <p:sp>
         <p:nvSpPr>
-          <p:cNvPr id="20483" name="Rectangle 3075"/>
+          <p:cNvPr id="18435" name="Rectangle 3"/>
           <p:cNvSpPr>
             <a:spLocks noGrp="1" noChangeArrowheads="1"/>
           </p:cNvSpPr>
@@ -21457,40 +22603,25 @@
         </p:nvSpPr>
         <p:spPr/>
         <p:txBody>
-          <a:bodyPr/>
+          <a:bodyPr>
+            <a:normAutofit/>
+          </a:bodyPr>
           <a:lstStyle/>
           <a:p>
             <a:r>
-              <a:rPr lang="en-US" altLang="zh-TW" dirty="0" smtClean="0"/>
-              <a:t>Value that cannot be changed after setup</a:t>
-            </a:r>
-          </a:p>
-          <a:p>
-            <a:r>
-              <a:rPr lang="en-US" altLang="zh-TW" dirty="0" smtClean="0"/>
-              <a:t>Usually </a:t>
-            </a:r>
-            <a:r>
-              <a:rPr lang="en-US" altLang="zh-TW" dirty="0" smtClean="0"/>
-              <a:t>use all upper-case letter to distinguish from function name</a:t>
-            </a:r>
-          </a:p>
-          <a:p>
-            <a:r>
-              <a:rPr lang="en-US" altLang="zh-TW" dirty="0" smtClean="0"/>
-              <a:t>No dollar sign</a:t>
-            </a:r>
-          </a:p>
-          <a:p>
-            <a:r>
               <a:rPr lang="en-US" altLang="zh-TW" dirty="0" err="1" smtClean="0"/>
-              <a:t>constant.php</a:t>
+              <a:t>cart.php</a:t>
             </a:r>
             <a:endParaRPr lang="en-US" altLang="zh-TW" dirty="0" smtClean="0"/>
           </a:p>
         </p:txBody>
       </p:sp>
     </p:spTree>
+    <p:extLst>
+      <p:ext uri="{BB962C8B-B14F-4D97-AF65-F5344CB8AC3E}">
+        <p14:creationId xmlns:p14="http://schemas.microsoft.com/office/powerpoint/2010/main" val="3550587958"/>
+      </p:ext>
+    </p:extLst>
   </p:cSld>
   <p:clrMapOvr>
     <a:masterClrMapping/>
@@ -21520,7 +22651,7 @@
       </p:grpSpPr>
       <p:sp>
         <p:nvSpPr>
-          <p:cNvPr id="143362" name="Rectangle 3074"/>
+          <p:cNvPr id="148482" name="Rectangle 2"/>
           <p:cNvSpPr>
             <a:spLocks noGrp="1" noChangeArrowheads="1"/>
           </p:cNvSpPr>
@@ -21535,15 +22666,14 @@
           <a:p>
             <a:r>
               <a:rPr lang="en-US" altLang="zh-TW" smtClean="0"/>
-              <a:t>Constants</a:t>
-            </a:r>
-            <a:endParaRPr lang="en-US" altLang="zh-TW" dirty="0" smtClean="0"/>
+              <a:t>Combination Assignment Operators</a:t>
+            </a:r>
           </a:p>
         </p:txBody>
       </p:sp>
       <p:sp>
         <p:nvSpPr>
-          <p:cNvPr id="20483" name="Rectangle 3075"/>
+          <p:cNvPr id="18435" name="Rectangle 3"/>
           <p:cNvSpPr>
             <a:spLocks noGrp="1" noChangeArrowheads="1"/>
           </p:cNvSpPr>
@@ -21553,60 +22683,64 @@
         </p:nvSpPr>
         <p:spPr/>
         <p:txBody>
-          <a:bodyPr/>
+          <a:bodyPr>
+            <a:normAutofit lnSpcReduction="10000"/>
+          </a:bodyPr>
           <a:lstStyle/>
           <a:p>
             <a:r>
-              <a:rPr lang="en-US" altLang="zh-TW" dirty="0"/>
+              <a:rPr lang="zh-TW" altLang="en-US" dirty="0" smtClean="0"/>
               <a:t>$</a:t>
             </a:r>
             <a:r>
+              <a:rPr lang="en-US" altLang="zh-TW" dirty="0" smtClean="0"/>
+              <a:t>a += $b; same as $a=$a+$b</a:t>
+            </a:r>
+          </a:p>
+          <a:p>
+            <a:r>
+              <a:rPr lang="en-US" altLang="zh-TW" dirty="0" smtClean="0"/>
+              <a:t>$a -= $b; same as $a=$a-$b</a:t>
+            </a:r>
+          </a:p>
+          <a:p>
+            <a:r>
+              <a:rPr lang="en-US" altLang="zh-TW" dirty="0" smtClean="0"/>
+              <a:t>$a *= $b; same as $a=$a*$b</a:t>
+            </a:r>
+          </a:p>
+          <a:p>
+            <a:r>
+              <a:rPr lang="en-US" altLang="zh-TW" dirty="0" smtClean="0"/>
+              <a:t>$a /= $b; same as $a=$a/$b</a:t>
+            </a:r>
+          </a:p>
+          <a:p>
+            <a:r>
+              <a:rPr lang="en-US" altLang="zh-TW" dirty="0" smtClean="0"/>
+              <a:t>$a %= $b; same as $a=$a%$b</a:t>
+            </a:r>
+          </a:p>
+          <a:p>
+            <a:r>
+              <a:rPr lang="en-US" altLang="zh-TW" dirty="0" smtClean="0"/>
+              <a:t>$a .= $b; same as $a=$</a:t>
+            </a:r>
+            <a:r>
               <a:rPr lang="en-US" altLang="zh-TW" dirty="0" err="1" smtClean="0"/>
-              <a:t>jamesbond</a:t>
-            </a:r>
-            <a:r>
-              <a:rPr lang="en-US" altLang="zh-TW" smtClean="0"/>
-              <a:t>=007;</a:t>
-            </a:r>
-            <a:endParaRPr lang="en-US" altLang="zh-TW" dirty="0"/>
-          </a:p>
-          <a:p>
-            <a:r>
-              <a:rPr lang="en-US" altLang="zh-TW" dirty="0"/>
-              <a:t>$</a:t>
-            </a:r>
-            <a:r>
-              <a:rPr lang="en-US" altLang="zh-TW" dirty="0" err="1"/>
-              <a:t>jamesbond</a:t>
-            </a:r>
-            <a:r>
-              <a:rPr lang="en-US" altLang="zh-TW" dirty="0"/>
-              <a:t>="007";</a:t>
-            </a:r>
-          </a:p>
-          <a:p>
-            <a:r>
-              <a:rPr lang="en-US" altLang="zh-TW" dirty="0"/>
-              <a:t>echo $</a:t>
-            </a:r>
-            <a:r>
-              <a:rPr lang="en-US" altLang="zh-TW" dirty="0" err="1"/>
-              <a:t>jamesbond</a:t>
-            </a:r>
-            <a:r>
-              <a:rPr lang="en-US" altLang="zh-TW" dirty="0"/>
-              <a:t>;</a:t>
+              <a:t>a.$b</a:t>
             </a:r>
             <a:endParaRPr lang="en-US" altLang="zh-TW" dirty="0" smtClean="0"/>
           </a:p>
+          <a:p>
+            <a:r>
+              <a:rPr lang="en-US" altLang="zh-TW" dirty="0" smtClean="0"/>
+              <a:t>Pre.txt</a:t>
+            </a:r>
+          </a:p>
         </p:txBody>
       </p:sp>
     </p:spTree>
-    <p:extLst>
-      <p:ext uri="{BB962C8B-B14F-4D97-AF65-F5344CB8AC3E}">
-        <p14:creationId xmlns:p14="http://schemas.microsoft.com/office/powerpoint/2010/main" val="3452413021"/>
-      </p:ext>
-    </p:extLst>
   </p:cSld>
   <p:clrMapOvr>
     <a:masterClrMapping/>

--- a/php-fw2/lesson2.pptx
+++ b/php-fw2/lesson2.pptx
@@ -5,50 +5,52 @@
     <p:sldMasterId id="2147484310" r:id="rId1"/>
   </p:sldMasterIdLst>
   <p:notesMasterIdLst>
-    <p:notesMasterId r:id="rId40"/>
+    <p:notesMasterId r:id="rId42"/>
   </p:notesMasterIdLst>
   <p:handoutMasterIdLst>
-    <p:handoutMasterId r:id="rId41"/>
+    <p:handoutMasterId r:id="rId43"/>
   </p:handoutMasterIdLst>
   <p:sldIdLst>
     <p:sldId id="256" r:id="rId2"/>
-    <p:sldId id="423" r:id="rId3"/>
-    <p:sldId id="378" r:id="rId4"/>
-    <p:sldId id="362" r:id="rId5"/>
-    <p:sldId id="421" r:id="rId6"/>
-    <p:sldId id="367" r:id="rId7"/>
-    <p:sldId id="410" r:id="rId8"/>
-    <p:sldId id="424" r:id="rId9"/>
-    <p:sldId id="360" r:id="rId10"/>
-    <p:sldId id="361" r:id="rId11"/>
-    <p:sldId id="422" r:id="rId12"/>
-    <p:sldId id="355" r:id="rId13"/>
-    <p:sldId id="420" r:id="rId14"/>
-    <p:sldId id="399" r:id="rId15"/>
-    <p:sldId id="390" r:id="rId16"/>
-    <p:sldId id="408" r:id="rId17"/>
-    <p:sldId id="391" r:id="rId18"/>
-    <p:sldId id="392" r:id="rId19"/>
-    <p:sldId id="393" r:id="rId20"/>
-    <p:sldId id="394" r:id="rId21"/>
-    <p:sldId id="395" r:id="rId22"/>
-    <p:sldId id="400" r:id="rId23"/>
-    <p:sldId id="401" r:id="rId24"/>
-    <p:sldId id="412" r:id="rId25"/>
-    <p:sldId id="415" r:id="rId26"/>
-    <p:sldId id="414" r:id="rId27"/>
-    <p:sldId id="413" r:id="rId28"/>
-    <p:sldId id="416" r:id="rId29"/>
-    <p:sldId id="417" r:id="rId30"/>
-    <p:sldId id="411" r:id="rId31"/>
-    <p:sldId id="402" r:id="rId32"/>
-    <p:sldId id="404" r:id="rId33"/>
-    <p:sldId id="405" r:id="rId34"/>
-    <p:sldId id="406" r:id="rId35"/>
-    <p:sldId id="418" r:id="rId36"/>
-    <p:sldId id="419" r:id="rId37"/>
-    <p:sldId id="409" r:id="rId38"/>
-    <p:sldId id="398" r:id="rId39"/>
+    <p:sldId id="257" r:id="rId3"/>
+    <p:sldId id="258" r:id="rId4"/>
+    <p:sldId id="259" r:id="rId5"/>
+    <p:sldId id="260" r:id="rId6"/>
+    <p:sldId id="261" r:id="rId7"/>
+    <p:sldId id="262" r:id="rId8"/>
+    <p:sldId id="263" r:id="rId9"/>
+    <p:sldId id="264" r:id="rId10"/>
+    <p:sldId id="265" r:id="rId11"/>
+    <p:sldId id="266" r:id="rId12"/>
+    <p:sldId id="267" r:id="rId13"/>
+    <p:sldId id="268" r:id="rId14"/>
+    <p:sldId id="269" r:id="rId15"/>
+    <p:sldId id="270" r:id="rId16"/>
+    <p:sldId id="271" r:id="rId17"/>
+    <p:sldId id="272" r:id="rId18"/>
+    <p:sldId id="273" r:id="rId19"/>
+    <p:sldId id="274" r:id="rId20"/>
+    <p:sldId id="275" r:id="rId21"/>
+    <p:sldId id="276" r:id="rId22"/>
+    <p:sldId id="277" r:id="rId23"/>
+    <p:sldId id="278" r:id="rId24"/>
+    <p:sldId id="279" r:id="rId25"/>
+    <p:sldId id="280" r:id="rId26"/>
+    <p:sldId id="281" r:id="rId27"/>
+    <p:sldId id="282" r:id="rId28"/>
+    <p:sldId id="283" r:id="rId29"/>
+    <p:sldId id="284" r:id="rId30"/>
+    <p:sldId id="285" r:id="rId31"/>
+    <p:sldId id="286" r:id="rId32"/>
+    <p:sldId id="287" r:id="rId33"/>
+    <p:sldId id="288" r:id="rId34"/>
+    <p:sldId id="289" r:id="rId35"/>
+    <p:sldId id="290" r:id="rId36"/>
+    <p:sldId id="291" r:id="rId37"/>
+    <p:sldId id="292" r:id="rId38"/>
+    <p:sldId id="293" r:id="rId39"/>
+    <p:sldId id="294" r:id="rId40"/>
+    <p:sldId id="295" r:id="rId41"/>
   </p:sldIdLst>
   <p:sldSz cx="9144000" cy="6858000" type="screen4x3"/>
   <p:notesSz cx="6858000" cy="9144000"/>
@@ -1160,6 +1162,236 @@
       </p:grpSpPr>
       <p:sp>
         <p:nvSpPr>
+          <p:cNvPr id="46082" name="Rectangle 7"/>
+          <p:cNvSpPr>
+            <a:spLocks noGrp="1" noChangeArrowheads="1"/>
+          </p:cNvSpPr>
+          <p:nvPr>
+            <p:ph type="sldNum" sz="quarter" idx="5"/>
+          </p:nvPr>
+        </p:nvSpPr>
+        <p:spPr>
+          <a:noFill/>
+          <a:ln w="9525"/>
+          <a:extLst>
+            <a:ext uri="{909E8E84-426E-40DD-AFC4-6F175D3DCCD1}">
+              <a14:hiddenFill xmlns:a14="http://schemas.microsoft.com/office/drawing/2010/main">
+                <a:solidFill>
+                  <a:srgbClr val="FFFFFF"/>
+                </a:solidFill>
+              </a14:hiddenFill>
+            </a:ext>
+            <a:ext uri="{91240B29-F687-4F45-9708-019B960494DF}">
+              <a14:hiddenLine xmlns:a14="http://schemas.microsoft.com/office/drawing/2010/main" w="12700">
+                <a:solidFill>
+                  <a:srgbClr val="000000"/>
+                </a:solidFill>
+                <a:miter lim="800000"/>
+                <a:headEnd type="none" w="sm" len="sm"/>
+                <a:tailEnd type="none" w="sm" len="sm"/>
+              </a14:hiddenLine>
+            </a:ext>
+          </a:extLst>
+        </p:spPr>
+        <p:txBody>
+          <a:bodyPr/>
+          <a:lstStyle>
+            <a:lvl1pPr eaLnBrk="0" hangingPunct="0">
+              <a:defRPr sz="2400">
+                <a:solidFill>
+                  <a:schemeClr val="tx1"/>
+                </a:solidFill>
+                <a:latin typeface="Times New Roman" pitchFamily="18" charset="0"/>
+              </a:defRPr>
+            </a:lvl1pPr>
+            <a:lvl2pPr marL="742950" indent="-285750" eaLnBrk="0" hangingPunct="0">
+              <a:defRPr sz="2400">
+                <a:solidFill>
+                  <a:schemeClr val="tx1"/>
+                </a:solidFill>
+                <a:latin typeface="Times New Roman" pitchFamily="18" charset="0"/>
+              </a:defRPr>
+            </a:lvl2pPr>
+            <a:lvl3pPr marL="1143000" indent="-228600" eaLnBrk="0" hangingPunct="0">
+              <a:defRPr sz="2400">
+                <a:solidFill>
+                  <a:schemeClr val="tx1"/>
+                </a:solidFill>
+                <a:latin typeface="Times New Roman" pitchFamily="18" charset="0"/>
+              </a:defRPr>
+            </a:lvl3pPr>
+            <a:lvl4pPr marL="1600200" indent="-228600" eaLnBrk="0" hangingPunct="0">
+              <a:defRPr sz="2400">
+                <a:solidFill>
+                  <a:schemeClr val="tx1"/>
+                </a:solidFill>
+                <a:latin typeface="Times New Roman" pitchFamily="18" charset="0"/>
+              </a:defRPr>
+            </a:lvl4pPr>
+            <a:lvl5pPr marL="2057400" indent="-228600" eaLnBrk="0" hangingPunct="0">
+              <a:defRPr sz="2400">
+                <a:solidFill>
+                  <a:schemeClr val="tx1"/>
+                </a:solidFill>
+                <a:latin typeface="Times New Roman" pitchFamily="18" charset="0"/>
+              </a:defRPr>
+            </a:lvl5pPr>
+            <a:lvl6pPr marL="2514600" indent="-228600" eaLnBrk="0" fontAlgn="base" hangingPunct="0">
+              <a:spcBef>
+                <a:spcPct val="0"/>
+              </a:spcBef>
+              <a:spcAft>
+                <a:spcPct val="0"/>
+              </a:spcAft>
+              <a:defRPr sz="2400">
+                <a:solidFill>
+                  <a:schemeClr val="tx1"/>
+                </a:solidFill>
+                <a:latin typeface="Times New Roman" pitchFamily="18" charset="0"/>
+              </a:defRPr>
+            </a:lvl6pPr>
+            <a:lvl7pPr marL="2971800" indent="-228600" eaLnBrk="0" fontAlgn="base" hangingPunct="0">
+              <a:spcBef>
+                <a:spcPct val="0"/>
+              </a:spcBef>
+              <a:spcAft>
+                <a:spcPct val="0"/>
+              </a:spcAft>
+              <a:defRPr sz="2400">
+                <a:solidFill>
+                  <a:schemeClr val="tx1"/>
+                </a:solidFill>
+                <a:latin typeface="Times New Roman" pitchFamily="18" charset="0"/>
+              </a:defRPr>
+            </a:lvl7pPr>
+            <a:lvl8pPr marL="3429000" indent="-228600" eaLnBrk="0" fontAlgn="base" hangingPunct="0">
+              <a:spcBef>
+                <a:spcPct val="0"/>
+              </a:spcBef>
+              <a:spcAft>
+                <a:spcPct val="0"/>
+              </a:spcAft>
+              <a:defRPr sz="2400">
+                <a:solidFill>
+                  <a:schemeClr val="tx1"/>
+                </a:solidFill>
+                <a:latin typeface="Times New Roman" pitchFamily="18" charset="0"/>
+              </a:defRPr>
+            </a:lvl8pPr>
+            <a:lvl9pPr marL="3886200" indent="-228600" eaLnBrk="0" fontAlgn="base" hangingPunct="0">
+              <a:spcBef>
+                <a:spcPct val="0"/>
+              </a:spcBef>
+              <a:spcAft>
+                <a:spcPct val="0"/>
+              </a:spcAft>
+              <a:defRPr sz="2400">
+                <a:solidFill>
+                  <a:schemeClr val="tx1"/>
+                </a:solidFill>
+                <a:latin typeface="Times New Roman" pitchFamily="18" charset="0"/>
+              </a:defRPr>
+            </a:lvl9pPr>
+          </a:lstStyle>
+          <a:p>
+            <a:fld id="{01DC0974-38AC-4E3F-A1BB-693148D750B8}" type="slidenum">
+              <a:rPr lang="zh-TW" altLang="en-US" sz="1200" smtClean="0"/>
+              <a:pPr/>
+              <a:t>10</a:t>
+            </a:fld>
+            <a:endParaRPr lang="en-US" altLang="zh-TW" sz="1200" smtClean="0"/>
+          </a:p>
+        </p:txBody>
+      </p:sp>
+      <p:sp>
+        <p:nvSpPr>
+          <p:cNvPr id="46083" name="Rectangle 2"/>
+          <p:cNvSpPr>
+            <a:spLocks noGrp="1" noRot="1" noChangeAspect="1" noChangeArrowheads="1" noTextEdit="1"/>
+          </p:cNvSpPr>
+          <p:nvPr>
+            <p:ph type="sldImg"/>
+          </p:nvPr>
+        </p:nvSpPr>
+        <p:spPr>
+          <a:ln/>
+        </p:spPr>
+      </p:sp>
+      <p:sp>
+        <p:nvSpPr>
+          <p:cNvPr id="46084" name="Rectangle 3"/>
+          <p:cNvSpPr>
+            <a:spLocks noGrp="1" noChangeArrowheads="1"/>
+          </p:cNvSpPr>
+          <p:nvPr>
+            <p:ph type="body" idx="1"/>
+          </p:nvPr>
+        </p:nvSpPr>
+        <p:spPr>
+          <a:noFill/>
+          <a:ln w="9525"/>
+          <a:extLst>
+            <a:ext uri="{909E8E84-426E-40DD-AFC4-6F175D3DCCD1}">
+              <a14:hiddenFill xmlns:a14="http://schemas.microsoft.com/office/drawing/2010/main">
+                <a:solidFill>
+                  <a:srgbClr val="FFFFFF"/>
+                </a:solidFill>
+              </a14:hiddenFill>
+            </a:ext>
+            <a:ext uri="{91240B29-F687-4F45-9708-019B960494DF}">
+              <a14:hiddenLine xmlns:a14="http://schemas.microsoft.com/office/drawing/2010/main" w="9525">
+                <a:solidFill>
+                  <a:srgbClr val="000000"/>
+                </a:solidFill>
+                <a:miter lim="800000"/>
+                <a:headEnd type="none" w="sm" len="sm"/>
+                <a:tailEnd type="none" w="sm" len="sm"/>
+              </a14:hiddenLine>
+            </a:ext>
+          </a:extLst>
+        </p:spPr>
+        <p:txBody>
+          <a:bodyPr/>
+          <a:lstStyle/>
+          <a:p>
+            <a:endParaRPr lang="zh-TW" altLang="zh-TW" smtClean="0">
+              <a:latin typeface="Times New Roman" pitchFamily="18" charset="0"/>
+            </a:endParaRPr>
+          </a:p>
+        </p:txBody>
+      </p:sp>
+    </p:spTree>
+    <p:extLst>
+      <p:ext uri="{BB962C8B-B14F-4D97-AF65-F5344CB8AC3E}">
+        <p14:creationId xmlns:p14="http://schemas.microsoft.com/office/powerpoint/2010/main" val="1487021540"/>
+      </p:ext>
+    </p:extLst>
+  </p:cSld>
+  <p:clrMapOvr>
+    <a:masterClrMapping/>
+  </p:clrMapOvr>
+</p:notes>
+</file>
+
+<file path=ppt/notesSlides/notesSlide11.xml><?xml version="1.0" encoding="utf-8"?>
+<p:notes xmlns:a="http://schemas.openxmlformats.org/drawingml/2006/main" xmlns:r="http://schemas.openxmlformats.org/officeDocument/2006/relationships" xmlns:p="http://schemas.openxmlformats.org/presentationml/2006/main">
+  <p:cSld>
+    <p:spTree>
+      <p:nvGrpSpPr>
+        <p:cNvPr id="1" name=""/>
+        <p:cNvGrpSpPr/>
+        <p:nvPr/>
+      </p:nvGrpSpPr>
+      <p:grpSpPr>
+        <a:xfrm>
+          <a:off x="0" y="0"/>
+          <a:ext cx="0" cy="0"/>
+          <a:chOff x="0" y="0"/>
+          <a:chExt cx="0" cy="0"/>
+        </a:xfrm>
+      </p:grpSpPr>
+      <p:sp>
+        <p:nvSpPr>
           <p:cNvPr id="47106" name="Rectangle 7"/>
           <p:cNvSpPr>
             <a:spLocks noGrp="1" noChangeArrowheads="1"/>
@@ -1295,7 +1527,7 @@
             <a:fld id="{E08A81B2-8D52-47E0-BFDF-A88EEED1BA44}" type="slidenum">
               <a:rPr lang="zh-TW" altLang="en-US" sz="1200" smtClean="0"/>
               <a:pPr/>
-              <a:t>10</a:t>
+              <a:t>11</a:t>
             </a:fld>
             <a:endParaRPr lang="en-US" altLang="zh-TW" sz="1200" smtClean="0"/>
           </a:p>
@@ -1361,237 +1593,7 @@
     </p:spTree>
     <p:extLst>
       <p:ext uri="{BB962C8B-B14F-4D97-AF65-F5344CB8AC3E}">
-        <p14:creationId xmlns:p14="http://schemas.microsoft.com/office/powerpoint/2010/main" val="2576940023"/>
-      </p:ext>
-    </p:extLst>
-  </p:cSld>
-  <p:clrMapOvr>
-    <a:masterClrMapping/>
-  </p:clrMapOvr>
-</p:notes>
-</file>
-
-<file path=ppt/notesSlides/notesSlide11.xml><?xml version="1.0" encoding="utf-8"?>
-<p:notes xmlns:a="http://schemas.openxmlformats.org/drawingml/2006/main" xmlns:r="http://schemas.openxmlformats.org/officeDocument/2006/relationships" xmlns:p="http://schemas.openxmlformats.org/presentationml/2006/main">
-  <p:cSld>
-    <p:spTree>
-      <p:nvGrpSpPr>
-        <p:cNvPr id="1" name=""/>
-        <p:cNvGrpSpPr/>
-        <p:nvPr/>
-      </p:nvGrpSpPr>
-      <p:grpSpPr>
-        <a:xfrm>
-          <a:off x="0" y="0"/>
-          <a:ext cx="0" cy="0"/>
-          <a:chOff x="0" y="0"/>
-          <a:chExt cx="0" cy="0"/>
-        </a:xfrm>
-      </p:grpSpPr>
-      <p:sp>
-        <p:nvSpPr>
-          <p:cNvPr id="48130" name="Rectangle 7"/>
-          <p:cNvSpPr>
-            <a:spLocks noGrp="1" noChangeArrowheads="1"/>
-          </p:cNvSpPr>
-          <p:nvPr>
-            <p:ph type="sldNum" sz="quarter" idx="5"/>
-          </p:nvPr>
-        </p:nvSpPr>
-        <p:spPr>
-          <a:noFill/>
-          <a:ln w="9525"/>
-          <a:extLst>
-            <a:ext uri="{909E8E84-426E-40DD-AFC4-6F175D3DCCD1}">
-              <a14:hiddenFill xmlns:a14="http://schemas.microsoft.com/office/drawing/2010/main">
-                <a:solidFill>
-                  <a:srgbClr val="FFFFFF"/>
-                </a:solidFill>
-              </a14:hiddenFill>
-            </a:ext>
-            <a:ext uri="{91240B29-F687-4F45-9708-019B960494DF}">
-              <a14:hiddenLine xmlns:a14="http://schemas.microsoft.com/office/drawing/2010/main" w="12700">
-                <a:solidFill>
-                  <a:srgbClr val="000000"/>
-                </a:solidFill>
-                <a:miter lim="800000"/>
-                <a:headEnd type="none" w="sm" len="sm"/>
-                <a:tailEnd type="none" w="sm" len="sm"/>
-              </a14:hiddenLine>
-            </a:ext>
-          </a:extLst>
-        </p:spPr>
-        <p:txBody>
-          <a:bodyPr/>
-          <a:lstStyle>
-            <a:lvl1pPr eaLnBrk="0" hangingPunct="0">
-              <a:defRPr sz="2400">
-                <a:solidFill>
-                  <a:schemeClr val="tx1"/>
-                </a:solidFill>
-                <a:latin typeface="Times New Roman" pitchFamily="18" charset="0"/>
-              </a:defRPr>
-            </a:lvl1pPr>
-            <a:lvl2pPr marL="742950" indent="-285750" eaLnBrk="0" hangingPunct="0">
-              <a:defRPr sz="2400">
-                <a:solidFill>
-                  <a:schemeClr val="tx1"/>
-                </a:solidFill>
-                <a:latin typeface="Times New Roman" pitchFamily="18" charset="0"/>
-              </a:defRPr>
-            </a:lvl2pPr>
-            <a:lvl3pPr marL="1143000" indent="-228600" eaLnBrk="0" hangingPunct="0">
-              <a:defRPr sz="2400">
-                <a:solidFill>
-                  <a:schemeClr val="tx1"/>
-                </a:solidFill>
-                <a:latin typeface="Times New Roman" pitchFamily="18" charset="0"/>
-              </a:defRPr>
-            </a:lvl3pPr>
-            <a:lvl4pPr marL="1600200" indent="-228600" eaLnBrk="0" hangingPunct="0">
-              <a:defRPr sz="2400">
-                <a:solidFill>
-                  <a:schemeClr val="tx1"/>
-                </a:solidFill>
-                <a:latin typeface="Times New Roman" pitchFamily="18" charset="0"/>
-              </a:defRPr>
-            </a:lvl4pPr>
-            <a:lvl5pPr marL="2057400" indent="-228600" eaLnBrk="0" hangingPunct="0">
-              <a:defRPr sz="2400">
-                <a:solidFill>
-                  <a:schemeClr val="tx1"/>
-                </a:solidFill>
-                <a:latin typeface="Times New Roman" pitchFamily="18" charset="0"/>
-              </a:defRPr>
-            </a:lvl5pPr>
-            <a:lvl6pPr marL="2514600" indent="-228600" eaLnBrk="0" fontAlgn="base" hangingPunct="0">
-              <a:spcBef>
-                <a:spcPct val="0"/>
-              </a:spcBef>
-              <a:spcAft>
-                <a:spcPct val="0"/>
-              </a:spcAft>
-              <a:defRPr sz="2400">
-                <a:solidFill>
-                  <a:schemeClr val="tx1"/>
-                </a:solidFill>
-                <a:latin typeface="Times New Roman" pitchFamily="18" charset="0"/>
-              </a:defRPr>
-            </a:lvl6pPr>
-            <a:lvl7pPr marL="2971800" indent="-228600" eaLnBrk="0" fontAlgn="base" hangingPunct="0">
-              <a:spcBef>
-                <a:spcPct val="0"/>
-              </a:spcBef>
-              <a:spcAft>
-                <a:spcPct val="0"/>
-              </a:spcAft>
-              <a:defRPr sz="2400">
-                <a:solidFill>
-                  <a:schemeClr val="tx1"/>
-                </a:solidFill>
-                <a:latin typeface="Times New Roman" pitchFamily="18" charset="0"/>
-              </a:defRPr>
-            </a:lvl7pPr>
-            <a:lvl8pPr marL="3429000" indent="-228600" eaLnBrk="0" fontAlgn="base" hangingPunct="0">
-              <a:spcBef>
-                <a:spcPct val="0"/>
-              </a:spcBef>
-              <a:spcAft>
-                <a:spcPct val="0"/>
-              </a:spcAft>
-              <a:defRPr sz="2400">
-                <a:solidFill>
-                  <a:schemeClr val="tx1"/>
-                </a:solidFill>
-                <a:latin typeface="Times New Roman" pitchFamily="18" charset="0"/>
-              </a:defRPr>
-            </a:lvl8pPr>
-            <a:lvl9pPr marL="3886200" indent="-228600" eaLnBrk="0" fontAlgn="base" hangingPunct="0">
-              <a:spcBef>
-                <a:spcPct val="0"/>
-              </a:spcBef>
-              <a:spcAft>
-                <a:spcPct val="0"/>
-              </a:spcAft>
-              <a:defRPr sz="2400">
-                <a:solidFill>
-                  <a:schemeClr val="tx1"/>
-                </a:solidFill>
-                <a:latin typeface="Times New Roman" pitchFamily="18" charset="0"/>
-              </a:defRPr>
-            </a:lvl9pPr>
-          </a:lstStyle>
-          <a:p>
-            <a:fld id="{266FC6A4-8AC6-4FBD-9B8F-CE91B563947A}" type="slidenum">
-              <a:rPr lang="zh-TW" altLang="en-US" sz="1200" smtClean="0"/>
-              <a:pPr/>
-              <a:t>11</a:t>
-            </a:fld>
-            <a:endParaRPr lang="en-US" altLang="zh-TW" sz="1200" smtClean="0"/>
-          </a:p>
-        </p:txBody>
-      </p:sp>
-      <p:sp>
-        <p:nvSpPr>
-          <p:cNvPr id="48131" name="Rectangle 2"/>
-          <p:cNvSpPr>
-            <a:spLocks noGrp="1" noRot="1" noChangeAspect="1" noChangeArrowheads="1" noTextEdit="1"/>
-          </p:cNvSpPr>
-          <p:nvPr>
-            <p:ph type="sldImg"/>
-          </p:nvPr>
-        </p:nvSpPr>
-        <p:spPr>
-          <a:ln/>
-        </p:spPr>
-      </p:sp>
-      <p:sp>
-        <p:nvSpPr>
-          <p:cNvPr id="48132" name="Rectangle 3"/>
-          <p:cNvSpPr>
-            <a:spLocks noGrp="1" noChangeArrowheads="1"/>
-          </p:cNvSpPr>
-          <p:nvPr>
-            <p:ph type="body" idx="1"/>
-          </p:nvPr>
-        </p:nvSpPr>
-        <p:spPr>
-          <a:noFill/>
-          <a:ln w="9525"/>
-          <a:extLst>
-            <a:ext uri="{909E8E84-426E-40DD-AFC4-6F175D3DCCD1}">
-              <a14:hiddenFill xmlns:a14="http://schemas.microsoft.com/office/drawing/2010/main">
-                <a:solidFill>
-                  <a:srgbClr val="FFFFFF"/>
-                </a:solidFill>
-              </a14:hiddenFill>
-            </a:ext>
-            <a:ext uri="{91240B29-F687-4F45-9708-019B960494DF}">
-              <a14:hiddenLine xmlns:a14="http://schemas.microsoft.com/office/drawing/2010/main" w="9525">
-                <a:solidFill>
-                  <a:srgbClr val="000000"/>
-                </a:solidFill>
-                <a:miter lim="800000"/>
-                <a:headEnd type="none" w="sm" len="sm"/>
-                <a:tailEnd type="none" w="sm" len="sm"/>
-              </a14:hiddenLine>
-            </a:ext>
-          </a:extLst>
-        </p:spPr>
-        <p:txBody>
-          <a:bodyPr/>
-          <a:lstStyle/>
-          <a:p>
-            <a:endParaRPr lang="zh-TW" altLang="zh-TW" smtClean="0">
-              <a:latin typeface="Times New Roman" pitchFamily="18" charset="0"/>
-            </a:endParaRPr>
-          </a:p>
-        </p:txBody>
-      </p:sp>
-    </p:spTree>
-    <p:extLst>
-      <p:ext uri="{BB962C8B-B14F-4D97-AF65-F5344CB8AC3E}">
-        <p14:creationId xmlns:p14="http://schemas.microsoft.com/office/powerpoint/2010/main" val="2699313854"/>
+        <p14:creationId xmlns:p14="http://schemas.microsoft.com/office/powerpoint/2010/main" val="628879432"/>
       </p:ext>
     </p:extLst>
   </p:cSld>
@@ -1821,7 +1823,7 @@
     </p:spTree>
     <p:extLst>
       <p:ext uri="{BB962C8B-B14F-4D97-AF65-F5344CB8AC3E}">
-        <p14:creationId xmlns:p14="http://schemas.microsoft.com/office/powerpoint/2010/main" val="1335428945"/>
+        <p14:creationId xmlns:p14="http://schemas.microsoft.com/office/powerpoint/2010/main" val="1060879945"/>
       </p:ext>
     </p:extLst>
   </p:cSld>
@@ -2051,7 +2053,7 @@
     </p:spTree>
     <p:extLst>
       <p:ext uri="{BB962C8B-B14F-4D97-AF65-F5344CB8AC3E}">
-        <p14:creationId xmlns:p14="http://schemas.microsoft.com/office/powerpoint/2010/main" val="282801898"/>
+        <p14:creationId xmlns:p14="http://schemas.microsoft.com/office/powerpoint/2010/main" val="967965058"/>
       </p:ext>
     </p:extLst>
   </p:cSld>
@@ -2062,6 +2064,236 @@
 </file>
 
 <file path=ppt/notesSlides/notesSlide14.xml><?xml version="1.0" encoding="utf-8"?>
+<p:notes xmlns:a="http://schemas.openxmlformats.org/drawingml/2006/main" xmlns:r="http://schemas.openxmlformats.org/officeDocument/2006/relationships" xmlns:p="http://schemas.openxmlformats.org/presentationml/2006/main">
+  <p:cSld>
+    <p:spTree>
+      <p:nvGrpSpPr>
+        <p:cNvPr id="1" name=""/>
+        <p:cNvGrpSpPr/>
+        <p:nvPr/>
+      </p:nvGrpSpPr>
+      <p:grpSpPr>
+        <a:xfrm>
+          <a:off x="0" y="0"/>
+          <a:ext cx="0" cy="0"/>
+          <a:chOff x="0" y="0"/>
+          <a:chExt cx="0" cy="0"/>
+        </a:xfrm>
+      </p:grpSpPr>
+      <p:sp>
+        <p:nvSpPr>
+          <p:cNvPr id="48130" name="Rectangle 7"/>
+          <p:cNvSpPr>
+            <a:spLocks noGrp="1" noChangeArrowheads="1"/>
+          </p:cNvSpPr>
+          <p:nvPr>
+            <p:ph type="sldNum" sz="quarter" idx="5"/>
+          </p:nvPr>
+        </p:nvSpPr>
+        <p:spPr>
+          <a:noFill/>
+          <a:ln w="9525"/>
+          <a:extLst>
+            <a:ext uri="{909E8E84-426E-40DD-AFC4-6F175D3DCCD1}">
+              <a14:hiddenFill xmlns:a14="http://schemas.microsoft.com/office/drawing/2010/main">
+                <a:solidFill>
+                  <a:srgbClr val="FFFFFF"/>
+                </a:solidFill>
+              </a14:hiddenFill>
+            </a:ext>
+            <a:ext uri="{91240B29-F687-4F45-9708-019B960494DF}">
+              <a14:hiddenLine xmlns:a14="http://schemas.microsoft.com/office/drawing/2010/main" w="12700">
+                <a:solidFill>
+                  <a:srgbClr val="000000"/>
+                </a:solidFill>
+                <a:miter lim="800000"/>
+                <a:headEnd type="none" w="sm" len="sm"/>
+                <a:tailEnd type="none" w="sm" len="sm"/>
+              </a14:hiddenLine>
+            </a:ext>
+          </a:extLst>
+        </p:spPr>
+        <p:txBody>
+          <a:bodyPr/>
+          <a:lstStyle>
+            <a:lvl1pPr eaLnBrk="0" hangingPunct="0">
+              <a:defRPr sz="2400">
+                <a:solidFill>
+                  <a:schemeClr val="tx1"/>
+                </a:solidFill>
+                <a:latin typeface="Times New Roman" pitchFamily="18" charset="0"/>
+              </a:defRPr>
+            </a:lvl1pPr>
+            <a:lvl2pPr marL="742950" indent="-285750" eaLnBrk="0" hangingPunct="0">
+              <a:defRPr sz="2400">
+                <a:solidFill>
+                  <a:schemeClr val="tx1"/>
+                </a:solidFill>
+                <a:latin typeface="Times New Roman" pitchFamily="18" charset="0"/>
+              </a:defRPr>
+            </a:lvl2pPr>
+            <a:lvl3pPr marL="1143000" indent="-228600" eaLnBrk="0" hangingPunct="0">
+              <a:defRPr sz="2400">
+                <a:solidFill>
+                  <a:schemeClr val="tx1"/>
+                </a:solidFill>
+                <a:latin typeface="Times New Roman" pitchFamily="18" charset="0"/>
+              </a:defRPr>
+            </a:lvl3pPr>
+            <a:lvl4pPr marL="1600200" indent="-228600" eaLnBrk="0" hangingPunct="0">
+              <a:defRPr sz="2400">
+                <a:solidFill>
+                  <a:schemeClr val="tx1"/>
+                </a:solidFill>
+                <a:latin typeface="Times New Roman" pitchFamily="18" charset="0"/>
+              </a:defRPr>
+            </a:lvl4pPr>
+            <a:lvl5pPr marL="2057400" indent="-228600" eaLnBrk="0" hangingPunct="0">
+              <a:defRPr sz="2400">
+                <a:solidFill>
+                  <a:schemeClr val="tx1"/>
+                </a:solidFill>
+                <a:latin typeface="Times New Roman" pitchFamily="18" charset="0"/>
+              </a:defRPr>
+            </a:lvl5pPr>
+            <a:lvl6pPr marL="2514600" indent="-228600" eaLnBrk="0" fontAlgn="base" hangingPunct="0">
+              <a:spcBef>
+                <a:spcPct val="0"/>
+              </a:spcBef>
+              <a:spcAft>
+                <a:spcPct val="0"/>
+              </a:spcAft>
+              <a:defRPr sz="2400">
+                <a:solidFill>
+                  <a:schemeClr val="tx1"/>
+                </a:solidFill>
+                <a:latin typeface="Times New Roman" pitchFamily="18" charset="0"/>
+              </a:defRPr>
+            </a:lvl6pPr>
+            <a:lvl7pPr marL="2971800" indent="-228600" eaLnBrk="0" fontAlgn="base" hangingPunct="0">
+              <a:spcBef>
+                <a:spcPct val="0"/>
+              </a:spcBef>
+              <a:spcAft>
+                <a:spcPct val="0"/>
+              </a:spcAft>
+              <a:defRPr sz="2400">
+                <a:solidFill>
+                  <a:schemeClr val="tx1"/>
+                </a:solidFill>
+                <a:latin typeface="Times New Roman" pitchFamily="18" charset="0"/>
+              </a:defRPr>
+            </a:lvl7pPr>
+            <a:lvl8pPr marL="3429000" indent="-228600" eaLnBrk="0" fontAlgn="base" hangingPunct="0">
+              <a:spcBef>
+                <a:spcPct val="0"/>
+              </a:spcBef>
+              <a:spcAft>
+                <a:spcPct val="0"/>
+              </a:spcAft>
+              <a:defRPr sz="2400">
+                <a:solidFill>
+                  <a:schemeClr val="tx1"/>
+                </a:solidFill>
+                <a:latin typeface="Times New Roman" pitchFamily="18" charset="0"/>
+              </a:defRPr>
+            </a:lvl8pPr>
+            <a:lvl9pPr marL="3886200" indent="-228600" eaLnBrk="0" fontAlgn="base" hangingPunct="0">
+              <a:spcBef>
+                <a:spcPct val="0"/>
+              </a:spcBef>
+              <a:spcAft>
+                <a:spcPct val="0"/>
+              </a:spcAft>
+              <a:defRPr sz="2400">
+                <a:solidFill>
+                  <a:schemeClr val="tx1"/>
+                </a:solidFill>
+                <a:latin typeface="Times New Roman" pitchFamily="18" charset="0"/>
+              </a:defRPr>
+            </a:lvl9pPr>
+          </a:lstStyle>
+          <a:p>
+            <a:fld id="{266FC6A4-8AC6-4FBD-9B8F-CE91B563947A}" type="slidenum">
+              <a:rPr lang="zh-TW" altLang="en-US" sz="1200" smtClean="0"/>
+              <a:pPr/>
+              <a:t>14</a:t>
+            </a:fld>
+            <a:endParaRPr lang="en-US" altLang="zh-TW" sz="1200" smtClean="0"/>
+          </a:p>
+        </p:txBody>
+      </p:sp>
+      <p:sp>
+        <p:nvSpPr>
+          <p:cNvPr id="48131" name="Rectangle 2"/>
+          <p:cNvSpPr>
+            <a:spLocks noGrp="1" noRot="1" noChangeAspect="1" noChangeArrowheads="1" noTextEdit="1"/>
+          </p:cNvSpPr>
+          <p:nvPr>
+            <p:ph type="sldImg"/>
+          </p:nvPr>
+        </p:nvSpPr>
+        <p:spPr>
+          <a:ln/>
+        </p:spPr>
+      </p:sp>
+      <p:sp>
+        <p:nvSpPr>
+          <p:cNvPr id="48132" name="Rectangle 3"/>
+          <p:cNvSpPr>
+            <a:spLocks noGrp="1" noChangeArrowheads="1"/>
+          </p:cNvSpPr>
+          <p:nvPr>
+            <p:ph type="body" idx="1"/>
+          </p:nvPr>
+        </p:nvSpPr>
+        <p:spPr>
+          <a:noFill/>
+          <a:ln w="9525"/>
+          <a:extLst>
+            <a:ext uri="{909E8E84-426E-40DD-AFC4-6F175D3DCCD1}">
+              <a14:hiddenFill xmlns:a14="http://schemas.microsoft.com/office/drawing/2010/main">
+                <a:solidFill>
+                  <a:srgbClr val="FFFFFF"/>
+                </a:solidFill>
+              </a14:hiddenFill>
+            </a:ext>
+            <a:ext uri="{91240B29-F687-4F45-9708-019B960494DF}">
+              <a14:hiddenLine xmlns:a14="http://schemas.microsoft.com/office/drawing/2010/main" w="9525">
+                <a:solidFill>
+                  <a:srgbClr val="000000"/>
+                </a:solidFill>
+                <a:miter lim="800000"/>
+                <a:headEnd type="none" w="sm" len="sm"/>
+                <a:tailEnd type="none" w="sm" len="sm"/>
+              </a14:hiddenLine>
+            </a:ext>
+          </a:extLst>
+        </p:spPr>
+        <p:txBody>
+          <a:bodyPr/>
+          <a:lstStyle/>
+          <a:p>
+            <a:endParaRPr lang="zh-TW" altLang="zh-TW" smtClean="0">
+              <a:latin typeface="Times New Roman" pitchFamily="18" charset="0"/>
+            </a:endParaRPr>
+          </a:p>
+        </p:txBody>
+      </p:sp>
+    </p:spTree>
+    <p:extLst>
+      <p:ext uri="{BB962C8B-B14F-4D97-AF65-F5344CB8AC3E}">
+        <p14:creationId xmlns:p14="http://schemas.microsoft.com/office/powerpoint/2010/main" val="1565927088"/>
+      </p:ext>
+    </p:extLst>
+  </p:cSld>
+  <p:clrMapOvr>
+    <a:masterClrMapping/>
+  </p:clrMapOvr>
+</p:notes>
+</file>
+
+<file path=ppt/notesSlides/notesSlide15.xml><?xml version="1.0" encoding="utf-8"?>
 <p:notes xmlns:a="http://schemas.openxmlformats.org/drawingml/2006/main" xmlns:r="http://schemas.openxmlformats.org/officeDocument/2006/relationships" xmlns:p="http://schemas.openxmlformats.org/presentationml/2006/main">
   <p:cSld>
     <p:spTree>
@@ -2215,7 +2447,7 @@
             <a:fld id="{F07960BD-ED5F-458F-A72C-E818ECB1CADF}" type="slidenum">
               <a:rPr lang="zh-TW" altLang="en-US" sz="1200" smtClean="0"/>
               <a:pPr/>
-              <a:t>30</a:t>
+              <a:t>32</a:t>
             </a:fld>
             <a:endParaRPr lang="en-US" altLang="zh-TW" sz="1200" smtClean="0"/>
           </a:p>
@@ -2281,7 +2513,7 @@
     </p:spTree>
     <p:extLst>
       <p:ext uri="{BB962C8B-B14F-4D97-AF65-F5344CB8AC3E}">
-        <p14:creationId xmlns:p14="http://schemas.microsoft.com/office/powerpoint/2010/main" val="3005246340"/>
+        <p14:creationId xmlns:p14="http://schemas.microsoft.com/office/powerpoint/2010/main" val="1031302329"/>
       </p:ext>
     </p:extLst>
   </p:cSld>
@@ -2291,7 +2523,7 @@
 </p:notes>
 </file>
 
-<file path=ppt/notesSlides/notesSlide15.xml><?xml version="1.0" encoding="utf-8"?>
+<file path=ppt/notesSlides/notesSlide16.xml><?xml version="1.0" encoding="utf-8"?>
 <p:notes xmlns:a="http://schemas.openxmlformats.org/drawingml/2006/main" xmlns:r="http://schemas.openxmlformats.org/officeDocument/2006/relationships" xmlns:p="http://schemas.openxmlformats.org/presentationml/2006/main">
   <p:cSld>
     <p:spTree>
@@ -2445,7 +2677,7 @@
             <a:fld id="{947A8E3D-DFAF-4581-B154-A5B16700A529}" type="slidenum">
               <a:rPr lang="zh-TW" altLang="en-US" sz="1200" smtClean="0"/>
               <a:pPr/>
-              <a:t>38</a:t>
+              <a:t>40</a:t>
             </a:fld>
             <a:endParaRPr lang="en-US" altLang="zh-TW" sz="1200" smtClean="0"/>
           </a:p>
@@ -2511,7 +2743,7 @@
     </p:spTree>
     <p:extLst>
       <p:ext uri="{BB962C8B-B14F-4D97-AF65-F5344CB8AC3E}">
-        <p14:creationId xmlns:p14="http://schemas.microsoft.com/office/powerpoint/2010/main" val="2616877670"/>
+        <p14:creationId xmlns:p14="http://schemas.microsoft.com/office/powerpoint/2010/main" val="903290312"/>
       </p:ext>
     </p:extLst>
   </p:cSld>
@@ -2741,7 +2973,7 @@
     </p:spTree>
     <p:extLst>
       <p:ext uri="{BB962C8B-B14F-4D97-AF65-F5344CB8AC3E}">
-        <p14:creationId xmlns:p14="http://schemas.microsoft.com/office/powerpoint/2010/main" val="771684202"/>
+        <p14:creationId xmlns:p14="http://schemas.microsoft.com/office/powerpoint/2010/main" val="1666614309"/>
       </p:ext>
     </p:extLst>
   </p:cSld>
@@ -2971,7 +3203,7 @@
     </p:spTree>
     <p:extLst>
       <p:ext uri="{BB962C8B-B14F-4D97-AF65-F5344CB8AC3E}">
-        <p14:creationId xmlns:p14="http://schemas.microsoft.com/office/powerpoint/2010/main" val="3713807993"/>
+        <p14:creationId xmlns:p14="http://schemas.microsoft.com/office/powerpoint/2010/main" val="1919015868"/>
       </p:ext>
     </p:extLst>
   </p:cSld>
@@ -3201,7 +3433,7 @@
     </p:spTree>
     <p:extLst>
       <p:ext uri="{BB962C8B-B14F-4D97-AF65-F5344CB8AC3E}">
-        <p14:creationId xmlns:p14="http://schemas.microsoft.com/office/powerpoint/2010/main" val="1177082542"/>
+        <p14:creationId xmlns:p14="http://schemas.microsoft.com/office/powerpoint/2010/main" val="1478238138"/>
       </p:ext>
     </p:extLst>
   </p:cSld>
@@ -3431,7 +3663,7 @@
     </p:spTree>
     <p:extLst>
       <p:ext uri="{BB962C8B-B14F-4D97-AF65-F5344CB8AC3E}">
-        <p14:creationId xmlns:p14="http://schemas.microsoft.com/office/powerpoint/2010/main" val="3946438163"/>
+        <p14:creationId xmlns:p14="http://schemas.microsoft.com/office/powerpoint/2010/main" val="45940137"/>
       </p:ext>
     </p:extLst>
   </p:cSld>
@@ -3661,7 +3893,7 @@
     </p:spTree>
     <p:extLst>
       <p:ext uri="{BB962C8B-B14F-4D97-AF65-F5344CB8AC3E}">
-        <p14:creationId xmlns:p14="http://schemas.microsoft.com/office/powerpoint/2010/main" val="318373055"/>
+        <p14:creationId xmlns:p14="http://schemas.microsoft.com/office/powerpoint/2010/main" val="17124105"/>
       </p:ext>
     </p:extLst>
   </p:cSld>
@@ -3891,7 +4123,7 @@
     </p:spTree>
     <p:extLst>
       <p:ext uri="{BB962C8B-B14F-4D97-AF65-F5344CB8AC3E}">
-        <p14:creationId xmlns:p14="http://schemas.microsoft.com/office/powerpoint/2010/main" val="2365974896"/>
+        <p14:creationId xmlns:p14="http://schemas.microsoft.com/office/powerpoint/2010/main" val="1923353643"/>
       </p:ext>
     </p:extLst>
   </p:cSld>
@@ -4121,7 +4353,7 @@
     </p:spTree>
     <p:extLst>
       <p:ext uri="{BB962C8B-B14F-4D97-AF65-F5344CB8AC3E}">
-        <p14:creationId xmlns:p14="http://schemas.microsoft.com/office/powerpoint/2010/main" val="2032484741"/>
+        <p14:creationId xmlns:p14="http://schemas.microsoft.com/office/powerpoint/2010/main" val="37196559"/>
       </p:ext>
     </p:extLst>
   </p:cSld>
@@ -4351,7 +4583,7 @@
     </p:spTree>
     <p:extLst>
       <p:ext uri="{BB962C8B-B14F-4D97-AF65-F5344CB8AC3E}">
-        <p14:creationId xmlns:p14="http://schemas.microsoft.com/office/powerpoint/2010/main" val="3905003240"/>
+        <p14:creationId xmlns:p14="http://schemas.microsoft.com/office/powerpoint/2010/main" val="209158000"/>
       </p:ext>
     </p:extLst>
   </p:cSld>
@@ -10989,6 +11221,115 @@
       </p:grpSpPr>
       <p:sp>
         <p:nvSpPr>
+          <p:cNvPr id="148482" name="Rectangle 2"/>
+          <p:cNvSpPr>
+            <a:spLocks noGrp="1" noChangeArrowheads="1"/>
+          </p:cNvSpPr>
+          <p:nvPr>
+            <p:ph type="title"/>
+          </p:nvPr>
+        </p:nvSpPr>
+        <p:spPr/>
+        <p:txBody>
+          <a:bodyPr/>
+          <a:lstStyle/>
+          <a:p>
+            <a:r>
+              <a:rPr lang="en-US" altLang="zh-TW" smtClean="0"/>
+              <a:t>Classwork</a:t>
+            </a:r>
+            <a:endParaRPr lang="en-US" altLang="zh-TW" dirty="0" smtClean="0"/>
+          </a:p>
+        </p:txBody>
+      </p:sp>
+      <p:sp>
+        <p:nvSpPr>
+          <p:cNvPr id="18435" name="Rectangle 3"/>
+          <p:cNvSpPr>
+            <a:spLocks noGrp="1" noChangeArrowheads="1"/>
+          </p:cNvSpPr>
+          <p:nvPr>
+            <p:ph idx="1"/>
+          </p:nvPr>
+        </p:nvSpPr>
+        <p:spPr/>
+        <p:txBody>
+          <a:bodyPr>
+            <a:normAutofit/>
+          </a:bodyPr>
+          <a:lstStyle/>
+          <a:p>
+            <a:r>
+              <a:rPr lang="en-US" altLang="zh-TW" dirty="0" err="1" smtClean="0"/>
+              <a:t>cart.php</a:t>
+            </a:r>
+            <a:endParaRPr lang="en-US" altLang="zh-TW" dirty="0" smtClean="0"/>
+          </a:p>
+          <a:p>
+            <a:r>
+              <a:rPr lang="en-US" altLang="zh-TW" dirty="0" smtClean="0"/>
+              <a:t>Buy 1x Huawei P10, 2x </a:t>
+            </a:r>
+            <a:r>
+              <a:rPr lang="en-US" altLang="zh-TW" dirty="0" err="1" smtClean="0"/>
+              <a:t>Ranababy</a:t>
+            </a:r>
+            <a:r>
+              <a:rPr lang="en-US" altLang="zh-TW" dirty="0" smtClean="0"/>
+              <a:t> JA-F1M, 3x </a:t>
+            </a:r>
+            <a:r>
+              <a:rPr lang="en-US" altLang="zh-TW" dirty="0" err="1" smtClean="0"/>
+              <a:t>utalife</a:t>
+            </a:r>
+            <a:r>
+              <a:rPr lang="en-US" altLang="zh-TW" dirty="0" smtClean="0"/>
+              <a:t> E02 watch</a:t>
+            </a:r>
+          </a:p>
+          <a:p>
+            <a:r>
+              <a:rPr lang="en-US" altLang="zh-TW" dirty="0" smtClean="0"/>
+              <a:t>What is the total price?</a:t>
+            </a:r>
+          </a:p>
+        </p:txBody>
+      </p:sp>
+    </p:spTree>
+    <p:extLst>
+      <p:ext uri="{BB962C8B-B14F-4D97-AF65-F5344CB8AC3E}">
+        <p14:creationId xmlns:p14="http://schemas.microsoft.com/office/powerpoint/2010/main" val="2035259508"/>
+      </p:ext>
+    </p:extLst>
+  </p:cSld>
+  <p:clrMapOvr>
+    <a:masterClrMapping/>
+  </p:clrMapOvr>
+  <p:transition>
+    <p:checker/>
+  </p:transition>
+</p:sld>
+</file>
+
+<file path=ppt/slides/slide11.xml><?xml version="1.0" encoding="utf-8"?>
+<p:sld xmlns:a="http://schemas.openxmlformats.org/drawingml/2006/main" xmlns:r="http://schemas.openxmlformats.org/officeDocument/2006/relationships" xmlns:p="http://schemas.openxmlformats.org/presentationml/2006/main">
+  <p:cSld>
+    <p:spTree>
+      <p:nvGrpSpPr>
+        <p:cNvPr id="1" name=""/>
+        <p:cNvGrpSpPr/>
+        <p:nvPr/>
+      </p:nvGrpSpPr>
+      <p:grpSpPr>
+        <a:xfrm>
+          <a:off x="0" y="0"/>
+          <a:ext cx="0" cy="0"/>
+          <a:chOff x="0" y="0"/>
+          <a:chExt cx="0" cy="0"/>
+        </a:xfrm>
+      </p:grpSpPr>
+      <p:sp>
+        <p:nvSpPr>
           <p:cNvPr id="149506" name="Rectangle 2"/>
           <p:cNvSpPr>
             <a:spLocks noGrp="1" noChangeArrowheads="1"/>
@@ -11055,15 +11396,7 @@
           <a:p>
             <a:r>
               <a:rPr lang="en-US" altLang="zh-TW" dirty="0" smtClean="0"/>
-              <a:t>echo $a-</a:t>
-            </a:r>
-            <a:r>
-              <a:rPr lang="en-US" altLang="zh-TW" dirty="0" smtClean="0"/>
-              <a:t>-; </a:t>
-            </a:r>
-            <a:r>
-              <a:rPr lang="en-US" altLang="zh-TW" dirty="0" smtClean="0"/>
-              <a:t>same as $a-=1;</a:t>
+              <a:t>echo $a--; same as $a-=1;</a:t>
             </a:r>
           </a:p>
           <a:p>
@@ -11075,6 +11408,11 @@
         </p:txBody>
       </p:sp>
     </p:spTree>
+    <p:extLst>
+      <p:ext uri="{BB962C8B-B14F-4D97-AF65-F5344CB8AC3E}">
+        <p14:creationId xmlns:p14="http://schemas.microsoft.com/office/powerpoint/2010/main" val="2103822641"/>
+      </p:ext>
+    </p:extLst>
   </p:cSld>
   <p:clrMapOvr>
     <a:masterClrMapping/>
@@ -11085,7 +11423,7 @@
 </p:sld>
 </file>
 
-<file path=ppt/slides/slide11.xml><?xml version="1.0" encoding="utf-8"?>
+<file path=ppt/slides/slide12.xml><?xml version="1.0" encoding="utf-8"?>
 <p:sld xmlns:a="http://schemas.openxmlformats.org/drawingml/2006/main" xmlns:r="http://schemas.openxmlformats.org/officeDocument/2006/relationships" xmlns:p="http://schemas.openxmlformats.org/presentationml/2006/main">
   <p:cSld>
     <p:spTree>
@@ -11121,7 +11459,6 @@
               <a:rPr lang="en-US" altLang="zh-TW" dirty="0" smtClean="0"/>
               <a:t>Circumference</a:t>
             </a:r>
-            <a:endParaRPr lang="en-US" altLang="zh-TW" dirty="0" smtClean="0"/>
           </a:p>
         </p:txBody>
       </p:sp>
@@ -11167,8 +11504,8 @@
           </a:extLst>
         </p:spPr>
       </p:pic>
-      <mc:AlternateContent xmlns:mc="http://schemas.openxmlformats.org/markup-compatibility/2006">
-        <mc:Choice xmlns:a14="http://schemas.microsoft.com/office/drawing/2010/main" Requires="a14">
+      <mc:AlternateContent xmlns:mc="http://schemas.openxmlformats.org/markup-compatibility/2006" xmlns:a14="http://schemas.microsoft.com/office/drawing/2010/main">
+        <mc:Choice Requires="a14">
           <p:sp>
             <p:nvSpPr>
               <p:cNvPr id="2" name="Content Placeholder 1"/>
@@ -11247,7 +11584,7 @@
                       <m:sSupPr>
                         <m:ctrlPr>
                           <a:rPr lang="en-US" altLang="zh-HK" i="1" smtClean="0">
-                            <a:latin typeface="Cambria Math" panose="02040503050406030204" pitchFamily="18" charset="0"/>
+                            <a:latin typeface="Cambria Math" charset="0"/>
                           </a:rPr>
                         </m:ctrlPr>
                       </m:sSupPr>
@@ -11270,12 +11607,33 @@
                     </m:sSup>
                   </m:oMath>
                 </a14:m>
+                <a:endParaRPr lang="en-US" altLang="zh-HK" dirty="0" smtClean="0"/>
+              </a:p>
+              <a:p>
+                <a14:m>
+                  <m:oMath xmlns:m="http://schemas.openxmlformats.org/officeDocument/2006/math">
+                    <m:r>
+                      <a:rPr lang="el-GR" altLang="zh-HK" i="1">
+                        <a:latin typeface="Cambria Math" panose="02040503050406030204" pitchFamily="18" charset="0"/>
+                      </a:rPr>
+                      <m:t>𝜋</m:t>
+                    </m:r>
+                  </m:oMath>
+                </a14:m>
+                <a:r>
+                  <a:rPr lang="en-US" altLang="zh-HK" dirty="0" smtClean="0"/>
+                  <a:t> = </a:t>
+                </a:r>
+                <a:r>
+                  <a:rPr lang="is-IS" dirty="0" smtClean="0"/>
+                  <a:t>3.1415926535897932384626</a:t>
+                </a:r>
                 <a:endParaRPr lang="zh-HK" altLang="en-US" dirty="0"/>
               </a:p>
             </p:txBody>
           </p:sp>
         </mc:Choice>
-        <mc:Fallback>
+        <mc:Fallback xmlns="">
           <p:sp>
             <p:nvSpPr>
               <p:cNvPr id="2" name="Content Placeholder 1"/>
@@ -11299,7 +11657,7 @@
               <a:lstStyle/>
               <a:p>
                 <a:r>
-                  <a:rPr lang="zh-HK" altLang="en-US">
+                  <a:rPr lang="en-US">
                     <a:noFill/>
                   </a:rPr>
                   <a:t> </a:t>
@@ -11312,101 +11670,9 @@
     </p:spTree>
     <p:extLst>
       <p:ext uri="{BB962C8B-B14F-4D97-AF65-F5344CB8AC3E}">
-        <p14:creationId xmlns:p14="http://schemas.microsoft.com/office/powerpoint/2010/main" val="1720002167"/>
+        <p14:creationId xmlns:p14="http://schemas.microsoft.com/office/powerpoint/2010/main" val="1809586737"/>
       </p:ext>
     </p:extLst>
-  </p:cSld>
-  <p:clrMapOvr>
-    <a:masterClrMapping/>
-  </p:clrMapOvr>
-  <p:transition>
-    <p:checker/>
-  </p:transition>
-</p:sld>
-</file>
-
-<file path=ppt/slides/slide12.xml><?xml version="1.0" encoding="utf-8"?>
-<p:sld xmlns:a="http://schemas.openxmlformats.org/drawingml/2006/main" xmlns:r="http://schemas.openxmlformats.org/officeDocument/2006/relationships" xmlns:p="http://schemas.openxmlformats.org/presentationml/2006/main">
-  <p:cSld>
-    <p:spTree>
-      <p:nvGrpSpPr>
-        <p:cNvPr id="1" name=""/>
-        <p:cNvGrpSpPr/>
-        <p:nvPr/>
-      </p:nvGrpSpPr>
-      <p:grpSpPr>
-        <a:xfrm>
-          <a:off x="0" y="0"/>
-          <a:ext cx="0" cy="0"/>
-          <a:chOff x="0" y="0"/>
-          <a:chExt cx="0" cy="0"/>
-        </a:xfrm>
-      </p:grpSpPr>
-      <p:sp>
-        <p:nvSpPr>
-          <p:cNvPr id="143362" name="Rectangle 3074"/>
-          <p:cNvSpPr>
-            <a:spLocks noGrp="1" noChangeArrowheads="1"/>
-          </p:cNvSpPr>
-          <p:nvPr>
-            <p:ph type="title"/>
-          </p:nvPr>
-        </p:nvSpPr>
-        <p:spPr/>
-        <p:txBody>
-          <a:bodyPr/>
-          <a:lstStyle/>
-          <a:p>
-            <a:r>
-              <a:rPr lang="en-US" altLang="zh-TW" smtClean="0"/>
-              <a:t>Constants</a:t>
-            </a:r>
-            <a:endParaRPr lang="en-US" altLang="zh-TW" dirty="0" smtClean="0"/>
-          </a:p>
-        </p:txBody>
-      </p:sp>
-      <p:sp>
-        <p:nvSpPr>
-          <p:cNvPr id="20483" name="Rectangle 3075"/>
-          <p:cNvSpPr>
-            <a:spLocks noGrp="1" noChangeArrowheads="1"/>
-          </p:cNvSpPr>
-          <p:nvPr>
-            <p:ph idx="1"/>
-          </p:nvPr>
-        </p:nvSpPr>
-        <p:spPr/>
-        <p:txBody>
-          <a:bodyPr/>
-          <a:lstStyle/>
-          <a:p>
-            <a:r>
-              <a:rPr lang="en-US" altLang="zh-TW" dirty="0" smtClean="0"/>
-              <a:t>Value that cannot be changed after setup</a:t>
-            </a:r>
-          </a:p>
-          <a:p>
-            <a:r>
-              <a:rPr lang="en-US" altLang="zh-TW" dirty="0" smtClean="0"/>
-              <a:t>Usually use all upper-case letter to distinguish from function name</a:t>
-            </a:r>
-          </a:p>
-          <a:p>
-            <a:r>
-              <a:rPr lang="en-US" altLang="zh-TW" dirty="0" smtClean="0"/>
-              <a:t>No dollar sign</a:t>
-            </a:r>
-          </a:p>
-          <a:p>
-            <a:r>
-              <a:rPr lang="en-US" altLang="zh-TW" dirty="0" err="1" smtClean="0"/>
-              <a:t>constant.php</a:t>
-            </a:r>
-            <a:endParaRPr lang="en-US" altLang="zh-TW" dirty="0" smtClean="0"/>
-          </a:p>
-        </p:txBody>
-      </p:sp>
-    </p:spTree>
   </p:cSld>
   <p:clrMapOvr>
     <a:masterClrMapping/>
@@ -11451,7 +11717,7 @@
           <a:p>
             <a:r>
               <a:rPr lang="en-US" altLang="zh-TW" smtClean="0"/>
-              <a:t>Predefined Constants</a:t>
+              <a:t>Constants</a:t>
             </a:r>
             <a:endParaRPr lang="en-US" altLang="zh-TW" dirty="0" smtClean="0"/>
           </a:p>
@@ -11473,17 +11739,26 @@
           <a:lstStyle/>
           <a:p>
             <a:r>
-              <a:rPr lang="en-US" altLang="zh-TW" smtClean="0"/>
-              <a:t>Some constants has already been predefined in PHP.</a:t>
-            </a:r>
-          </a:p>
-          <a:p>
-            <a:endParaRPr lang="en-US" altLang="zh-TW" smtClean="0"/>
-          </a:p>
-          <a:p>
-            <a:r>
-              <a:rPr lang="en-US" altLang="zh-TW" smtClean="0"/>
-              <a:t>predefindedConstant.php</a:t>
+              <a:rPr lang="en-US" altLang="zh-TW" dirty="0" smtClean="0"/>
+              <a:t>Value that cannot be changed after setup</a:t>
+            </a:r>
+          </a:p>
+          <a:p>
+            <a:r>
+              <a:rPr lang="en-US" altLang="zh-TW" dirty="0" smtClean="0"/>
+              <a:t>Usually use all upper-case letter to distinguish from function name</a:t>
+            </a:r>
+          </a:p>
+          <a:p>
+            <a:r>
+              <a:rPr lang="en-US" altLang="zh-TW" dirty="0" smtClean="0"/>
+              <a:t>No dollar sign</a:t>
+            </a:r>
+          </a:p>
+          <a:p>
+            <a:r>
+              <a:rPr lang="en-US" altLang="zh-TW" dirty="0" err="1" smtClean="0"/>
+              <a:t>constant.php</a:t>
             </a:r>
             <a:endParaRPr lang="en-US" altLang="zh-TW" dirty="0" smtClean="0"/>
           </a:p>
@@ -11492,7 +11767,7 @@
     </p:spTree>
     <p:extLst>
       <p:ext uri="{BB962C8B-B14F-4D97-AF65-F5344CB8AC3E}">
-        <p14:creationId xmlns:p14="http://schemas.microsoft.com/office/powerpoint/2010/main" val="4133291617"/>
+        <p14:creationId xmlns:p14="http://schemas.microsoft.com/office/powerpoint/2010/main" val="1799998221"/>
       </p:ext>
     </p:extLst>
   </p:cSld>
@@ -11524,6 +11799,94 @@
       </p:grpSpPr>
       <p:sp>
         <p:nvSpPr>
+          <p:cNvPr id="143362" name="Rectangle 3074"/>
+          <p:cNvSpPr>
+            <a:spLocks noGrp="1" noChangeArrowheads="1"/>
+          </p:cNvSpPr>
+          <p:nvPr>
+            <p:ph type="title"/>
+          </p:nvPr>
+        </p:nvSpPr>
+        <p:spPr/>
+        <p:txBody>
+          <a:bodyPr/>
+          <a:lstStyle/>
+          <a:p>
+            <a:r>
+              <a:rPr lang="en-US" altLang="zh-TW" smtClean="0"/>
+              <a:t>Predefined Constants</a:t>
+            </a:r>
+            <a:endParaRPr lang="en-US" altLang="zh-TW" dirty="0" smtClean="0"/>
+          </a:p>
+        </p:txBody>
+      </p:sp>
+      <p:sp>
+        <p:nvSpPr>
+          <p:cNvPr id="20483" name="Rectangle 3075"/>
+          <p:cNvSpPr>
+            <a:spLocks noGrp="1" noChangeArrowheads="1"/>
+          </p:cNvSpPr>
+          <p:nvPr>
+            <p:ph idx="1"/>
+          </p:nvPr>
+        </p:nvSpPr>
+        <p:spPr/>
+        <p:txBody>
+          <a:bodyPr/>
+          <a:lstStyle/>
+          <a:p>
+            <a:r>
+              <a:rPr lang="en-US" altLang="zh-TW" smtClean="0"/>
+              <a:t>Some constants has already been predefined in PHP.</a:t>
+            </a:r>
+          </a:p>
+          <a:p>
+            <a:endParaRPr lang="en-US" altLang="zh-TW" smtClean="0"/>
+          </a:p>
+          <a:p>
+            <a:r>
+              <a:rPr lang="en-US" altLang="zh-TW" smtClean="0"/>
+              <a:t>predefindedConstant.php</a:t>
+            </a:r>
+            <a:endParaRPr lang="en-US" altLang="zh-TW" dirty="0" smtClean="0"/>
+          </a:p>
+        </p:txBody>
+      </p:sp>
+    </p:spTree>
+    <p:extLst>
+      <p:ext uri="{BB962C8B-B14F-4D97-AF65-F5344CB8AC3E}">
+        <p14:creationId xmlns:p14="http://schemas.microsoft.com/office/powerpoint/2010/main" val="1400103781"/>
+      </p:ext>
+    </p:extLst>
+  </p:cSld>
+  <p:clrMapOvr>
+    <a:masterClrMapping/>
+  </p:clrMapOvr>
+  <p:transition>
+    <p:checker/>
+  </p:transition>
+</p:sld>
+</file>
+
+<file path=ppt/slides/slide15.xml><?xml version="1.0" encoding="utf-8"?>
+<p:sld xmlns:a="http://schemas.openxmlformats.org/drawingml/2006/main" xmlns:r="http://schemas.openxmlformats.org/officeDocument/2006/relationships" xmlns:p="http://schemas.openxmlformats.org/presentationml/2006/main">
+  <p:cSld>
+    <p:spTree>
+      <p:nvGrpSpPr>
+        <p:cNvPr id="1" name=""/>
+        <p:cNvGrpSpPr/>
+        <p:nvPr/>
+      </p:nvGrpSpPr>
+      <p:grpSpPr>
+        <a:xfrm>
+          <a:off x="0" y="0"/>
+          <a:ext cx="0" cy="0"/>
+          <a:chOff x="0" y="0"/>
+          <a:chExt cx="0" cy="0"/>
+        </a:xfrm>
+      </p:grpSpPr>
+      <p:sp>
+        <p:nvSpPr>
           <p:cNvPr id="2" name="Title 1"/>
           <p:cNvSpPr>
             <a:spLocks noGrp="1"/>
@@ -11568,6 +11931,11 @@
         </p:txBody>
       </p:sp>
     </p:spTree>
+    <p:extLst>
+      <p:ext uri="{BB962C8B-B14F-4D97-AF65-F5344CB8AC3E}">
+        <p14:creationId xmlns:p14="http://schemas.microsoft.com/office/powerpoint/2010/main" val="1124474031"/>
+      </p:ext>
+    </p:extLst>
   </p:cSld>
   <p:clrMapOvr>
     <a:masterClrMapping/>
@@ -11575,7 +11943,7 @@
 </p:sld>
 </file>
 
-<file path=ppt/slides/slide15.xml><?xml version="1.0" encoding="utf-8"?>
+<file path=ppt/slides/slide16.xml><?xml version="1.0" encoding="utf-8"?>
 <p:sld xmlns:a="http://schemas.openxmlformats.org/drawingml/2006/main" xmlns:r="http://schemas.openxmlformats.org/officeDocument/2006/relationships" xmlns:p="http://schemas.openxmlformats.org/presentationml/2006/main">
   <p:cSld>
     <p:spTree>
@@ -11661,6 +12029,11 @@
         </p:txBody>
       </p:sp>
     </p:spTree>
+    <p:extLst>
+      <p:ext uri="{BB962C8B-B14F-4D97-AF65-F5344CB8AC3E}">
+        <p14:creationId xmlns:p14="http://schemas.microsoft.com/office/powerpoint/2010/main" val="1178945417"/>
+      </p:ext>
+    </p:extLst>
   </p:cSld>
   <p:clrMapOvr>
     <a:masterClrMapping/>
@@ -11671,7 +12044,7 @@
 </p:sld>
 </file>
 
-<file path=ppt/slides/slide16.xml><?xml version="1.0" encoding="utf-8"?>
+<file path=ppt/slides/slide17.xml><?xml version="1.0" encoding="utf-8"?>
 <p:sld xmlns:a="http://schemas.openxmlformats.org/drawingml/2006/main" xmlns:r="http://schemas.openxmlformats.org/officeDocument/2006/relationships" xmlns:p="http://schemas.openxmlformats.org/presentationml/2006/main">
   <p:cSld>
     <p:spTree>
@@ -13219,6 +13592,11 @@
         </p:txBody>
       </p:sp>
     </p:spTree>
+    <p:extLst>
+      <p:ext uri="{BB962C8B-B14F-4D97-AF65-F5344CB8AC3E}">
+        <p14:creationId xmlns:p14="http://schemas.microsoft.com/office/powerpoint/2010/main" val="1851496297"/>
+      </p:ext>
+    </p:extLst>
   </p:cSld>
   <p:clrMapOvr>
     <a:masterClrMapping/>
@@ -13226,7 +13604,7 @@
 </p:sld>
 </file>
 
-<file path=ppt/slides/slide17.xml><?xml version="1.0" encoding="utf-8"?>
+<file path=ppt/slides/slide18.xml><?xml version="1.0" encoding="utf-8"?>
 <p:sld xmlns:a="http://schemas.openxmlformats.org/drawingml/2006/main" xmlns:r="http://schemas.openxmlformats.org/officeDocument/2006/relationships" xmlns:p="http://schemas.openxmlformats.org/presentationml/2006/main">
   <p:cSld>
     <p:spTree>
@@ -13304,6 +13682,11 @@
         </p:txBody>
       </p:sp>
     </p:spTree>
+    <p:extLst>
+      <p:ext uri="{BB962C8B-B14F-4D97-AF65-F5344CB8AC3E}">
+        <p14:creationId xmlns:p14="http://schemas.microsoft.com/office/powerpoint/2010/main" val="1060218649"/>
+      </p:ext>
+    </p:extLst>
   </p:cSld>
   <p:clrMapOvr>
     <a:masterClrMapping/>
@@ -13314,7 +13697,7 @@
 </p:sld>
 </file>
 
-<file path=ppt/slides/slide18.xml><?xml version="1.0" encoding="utf-8"?>
+<file path=ppt/slides/slide19.xml><?xml version="1.0" encoding="utf-8"?>
 <p:sld xmlns:a="http://schemas.openxmlformats.org/drawingml/2006/main" xmlns:r="http://schemas.openxmlformats.org/officeDocument/2006/relationships" xmlns:p="http://schemas.openxmlformats.org/presentationml/2006/main">
   <p:cSld>
     <p:spTree>
@@ -13388,154 +13771,11 @@
         </p:txBody>
       </p:sp>
     </p:spTree>
-  </p:cSld>
-  <p:clrMapOvr>
-    <a:masterClrMapping/>
-  </p:clrMapOvr>
-  <p:transition>
-    <p:checker/>
-  </p:transition>
-</p:sld>
-</file>
-
-<file path=ppt/slides/slide19.xml><?xml version="1.0" encoding="utf-8"?>
-<p:sld xmlns:a="http://schemas.openxmlformats.org/drawingml/2006/main" xmlns:r="http://schemas.openxmlformats.org/officeDocument/2006/relationships" xmlns:p="http://schemas.openxmlformats.org/presentationml/2006/main">
-  <p:cSld>
-    <p:spTree>
-      <p:nvGrpSpPr>
-        <p:cNvPr id="1" name=""/>
-        <p:cNvGrpSpPr/>
-        <p:nvPr/>
-      </p:nvGrpSpPr>
-      <p:grpSpPr>
-        <a:xfrm>
-          <a:off x="0" y="0"/>
-          <a:ext cx="0" cy="0"/>
-          <a:chOff x="0" y="0"/>
-          <a:chExt cx="0" cy="0"/>
-        </a:xfrm>
-      </p:grpSpPr>
-      <p:sp>
-        <p:nvSpPr>
-          <p:cNvPr id="188418" name="Rectangle 2"/>
-          <p:cNvSpPr>
-            <a:spLocks noGrp="1" noChangeArrowheads="1"/>
-          </p:cNvSpPr>
-          <p:nvPr>
-            <p:ph type="title"/>
-          </p:nvPr>
-        </p:nvSpPr>
-        <p:spPr/>
-        <p:txBody>
-          <a:bodyPr/>
-          <a:lstStyle/>
-          <a:p>
-            <a:r>
-              <a:rPr lang="en-US" altLang="zh-TW" smtClean="0"/>
-              <a:t>How to declare arrays</a:t>
-            </a:r>
-          </a:p>
-        </p:txBody>
-      </p:sp>
-      <p:sp>
-        <p:nvSpPr>
-          <p:cNvPr id="26627" name="Rectangle 3"/>
-          <p:cNvSpPr>
-            <a:spLocks noGrp="1" noChangeArrowheads="1"/>
-          </p:cNvSpPr>
-          <p:nvPr>
-            <p:ph idx="1"/>
-          </p:nvPr>
-        </p:nvSpPr>
-        <p:spPr/>
-        <p:txBody>
-          <a:bodyPr/>
-          <a:lstStyle/>
-          <a:p>
-            <a:r>
-              <a:rPr lang="zh-TW" altLang="en-US" dirty="0" smtClean="0"/>
-              <a:t>$</a:t>
-            </a:r>
-            <a:r>
-              <a:rPr lang="en-US" altLang="zh-TW" dirty="0" smtClean="0"/>
-              <a:t>array[0]=</a:t>
-            </a:r>
-            <a:r>
-              <a:rPr lang="mr-IN" altLang="zh-TW" dirty="0" smtClean="0"/>
-              <a:t>"</a:t>
-            </a:r>
-            <a:r>
-              <a:rPr lang="en-US" altLang="zh-TW" dirty="0" smtClean="0"/>
-              <a:t>first thing</a:t>
-            </a:r>
-            <a:r>
-              <a:rPr lang="mr-IN" altLang="zh-TW" dirty="0" smtClean="0"/>
-              <a:t>"</a:t>
-            </a:r>
-            <a:r>
-              <a:rPr lang="en-US" altLang="zh-TW" dirty="0" smtClean="0"/>
-              <a:t>;</a:t>
-            </a:r>
-          </a:p>
-          <a:p>
-            <a:r>
-              <a:rPr lang="en-US" altLang="zh-TW" dirty="0" smtClean="0"/>
-              <a:t>$array[1]=</a:t>
-            </a:r>
-            <a:r>
-              <a:rPr lang="mr-IN" altLang="zh-TW" dirty="0" smtClean="0"/>
-              <a:t>"</a:t>
-            </a:r>
-            <a:r>
-              <a:rPr lang="en-US" altLang="zh-TW" dirty="0" smtClean="0"/>
-              <a:t>second thing</a:t>
-            </a:r>
-            <a:r>
-              <a:rPr lang="mr-IN" altLang="zh-TW" dirty="0" smtClean="0"/>
-              <a:t>"</a:t>
-            </a:r>
-            <a:r>
-              <a:rPr lang="en-US" altLang="zh-TW" dirty="0" smtClean="0"/>
-              <a:t>;</a:t>
-            </a:r>
-          </a:p>
-          <a:p>
-            <a:r>
-              <a:rPr lang="en-US" altLang="zh-TW" dirty="0" smtClean="0"/>
-              <a:t>$array['green']=</a:t>
-            </a:r>
-            <a:r>
-              <a:rPr lang="mr-IN" altLang="zh-TW" dirty="0" smtClean="0"/>
-              <a:t>"</a:t>
-            </a:r>
-            <a:r>
-              <a:rPr lang="en-US" altLang="zh-TW" dirty="0" smtClean="0"/>
-              <a:t>john</a:t>
-            </a:r>
-            <a:r>
-              <a:rPr lang="mr-IN" altLang="zh-TW" dirty="0" smtClean="0"/>
-              <a:t>"</a:t>
-            </a:r>
-            <a:r>
-              <a:rPr lang="en-US" altLang="zh-TW" dirty="0" smtClean="0"/>
-              <a:t>;</a:t>
-            </a:r>
-          </a:p>
-          <a:p>
-            <a:r>
-              <a:rPr lang="en-US" altLang="zh-TW" dirty="0" smtClean="0"/>
-              <a:t>Array key is 0, 1 green</a:t>
-            </a:r>
-          </a:p>
-          <a:p>
-            <a:r>
-              <a:rPr lang="en-US" altLang="zh-TW" dirty="0" smtClean="0"/>
-              <a:t>Array value first thing, second thing, john</a:t>
-            </a:r>
-          </a:p>
-        </p:txBody>
-      </p:sp>
-    </p:spTree>
+    <p:extLst>
+      <p:ext uri="{BB962C8B-B14F-4D97-AF65-F5344CB8AC3E}">
+        <p14:creationId xmlns:p14="http://schemas.microsoft.com/office/powerpoint/2010/main" val="1423014584"/>
+      </p:ext>
+    </p:extLst>
   </p:cSld>
   <p:clrMapOvr>
     <a:masterClrMapping/>
@@ -13671,7 +13911,7 @@
     </p:spTree>
     <p:extLst>
       <p:ext uri="{BB962C8B-B14F-4D97-AF65-F5344CB8AC3E}">
-        <p14:creationId xmlns:p14="http://schemas.microsoft.com/office/powerpoint/2010/main" val="4251398066"/>
+        <p14:creationId xmlns:p14="http://schemas.microsoft.com/office/powerpoint/2010/main" val="1957584107"/>
       </p:ext>
     </p:extLst>
   </p:cSld>
@@ -13703,6 +13943,159 @@
       </p:grpSpPr>
       <p:sp>
         <p:nvSpPr>
+          <p:cNvPr id="188418" name="Rectangle 2"/>
+          <p:cNvSpPr>
+            <a:spLocks noGrp="1" noChangeArrowheads="1"/>
+          </p:cNvSpPr>
+          <p:nvPr>
+            <p:ph type="title"/>
+          </p:nvPr>
+        </p:nvSpPr>
+        <p:spPr/>
+        <p:txBody>
+          <a:bodyPr/>
+          <a:lstStyle/>
+          <a:p>
+            <a:r>
+              <a:rPr lang="en-US" altLang="zh-TW" smtClean="0"/>
+              <a:t>How to declare arrays</a:t>
+            </a:r>
+          </a:p>
+        </p:txBody>
+      </p:sp>
+      <p:sp>
+        <p:nvSpPr>
+          <p:cNvPr id="26627" name="Rectangle 3"/>
+          <p:cNvSpPr>
+            <a:spLocks noGrp="1" noChangeArrowheads="1"/>
+          </p:cNvSpPr>
+          <p:nvPr>
+            <p:ph idx="1"/>
+          </p:nvPr>
+        </p:nvSpPr>
+        <p:spPr/>
+        <p:txBody>
+          <a:bodyPr/>
+          <a:lstStyle/>
+          <a:p>
+            <a:r>
+              <a:rPr lang="zh-TW" altLang="en-US" dirty="0" smtClean="0"/>
+              <a:t>$</a:t>
+            </a:r>
+            <a:r>
+              <a:rPr lang="en-US" altLang="zh-TW" dirty="0" smtClean="0"/>
+              <a:t>array[0]=</a:t>
+            </a:r>
+            <a:r>
+              <a:rPr lang="mr-IN" altLang="zh-TW" dirty="0" smtClean="0"/>
+              <a:t>"</a:t>
+            </a:r>
+            <a:r>
+              <a:rPr lang="en-US" altLang="zh-TW" dirty="0" smtClean="0"/>
+              <a:t>first thing</a:t>
+            </a:r>
+            <a:r>
+              <a:rPr lang="mr-IN" altLang="zh-TW" dirty="0" smtClean="0"/>
+              <a:t>"</a:t>
+            </a:r>
+            <a:r>
+              <a:rPr lang="en-US" altLang="zh-TW" dirty="0" smtClean="0"/>
+              <a:t>;</a:t>
+            </a:r>
+          </a:p>
+          <a:p>
+            <a:r>
+              <a:rPr lang="en-US" altLang="zh-TW" dirty="0" smtClean="0"/>
+              <a:t>$array[1]=</a:t>
+            </a:r>
+            <a:r>
+              <a:rPr lang="mr-IN" altLang="zh-TW" dirty="0" smtClean="0"/>
+              <a:t>"</a:t>
+            </a:r>
+            <a:r>
+              <a:rPr lang="en-US" altLang="zh-TW" dirty="0" smtClean="0"/>
+              <a:t>second thing</a:t>
+            </a:r>
+            <a:r>
+              <a:rPr lang="mr-IN" altLang="zh-TW" dirty="0" smtClean="0"/>
+              <a:t>"</a:t>
+            </a:r>
+            <a:r>
+              <a:rPr lang="en-US" altLang="zh-TW" dirty="0" smtClean="0"/>
+              <a:t>;</a:t>
+            </a:r>
+          </a:p>
+          <a:p>
+            <a:r>
+              <a:rPr lang="en-US" altLang="zh-TW" dirty="0" smtClean="0"/>
+              <a:t>$array['green']=</a:t>
+            </a:r>
+            <a:r>
+              <a:rPr lang="mr-IN" altLang="zh-TW" dirty="0" smtClean="0"/>
+              <a:t>"</a:t>
+            </a:r>
+            <a:r>
+              <a:rPr lang="en-US" altLang="zh-TW" dirty="0" smtClean="0"/>
+              <a:t>john</a:t>
+            </a:r>
+            <a:r>
+              <a:rPr lang="mr-IN" altLang="zh-TW" dirty="0" smtClean="0"/>
+              <a:t>"</a:t>
+            </a:r>
+            <a:r>
+              <a:rPr lang="en-US" altLang="zh-TW" dirty="0" smtClean="0"/>
+              <a:t>;</a:t>
+            </a:r>
+          </a:p>
+          <a:p>
+            <a:r>
+              <a:rPr lang="en-US" altLang="zh-TW" dirty="0" smtClean="0"/>
+              <a:t>Array key is 0, 1 green</a:t>
+            </a:r>
+          </a:p>
+          <a:p>
+            <a:r>
+              <a:rPr lang="en-US" altLang="zh-TW" dirty="0" smtClean="0"/>
+              <a:t>Array value first thing, second thing, john</a:t>
+            </a:r>
+          </a:p>
+        </p:txBody>
+      </p:sp>
+    </p:spTree>
+    <p:extLst>
+      <p:ext uri="{BB962C8B-B14F-4D97-AF65-F5344CB8AC3E}">
+        <p14:creationId xmlns:p14="http://schemas.microsoft.com/office/powerpoint/2010/main" val="80736649"/>
+      </p:ext>
+    </p:extLst>
+  </p:cSld>
+  <p:clrMapOvr>
+    <a:masterClrMapping/>
+  </p:clrMapOvr>
+  <p:transition>
+    <p:checker/>
+  </p:transition>
+</p:sld>
+</file>
+
+<file path=ppt/slides/slide21.xml><?xml version="1.0" encoding="utf-8"?>
+<p:sld xmlns:a="http://schemas.openxmlformats.org/drawingml/2006/main" xmlns:r="http://schemas.openxmlformats.org/officeDocument/2006/relationships" xmlns:p="http://schemas.openxmlformats.org/presentationml/2006/main">
+  <p:cSld>
+    <p:spTree>
+      <p:nvGrpSpPr>
+        <p:cNvPr id="1" name=""/>
+        <p:cNvGrpSpPr/>
+        <p:nvPr/>
+      </p:nvGrpSpPr>
+      <p:grpSpPr>
+        <a:xfrm>
+          <a:off x="0" y="0"/>
+          <a:ext cx="0" cy="0"/>
+          <a:chOff x="0" y="0"/>
+          <a:chExt cx="0" cy="0"/>
+        </a:xfrm>
+      </p:grpSpPr>
+      <p:sp>
+        <p:nvSpPr>
           <p:cNvPr id="167938" name="Rectangle 2"/>
           <p:cNvSpPr>
             <a:spLocks noGrp="1" noChangeArrowheads="1"/>
@@ -13739,19 +14132,34 @@
           <a:lstStyle/>
           <a:p>
             <a:r>
-              <a:rPr lang="en-US" altLang="zh-TW" smtClean="0"/>
-              <a:t>Set student info to an array from student.php</a:t>
-            </a:r>
-          </a:p>
-          <a:p>
-            <a:r>
-              <a:rPr lang="en-US" altLang="zh-TW" smtClean="0"/>
-              <a:t>Student.php</a:t>
-            </a:r>
+              <a:rPr lang="en-US" altLang="zh-TW" dirty="0" smtClean="0"/>
+              <a:t>Set student info to an array from </a:t>
+            </a:r>
+            <a:r>
+              <a:rPr lang="en-US" altLang="zh-TW" dirty="0" err="1" smtClean="0"/>
+              <a:t>student.php</a:t>
+            </a:r>
+            <a:endParaRPr lang="en-US" altLang="zh-TW" dirty="0" smtClean="0"/>
+          </a:p>
+          <a:p>
+            <a:r>
+              <a:rPr lang="en-US" altLang="zh-TW" dirty="0" err="1"/>
+              <a:t>s</a:t>
+            </a:r>
+            <a:r>
+              <a:rPr lang="en-US" altLang="zh-TW" dirty="0" err="1" smtClean="0"/>
+              <a:t>tudent.php</a:t>
+            </a:r>
+            <a:endParaRPr lang="en-US" altLang="zh-TW" dirty="0" smtClean="0"/>
           </a:p>
         </p:txBody>
       </p:sp>
     </p:spTree>
+    <p:extLst>
+      <p:ext uri="{BB962C8B-B14F-4D97-AF65-F5344CB8AC3E}">
+        <p14:creationId xmlns:p14="http://schemas.microsoft.com/office/powerpoint/2010/main" val="1878678486"/>
+      </p:ext>
+    </p:extLst>
   </p:cSld>
   <p:clrMapOvr>
     <a:masterClrMapping/>
@@ -13762,7 +14170,771 @@
 </p:sld>
 </file>
 
-<file path=ppt/slides/slide21.xml><?xml version="1.0" encoding="utf-8"?>
+<file path=ppt/slides/slide22.xml><?xml version="1.0" encoding="utf-8"?>
+<p:sld xmlns:a="http://schemas.openxmlformats.org/drawingml/2006/main" xmlns:r="http://schemas.openxmlformats.org/officeDocument/2006/relationships" xmlns:p="http://schemas.openxmlformats.org/presentationml/2006/main">
+  <p:cSld>
+    <p:spTree>
+      <p:nvGrpSpPr>
+        <p:cNvPr id="1" name=""/>
+        <p:cNvGrpSpPr/>
+        <p:nvPr/>
+      </p:nvGrpSpPr>
+      <p:grpSpPr>
+        <a:xfrm>
+          <a:off x="0" y="0"/>
+          <a:ext cx="0" cy="0"/>
+          <a:chOff x="0" y="0"/>
+          <a:chExt cx="0" cy="0"/>
+        </a:xfrm>
+      </p:grpSpPr>
+      <p:sp>
+        <p:nvSpPr>
+          <p:cNvPr id="2" name="Title 1"/>
+          <p:cNvSpPr>
+            <a:spLocks noGrp="1"/>
+          </p:cNvSpPr>
+          <p:nvPr>
+            <p:ph type="title"/>
+          </p:nvPr>
+        </p:nvSpPr>
+        <p:spPr/>
+        <p:txBody>
+          <a:bodyPr/>
+          <a:lstStyle/>
+          <a:p>
+            <a:r>
+              <a:rPr lang="en-US" dirty="0" smtClean="0"/>
+              <a:t>Student data</a:t>
+            </a:r>
+            <a:endParaRPr lang="en-US" dirty="0"/>
+          </a:p>
+        </p:txBody>
+      </p:sp>
+      <p:graphicFrame>
+        <p:nvGraphicFramePr>
+          <p:cNvPr id="4" name="Content Placeholder 3"/>
+          <p:cNvGraphicFramePr>
+            <a:graphicFrameLocks noGrp="1"/>
+          </p:cNvGraphicFramePr>
+          <p:nvPr>
+            <p:ph idx="1"/>
+          </p:nvPr>
+        </p:nvGraphicFramePr>
+        <p:xfrm>
+          <a:off x="982663" y="2667000"/>
+          <a:ext cx="7704138" cy="4093210"/>
+        </p:xfrm>
+        <a:graphic>
+          <a:graphicData uri="http://schemas.openxmlformats.org/drawingml/2006/table">
+            <a:tbl>
+              <a:tblPr firstRow="1" bandRow="1">
+                <a:tableStyleId>{21E4AEA4-8DFA-4A89-87EB-49C32662AFE0}</a:tableStyleId>
+              </a:tblPr>
+              <a:tblGrid>
+                <a:gridCol w="2568046"/>
+                <a:gridCol w="2568046"/>
+                <a:gridCol w="2568046"/>
+              </a:tblGrid>
+              <a:tr h="370840">
+                <a:tc>
+                  <a:txBody>
+                    <a:bodyPr/>
+                    <a:lstStyle/>
+                    <a:p>
+                      <a:pPr algn="l" fontAlgn="b"/>
+                      <a:r>
+                        <a:rPr lang="en-US" sz="2400" u="none" strike="noStrike" dirty="0">
+                          <a:effectLst/>
+                        </a:rPr>
+                        <a:t>student number</a:t>
+                      </a:r>
+                      <a:endParaRPr lang="en-US" sz="2400" b="0" i="0" u="none" strike="noStrike" dirty="0">
+                        <a:effectLst/>
+                        <a:latin typeface="Arial" charset="0"/>
+                      </a:endParaRPr>
+                    </a:p>
+                  </a:txBody>
+                  <a:tcPr marL="6350" marR="6350" marT="6350" marB="0" anchor="b"/>
+                </a:tc>
+                <a:tc>
+                  <a:txBody>
+                    <a:bodyPr/>
+                    <a:lstStyle/>
+                    <a:p>
+                      <a:pPr algn="l" fontAlgn="b"/>
+                      <a:r>
+                        <a:rPr lang="en-US" sz="2400" u="none" strike="noStrike" dirty="0">
+                          <a:effectLst/>
+                        </a:rPr>
+                        <a:t>name</a:t>
+                      </a:r>
+                      <a:endParaRPr lang="en-US" sz="2400" b="0" i="0" u="none" strike="noStrike" dirty="0">
+                        <a:effectLst/>
+                        <a:latin typeface="Arial" charset="0"/>
+                      </a:endParaRPr>
+                    </a:p>
+                  </a:txBody>
+                  <a:tcPr marL="6350" marR="6350" marT="6350" marB="0" anchor="b"/>
+                </a:tc>
+                <a:tc>
+                  <a:txBody>
+                    <a:bodyPr/>
+                    <a:lstStyle/>
+                    <a:p>
+                      <a:pPr algn="l" fontAlgn="b"/>
+                      <a:r>
+                        <a:rPr lang="en-US" sz="2400" u="none" strike="noStrike">
+                          <a:effectLst/>
+                        </a:rPr>
+                        <a:t>marks</a:t>
+                      </a:r>
+                      <a:endParaRPr lang="en-US" sz="2400" b="0" i="0" u="none" strike="noStrike">
+                        <a:effectLst/>
+                        <a:latin typeface="Arial" charset="0"/>
+                      </a:endParaRPr>
+                    </a:p>
+                  </a:txBody>
+                  <a:tcPr marL="6350" marR="6350" marT="6350" marB="0" anchor="b"/>
+                </a:tc>
+              </a:tr>
+              <a:tr h="370840">
+                <a:tc>
+                  <a:txBody>
+                    <a:bodyPr/>
+                    <a:lstStyle/>
+                    <a:p>
+                      <a:pPr algn="l" fontAlgn="b"/>
+                      <a:r>
+                        <a:rPr lang="en-US" sz="2400" u="none" strike="noStrike" dirty="0">
+                          <a:effectLst/>
+                        </a:rPr>
+                        <a:t>1</a:t>
+                      </a:r>
+                      <a:endParaRPr lang="en-US" sz="2400" b="0" i="0" u="none" strike="noStrike" dirty="0">
+                        <a:effectLst/>
+                        <a:latin typeface="Arial" charset="0"/>
+                      </a:endParaRPr>
+                    </a:p>
+                  </a:txBody>
+                  <a:tcPr marL="6350" marR="6350" marT="6350" marB="0" anchor="b"/>
+                </a:tc>
+                <a:tc>
+                  <a:txBody>
+                    <a:bodyPr/>
+                    <a:lstStyle/>
+                    <a:p>
+                      <a:pPr algn="l" fontAlgn="b"/>
+                      <a:r>
+                        <a:rPr lang="en-US" sz="2400" u="none" strike="noStrike" dirty="0" err="1">
+                          <a:effectLst/>
+                        </a:rPr>
+                        <a:t>dave</a:t>
+                      </a:r>
+                      <a:endParaRPr lang="en-US" sz="2400" b="0" i="0" u="none" strike="noStrike" dirty="0">
+                        <a:effectLst/>
+                        <a:latin typeface="Arial" charset="0"/>
+                      </a:endParaRPr>
+                    </a:p>
+                  </a:txBody>
+                  <a:tcPr marL="6350" marR="6350" marT="6350" marB="0" anchor="b"/>
+                </a:tc>
+                <a:tc>
+                  <a:txBody>
+                    <a:bodyPr/>
+                    <a:lstStyle/>
+                    <a:p>
+                      <a:pPr algn="l" fontAlgn="b"/>
+                      <a:r>
+                        <a:rPr lang="en-US" sz="2400" u="none" strike="noStrike" dirty="0">
+                          <a:effectLst/>
+                        </a:rPr>
+                        <a:t>90</a:t>
+                      </a:r>
+                      <a:endParaRPr lang="en-US" sz="2400" b="0" i="0" u="none" strike="noStrike" dirty="0">
+                        <a:effectLst/>
+                        <a:latin typeface="Arial" charset="0"/>
+                      </a:endParaRPr>
+                    </a:p>
+                  </a:txBody>
+                  <a:tcPr marL="6350" marR="6350" marT="6350" marB="0" anchor="b"/>
+                </a:tc>
+              </a:tr>
+              <a:tr h="370840">
+                <a:tc>
+                  <a:txBody>
+                    <a:bodyPr/>
+                    <a:lstStyle/>
+                    <a:p>
+                      <a:pPr algn="l" fontAlgn="b"/>
+                      <a:r>
+                        <a:rPr lang="is-IS" sz="2400" u="none" strike="noStrike" dirty="0">
+                          <a:effectLst/>
+                        </a:rPr>
+                        <a:t>2</a:t>
+                      </a:r>
+                      <a:endParaRPr lang="is-IS" sz="2400" b="0" i="0" u="none" strike="noStrike" dirty="0">
+                        <a:effectLst/>
+                        <a:latin typeface="Arial" charset="0"/>
+                      </a:endParaRPr>
+                    </a:p>
+                  </a:txBody>
+                  <a:tcPr marL="6350" marR="6350" marT="6350" marB="0" anchor="b"/>
+                </a:tc>
+                <a:tc>
+                  <a:txBody>
+                    <a:bodyPr/>
+                    <a:lstStyle/>
+                    <a:p>
+                      <a:pPr algn="l" fontAlgn="b"/>
+                      <a:r>
+                        <a:rPr lang="en-US" sz="2400" u="none" strike="noStrike">
+                          <a:effectLst/>
+                        </a:rPr>
+                        <a:t>john</a:t>
+                      </a:r>
+                      <a:endParaRPr lang="en-US" sz="2400" b="0" i="0" u="none" strike="noStrike">
+                        <a:effectLst/>
+                        <a:latin typeface="Arial" charset="0"/>
+                      </a:endParaRPr>
+                    </a:p>
+                  </a:txBody>
+                  <a:tcPr marL="6350" marR="6350" marT="6350" marB="0" anchor="b"/>
+                </a:tc>
+                <a:tc>
+                  <a:txBody>
+                    <a:bodyPr/>
+                    <a:lstStyle/>
+                    <a:p>
+                      <a:pPr algn="l" fontAlgn="b"/>
+                      <a:r>
+                        <a:rPr lang="en-US" sz="2400" u="none" strike="noStrike" dirty="0">
+                          <a:effectLst/>
+                        </a:rPr>
+                        <a:t>50</a:t>
+                      </a:r>
+                      <a:endParaRPr lang="en-US" sz="2400" b="0" i="0" u="none" strike="noStrike" dirty="0">
+                        <a:effectLst/>
+                        <a:latin typeface="Arial" charset="0"/>
+                      </a:endParaRPr>
+                    </a:p>
+                  </a:txBody>
+                  <a:tcPr marL="6350" marR="6350" marT="6350" marB="0" anchor="b"/>
+                </a:tc>
+              </a:tr>
+              <a:tr h="370840">
+                <a:tc>
+                  <a:txBody>
+                    <a:bodyPr/>
+                    <a:lstStyle/>
+                    <a:p>
+                      <a:pPr algn="l" fontAlgn="b"/>
+                      <a:r>
+                        <a:rPr lang="en-US" sz="2400" u="none" strike="noStrike" dirty="0">
+                          <a:effectLst/>
+                        </a:rPr>
+                        <a:t>3</a:t>
+                      </a:r>
+                      <a:endParaRPr lang="en-US" sz="2400" b="0" i="0" u="none" strike="noStrike" dirty="0">
+                        <a:effectLst/>
+                        <a:latin typeface="Arial" charset="0"/>
+                      </a:endParaRPr>
+                    </a:p>
+                  </a:txBody>
+                  <a:tcPr marL="6350" marR="6350" marT="6350" marB="0" anchor="b"/>
+                </a:tc>
+                <a:tc>
+                  <a:txBody>
+                    <a:bodyPr/>
+                    <a:lstStyle/>
+                    <a:p>
+                      <a:pPr algn="l" fontAlgn="b"/>
+                      <a:r>
+                        <a:rPr lang="en-US" sz="2400" u="none" strike="noStrike">
+                          <a:effectLst/>
+                        </a:rPr>
+                        <a:t>mary</a:t>
+                      </a:r>
+                      <a:endParaRPr lang="en-US" sz="2400" b="0" i="0" u="none" strike="noStrike">
+                        <a:effectLst/>
+                        <a:latin typeface="Arial" charset="0"/>
+                      </a:endParaRPr>
+                    </a:p>
+                  </a:txBody>
+                  <a:tcPr marL="6350" marR="6350" marT="6350" marB="0" anchor="b"/>
+                </a:tc>
+                <a:tc>
+                  <a:txBody>
+                    <a:bodyPr/>
+                    <a:lstStyle/>
+                    <a:p>
+                      <a:pPr algn="l" fontAlgn="b"/>
+                      <a:r>
+                        <a:rPr lang="is-IS" sz="2400" u="none" strike="noStrike" dirty="0">
+                          <a:effectLst/>
+                        </a:rPr>
+                        <a:t>66</a:t>
+                      </a:r>
+                      <a:endParaRPr lang="is-IS" sz="2400" b="0" i="0" u="none" strike="noStrike" dirty="0">
+                        <a:effectLst/>
+                        <a:latin typeface="Arial" charset="0"/>
+                      </a:endParaRPr>
+                    </a:p>
+                  </a:txBody>
+                  <a:tcPr marL="6350" marR="6350" marT="6350" marB="0" anchor="b"/>
+                </a:tc>
+              </a:tr>
+              <a:tr h="370840">
+                <a:tc>
+                  <a:txBody>
+                    <a:bodyPr/>
+                    <a:lstStyle/>
+                    <a:p>
+                      <a:pPr algn="l" fontAlgn="b"/>
+                      <a:r>
+                        <a:rPr lang="en-US" sz="2400" u="none" strike="noStrike">
+                          <a:effectLst/>
+                        </a:rPr>
+                        <a:t>4</a:t>
+                      </a:r>
+                      <a:endParaRPr lang="en-US" sz="2400" b="0" i="0" u="none" strike="noStrike">
+                        <a:effectLst/>
+                        <a:latin typeface="Arial" charset="0"/>
+                      </a:endParaRPr>
+                    </a:p>
+                  </a:txBody>
+                  <a:tcPr marL="6350" marR="6350" marT="6350" marB="0" anchor="b"/>
+                </a:tc>
+                <a:tc>
+                  <a:txBody>
+                    <a:bodyPr/>
+                    <a:lstStyle/>
+                    <a:p>
+                      <a:pPr algn="l" fontAlgn="b"/>
+                      <a:r>
+                        <a:rPr lang="en-US" sz="2400" u="none" strike="noStrike">
+                          <a:effectLst/>
+                        </a:rPr>
+                        <a:t>sue</a:t>
+                      </a:r>
+                      <a:endParaRPr lang="en-US" sz="2400" b="0" i="0" u="none" strike="noStrike">
+                        <a:effectLst/>
+                        <a:latin typeface="Arial" charset="0"/>
+                      </a:endParaRPr>
+                    </a:p>
+                  </a:txBody>
+                  <a:tcPr marL="6350" marR="6350" marT="6350" marB="0" anchor="b"/>
+                </a:tc>
+                <a:tc>
+                  <a:txBody>
+                    <a:bodyPr/>
+                    <a:lstStyle/>
+                    <a:p>
+                      <a:pPr algn="l" fontAlgn="b"/>
+                      <a:r>
+                        <a:rPr lang="is-IS" sz="2400" u="none" strike="noStrike" dirty="0">
+                          <a:effectLst/>
+                        </a:rPr>
+                        <a:t>72</a:t>
+                      </a:r>
+                      <a:endParaRPr lang="is-IS" sz="2400" b="0" i="0" u="none" strike="noStrike" dirty="0">
+                        <a:effectLst/>
+                        <a:latin typeface="Arial" charset="0"/>
+                      </a:endParaRPr>
+                    </a:p>
+                  </a:txBody>
+                  <a:tcPr marL="6350" marR="6350" marT="6350" marB="0" anchor="b"/>
+                </a:tc>
+              </a:tr>
+              <a:tr h="370840">
+                <a:tc>
+                  <a:txBody>
+                    <a:bodyPr/>
+                    <a:lstStyle/>
+                    <a:p>
+                      <a:pPr algn="l" fontAlgn="b"/>
+                      <a:r>
+                        <a:rPr lang="en-US" sz="2400" u="none" strike="noStrike" dirty="0">
+                          <a:effectLst/>
+                        </a:rPr>
+                        <a:t>5</a:t>
+                      </a:r>
+                      <a:endParaRPr lang="en-US" sz="2400" b="0" i="0" u="none" strike="noStrike" dirty="0">
+                        <a:effectLst/>
+                        <a:latin typeface="Arial" charset="0"/>
+                      </a:endParaRPr>
+                    </a:p>
+                  </a:txBody>
+                  <a:tcPr marL="6350" marR="6350" marT="6350" marB="0" anchor="b"/>
+                </a:tc>
+                <a:tc>
+                  <a:txBody>
+                    <a:bodyPr/>
+                    <a:lstStyle/>
+                    <a:p>
+                      <a:pPr algn="l" fontAlgn="b"/>
+                      <a:r>
+                        <a:rPr lang="en-US" sz="2400" u="none" strike="noStrike">
+                          <a:effectLst/>
+                        </a:rPr>
+                        <a:t>ada</a:t>
+                      </a:r>
+                      <a:endParaRPr lang="en-US" sz="2400" b="0" i="0" u="none" strike="noStrike">
+                        <a:effectLst/>
+                        <a:latin typeface="Arial" charset="0"/>
+                      </a:endParaRPr>
+                    </a:p>
+                  </a:txBody>
+                  <a:tcPr marL="6350" marR="6350" marT="6350" marB="0" anchor="b"/>
+                </a:tc>
+                <a:tc>
+                  <a:txBody>
+                    <a:bodyPr/>
+                    <a:lstStyle/>
+                    <a:p>
+                      <a:pPr algn="l" fontAlgn="b"/>
+                      <a:r>
+                        <a:rPr lang="en-US" sz="2400" u="none" strike="noStrike">
+                          <a:effectLst/>
+                        </a:rPr>
+                        <a:t>55</a:t>
+                      </a:r>
+                      <a:endParaRPr lang="en-US" sz="2400" b="0" i="0" u="none" strike="noStrike">
+                        <a:effectLst/>
+                        <a:latin typeface="Arial" charset="0"/>
+                      </a:endParaRPr>
+                    </a:p>
+                  </a:txBody>
+                  <a:tcPr marL="6350" marR="6350" marT="6350" marB="0" anchor="b"/>
+                </a:tc>
+              </a:tr>
+              <a:tr h="370840">
+                <a:tc>
+                  <a:txBody>
+                    <a:bodyPr/>
+                    <a:lstStyle/>
+                    <a:p>
+                      <a:pPr algn="l" fontAlgn="b"/>
+                      <a:r>
+                        <a:rPr lang="en-US" sz="2400" u="none" strike="noStrike" dirty="0">
+                          <a:effectLst/>
+                        </a:rPr>
+                        <a:t>6</a:t>
+                      </a:r>
+                      <a:endParaRPr lang="en-US" sz="2400" b="0" i="0" u="none" strike="noStrike" dirty="0">
+                        <a:effectLst/>
+                        <a:latin typeface="Arial" charset="0"/>
+                      </a:endParaRPr>
+                    </a:p>
+                  </a:txBody>
+                  <a:tcPr marL="6350" marR="6350" marT="6350" marB="0" anchor="b"/>
+                </a:tc>
+                <a:tc>
+                  <a:txBody>
+                    <a:bodyPr/>
+                    <a:lstStyle/>
+                    <a:p>
+                      <a:pPr algn="l" fontAlgn="b"/>
+                      <a:r>
+                        <a:rPr lang="en-US" sz="2400" u="none" strike="noStrike">
+                          <a:effectLst/>
+                        </a:rPr>
+                        <a:t>jack</a:t>
+                      </a:r>
+                      <a:endParaRPr lang="en-US" sz="2400" b="0" i="0" u="none" strike="noStrike">
+                        <a:effectLst/>
+                        <a:latin typeface="Arial" charset="0"/>
+                      </a:endParaRPr>
+                    </a:p>
+                  </a:txBody>
+                  <a:tcPr marL="6350" marR="6350" marT="6350" marB="0" anchor="b"/>
+                </a:tc>
+                <a:tc>
+                  <a:txBody>
+                    <a:bodyPr/>
+                    <a:lstStyle/>
+                    <a:p>
+                      <a:pPr algn="l" fontAlgn="b"/>
+                      <a:r>
+                        <a:rPr lang="cs-CZ" sz="2400" u="none" strike="noStrike" dirty="0">
+                          <a:effectLst/>
+                        </a:rPr>
+                        <a:t>97</a:t>
+                      </a:r>
+                      <a:endParaRPr lang="cs-CZ" sz="2400" b="0" i="0" u="none" strike="noStrike" dirty="0">
+                        <a:effectLst/>
+                        <a:latin typeface="Arial" charset="0"/>
+                      </a:endParaRPr>
+                    </a:p>
+                  </a:txBody>
+                  <a:tcPr marL="6350" marR="6350" marT="6350" marB="0" anchor="b"/>
+                </a:tc>
+              </a:tr>
+              <a:tr h="370840">
+                <a:tc>
+                  <a:txBody>
+                    <a:bodyPr/>
+                    <a:lstStyle/>
+                    <a:p>
+                      <a:pPr algn="l" fontAlgn="b"/>
+                      <a:r>
+                        <a:rPr lang="en-US" sz="2400" u="none" strike="noStrike" dirty="0">
+                          <a:effectLst/>
+                        </a:rPr>
+                        <a:t>7</a:t>
+                      </a:r>
+                      <a:endParaRPr lang="en-US" sz="2400" b="0" i="0" u="none" strike="noStrike" dirty="0">
+                        <a:effectLst/>
+                        <a:latin typeface="Arial" charset="0"/>
+                      </a:endParaRPr>
+                    </a:p>
+                  </a:txBody>
+                  <a:tcPr marL="6350" marR="6350" marT="6350" marB="0" anchor="b"/>
+                </a:tc>
+                <a:tc>
+                  <a:txBody>
+                    <a:bodyPr/>
+                    <a:lstStyle/>
+                    <a:p>
+                      <a:pPr algn="l" fontAlgn="b"/>
+                      <a:r>
+                        <a:rPr lang="en-US" sz="2400" u="none" strike="noStrike">
+                          <a:effectLst/>
+                        </a:rPr>
+                        <a:t>jay</a:t>
+                      </a:r>
+                      <a:endParaRPr lang="en-US" sz="2400" b="0" i="0" u="none" strike="noStrike">
+                        <a:effectLst/>
+                        <a:latin typeface="Arial" charset="0"/>
+                      </a:endParaRPr>
+                    </a:p>
+                  </a:txBody>
+                  <a:tcPr marL="6350" marR="6350" marT="6350" marB="0" anchor="b"/>
+                </a:tc>
+                <a:tc>
+                  <a:txBody>
+                    <a:bodyPr/>
+                    <a:lstStyle/>
+                    <a:p>
+                      <a:pPr algn="l" fontAlgn="b"/>
+                      <a:r>
+                        <a:rPr lang="is-IS" sz="2400" u="none" strike="noStrike">
+                          <a:effectLst/>
+                        </a:rPr>
+                        <a:t>82</a:t>
+                      </a:r>
+                      <a:endParaRPr lang="is-IS" sz="2400" b="0" i="0" u="none" strike="noStrike">
+                        <a:effectLst/>
+                        <a:latin typeface="Arial" charset="0"/>
+                      </a:endParaRPr>
+                    </a:p>
+                  </a:txBody>
+                  <a:tcPr marL="6350" marR="6350" marT="6350" marB="0" anchor="b"/>
+                </a:tc>
+              </a:tr>
+              <a:tr h="370840">
+                <a:tc>
+                  <a:txBody>
+                    <a:bodyPr/>
+                    <a:lstStyle/>
+                    <a:p>
+                      <a:pPr algn="l" fontAlgn="b"/>
+                      <a:r>
+                        <a:rPr lang="en-US" sz="2400" u="none" strike="noStrike" dirty="0">
+                          <a:effectLst/>
+                        </a:rPr>
+                        <a:t>8</a:t>
+                      </a:r>
+                      <a:endParaRPr lang="en-US" sz="2400" b="0" i="0" u="none" strike="noStrike" dirty="0">
+                        <a:effectLst/>
+                        <a:latin typeface="Arial" charset="0"/>
+                      </a:endParaRPr>
+                    </a:p>
+                  </a:txBody>
+                  <a:tcPr marL="6350" marR="6350" marT="6350" marB="0" anchor="b"/>
+                </a:tc>
+                <a:tc>
+                  <a:txBody>
+                    <a:bodyPr/>
+                    <a:lstStyle/>
+                    <a:p>
+                      <a:pPr algn="l" fontAlgn="b"/>
+                      <a:r>
+                        <a:rPr lang="en-US" sz="2400" u="none" strike="noStrike">
+                          <a:effectLst/>
+                        </a:rPr>
+                        <a:t>leo</a:t>
+                      </a:r>
+                      <a:endParaRPr lang="en-US" sz="2400" b="0" i="0" u="none" strike="noStrike">
+                        <a:effectLst/>
+                        <a:latin typeface="Arial" charset="0"/>
+                      </a:endParaRPr>
+                    </a:p>
+                  </a:txBody>
+                  <a:tcPr marL="6350" marR="6350" marT="6350" marB="0" anchor="b"/>
+                </a:tc>
+                <a:tc>
+                  <a:txBody>
+                    <a:bodyPr/>
+                    <a:lstStyle/>
+                    <a:p>
+                      <a:pPr algn="l" fontAlgn="b"/>
+                      <a:r>
+                        <a:rPr lang="en-US" sz="2400" u="none" strike="noStrike" dirty="0">
+                          <a:effectLst/>
+                        </a:rPr>
+                        <a:t>88</a:t>
+                      </a:r>
+                      <a:endParaRPr lang="en-US" sz="2400" b="0" i="0" u="none" strike="noStrike" dirty="0">
+                        <a:effectLst/>
+                        <a:latin typeface="Arial" charset="0"/>
+                      </a:endParaRPr>
+                    </a:p>
+                  </a:txBody>
+                  <a:tcPr marL="6350" marR="6350" marT="6350" marB="0" anchor="b"/>
+                </a:tc>
+              </a:tr>
+              <a:tr h="370840">
+                <a:tc>
+                  <a:txBody>
+                    <a:bodyPr/>
+                    <a:lstStyle/>
+                    <a:p>
+                      <a:pPr algn="l" fontAlgn="b"/>
+                      <a:r>
+                        <a:rPr lang="en-US" sz="2400" u="none" strike="noStrike" dirty="0">
+                          <a:effectLst/>
+                        </a:rPr>
+                        <a:t>9</a:t>
+                      </a:r>
+                      <a:endParaRPr lang="en-US" sz="2400" b="0" i="0" u="none" strike="noStrike" dirty="0">
+                        <a:effectLst/>
+                        <a:latin typeface="Arial" charset="0"/>
+                      </a:endParaRPr>
+                    </a:p>
+                  </a:txBody>
+                  <a:tcPr marL="6350" marR="6350" marT="6350" marB="0" anchor="b"/>
+                </a:tc>
+                <a:tc>
+                  <a:txBody>
+                    <a:bodyPr/>
+                    <a:lstStyle/>
+                    <a:p>
+                      <a:pPr algn="l" fontAlgn="b"/>
+                      <a:r>
+                        <a:rPr lang="en-US" sz="2400" u="none" strike="noStrike">
+                          <a:effectLst/>
+                        </a:rPr>
+                        <a:t>ben</a:t>
+                      </a:r>
+                      <a:endParaRPr lang="en-US" sz="2400" b="0" i="0" u="none" strike="noStrike">
+                        <a:effectLst/>
+                        <a:latin typeface="Arial" charset="0"/>
+                      </a:endParaRPr>
+                    </a:p>
+                  </a:txBody>
+                  <a:tcPr marL="6350" marR="6350" marT="6350" marB="0" anchor="b"/>
+                </a:tc>
+                <a:tc>
+                  <a:txBody>
+                    <a:bodyPr/>
+                    <a:lstStyle/>
+                    <a:p>
+                      <a:pPr algn="l" fontAlgn="b"/>
+                      <a:r>
+                        <a:rPr lang="is-IS" sz="2400" u="none" strike="noStrike" dirty="0">
+                          <a:effectLst/>
+                        </a:rPr>
+                        <a:t>62</a:t>
+                      </a:r>
+                      <a:endParaRPr lang="is-IS" sz="2400" b="0" i="0" u="none" strike="noStrike" dirty="0">
+                        <a:effectLst/>
+                        <a:latin typeface="Arial" charset="0"/>
+                      </a:endParaRPr>
+                    </a:p>
+                  </a:txBody>
+                  <a:tcPr marL="6350" marR="6350" marT="6350" marB="0" anchor="b"/>
+                </a:tc>
+              </a:tr>
+              <a:tr h="370840">
+                <a:tc>
+                  <a:txBody>
+                    <a:bodyPr/>
+                    <a:lstStyle/>
+                    <a:p>
+                      <a:pPr algn="l" fontAlgn="b"/>
+                      <a:r>
+                        <a:rPr lang="en-US" sz="2400" u="none" strike="noStrike" dirty="0">
+                          <a:effectLst/>
+                        </a:rPr>
+                        <a:t>10</a:t>
+                      </a:r>
+                      <a:endParaRPr lang="en-US" sz="2400" b="0" i="0" u="none" strike="noStrike" dirty="0">
+                        <a:effectLst/>
+                        <a:latin typeface="Arial" charset="0"/>
+                      </a:endParaRPr>
+                    </a:p>
+                  </a:txBody>
+                  <a:tcPr marL="6350" marR="6350" marT="6350" marB="0" anchor="b"/>
+                </a:tc>
+                <a:tc>
+                  <a:txBody>
+                    <a:bodyPr/>
+                    <a:lstStyle/>
+                    <a:p>
+                      <a:pPr algn="l" fontAlgn="b"/>
+                      <a:r>
+                        <a:rPr lang="en-US" sz="2400" u="none" strike="noStrike">
+                          <a:effectLst/>
+                        </a:rPr>
+                        <a:t>cindy</a:t>
+                      </a:r>
+                      <a:endParaRPr lang="en-US" sz="2400" b="0" i="0" u="none" strike="noStrike">
+                        <a:effectLst/>
+                        <a:latin typeface="Arial" charset="0"/>
+                      </a:endParaRPr>
+                    </a:p>
+                  </a:txBody>
+                  <a:tcPr marL="6350" marR="6350" marT="6350" marB="0" anchor="b"/>
+                </a:tc>
+                <a:tc>
+                  <a:txBody>
+                    <a:bodyPr/>
+                    <a:lstStyle/>
+                    <a:p>
+                      <a:pPr algn="l" fontAlgn="b"/>
+                      <a:r>
+                        <a:rPr lang="is-IS" sz="2400" u="none" strike="noStrike" dirty="0">
+                          <a:effectLst/>
+                        </a:rPr>
+                        <a:t>100</a:t>
+                      </a:r>
+                      <a:endParaRPr lang="is-IS" sz="2400" b="0" i="0" u="none" strike="noStrike" dirty="0">
+                        <a:effectLst/>
+                        <a:latin typeface="Arial" charset="0"/>
+                      </a:endParaRPr>
+                    </a:p>
+                  </a:txBody>
+                  <a:tcPr marL="6350" marR="6350" marT="6350" marB="0" anchor="b"/>
+                </a:tc>
+              </a:tr>
+            </a:tbl>
+          </a:graphicData>
+        </a:graphic>
+      </p:graphicFrame>
+    </p:spTree>
+    <p:extLst>
+      <p:ext uri="{BB962C8B-B14F-4D97-AF65-F5344CB8AC3E}">
+        <p14:creationId xmlns:p14="http://schemas.microsoft.com/office/powerpoint/2010/main" val="497252361"/>
+      </p:ext>
+    </p:extLst>
+  </p:cSld>
+  <p:clrMapOvr>
+    <a:masterClrMapping/>
+  </p:clrMapOvr>
+</p:sld>
+</file>
+
+<file path=ppt/slides/slide23.xml><?xml version="1.0" encoding="utf-8"?>
 <p:sld xmlns:a="http://schemas.openxmlformats.org/drawingml/2006/main" xmlns:r="http://schemas.openxmlformats.org/officeDocument/2006/relationships" xmlns:p="http://schemas.openxmlformats.org/presentationml/2006/main">
   <p:cSld>
     <p:spTree>
@@ -13891,6 +15063,11 @@
         </p:txBody>
       </p:sp>
     </p:spTree>
+    <p:extLst>
+      <p:ext uri="{BB962C8B-B14F-4D97-AF65-F5344CB8AC3E}">
+        <p14:creationId xmlns:p14="http://schemas.microsoft.com/office/powerpoint/2010/main" val="1461560850"/>
+      </p:ext>
+    </p:extLst>
   </p:cSld>
   <p:clrMapOvr>
     <a:masterClrMapping/>
@@ -13901,7 +15078,7 @@
 </p:sld>
 </file>
 
-<file path=ppt/slides/slide22.xml><?xml version="1.0" encoding="utf-8"?>
+<file path=ppt/slides/slide24.xml><?xml version="1.0" encoding="utf-8"?>
 <p:sld xmlns:a="http://schemas.openxmlformats.org/drawingml/2006/main" xmlns:r="http://schemas.openxmlformats.org/officeDocument/2006/relationships" xmlns:p="http://schemas.openxmlformats.org/presentationml/2006/main">
   <p:cSld>
     <p:spTree>
@@ -13981,258 +15158,9 @@
         </p:txBody>
       </p:sp>
     </p:spTree>
-  </p:cSld>
-  <p:clrMapOvr>
-    <a:masterClrMapping/>
-  </p:clrMapOvr>
-  <p:transition>
-    <p:checker/>
-  </p:transition>
-</p:sld>
-</file>
-
-<file path=ppt/slides/slide23.xml><?xml version="1.0" encoding="utf-8"?>
-<p:sld xmlns:a="http://schemas.openxmlformats.org/drawingml/2006/main" xmlns:r="http://schemas.openxmlformats.org/officeDocument/2006/relationships" xmlns:p="http://schemas.openxmlformats.org/presentationml/2006/main">
-  <p:cSld>
-    <p:spTree>
-      <p:nvGrpSpPr>
-        <p:cNvPr id="1" name=""/>
-        <p:cNvGrpSpPr/>
-        <p:nvPr/>
-      </p:nvGrpSpPr>
-      <p:grpSpPr>
-        <a:xfrm>
-          <a:off x="0" y="0"/>
-          <a:ext cx="0" cy="0"/>
-          <a:chOff x="0" y="0"/>
-          <a:chExt cx="0" cy="0"/>
-        </a:xfrm>
-      </p:grpSpPr>
-      <p:sp>
-        <p:nvSpPr>
-          <p:cNvPr id="160770" name="Rectangle 2"/>
-          <p:cNvSpPr>
-            <a:spLocks noGrp="1" noChangeArrowheads="1"/>
-          </p:cNvSpPr>
-          <p:nvPr>
-            <p:ph type="title"/>
-          </p:nvPr>
-        </p:nvSpPr>
-        <p:spPr/>
-        <p:txBody>
-          <a:bodyPr/>
-          <a:lstStyle/>
-          <a:p>
-            <a:r>
-              <a:rPr lang="en-US" altLang="zh-TW" smtClean="0"/>
-              <a:t>If statement</a:t>
-            </a:r>
-          </a:p>
-        </p:txBody>
-      </p:sp>
-      <p:sp>
-        <p:nvSpPr>
-          <p:cNvPr id="30723" name="Rectangle 3"/>
-          <p:cNvSpPr>
-            <a:spLocks noGrp="1" noChangeArrowheads="1"/>
-          </p:cNvSpPr>
-          <p:nvPr>
-            <p:ph idx="1"/>
-          </p:nvPr>
-        </p:nvSpPr>
-        <p:spPr/>
-        <p:txBody>
-          <a:bodyPr/>
-          <a:lstStyle/>
-          <a:p>
-            <a:r>
-              <a:rPr lang="en-US" altLang="zh-TW" smtClean="0"/>
-              <a:t>For a special condition, use if for making a decision</a:t>
-            </a:r>
-          </a:p>
-          <a:p>
-            <a:r>
-              <a:rPr lang="en-US" altLang="zh-TW" smtClean="0"/>
-              <a:t>if only</a:t>
-            </a:r>
-          </a:p>
-          <a:p>
-            <a:r>
-              <a:rPr lang="en-US" altLang="zh-TW" smtClean="0"/>
-              <a:t>if {} else {}</a:t>
-            </a:r>
-          </a:p>
-          <a:p>
-            <a:r>
-              <a:rPr lang="en-US" altLang="zh-TW" smtClean="0"/>
-              <a:t>if {} elseif {} else {}</a:t>
-            </a:r>
-            <a:endParaRPr lang="en-US" altLang="zh-TW" dirty="0" smtClean="0"/>
-          </a:p>
-        </p:txBody>
-      </p:sp>
-    </p:spTree>
-  </p:cSld>
-  <p:clrMapOvr>
-    <a:masterClrMapping/>
-  </p:clrMapOvr>
-  <p:transition>
-    <p:checker/>
-  </p:transition>
-</p:sld>
-</file>
-
-<file path=ppt/slides/slide24.xml><?xml version="1.0" encoding="utf-8"?>
-<p:sld xmlns:a="http://schemas.openxmlformats.org/drawingml/2006/main" xmlns:r="http://schemas.openxmlformats.org/officeDocument/2006/relationships" xmlns:p="http://schemas.openxmlformats.org/presentationml/2006/main">
-  <p:cSld>
-    <p:spTree>
-      <p:nvGrpSpPr>
-        <p:cNvPr id="1" name=""/>
-        <p:cNvGrpSpPr/>
-        <p:nvPr/>
-      </p:nvGrpSpPr>
-      <p:grpSpPr>
-        <a:xfrm>
-          <a:off x="0" y="0"/>
-          <a:ext cx="0" cy="0"/>
-          <a:chOff x="0" y="0"/>
-          <a:chExt cx="0" cy="0"/>
-        </a:xfrm>
-      </p:grpSpPr>
-      <p:sp>
-        <p:nvSpPr>
-          <p:cNvPr id="160770" name="Rectangle 2"/>
-          <p:cNvSpPr>
-            <a:spLocks noGrp="1" noChangeArrowheads="1"/>
-          </p:cNvSpPr>
-          <p:nvPr>
-            <p:ph type="title"/>
-          </p:nvPr>
-        </p:nvSpPr>
-        <p:spPr/>
-        <p:txBody>
-          <a:bodyPr/>
-          <a:lstStyle/>
-          <a:p>
-            <a:r>
-              <a:rPr lang="en-US" altLang="zh-TW" smtClean="0"/>
-              <a:t>If statement</a:t>
-            </a:r>
-          </a:p>
-        </p:txBody>
-      </p:sp>
-      <p:sp>
-        <p:nvSpPr>
-          <p:cNvPr id="30723" name="Rectangle 3"/>
-          <p:cNvSpPr>
-            <a:spLocks noGrp="1" noChangeArrowheads="1"/>
-          </p:cNvSpPr>
-          <p:nvPr>
-            <p:ph idx="1"/>
-          </p:nvPr>
-        </p:nvSpPr>
-        <p:spPr/>
-        <p:txBody>
-          <a:bodyPr>
-            <a:normAutofit fontScale="70000" lnSpcReduction="20000"/>
-          </a:bodyPr>
-          <a:lstStyle/>
-          <a:p>
-            <a:r>
-              <a:rPr lang="en-US" altLang="zh-TW" dirty="0" smtClean="0"/>
-              <a:t>if (condition){</a:t>
-            </a:r>
-          </a:p>
-          <a:p>
-            <a:r>
-              <a:rPr lang="en-US" altLang="zh-TW" dirty="0" smtClean="0"/>
-              <a:t>	statement;</a:t>
-            </a:r>
-          </a:p>
-          <a:p>
-            <a:r>
-              <a:rPr lang="en-US" altLang="zh-TW" dirty="0" smtClean="0"/>
-              <a:t>}</a:t>
-            </a:r>
-          </a:p>
-          <a:p>
-            <a:endParaRPr lang="en-US" altLang="zh-TW" dirty="0" smtClean="0"/>
-          </a:p>
-          <a:p>
-            <a:r>
-              <a:rPr lang="en-US" altLang="zh-TW" dirty="0" smtClean="0"/>
-              <a:t>if ($marks==100){</a:t>
-            </a:r>
-          </a:p>
-          <a:p>
-            <a:r>
-              <a:rPr lang="en-US" altLang="zh-TW" dirty="0" smtClean="0"/>
-              <a:t>	echo </a:t>
-            </a:r>
-            <a:r>
-              <a:rPr lang="mr-IN" altLang="zh-TW" dirty="0" smtClean="0"/>
-              <a:t>"</a:t>
-            </a:r>
-            <a:r>
-              <a:rPr lang="en-US" altLang="zh-TW" dirty="0" smtClean="0"/>
-              <a:t>you get full marks</a:t>
-            </a:r>
-            <a:r>
-              <a:rPr lang="mr-IN" altLang="zh-TW" dirty="0" smtClean="0"/>
-              <a:t>"</a:t>
-            </a:r>
-            <a:r>
-              <a:rPr lang="en-US" altLang="zh-TW" dirty="0" smtClean="0"/>
-              <a:t>;</a:t>
-            </a:r>
-          </a:p>
-          <a:p>
-            <a:r>
-              <a:rPr lang="en-US" altLang="zh-TW" dirty="0" smtClean="0"/>
-              <a:t>}</a:t>
-            </a:r>
-          </a:p>
-          <a:p>
-            <a:r>
-              <a:rPr lang="en-US" altLang="zh-TW" dirty="0" smtClean="0"/>
-              <a:t>if ($marks&lt;60){</a:t>
-            </a:r>
-          </a:p>
-          <a:p>
-            <a:r>
-              <a:rPr lang="en-US" altLang="zh-TW" dirty="0" smtClean="0"/>
-              <a:t>	echo </a:t>
-            </a:r>
-            <a:r>
-              <a:rPr lang="mr-IN" altLang="zh-TW" dirty="0" smtClean="0"/>
-              <a:t>"</a:t>
-            </a:r>
-            <a:r>
-              <a:rPr lang="en-US" altLang="zh-TW" dirty="0" smtClean="0"/>
-              <a:t>you are fail</a:t>
-            </a:r>
-            <a:r>
-              <a:rPr lang="mr-IN" altLang="zh-TW" dirty="0" smtClean="0"/>
-              <a:t>"</a:t>
-            </a:r>
-            <a:r>
-              <a:rPr lang="en-US" altLang="zh-TW" dirty="0" smtClean="0"/>
-              <a:t>;</a:t>
-            </a:r>
-          </a:p>
-          <a:p>
-            <a:r>
-              <a:rPr lang="en-US" altLang="zh-TW" dirty="0" smtClean="0"/>
-              <a:t>}</a:t>
-            </a:r>
-            <a:endParaRPr lang="en-US" altLang="zh-TW" dirty="0"/>
-          </a:p>
-        </p:txBody>
-      </p:sp>
-    </p:spTree>
     <p:extLst>
       <p:ext uri="{BB962C8B-B14F-4D97-AF65-F5344CB8AC3E}">
-        <p14:creationId xmlns:p14="http://schemas.microsoft.com/office/powerpoint/2010/main" val="1314402835"/>
+        <p14:creationId xmlns:p14="http://schemas.microsoft.com/office/powerpoint/2010/main" val="1535251564"/>
       </p:ext>
     </p:extLst>
   </p:cSld>
@@ -14296,117 +15224,39 @@
         </p:nvSpPr>
         <p:spPr/>
         <p:txBody>
-          <a:bodyPr>
-            <a:noAutofit/>
-          </a:bodyPr>
+          <a:bodyPr/>
           <a:lstStyle/>
           <a:p>
             <a:r>
-              <a:rPr lang="en-US" altLang="zh-TW" sz="1800" dirty="0" smtClean="0"/>
-              <a:t>if (condition){</a:t>
-            </a:r>
-          </a:p>
-          <a:p>
-            <a:r>
-              <a:rPr lang="en-US" altLang="zh-TW" sz="1800" dirty="0" smtClean="0"/>
-              <a:t>	statment1;</a:t>
-            </a:r>
-          </a:p>
-          <a:p>
-            <a:r>
-              <a:rPr lang="en-US" altLang="zh-TW" sz="1800" dirty="0" smtClean="0"/>
-              <a:t>}else{</a:t>
-            </a:r>
-          </a:p>
-          <a:p>
-            <a:r>
-              <a:rPr lang="en-US" altLang="zh-TW" sz="1800" dirty="0" smtClean="0"/>
-              <a:t>	statment2;</a:t>
-            </a:r>
-          </a:p>
-          <a:p>
-            <a:r>
-              <a:rPr lang="en-US" altLang="zh-TW" sz="1800" dirty="0" smtClean="0"/>
-              <a:t>}</a:t>
-            </a:r>
-          </a:p>
-          <a:p>
-            <a:endParaRPr lang="en-US" altLang="zh-TW" sz="1800" dirty="0" smtClean="0"/>
-          </a:p>
-          <a:p>
-            <a:r>
-              <a:rPr lang="en-US" altLang="zh-TW" sz="1800" dirty="0" smtClean="0"/>
-              <a:t>if ($marks&gt;=60){</a:t>
-            </a:r>
-          </a:p>
-          <a:p>
-            <a:r>
-              <a:rPr lang="en-US" altLang="zh-TW" sz="1800" dirty="0" smtClean="0"/>
-              <a:t>	echo </a:t>
-            </a:r>
-            <a:r>
-              <a:rPr lang="mr-IN" altLang="zh-TW" sz="1800" dirty="0" smtClean="0"/>
-              <a:t>"</a:t>
-            </a:r>
-            <a:r>
-              <a:rPr lang="en-US" altLang="zh-TW" sz="1800" dirty="0" smtClean="0"/>
-              <a:t>you are pass</a:t>
-            </a:r>
-            <a:r>
-              <a:rPr lang="mr-IN" altLang="zh-TW" sz="1800" dirty="0" smtClean="0"/>
-              <a:t>"</a:t>
-            </a:r>
-            <a:r>
-              <a:rPr lang="en-US" altLang="zh-TW" sz="1800" dirty="0" smtClean="0"/>
-              <a:t>;</a:t>
-            </a:r>
-          </a:p>
-          <a:p>
-            <a:r>
-              <a:rPr lang="en-US" altLang="zh-TW" sz="1800" dirty="0" smtClean="0"/>
-              <a:t>} else {</a:t>
-            </a:r>
-          </a:p>
-          <a:p>
-            <a:r>
-              <a:rPr lang="en-US" altLang="zh-TW" sz="1800" dirty="0" smtClean="0"/>
-              <a:t>	echo </a:t>
-            </a:r>
-            <a:r>
-              <a:rPr lang="mr-IN" altLang="zh-TW" sz="1800" dirty="0" smtClean="0"/>
-              <a:t>"</a:t>
-            </a:r>
-            <a:r>
-              <a:rPr lang="en-US" altLang="zh-TW" sz="1800" dirty="0" smtClean="0"/>
-              <a:t>you are fail</a:t>
-            </a:r>
-            <a:r>
-              <a:rPr lang="mr-IN" altLang="zh-TW" sz="1800" dirty="0" smtClean="0"/>
-              <a:t>"</a:t>
-            </a:r>
-            <a:r>
-              <a:rPr lang="en-US" altLang="zh-TW" sz="1800" dirty="0" smtClean="0"/>
-              <a:t>;</a:t>
-            </a:r>
-          </a:p>
-          <a:p>
-            <a:r>
-              <a:rPr lang="en-US" altLang="zh-TW" sz="1800" dirty="0" smtClean="0"/>
-              <a:t>}</a:t>
-            </a:r>
-          </a:p>
-          <a:p>
-            <a:endParaRPr lang="en-US" altLang="zh-TW" sz="1800" dirty="0" smtClean="0"/>
-          </a:p>
-          <a:p>
-            <a:endParaRPr lang="en-US" altLang="zh-TW" sz="1800" dirty="0"/>
+              <a:rPr lang="en-US" altLang="zh-TW" smtClean="0"/>
+              <a:t>For a special condition, use if for making a decision</a:t>
+            </a:r>
+          </a:p>
+          <a:p>
+            <a:r>
+              <a:rPr lang="en-US" altLang="zh-TW" smtClean="0"/>
+              <a:t>if only</a:t>
+            </a:r>
+          </a:p>
+          <a:p>
+            <a:r>
+              <a:rPr lang="en-US" altLang="zh-TW" smtClean="0"/>
+              <a:t>if {} else {}</a:t>
+            </a:r>
+          </a:p>
+          <a:p>
+            <a:r>
+              <a:rPr lang="en-US" altLang="zh-TW" smtClean="0"/>
+              <a:t>if {} elseif {} else {}</a:t>
+            </a:r>
+            <a:endParaRPr lang="en-US" altLang="zh-TW" dirty="0" smtClean="0"/>
           </a:p>
         </p:txBody>
       </p:sp>
     </p:spTree>
     <p:extLst>
       <p:ext uri="{BB962C8B-B14F-4D97-AF65-F5344CB8AC3E}">
-        <p14:creationId xmlns:p14="http://schemas.microsoft.com/office/powerpoint/2010/main" val="35930877"/>
+        <p14:creationId xmlns:p14="http://schemas.microsoft.com/office/powerpoint/2010/main" val="957017443"/>
       </p:ext>
     </p:extLst>
   </p:cSld>
@@ -14471,48 +15321,95 @@
         <p:spPr/>
         <p:txBody>
           <a:bodyPr>
-            <a:normAutofit lnSpcReduction="10000"/>
+            <a:normAutofit fontScale="70000" lnSpcReduction="20000"/>
           </a:bodyPr>
           <a:lstStyle/>
           <a:p>
             <a:r>
-              <a:rPr lang="en-US" altLang="zh-TW" smtClean="0"/>
-              <a:t>if (condition1){</a:t>
-            </a:r>
-          </a:p>
-          <a:p>
-            <a:r>
-              <a:rPr lang="en-US" altLang="zh-TW" smtClean="0"/>
-              <a:t>	statment1;</a:t>
-            </a:r>
-          </a:p>
-          <a:p>
-            <a:r>
-              <a:rPr lang="en-US" altLang="zh-TW" smtClean="0"/>
-              <a:t>}elseif(condition2){</a:t>
-            </a:r>
-          </a:p>
-          <a:p>
-            <a:r>
-              <a:rPr lang="en-US" altLang="zh-TW" smtClean="0"/>
-              <a:t>	statment2;</a:t>
-            </a:r>
-          </a:p>
-          <a:p>
-            <a:r>
-              <a:rPr lang="en-US" altLang="zh-TW" smtClean="0"/>
-              <a:t>}elseif(condition3){</a:t>
-            </a:r>
-          </a:p>
-          <a:p>
-            <a:r>
-              <a:rPr lang="en-US" altLang="zh-TW" smtClean="0"/>
-              <a:t>	statement3;</a:t>
-            </a:r>
-          </a:p>
-          <a:p>
-            <a:r>
-              <a:rPr lang="en-US" altLang="zh-TW" smtClean="0"/>
+              <a:rPr lang="en-US" altLang="zh-TW" dirty="0" smtClean="0"/>
+              <a:t>if (condition){</a:t>
+            </a:r>
+          </a:p>
+          <a:p>
+            <a:r>
+              <a:rPr lang="en-US" altLang="zh-TW" dirty="0" smtClean="0"/>
+              <a:t>	statement;</a:t>
+            </a:r>
+          </a:p>
+          <a:p>
+            <a:r>
+              <a:rPr lang="en-US" altLang="zh-TW" dirty="0" smtClean="0"/>
+              <a:t>}</a:t>
+            </a:r>
+          </a:p>
+          <a:p>
+            <a:endParaRPr lang="en-US" altLang="zh-TW" dirty="0" smtClean="0"/>
+          </a:p>
+          <a:p>
+            <a:r>
+              <a:rPr lang="en-US" altLang="zh-TW" dirty="0" smtClean="0"/>
+              <a:t>if ($marks==100){</a:t>
+            </a:r>
+          </a:p>
+          <a:p>
+            <a:r>
+              <a:rPr lang="en-US" altLang="zh-TW" dirty="0" smtClean="0"/>
+              <a:t>	echo </a:t>
+            </a:r>
+            <a:r>
+              <a:rPr lang="mr-IN" altLang="zh-TW" dirty="0" smtClean="0"/>
+              <a:t>"</a:t>
+            </a:r>
+            <a:r>
+              <a:rPr lang="en-US" altLang="zh-TW" dirty="0" smtClean="0"/>
+              <a:t>you get full marks</a:t>
+            </a:r>
+            <a:r>
+              <a:rPr lang="mr-IN" altLang="zh-TW" dirty="0" smtClean="0"/>
+              <a:t>"</a:t>
+            </a:r>
+            <a:r>
+              <a:rPr lang="en-US" altLang="zh-TW" dirty="0" smtClean="0"/>
+              <a:t>;</a:t>
+            </a:r>
+          </a:p>
+          <a:p>
+            <a:r>
+              <a:rPr lang="en-US" altLang="zh-TW" dirty="0" smtClean="0"/>
+              <a:t>}</a:t>
+            </a:r>
+          </a:p>
+          <a:p>
+            <a:r>
+              <a:rPr lang="en-US" altLang="zh-TW" dirty="0" smtClean="0"/>
+              <a:t>if ($marks&lt;60){</a:t>
+            </a:r>
+          </a:p>
+          <a:p>
+            <a:r>
+              <a:rPr lang="en-US" altLang="zh-TW" dirty="0" smtClean="0"/>
+              <a:t>	echo </a:t>
+            </a:r>
+            <a:r>
+              <a:rPr lang="mr-IN" altLang="zh-TW" dirty="0" smtClean="0"/>
+              <a:t>"</a:t>
+            </a:r>
+            <a:r>
+              <a:rPr lang="en-US" altLang="zh-TW" dirty="0" smtClean="0"/>
+              <a:t>you are fail</a:t>
+            </a:r>
+            <a:r>
+              <a:rPr lang="mr-IN" altLang="zh-TW" dirty="0" smtClean="0"/>
+              <a:t>"</a:t>
+            </a:r>
+            <a:r>
+              <a:rPr lang="en-US" altLang="zh-TW" dirty="0" smtClean="0"/>
+              <a:t>;</a:t>
+            </a:r>
+          </a:p>
+          <a:p>
+            <a:r>
+              <a:rPr lang="en-US" altLang="zh-TW" dirty="0" smtClean="0"/>
               <a:t>}</a:t>
             </a:r>
             <a:endParaRPr lang="en-US" altLang="zh-TW" dirty="0"/>
@@ -14522,7 +15419,7 @@
     </p:spTree>
     <p:extLst>
       <p:ext uri="{BB962C8B-B14F-4D97-AF65-F5344CB8AC3E}">
-        <p14:creationId xmlns:p14="http://schemas.microsoft.com/office/powerpoint/2010/main" val="1422873087"/>
+        <p14:creationId xmlns:p14="http://schemas.microsoft.com/office/powerpoint/2010/main" val="2087132118"/>
       </p:ext>
     </p:extLst>
   </p:cSld>
@@ -14587,70 +15484,116 @@
         <p:spPr/>
         <p:txBody>
           <a:bodyPr>
-            <a:normAutofit fontScale="77500" lnSpcReduction="20000"/>
+            <a:noAutofit/>
           </a:bodyPr>
           <a:lstStyle/>
           <a:p>
             <a:r>
-              <a:rPr lang="en-US" altLang="zh-TW" smtClean="0"/>
-              <a:t>if (condition1){</a:t>
-            </a:r>
-          </a:p>
-          <a:p>
-            <a:r>
-              <a:rPr lang="en-US" altLang="zh-TW" smtClean="0"/>
+              <a:rPr lang="en-US" altLang="zh-TW" sz="1800" dirty="0" smtClean="0"/>
+              <a:t>if (condition){</a:t>
+            </a:r>
+          </a:p>
+          <a:p>
+            <a:r>
+              <a:rPr lang="en-US" altLang="zh-TW" sz="1800" dirty="0" smtClean="0"/>
               <a:t>	statment1;</a:t>
             </a:r>
           </a:p>
           <a:p>
             <a:r>
-              <a:rPr lang="en-US" altLang="zh-TW" smtClean="0"/>
-              <a:t>}elseif(condition2){</a:t>
-            </a:r>
-          </a:p>
-          <a:p>
-            <a:r>
-              <a:rPr lang="en-US" altLang="zh-TW" smtClean="0"/>
+              <a:rPr lang="en-US" altLang="zh-TW" sz="1800" dirty="0" smtClean="0"/>
+              <a:t>}else{</a:t>
+            </a:r>
+          </a:p>
+          <a:p>
+            <a:r>
+              <a:rPr lang="en-US" altLang="zh-TW" sz="1800" dirty="0" smtClean="0"/>
               <a:t>	statment2;</a:t>
             </a:r>
           </a:p>
           <a:p>
             <a:r>
-              <a:rPr lang="en-US" altLang="zh-TW" smtClean="0"/>
-              <a:t>}elseif(condition3){</a:t>
-            </a:r>
-          </a:p>
-          <a:p>
-            <a:r>
-              <a:rPr lang="en-US" altLang="zh-TW" smtClean="0"/>
-              <a:t>	statement3;</a:t>
-            </a:r>
-          </a:p>
-          <a:p>
-            <a:r>
-              <a:rPr lang="en-US" altLang="zh-TW" smtClean="0"/>
-              <a:t>}else{</a:t>
-            </a:r>
-          </a:p>
-          <a:p>
-            <a:r>
-              <a:rPr lang="en-US" altLang="zh-TW" smtClean="0"/>
-              <a:t>	statement4;</a:t>
-            </a:r>
-          </a:p>
-          <a:p>
-            <a:r>
-              <a:rPr lang="en-US" altLang="zh-TW" smtClean="0"/>
+              <a:rPr lang="en-US" altLang="zh-TW" sz="1800" dirty="0" smtClean="0"/>
               <a:t>}</a:t>
             </a:r>
-            <a:endParaRPr lang="en-US" altLang="zh-TW" dirty="0" smtClean="0"/>
+          </a:p>
+          <a:p>
+            <a:endParaRPr lang="en-US" altLang="zh-TW" sz="1800" dirty="0" smtClean="0"/>
+          </a:p>
+          <a:p>
+            <a:r>
+              <a:rPr lang="en-US" altLang="zh-TW" sz="1800" dirty="0" smtClean="0"/>
+              <a:t>if ($marks&gt;=60){</a:t>
+            </a:r>
+          </a:p>
+          <a:p>
+            <a:r>
+              <a:rPr lang="en-US" altLang="zh-TW" sz="1800" dirty="0" smtClean="0"/>
+              <a:t>	echo </a:t>
+            </a:r>
+            <a:r>
+              <a:rPr lang="mr-IN" altLang="zh-TW" sz="1800" dirty="0" smtClean="0"/>
+              <a:t>"</a:t>
+            </a:r>
+            <a:r>
+              <a:rPr lang="en-US" altLang="zh-TW" sz="1800" dirty="0" smtClean="0"/>
+              <a:t>you are pass</a:t>
+            </a:r>
+            <a:r>
+              <a:rPr lang="mr-IN" altLang="zh-TW" sz="1800" dirty="0" smtClean="0"/>
+              <a:t>"</a:t>
+            </a:r>
+            <a:r>
+              <a:rPr lang="en-US" altLang="zh-TW" sz="1800" dirty="0" smtClean="0"/>
+              <a:t>;</a:t>
+            </a:r>
+          </a:p>
+          <a:p>
+            <a:r>
+              <a:rPr lang="en-US" altLang="zh-TW" sz="1800" dirty="0" smtClean="0"/>
+              <a:t>} else {</a:t>
+            </a:r>
+          </a:p>
+          <a:p>
+            <a:r>
+              <a:rPr lang="en-US" altLang="zh-TW" sz="1800" dirty="0" smtClean="0"/>
+              <a:t>	echo </a:t>
+            </a:r>
+            <a:r>
+              <a:rPr lang="mr-IN" altLang="zh-TW" sz="1800" dirty="0" smtClean="0"/>
+              <a:t>"</a:t>
+            </a:r>
+            <a:r>
+              <a:rPr lang="en-US" altLang="zh-TW" sz="1800" dirty="0" smtClean="0"/>
+              <a:t>you are fail</a:t>
+            </a:r>
+            <a:r>
+              <a:rPr lang="mr-IN" altLang="zh-TW" sz="1800" dirty="0" smtClean="0"/>
+              <a:t>"</a:t>
+            </a:r>
+            <a:r>
+              <a:rPr lang="en-US" altLang="zh-TW" sz="1800" dirty="0" smtClean="0"/>
+              <a:t>;</a:t>
+            </a:r>
+          </a:p>
+          <a:p>
+            <a:r>
+              <a:rPr lang="en-US" altLang="zh-TW" sz="1800" dirty="0" smtClean="0"/>
+              <a:t>}</a:t>
+            </a:r>
+          </a:p>
+          <a:p>
+            <a:endParaRPr lang="en-US" altLang="zh-TW" sz="1800" dirty="0" smtClean="0"/>
+          </a:p>
+          <a:p>
+            <a:endParaRPr lang="en-US" altLang="zh-TW" sz="1800" dirty="0"/>
           </a:p>
         </p:txBody>
       </p:sp>
     </p:spTree>
     <p:extLst>
       <p:ext uri="{BB962C8B-B14F-4D97-AF65-F5344CB8AC3E}">
-        <p14:creationId xmlns:p14="http://schemas.microsoft.com/office/powerpoint/2010/main" val="303936503"/>
+        <p14:creationId xmlns:p14="http://schemas.microsoft.com/office/powerpoint/2010/main" val="1431617128"/>
       </p:ext>
     </p:extLst>
   </p:cSld>
@@ -14720,108 +15663,53 @@
           <a:lstStyle/>
           <a:p>
             <a:r>
-              <a:rPr lang="en-US" altLang="zh-TW" dirty="0" smtClean="0"/>
-              <a:t>if ($marks==100){</a:t>
-            </a:r>
-          </a:p>
-          <a:p>
-            <a:r>
-              <a:rPr lang="en-US" altLang="zh-TW" dirty="0" smtClean="0"/>
-              <a:t>	echo </a:t>
-            </a:r>
-            <a:r>
-              <a:rPr lang="mr-IN" altLang="zh-TW" dirty="0" smtClean="0"/>
-              <a:t>"</a:t>
-            </a:r>
-            <a:r>
-              <a:rPr lang="en-US" altLang="zh-TW" dirty="0" smtClean="0"/>
-              <a:t>you get full marks</a:t>
-            </a:r>
-            <a:r>
-              <a:rPr lang="mr-IN" altLang="zh-TW" dirty="0" smtClean="0"/>
-              <a:t>"</a:t>
-            </a:r>
-            <a:r>
-              <a:rPr lang="en-US" altLang="zh-TW" dirty="0" smtClean="0"/>
-              <a:t>;</a:t>
-            </a:r>
-          </a:p>
-          <a:p>
-            <a:r>
-              <a:rPr lang="en-US" altLang="zh-TW" dirty="0" smtClean="0"/>
-              <a:t>} </a:t>
-            </a:r>
-            <a:r>
-              <a:rPr lang="en-US" altLang="zh-TW" dirty="0" err="1" smtClean="0"/>
-              <a:t>elseif</a:t>
-            </a:r>
-            <a:r>
-              <a:rPr lang="en-US" altLang="zh-TW" dirty="0" smtClean="0"/>
-              <a:t> ($marks&gt;=60){</a:t>
-            </a:r>
-          </a:p>
-          <a:p>
-            <a:r>
-              <a:rPr lang="en-US" altLang="zh-TW" dirty="0" smtClean="0"/>
-              <a:t>	echo </a:t>
-            </a:r>
-            <a:r>
-              <a:rPr lang="mr-IN" altLang="zh-TW" dirty="0" smtClean="0"/>
-              <a:t>"</a:t>
-            </a:r>
-            <a:r>
-              <a:rPr lang="en-US" altLang="zh-TW" dirty="0" smtClean="0"/>
-              <a:t>you are pass</a:t>
-            </a:r>
-            <a:r>
-              <a:rPr lang="mr-IN" altLang="zh-TW" dirty="0" smtClean="0"/>
-              <a:t>"</a:t>
-            </a:r>
-            <a:r>
-              <a:rPr lang="en-US" altLang="zh-TW" dirty="0" smtClean="0"/>
-              <a:t>;</a:t>
-            </a:r>
-          </a:p>
-          <a:p>
-            <a:r>
-              <a:rPr lang="en-US" altLang="zh-TW" dirty="0" smtClean="0"/>
-              <a:t>} else {</a:t>
-            </a:r>
-          </a:p>
-          <a:p>
-            <a:r>
-              <a:rPr lang="en-US" altLang="zh-TW" dirty="0" smtClean="0"/>
-              <a:t>	echo </a:t>
-            </a:r>
-            <a:r>
-              <a:rPr lang="mr-IN" altLang="zh-TW" dirty="0" smtClean="0"/>
-              <a:t>"</a:t>
-            </a:r>
-            <a:r>
-              <a:rPr lang="en-US" altLang="zh-TW" dirty="0" smtClean="0"/>
-              <a:t>you are fail</a:t>
-            </a:r>
-            <a:r>
-              <a:rPr lang="mr-IN" altLang="zh-TW" dirty="0" smtClean="0"/>
-              <a:t>"</a:t>
-            </a:r>
-            <a:r>
-              <a:rPr lang="en-US" altLang="zh-TW" dirty="0" smtClean="0"/>
-              <a:t>;</a:t>
-            </a:r>
-          </a:p>
-          <a:p>
-            <a:r>
-              <a:rPr lang="en-US" altLang="zh-TW" dirty="0" smtClean="0"/>
+              <a:rPr lang="en-US" altLang="zh-TW" smtClean="0"/>
+              <a:t>if (condition1){</a:t>
+            </a:r>
+          </a:p>
+          <a:p>
+            <a:r>
+              <a:rPr lang="en-US" altLang="zh-TW" smtClean="0"/>
+              <a:t>	statment1;</a:t>
+            </a:r>
+          </a:p>
+          <a:p>
+            <a:r>
+              <a:rPr lang="en-US" altLang="zh-TW" smtClean="0"/>
+              <a:t>}elseif(condition2){</a:t>
+            </a:r>
+          </a:p>
+          <a:p>
+            <a:r>
+              <a:rPr lang="en-US" altLang="zh-TW" smtClean="0"/>
+              <a:t>	statment2;</a:t>
+            </a:r>
+          </a:p>
+          <a:p>
+            <a:r>
+              <a:rPr lang="en-US" altLang="zh-TW" smtClean="0"/>
+              <a:t>}elseif(condition3){</a:t>
+            </a:r>
+          </a:p>
+          <a:p>
+            <a:r>
+              <a:rPr lang="en-US" altLang="zh-TW" smtClean="0"/>
+              <a:t>	statement3;</a:t>
+            </a:r>
+          </a:p>
+          <a:p>
+            <a:r>
+              <a:rPr lang="en-US" altLang="zh-TW" smtClean="0"/>
               <a:t>}</a:t>
             </a:r>
+            <a:endParaRPr lang="en-US" altLang="zh-TW" dirty="0"/>
           </a:p>
         </p:txBody>
       </p:sp>
     </p:spTree>
     <p:extLst>
       <p:ext uri="{BB962C8B-B14F-4D97-AF65-F5344CB8AC3E}">
-        <p14:creationId xmlns:p14="http://schemas.microsoft.com/office/powerpoint/2010/main" val="1704859916"/>
+        <p14:creationId xmlns:p14="http://schemas.microsoft.com/office/powerpoint/2010/main" val="782289308"/>
       </p:ext>
     </p:extLst>
   </p:cSld>
@@ -14867,8 +15755,8 @@
           <a:lstStyle/>
           <a:p>
             <a:r>
-              <a:rPr lang="en-US" altLang="zh-TW" dirty="0" smtClean="0"/>
-              <a:t>Classwork</a:t>
+              <a:rPr lang="en-US" altLang="zh-TW" smtClean="0"/>
+              <a:t>If statement</a:t>
             </a:r>
           </a:p>
         </p:txBody>
@@ -14886,124 +15774,70 @@
         <p:spPr/>
         <p:txBody>
           <a:bodyPr>
-            <a:normAutofit/>
+            <a:normAutofit fontScale="77500" lnSpcReduction="20000"/>
           </a:bodyPr>
           <a:lstStyle/>
           <a:p>
             <a:r>
-              <a:rPr lang="en-US" altLang="zh-TW" dirty="0" smtClean="0"/>
-              <a:t>100=</a:t>
-            </a:r>
-            <a:r>
-              <a:rPr lang="mr-IN" altLang="zh-TW" dirty="0" smtClean="0"/>
-              <a:t>"</a:t>
-            </a:r>
-            <a:r>
-              <a:rPr lang="en-US" altLang="zh-TW" dirty="0" smtClean="0"/>
-              <a:t>full marks</a:t>
-            </a:r>
-            <a:r>
-              <a:rPr lang="mr-IN" altLang="zh-TW" dirty="0" smtClean="0"/>
-              <a:t>"</a:t>
+              <a:rPr lang="en-US" altLang="zh-TW" smtClean="0"/>
+              <a:t>if (condition1){</a:t>
+            </a:r>
+          </a:p>
+          <a:p>
+            <a:r>
+              <a:rPr lang="en-US" altLang="zh-TW" smtClean="0"/>
+              <a:t>	statment1;</a:t>
+            </a:r>
+          </a:p>
+          <a:p>
+            <a:r>
+              <a:rPr lang="en-US" altLang="zh-TW" smtClean="0"/>
+              <a:t>}elseif(condition2){</a:t>
+            </a:r>
+          </a:p>
+          <a:p>
+            <a:r>
+              <a:rPr lang="en-US" altLang="zh-TW" smtClean="0"/>
+              <a:t>	statment2;</a:t>
+            </a:r>
+          </a:p>
+          <a:p>
+            <a:r>
+              <a:rPr lang="en-US" altLang="zh-TW" smtClean="0"/>
+              <a:t>}elseif(condition3){</a:t>
+            </a:r>
+          </a:p>
+          <a:p>
+            <a:r>
+              <a:rPr lang="en-US" altLang="zh-TW" smtClean="0"/>
+              <a:t>	statement3;</a:t>
+            </a:r>
+          </a:p>
+          <a:p>
+            <a:r>
+              <a:rPr lang="en-US" altLang="zh-TW" smtClean="0"/>
+              <a:t>}else{</a:t>
+            </a:r>
+          </a:p>
+          <a:p>
+            <a:r>
+              <a:rPr lang="en-US" altLang="zh-TW" smtClean="0"/>
+              <a:t>	statement4;</a:t>
+            </a:r>
+          </a:p>
+          <a:p>
+            <a:r>
+              <a:rPr lang="en-US" altLang="zh-TW" smtClean="0"/>
+              <a:t>}</a:t>
             </a:r>
             <a:endParaRPr lang="en-US" altLang="zh-TW" dirty="0" smtClean="0"/>
-          </a:p>
-          <a:p>
-            <a:r>
-              <a:rPr lang="en-US" altLang="zh-TW" dirty="0" smtClean="0"/>
-              <a:t>&gt;90=</a:t>
-            </a:r>
-            <a:r>
-              <a:rPr lang="mr-IN" altLang="zh-TW" dirty="0" smtClean="0"/>
-              <a:t>"</a:t>
-            </a:r>
-            <a:r>
-              <a:rPr lang="en-US" altLang="zh-TW" dirty="0" smtClean="0"/>
-              <a:t>A</a:t>
-            </a:r>
-            <a:r>
-              <a:rPr lang="mr-IN" altLang="zh-TW" dirty="0" smtClean="0"/>
-              <a:t>"</a:t>
-            </a:r>
-            <a:endParaRPr lang="en-US" altLang="zh-TW" dirty="0" smtClean="0"/>
-          </a:p>
-          <a:p>
-            <a:r>
-              <a:rPr lang="en-US" altLang="zh-TW" dirty="0" smtClean="0"/>
-              <a:t>&gt;80=</a:t>
-            </a:r>
-            <a:r>
-              <a:rPr lang="mr-IN" altLang="zh-TW" dirty="0" smtClean="0"/>
-              <a:t>"</a:t>
-            </a:r>
-            <a:r>
-              <a:rPr lang="en-US" altLang="zh-TW" dirty="0" smtClean="0"/>
-              <a:t>B</a:t>
-            </a:r>
-            <a:r>
-              <a:rPr lang="mr-IN" altLang="zh-TW" dirty="0" smtClean="0"/>
-              <a:t>"</a:t>
-            </a:r>
-            <a:endParaRPr lang="en-US" altLang="zh-TW" dirty="0" smtClean="0"/>
-          </a:p>
-          <a:p>
-            <a:r>
-              <a:rPr lang="en-US" altLang="zh-TW" dirty="0" smtClean="0"/>
-              <a:t>&gt;70=</a:t>
-            </a:r>
-            <a:r>
-              <a:rPr lang="mr-IN" altLang="zh-TW" dirty="0" smtClean="0"/>
-              <a:t>"</a:t>
-            </a:r>
-            <a:r>
-              <a:rPr lang="en-US" altLang="zh-TW" dirty="0" smtClean="0"/>
-              <a:t>C</a:t>
-            </a:r>
-            <a:r>
-              <a:rPr lang="mr-IN" altLang="zh-TW" dirty="0" smtClean="0"/>
-              <a:t>"</a:t>
-            </a:r>
-            <a:endParaRPr lang="en-US" altLang="zh-TW" dirty="0" smtClean="0"/>
-          </a:p>
-          <a:p>
-            <a:r>
-              <a:rPr lang="en-US" altLang="zh-TW" dirty="0" smtClean="0"/>
-              <a:t>&gt;=60=</a:t>
-            </a:r>
-            <a:r>
-              <a:rPr lang="mr-IN" altLang="zh-TW" dirty="0" smtClean="0"/>
-              <a:t>"</a:t>
-            </a:r>
-            <a:r>
-              <a:rPr lang="en-US" altLang="zh-TW" dirty="0" smtClean="0"/>
-              <a:t>D</a:t>
-            </a:r>
-            <a:r>
-              <a:rPr lang="mr-IN" altLang="zh-TW" dirty="0" smtClean="0"/>
-              <a:t>"</a:t>
-            </a:r>
-            <a:endParaRPr lang="en-US" altLang="zh-TW" dirty="0" smtClean="0"/>
-          </a:p>
-          <a:p>
-            <a:r>
-              <a:rPr lang="en-US" altLang="zh-TW" dirty="0" smtClean="0"/>
-              <a:t>&lt;60=</a:t>
-            </a:r>
-            <a:r>
-              <a:rPr lang="mr-IN" altLang="zh-TW" dirty="0" smtClean="0"/>
-              <a:t>"</a:t>
-            </a:r>
-            <a:r>
-              <a:rPr lang="en-US" altLang="zh-TW" dirty="0" smtClean="0"/>
-              <a:t>fail</a:t>
-            </a:r>
           </a:p>
         </p:txBody>
       </p:sp>
     </p:spTree>
     <p:extLst>
       <p:ext uri="{BB962C8B-B14F-4D97-AF65-F5344CB8AC3E}">
-        <p14:creationId xmlns:p14="http://schemas.microsoft.com/office/powerpoint/2010/main" val="2359767041"/>
+        <p14:creationId xmlns:p14="http://schemas.microsoft.com/office/powerpoint/2010/main" val="1041512622"/>
       </p:ext>
     </p:extLst>
   </p:cSld>
@@ -15052,7 +15886,6 @@
               <a:rPr lang="en-US" altLang="zh-TW" dirty="0" smtClean="0"/>
               <a:t>Classwork</a:t>
             </a:r>
-            <a:endParaRPr lang="en-US" altLang="zh-TW" dirty="0" smtClean="0"/>
           </a:p>
         </p:txBody>
       </p:sp>
@@ -15075,11 +15908,26 @@
               <a:rPr lang="en-US" altLang="zh-TW" dirty="0" err="1" smtClean="0"/>
               <a:t>greeting.php</a:t>
             </a:r>
-            <a:endParaRPr lang="en-US" altLang="zh-TW" dirty="0" smtClean="0"/>
+            <a:endParaRPr lang="en-US" altLang="zh-TW" dirty="0"/>
+          </a:p>
+          <a:p>
+            <a:r>
+              <a:rPr lang="en-US" altLang="zh-TW" dirty="0" smtClean="0"/>
+              <a:t>Rephrase the </a:t>
+            </a:r>
+            <a:r>
+              <a:rPr lang="en-US" altLang="zh-TW" dirty="0" smtClean="0"/>
+              <a:t>sentence</a:t>
+            </a:r>
           </a:p>
         </p:txBody>
       </p:sp>
     </p:spTree>
+    <p:extLst>
+      <p:ext uri="{BB962C8B-B14F-4D97-AF65-F5344CB8AC3E}">
+        <p14:creationId xmlns:p14="http://schemas.microsoft.com/office/powerpoint/2010/main" val="1157483542"/>
+      </p:ext>
+    </p:extLst>
   </p:cSld>
   <p:clrMapOvr>
     <a:masterClrMapping/>
@@ -15091,6 +15939,359 @@
 </file>
 
 <file path=ppt/slides/slide30.xml><?xml version="1.0" encoding="utf-8"?>
+<p:sld xmlns:a="http://schemas.openxmlformats.org/drawingml/2006/main" xmlns:r="http://schemas.openxmlformats.org/officeDocument/2006/relationships" xmlns:p="http://schemas.openxmlformats.org/presentationml/2006/main">
+  <p:cSld>
+    <p:spTree>
+      <p:nvGrpSpPr>
+        <p:cNvPr id="1" name=""/>
+        <p:cNvGrpSpPr/>
+        <p:nvPr/>
+      </p:nvGrpSpPr>
+      <p:grpSpPr>
+        <a:xfrm>
+          <a:off x="0" y="0"/>
+          <a:ext cx="0" cy="0"/>
+          <a:chOff x="0" y="0"/>
+          <a:chExt cx="0" cy="0"/>
+        </a:xfrm>
+      </p:grpSpPr>
+      <p:sp>
+        <p:nvSpPr>
+          <p:cNvPr id="160770" name="Rectangle 2"/>
+          <p:cNvSpPr>
+            <a:spLocks noGrp="1" noChangeArrowheads="1"/>
+          </p:cNvSpPr>
+          <p:nvPr>
+            <p:ph type="title"/>
+          </p:nvPr>
+        </p:nvSpPr>
+        <p:spPr/>
+        <p:txBody>
+          <a:bodyPr/>
+          <a:lstStyle/>
+          <a:p>
+            <a:r>
+              <a:rPr lang="en-US" altLang="zh-TW" smtClean="0"/>
+              <a:t>If statement</a:t>
+            </a:r>
+          </a:p>
+        </p:txBody>
+      </p:sp>
+      <p:sp>
+        <p:nvSpPr>
+          <p:cNvPr id="30723" name="Rectangle 3"/>
+          <p:cNvSpPr>
+            <a:spLocks noGrp="1" noChangeArrowheads="1"/>
+          </p:cNvSpPr>
+          <p:nvPr>
+            <p:ph idx="1"/>
+          </p:nvPr>
+        </p:nvSpPr>
+        <p:spPr/>
+        <p:txBody>
+          <a:bodyPr>
+            <a:normAutofit lnSpcReduction="10000"/>
+          </a:bodyPr>
+          <a:lstStyle/>
+          <a:p>
+            <a:r>
+              <a:rPr lang="en-US" altLang="zh-TW" dirty="0" smtClean="0"/>
+              <a:t>if ($marks==100){</a:t>
+            </a:r>
+          </a:p>
+          <a:p>
+            <a:r>
+              <a:rPr lang="en-US" altLang="zh-TW" dirty="0" smtClean="0"/>
+              <a:t>	echo </a:t>
+            </a:r>
+            <a:r>
+              <a:rPr lang="mr-IN" altLang="zh-TW" dirty="0" smtClean="0"/>
+              <a:t>"</a:t>
+            </a:r>
+            <a:r>
+              <a:rPr lang="en-US" altLang="zh-TW" dirty="0" smtClean="0"/>
+              <a:t>you get full marks</a:t>
+            </a:r>
+            <a:r>
+              <a:rPr lang="mr-IN" altLang="zh-TW" dirty="0" smtClean="0"/>
+              <a:t>"</a:t>
+            </a:r>
+            <a:r>
+              <a:rPr lang="en-US" altLang="zh-TW" dirty="0" smtClean="0"/>
+              <a:t>;</a:t>
+            </a:r>
+          </a:p>
+          <a:p>
+            <a:r>
+              <a:rPr lang="en-US" altLang="zh-TW" dirty="0" smtClean="0"/>
+              <a:t>} </a:t>
+            </a:r>
+            <a:r>
+              <a:rPr lang="en-US" altLang="zh-TW" dirty="0" err="1" smtClean="0"/>
+              <a:t>elseif</a:t>
+            </a:r>
+            <a:r>
+              <a:rPr lang="en-US" altLang="zh-TW" dirty="0" smtClean="0"/>
+              <a:t> ($marks&gt;=60){</a:t>
+            </a:r>
+          </a:p>
+          <a:p>
+            <a:r>
+              <a:rPr lang="en-US" altLang="zh-TW" dirty="0" smtClean="0"/>
+              <a:t>	echo </a:t>
+            </a:r>
+            <a:r>
+              <a:rPr lang="mr-IN" altLang="zh-TW" dirty="0" smtClean="0"/>
+              <a:t>"</a:t>
+            </a:r>
+            <a:r>
+              <a:rPr lang="en-US" altLang="zh-TW" dirty="0" smtClean="0"/>
+              <a:t>you are pass</a:t>
+            </a:r>
+            <a:r>
+              <a:rPr lang="mr-IN" altLang="zh-TW" dirty="0" smtClean="0"/>
+              <a:t>"</a:t>
+            </a:r>
+            <a:r>
+              <a:rPr lang="en-US" altLang="zh-TW" dirty="0" smtClean="0"/>
+              <a:t>;</a:t>
+            </a:r>
+          </a:p>
+          <a:p>
+            <a:r>
+              <a:rPr lang="en-US" altLang="zh-TW" dirty="0" smtClean="0"/>
+              <a:t>} else {</a:t>
+            </a:r>
+          </a:p>
+          <a:p>
+            <a:r>
+              <a:rPr lang="en-US" altLang="zh-TW" dirty="0" smtClean="0"/>
+              <a:t>	echo </a:t>
+            </a:r>
+            <a:r>
+              <a:rPr lang="mr-IN" altLang="zh-TW" dirty="0" smtClean="0"/>
+              <a:t>"</a:t>
+            </a:r>
+            <a:r>
+              <a:rPr lang="en-US" altLang="zh-TW" dirty="0" smtClean="0"/>
+              <a:t>you are fail</a:t>
+            </a:r>
+            <a:r>
+              <a:rPr lang="mr-IN" altLang="zh-TW" dirty="0" smtClean="0"/>
+              <a:t>"</a:t>
+            </a:r>
+            <a:r>
+              <a:rPr lang="en-US" altLang="zh-TW" dirty="0" smtClean="0"/>
+              <a:t>;</a:t>
+            </a:r>
+          </a:p>
+          <a:p>
+            <a:r>
+              <a:rPr lang="en-US" altLang="zh-TW" dirty="0" smtClean="0"/>
+              <a:t>}</a:t>
+            </a:r>
+          </a:p>
+        </p:txBody>
+      </p:sp>
+    </p:spTree>
+    <p:extLst>
+      <p:ext uri="{BB962C8B-B14F-4D97-AF65-F5344CB8AC3E}">
+        <p14:creationId xmlns:p14="http://schemas.microsoft.com/office/powerpoint/2010/main" val="563431257"/>
+      </p:ext>
+    </p:extLst>
+  </p:cSld>
+  <p:clrMapOvr>
+    <a:masterClrMapping/>
+  </p:clrMapOvr>
+  <p:transition>
+    <p:checker/>
+  </p:transition>
+</p:sld>
+</file>
+
+<file path=ppt/slides/slide31.xml><?xml version="1.0" encoding="utf-8"?>
+<p:sld xmlns:a="http://schemas.openxmlformats.org/drawingml/2006/main" xmlns:r="http://schemas.openxmlformats.org/officeDocument/2006/relationships" xmlns:p="http://schemas.openxmlformats.org/presentationml/2006/main">
+  <p:cSld>
+    <p:spTree>
+      <p:nvGrpSpPr>
+        <p:cNvPr id="1" name=""/>
+        <p:cNvGrpSpPr/>
+        <p:nvPr/>
+      </p:nvGrpSpPr>
+      <p:grpSpPr>
+        <a:xfrm>
+          <a:off x="0" y="0"/>
+          <a:ext cx="0" cy="0"/>
+          <a:chOff x="0" y="0"/>
+          <a:chExt cx="0" cy="0"/>
+        </a:xfrm>
+      </p:grpSpPr>
+      <p:sp>
+        <p:nvSpPr>
+          <p:cNvPr id="160770" name="Rectangle 2"/>
+          <p:cNvSpPr>
+            <a:spLocks noGrp="1" noChangeArrowheads="1"/>
+          </p:cNvSpPr>
+          <p:nvPr>
+            <p:ph type="title"/>
+          </p:nvPr>
+        </p:nvSpPr>
+        <p:spPr/>
+        <p:txBody>
+          <a:bodyPr/>
+          <a:lstStyle/>
+          <a:p>
+            <a:r>
+              <a:rPr lang="en-US" altLang="zh-TW" dirty="0" smtClean="0"/>
+              <a:t>Classwork</a:t>
+            </a:r>
+          </a:p>
+        </p:txBody>
+      </p:sp>
+      <p:sp>
+        <p:nvSpPr>
+          <p:cNvPr id="30723" name="Rectangle 3"/>
+          <p:cNvSpPr>
+            <a:spLocks noGrp="1" noChangeArrowheads="1"/>
+          </p:cNvSpPr>
+          <p:nvPr>
+            <p:ph idx="1"/>
+          </p:nvPr>
+        </p:nvSpPr>
+        <p:spPr/>
+        <p:txBody>
+          <a:bodyPr>
+            <a:normAutofit/>
+          </a:bodyPr>
+          <a:lstStyle/>
+          <a:p>
+            <a:r>
+              <a:rPr lang="en-US" altLang="zh-TW" dirty="0" smtClean="0"/>
+              <a:t>100=</a:t>
+            </a:r>
+            <a:r>
+              <a:rPr lang="mr-IN" altLang="zh-TW" dirty="0" smtClean="0"/>
+              <a:t>"</a:t>
+            </a:r>
+            <a:r>
+              <a:rPr lang="en-US" altLang="zh-TW" dirty="0" smtClean="0"/>
+              <a:t>full marks</a:t>
+            </a:r>
+            <a:r>
+              <a:rPr lang="mr-IN" altLang="zh-TW" dirty="0" smtClean="0"/>
+              <a:t>"</a:t>
+            </a:r>
+            <a:endParaRPr lang="en-US" altLang="zh-TW" dirty="0" smtClean="0"/>
+          </a:p>
+          <a:p>
+            <a:r>
+              <a:rPr lang="en-US" altLang="zh-TW" dirty="0" smtClean="0"/>
+              <a:t>&gt;90=</a:t>
+            </a:r>
+            <a:r>
+              <a:rPr lang="mr-IN" altLang="zh-TW" dirty="0" smtClean="0"/>
+              <a:t>"</a:t>
+            </a:r>
+            <a:r>
+              <a:rPr lang="en-US" altLang="zh-TW" dirty="0" smtClean="0"/>
+              <a:t>A</a:t>
+            </a:r>
+            <a:r>
+              <a:rPr lang="mr-IN" altLang="zh-TW" dirty="0" smtClean="0"/>
+              <a:t>"</a:t>
+            </a:r>
+            <a:endParaRPr lang="en-US" altLang="zh-TW" dirty="0" smtClean="0"/>
+          </a:p>
+          <a:p>
+            <a:r>
+              <a:rPr lang="en-US" altLang="zh-TW" dirty="0" smtClean="0"/>
+              <a:t>&gt;80=</a:t>
+            </a:r>
+            <a:r>
+              <a:rPr lang="mr-IN" altLang="zh-TW" dirty="0" smtClean="0"/>
+              <a:t>"</a:t>
+            </a:r>
+            <a:r>
+              <a:rPr lang="en-US" altLang="zh-TW" dirty="0" smtClean="0"/>
+              <a:t>B</a:t>
+            </a:r>
+            <a:r>
+              <a:rPr lang="mr-IN" altLang="zh-TW" dirty="0" smtClean="0"/>
+              <a:t>"</a:t>
+            </a:r>
+            <a:endParaRPr lang="en-US" altLang="zh-TW" dirty="0" smtClean="0"/>
+          </a:p>
+          <a:p>
+            <a:r>
+              <a:rPr lang="en-US" altLang="zh-TW" dirty="0" smtClean="0"/>
+              <a:t>&gt;70=</a:t>
+            </a:r>
+            <a:r>
+              <a:rPr lang="mr-IN" altLang="zh-TW" dirty="0" smtClean="0"/>
+              <a:t>"</a:t>
+            </a:r>
+            <a:r>
+              <a:rPr lang="en-US" altLang="zh-TW" dirty="0" smtClean="0"/>
+              <a:t>C</a:t>
+            </a:r>
+            <a:r>
+              <a:rPr lang="mr-IN" altLang="zh-TW" dirty="0" smtClean="0"/>
+              <a:t>"</a:t>
+            </a:r>
+            <a:endParaRPr lang="en-US" altLang="zh-TW" dirty="0" smtClean="0"/>
+          </a:p>
+          <a:p>
+            <a:r>
+              <a:rPr lang="en-US" altLang="zh-TW" dirty="0" smtClean="0"/>
+              <a:t>&gt;=60=</a:t>
+            </a:r>
+            <a:r>
+              <a:rPr lang="mr-IN" altLang="zh-TW" dirty="0" smtClean="0"/>
+              <a:t>"</a:t>
+            </a:r>
+            <a:r>
+              <a:rPr lang="en-US" altLang="zh-TW" dirty="0" smtClean="0"/>
+              <a:t>D</a:t>
+            </a:r>
+            <a:r>
+              <a:rPr lang="mr-IN" altLang="zh-TW" dirty="0" smtClean="0"/>
+              <a:t>"</a:t>
+            </a:r>
+            <a:endParaRPr lang="en-US" altLang="zh-TW" dirty="0" smtClean="0"/>
+          </a:p>
+          <a:p>
+            <a:r>
+              <a:rPr lang="en-US" altLang="zh-TW" dirty="0" smtClean="0"/>
+              <a:t>&lt;60=</a:t>
+            </a:r>
+            <a:r>
+              <a:rPr lang="mr-IN" altLang="zh-TW" dirty="0" smtClean="0"/>
+              <a:t>"</a:t>
+            </a:r>
+            <a:r>
+              <a:rPr lang="en-US" altLang="zh-TW" dirty="0" smtClean="0"/>
+              <a:t>fail</a:t>
+            </a:r>
+          </a:p>
+        </p:txBody>
+      </p:sp>
+    </p:spTree>
+    <p:extLst>
+      <p:ext uri="{BB962C8B-B14F-4D97-AF65-F5344CB8AC3E}">
+        <p14:creationId xmlns:p14="http://schemas.microsoft.com/office/powerpoint/2010/main" val="1333736776"/>
+      </p:ext>
+    </p:extLst>
+  </p:cSld>
+  <p:clrMapOvr>
+    <a:masterClrMapping/>
+  </p:clrMapOvr>
+  <p:transition>
+    <p:checker/>
+  </p:transition>
+</p:sld>
+</file>
+
+<file path=ppt/slides/slide32.xml><?xml version="1.0" encoding="utf-8"?>
 <p:sld xmlns:a="http://schemas.openxmlformats.org/drawingml/2006/main" xmlns:r="http://schemas.openxmlformats.org/officeDocument/2006/relationships" xmlns:p="http://schemas.openxmlformats.org/presentationml/2006/main">
   <p:cSld>
     <p:spTree>
@@ -15174,11 +16375,7 @@
             <a:graphicFrameLocks noGrp="1"/>
           </p:cNvGraphicFramePr>
           <p:nvPr>
-            <p:extLst>
-              <p:ext uri="{D42A27DB-BD31-4B8C-83A1-F6EECF244321}">
-                <p14:modId xmlns:p14="http://schemas.microsoft.com/office/powerpoint/2010/main" val="5536137"/>
-              </p:ext>
-            </p:extLst>
+            <p:extLst/>
           </p:nvPr>
         </p:nvGraphicFramePr>
         <p:xfrm>
@@ -15195,14 +16392,14 @@
                 <a:gridCol w="3048000">
                   <a:extLst>
                     <a:ext uri="{9D8B030D-6E8A-4147-A177-3AD203B41FA5}">
-                      <a16:colId xmlns:a16="http://schemas.microsoft.com/office/drawing/2014/main" xmlns="" val="20000"/>
+                      <a16:colId xmlns="" xmlns:a16="http://schemas.microsoft.com/office/drawing/2014/main" val="20000"/>
                     </a:ext>
                   </a:extLst>
                 </a:gridCol>
                 <a:gridCol w="3048000">
                   <a:extLst>
                     <a:ext uri="{9D8B030D-6E8A-4147-A177-3AD203B41FA5}">
-                      <a16:colId xmlns:a16="http://schemas.microsoft.com/office/drawing/2014/main" xmlns="" val="20001"/>
+                      <a16:colId xmlns="" xmlns:a16="http://schemas.microsoft.com/office/drawing/2014/main" val="20001"/>
                     </a:ext>
                   </a:extLst>
                 </a:gridCol>
@@ -15237,7 +16434,7 @@
                 </a:tc>
                 <a:extLst>
                   <a:ext uri="{0D108BD9-81ED-4DB2-BD59-A6C34878D82A}">
-                    <a16:rowId xmlns:a16="http://schemas.microsoft.com/office/drawing/2014/main" xmlns="" val="10000"/>
+                    <a16:rowId xmlns="" xmlns:a16="http://schemas.microsoft.com/office/drawing/2014/main" val="10000"/>
                   </a:ext>
                 </a:extLst>
               </a:tr>
@@ -15272,7 +16469,7 @@
                 </a:tc>
                 <a:extLst>
                   <a:ext uri="{0D108BD9-81ED-4DB2-BD59-A6C34878D82A}">
-                    <a16:rowId xmlns:a16="http://schemas.microsoft.com/office/drawing/2014/main" xmlns="" val="10001"/>
+                    <a16:rowId xmlns="" xmlns:a16="http://schemas.microsoft.com/office/drawing/2014/main" val="10001"/>
                   </a:ext>
                 </a:extLst>
               </a:tr>
@@ -15307,7 +16504,7 @@
                 </a:tc>
                 <a:extLst>
                   <a:ext uri="{0D108BD9-81ED-4DB2-BD59-A6C34878D82A}">
-                    <a16:rowId xmlns:a16="http://schemas.microsoft.com/office/drawing/2014/main" xmlns="" val="10002"/>
+                    <a16:rowId xmlns="" xmlns:a16="http://schemas.microsoft.com/office/drawing/2014/main" val="10002"/>
                   </a:ext>
                 </a:extLst>
               </a:tr>
@@ -15342,7 +16539,7 @@
                 </a:tc>
                 <a:extLst>
                   <a:ext uri="{0D108BD9-81ED-4DB2-BD59-A6C34878D82A}">
-                    <a16:rowId xmlns:a16="http://schemas.microsoft.com/office/drawing/2014/main" xmlns="" val="10003"/>
+                    <a16:rowId xmlns="" xmlns:a16="http://schemas.microsoft.com/office/drawing/2014/main" val="10003"/>
                   </a:ext>
                 </a:extLst>
               </a:tr>
@@ -15393,7 +16590,7 @@
                 </a:tc>
                 <a:extLst>
                   <a:ext uri="{0D108BD9-81ED-4DB2-BD59-A6C34878D82A}">
-                    <a16:rowId xmlns:a16="http://schemas.microsoft.com/office/drawing/2014/main" xmlns="" val="10004"/>
+                    <a16:rowId xmlns="" xmlns:a16="http://schemas.microsoft.com/office/drawing/2014/main" val="10004"/>
                   </a:ext>
                 </a:extLst>
               </a:tr>
@@ -15444,7 +16641,7 @@
                 </a:tc>
                 <a:extLst>
                   <a:ext uri="{0D108BD9-81ED-4DB2-BD59-A6C34878D82A}">
-                    <a16:rowId xmlns:a16="http://schemas.microsoft.com/office/drawing/2014/main" xmlns="" val="10005"/>
+                    <a16:rowId xmlns="" xmlns:a16="http://schemas.microsoft.com/office/drawing/2014/main" val="10005"/>
                   </a:ext>
                 </a:extLst>
               </a:tr>
@@ -15511,7 +16708,7 @@
                 </a:tc>
                 <a:extLst>
                   <a:ext uri="{0D108BD9-81ED-4DB2-BD59-A6C34878D82A}">
-                    <a16:rowId xmlns:a16="http://schemas.microsoft.com/office/drawing/2014/main" xmlns="" val="10006"/>
+                    <a16:rowId xmlns="" xmlns:a16="http://schemas.microsoft.com/office/drawing/2014/main" val="10006"/>
                   </a:ext>
                 </a:extLst>
               </a:tr>
@@ -15578,7 +16775,7 @@
                 </a:tc>
                 <a:extLst>
                   <a:ext uri="{0D108BD9-81ED-4DB2-BD59-A6C34878D82A}">
-                    <a16:rowId xmlns:a16="http://schemas.microsoft.com/office/drawing/2014/main" xmlns="" val="10007"/>
+                    <a16:rowId xmlns="" xmlns:a16="http://schemas.microsoft.com/office/drawing/2014/main" val="10007"/>
                   </a:ext>
                 </a:extLst>
               </a:tr>
@@ -15587,6 +16784,11 @@
         </a:graphic>
       </p:graphicFrame>
     </p:spTree>
+    <p:extLst>
+      <p:ext uri="{BB962C8B-B14F-4D97-AF65-F5344CB8AC3E}">
+        <p14:creationId xmlns:p14="http://schemas.microsoft.com/office/powerpoint/2010/main" val="679686846"/>
+      </p:ext>
+    </p:extLst>
   </p:cSld>
   <p:clrMapOvr>
     <a:masterClrMapping/>
@@ -15597,7 +16799,7 @@
 </p:sld>
 </file>
 
-<file path=ppt/slides/slide31.xml><?xml version="1.0" encoding="utf-8"?>
+<file path=ppt/slides/slide33.xml><?xml version="1.0" encoding="utf-8"?>
 <p:sld xmlns:a="http://schemas.openxmlformats.org/drawingml/2006/main" xmlns:r="http://schemas.openxmlformats.org/officeDocument/2006/relationships" xmlns:p="http://schemas.openxmlformats.org/presentationml/2006/main">
   <p:cSld>
     <p:spTree>
@@ -15722,6 +16924,11 @@
         </p:txBody>
       </p:sp>
     </p:spTree>
+    <p:extLst>
+      <p:ext uri="{BB962C8B-B14F-4D97-AF65-F5344CB8AC3E}">
+        <p14:creationId xmlns:p14="http://schemas.microsoft.com/office/powerpoint/2010/main" val="757728566"/>
+      </p:ext>
+    </p:extLst>
   </p:cSld>
   <p:clrMapOvr>
     <a:masterClrMapping/>
@@ -15732,7 +16939,7 @@
 </p:sld>
 </file>
 
-<file path=ppt/slides/slide32.xml><?xml version="1.0" encoding="utf-8"?>
+<file path=ppt/slides/slide34.xml><?xml version="1.0" encoding="utf-8"?>
 <p:sld xmlns:a="http://schemas.openxmlformats.org/drawingml/2006/main" xmlns:r="http://schemas.openxmlformats.org/officeDocument/2006/relationships" xmlns:p="http://schemas.openxmlformats.org/presentationml/2006/main">
   <p:cSld>
     <p:spTree>
@@ -15825,16 +17032,17 @@
           <a:p>
             <a:r>
               <a:rPr lang="en-US" altLang="zh-TW" dirty="0" smtClean="0"/>
-              <a:t>If loading for over 5 seconds, Browser </a:t>
-            </a:r>
-            <a:r>
-              <a:rPr lang="en-US" altLang="zh-TW" dirty="0" smtClean="0"/>
-              <a:t>-&gt; Stop</a:t>
+              <a:t>If loading for over 5 seconds, Browser -&gt; Stop</a:t>
             </a:r>
           </a:p>
         </p:txBody>
       </p:sp>
     </p:spTree>
+    <p:extLst>
+      <p:ext uri="{BB962C8B-B14F-4D97-AF65-F5344CB8AC3E}">
+        <p14:creationId xmlns:p14="http://schemas.microsoft.com/office/powerpoint/2010/main" val="565982052"/>
+      </p:ext>
+    </p:extLst>
   </p:cSld>
   <p:clrMapOvr>
     <a:masterClrMapping/>
@@ -15845,7 +17053,7 @@
 </p:sld>
 </file>
 
-<file path=ppt/slides/slide33.xml><?xml version="1.0" encoding="utf-8"?>
+<file path=ppt/slides/slide35.xml><?xml version="1.0" encoding="utf-8"?>
 <p:sld xmlns:a="http://schemas.openxmlformats.org/drawingml/2006/main" xmlns:r="http://schemas.openxmlformats.org/officeDocument/2006/relationships" xmlns:p="http://schemas.openxmlformats.org/presentationml/2006/main">
   <p:cSld>
     <p:spTree>
@@ -15913,251 +17121,9 @@
         </p:txBody>
       </p:sp>
     </p:spTree>
-  </p:cSld>
-  <p:clrMapOvr>
-    <a:masterClrMapping/>
-  </p:clrMapOvr>
-  <p:transition>
-    <p:checker/>
-  </p:transition>
-</p:sld>
-</file>
-
-<file path=ppt/slides/slide34.xml><?xml version="1.0" encoding="utf-8"?>
-<p:sld xmlns:a="http://schemas.openxmlformats.org/drawingml/2006/main" xmlns:r="http://schemas.openxmlformats.org/officeDocument/2006/relationships" xmlns:p="http://schemas.openxmlformats.org/presentationml/2006/main">
-  <p:cSld>
-    <p:spTree>
-      <p:nvGrpSpPr>
-        <p:cNvPr id="1" name=""/>
-        <p:cNvGrpSpPr/>
-        <p:nvPr/>
-      </p:nvGrpSpPr>
-      <p:grpSpPr>
-        <a:xfrm>
-          <a:off x="0" y="0"/>
-          <a:ext cx="0" cy="0"/>
-          <a:chOff x="0" y="0"/>
-          <a:chExt cx="0" cy="0"/>
-        </a:xfrm>
-      </p:grpSpPr>
-      <p:sp>
-        <p:nvSpPr>
-          <p:cNvPr id="163842" name="Rectangle 2"/>
-          <p:cNvSpPr>
-            <a:spLocks noGrp="1" noChangeArrowheads="1"/>
-          </p:cNvSpPr>
-          <p:nvPr>
-            <p:ph type="title"/>
-          </p:nvPr>
-        </p:nvSpPr>
-        <p:spPr/>
-        <p:txBody>
-          <a:bodyPr/>
-          <a:lstStyle/>
-          <a:p>
-            <a:r>
-              <a:rPr lang="en-US" altLang="zh-TW" smtClean="0"/>
-              <a:t>For loop</a:t>
-            </a:r>
-          </a:p>
-        </p:txBody>
-      </p:sp>
-      <p:sp>
-        <p:nvSpPr>
-          <p:cNvPr id="36867" name="Rectangle 3"/>
-          <p:cNvSpPr>
-            <a:spLocks noGrp="1" noChangeArrowheads="1"/>
-          </p:cNvSpPr>
-          <p:nvPr>
-            <p:ph idx="1"/>
-          </p:nvPr>
-        </p:nvSpPr>
-        <p:spPr/>
-        <p:txBody>
-          <a:bodyPr/>
-          <a:lstStyle/>
-          <a:p>
-            <a:r>
-              <a:rPr lang="en-US" altLang="zh-TW" smtClean="0"/>
-              <a:t>Similar to while loop. Also relies on a condition, but we set a counter to begin. </a:t>
-            </a:r>
-          </a:p>
-          <a:p>
-            <a:endParaRPr lang="en-US" altLang="zh-TW" smtClean="0"/>
-          </a:p>
-          <a:p>
-            <a:r>
-              <a:rPr lang="en-US" altLang="zh-TW" smtClean="0"/>
-              <a:t>Initialize a counter</a:t>
-            </a:r>
-          </a:p>
-          <a:p>
-            <a:r>
-              <a:rPr lang="en-US" altLang="zh-TW" smtClean="0"/>
-              <a:t>Set condition</a:t>
-            </a:r>
-          </a:p>
-          <a:p>
-            <a:r>
-              <a:rPr lang="en-US" altLang="zh-TW" smtClean="0"/>
-              <a:t>At the end of each iteration, we modified the counter</a:t>
-            </a:r>
-            <a:endParaRPr lang="en-US" altLang="zh-TW" dirty="0" smtClean="0"/>
-          </a:p>
-        </p:txBody>
-      </p:sp>
-    </p:spTree>
-  </p:cSld>
-  <p:clrMapOvr>
-    <a:masterClrMapping/>
-  </p:clrMapOvr>
-  <p:transition>
-    <p:checker/>
-  </p:transition>
-</p:sld>
-</file>
-
-<file path=ppt/slides/slide35.xml><?xml version="1.0" encoding="utf-8"?>
-<p:sld xmlns:a="http://schemas.openxmlformats.org/drawingml/2006/main" xmlns:r="http://schemas.openxmlformats.org/officeDocument/2006/relationships" xmlns:p="http://schemas.openxmlformats.org/presentationml/2006/main">
-  <p:cSld>
-    <p:spTree>
-      <p:nvGrpSpPr>
-        <p:cNvPr id="1" name=""/>
-        <p:cNvGrpSpPr/>
-        <p:nvPr/>
-      </p:nvGrpSpPr>
-      <p:grpSpPr>
-        <a:xfrm>
-          <a:off x="0" y="0"/>
-          <a:ext cx="0" cy="0"/>
-          <a:chOff x="0" y="0"/>
-          <a:chExt cx="0" cy="0"/>
-        </a:xfrm>
-      </p:grpSpPr>
-      <p:sp>
-        <p:nvSpPr>
-          <p:cNvPr id="163842" name="Rectangle 2"/>
-          <p:cNvSpPr>
-            <a:spLocks noGrp="1" noChangeArrowheads="1"/>
-          </p:cNvSpPr>
-          <p:nvPr>
-            <p:ph type="title"/>
-          </p:nvPr>
-        </p:nvSpPr>
-        <p:spPr/>
-        <p:txBody>
-          <a:bodyPr/>
-          <a:lstStyle/>
-          <a:p>
-            <a:r>
-              <a:rPr lang="en-US" altLang="zh-TW" smtClean="0"/>
-              <a:t>For loop</a:t>
-            </a:r>
-          </a:p>
-        </p:txBody>
-      </p:sp>
-      <p:sp>
-        <p:nvSpPr>
-          <p:cNvPr id="36867" name="Rectangle 3"/>
-          <p:cNvSpPr>
-            <a:spLocks noGrp="1" noChangeArrowheads="1"/>
-          </p:cNvSpPr>
-          <p:nvPr>
-            <p:ph idx="1"/>
-          </p:nvPr>
-        </p:nvSpPr>
-        <p:spPr/>
-        <p:txBody>
-          <a:bodyPr>
-            <a:normAutofit lnSpcReduction="10000"/>
-          </a:bodyPr>
-          <a:lstStyle/>
-          <a:p>
-            <a:r>
-              <a:rPr lang="en-US" altLang="zh-TW" dirty="0" smtClean="0"/>
-              <a:t>for (</a:t>
-            </a:r>
-            <a:r>
-              <a:rPr lang="en-US" altLang="zh-TW" dirty="0" err="1" smtClean="0"/>
-              <a:t>init</a:t>
-            </a:r>
-            <a:r>
-              <a:rPr lang="en-US" altLang="zh-TW" dirty="0" smtClean="0"/>
-              <a:t>; condition; update){</a:t>
-            </a:r>
-          </a:p>
-          <a:p>
-            <a:r>
-              <a:rPr lang="en-US" altLang="zh-TW" dirty="0" smtClean="0"/>
-              <a:t>	statement;</a:t>
-            </a:r>
-          </a:p>
-          <a:p>
-            <a:r>
-              <a:rPr lang="en-US" altLang="zh-TW" dirty="0" smtClean="0"/>
-              <a:t>}</a:t>
-            </a:r>
-          </a:p>
-          <a:p>
-            <a:endParaRPr lang="en-US" altLang="zh-TW" dirty="0" smtClean="0"/>
-          </a:p>
-          <a:p>
-            <a:r>
-              <a:rPr lang="pt-BR" altLang="zh-TW" dirty="0" smtClean="0"/>
-              <a:t>for ($num=1; $num&lt;=5; $num++) {</a:t>
-            </a:r>
-          </a:p>
-          <a:p>
-            <a:r>
-              <a:rPr lang="pt-BR" altLang="zh-TW" dirty="0" smtClean="0"/>
-              <a:t>	</a:t>
-            </a:r>
-            <a:r>
-              <a:rPr lang="pt-BR" altLang="zh-TW" dirty="0" err="1" smtClean="0"/>
-              <a:t>echo</a:t>
-            </a:r>
-            <a:r>
-              <a:rPr lang="pt-BR" altLang="zh-TW" dirty="0" smtClean="0"/>
-              <a:t> $num.</a:t>
-            </a:r>
-            <a:r>
-              <a:rPr lang="mr-IN" altLang="zh-TW" dirty="0" smtClean="0"/>
-              <a:t>"</a:t>
-            </a:r>
-            <a:r>
-              <a:rPr lang="pt-BR" altLang="zh-TW" dirty="0" smtClean="0"/>
-              <a:t>&lt;</a:t>
-            </a:r>
-            <a:r>
-              <a:rPr lang="pt-BR" altLang="zh-TW" dirty="0" err="1" smtClean="0"/>
-              <a:t>br</a:t>
-            </a:r>
-            <a:r>
-              <a:rPr lang="pt-BR" altLang="zh-TW" dirty="0" smtClean="0"/>
-              <a:t>&gt;</a:t>
-            </a:r>
-            <a:r>
-              <a:rPr lang="mr-IN" altLang="zh-TW" dirty="0" smtClean="0"/>
-              <a:t>"</a:t>
-            </a:r>
-            <a:r>
-              <a:rPr lang="pt-BR" altLang="zh-TW" dirty="0" smtClean="0"/>
-              <a:t>;</a:t>
-            </a:r>
-          </a:p>
-          <a:p>
-            <a:r>
-              <a:rPr lang="pt-BR" altLang="zh-TW" dirty="0" smtClean="0"/>
-              <a:t>}</a:t>
-            </a:r>
-            <a:endParaRPr lang="en-US" altLang="zh-TW" dirty="0" smtClean="0"/>
-          </a:p>
-        </p:txBody>
-      </p:sp>
-    </p:spTree>
     <p:extLst>
       <p:ext uri="{BB962C8B-B14F-4D97-AF65-F5344CB8AC3E}">
-        <p14:creationId xmlns:p14="http://schemas.microsoft.com/office/powerpoint/2010/main" val="2001441426"/>
+        <p14:creationId xmlns:p14="http://schemas.microsoft.com/office/powerpoint/2010/main" val="1255275401"/>
       </p:ext>
     </p:extLst>
   </p:cSld>
@@ -16204,9 +17170,8 @@
           <a:p>
             <a:r>
               <a:rPr lang="en-US" altLang="zh-TW" smtClean="0"/>
-              <a:t>Classwork</a:t>
-            </a:r>
-            <a:endParaRPr lang="en-US" altLang="zh-TW" dirty="0" smtClean="0"/>
+              <a:t>For loop</a:t>
+            </a:r>
           </a:p>
         </p:txBody>
       </p:sp>
@@ -16227,25 +17192,28 @@
           <a:p>
             <a:r>
               <a:rPr lang="en-US" altLang="zh-TW" smtClean="0"/>
-              <a:t>find all numbers from 11-20	//fora.php</a:t>
-            </a:r>
+              <a:t>Similar to while loop. Also relies on a condition, but we set a counter to begin. </a:t>
+            </a:r>
+          </a:p>
+          <a:p>
+            <a:endParaRPr lang="en-US" altLang="zh-TW" smtClean="0"/>
           </a:p>
           <a:p>
             <a:r>
               <a:rPr lang="en-US" altLang="zh-TW" smtClean="0"/>
-              <a:t>find all odd numbers from 1-10	 //forb.php</a:t>
+              <a:t>Initialize a counter</a:t>
             </a:r>
           </a:p>
           <a:p>
             <a:r>
               <a:rPr lang="en-US" altLang="zh-TW" smtClean="0"/>
-              <a:t>find all even numbers from 1-10 //forc.php</a:t>
+              <a:t>Set condition</a:t>
             </a:r>
           </a:p>
           <a:p>
             <a:r>
               <a:rPr lang="en-US" altLang="zh-TW" smtClean="0"/>
-              <a:t>find all multiple of 5 numbers from 1-100 //ford.php</a:t>
+              <a:t>At the end of each iteration, we modified the counter</a:t>
             </a:r>
             <a:endParaRPr lang="en-US" altLang="zh-TW" dirty="0" smtClean="0"/>
           </a:p>
@@ -16254,7 +17222,7 @@
     </p:spTree>
     <p:extLst>
       <p:ext uri="{BB962C8B-B14F-4D97-AF65-F5344CB8AC3E}">
-        <p14:creationId xmlns:p14="http://schemas.microsoft.com/office/powerpoint/2010/main" val="699485203"/>
+        <p14:creationId xmlns:p14="http://schemas.microsoft.com/office/powerpoint/2010/main" val="534316479"/>
       </p:ext>
     </p:extLst>
   </p:cSld>
@@ -16286,6 +17254,256 @@
       </p:grpSpPr>
       <p:sp>
         <p:nvSpPr>
+          <p:cNvPr id="163842" name="Rectangle 2"/>
+          <p:cNvSpPr>
+            <a:spLocks noGrp="1" noChangeArrowheads="1"/>
+          </p:cNvSpPr>
+          <p:nvPr>
+            <p:ph type="title"/>
+          </p:nvPr>
+        </p:nvSpPr>
+        <p:spPr/>
+        <p:txBody>
+          <a:bodyPr/>
+          <a:lstStyle/>
+          <a:p>
+            <a:r>
+              <a:rPr lang="en-US" altLang="zh-TW" smtClean="0"/>
+              <a:t>For loop</a:t>
+            </a:r>
+          </a:p>
+        </p:txBody>
+      </p:sp>
+      <p:sp>
+        <p:nvSpPr>
+          <p:cNvPr id="36867" name="Rectangle 3"/>
+          <p:cNvSpPr>
+            <a:spLocks noGrp="1" noChangeArrowheads="1"/>
+          </p:cNvSpPr>
+          <p:nvPr>
+            <p:ph idx="1"/>
+          </p:nvPr>
+        </p:nvSpPr>
+        <p:spPr/>
+        <p:txBody>
+          <a:bodyPr>
+            <a:normAutofit lnSpcReduction="10000"/>
+          </a:bodyPr>
+          <a:lstStyle/>
+          <a:p>
+            <a:r>
+              <a:rPr lang="en-US" altLang="zh-TW" dirty="0" smtClean="0"/>
+              <a:t>for (</a:t>
+            </a:r>
+            <a:r>
+              <a:rPr lang="en-US" altLang="zh-TW" dirty="0" err="1" smtClean="0"/>
+              <a:t>init</a:t>
+            </a:r>
+            <a:r>
+              <a:rPr lang="en-US" altLang="zh-TW" dirty="0" smtClean="0"/>
+              <a:t>; condition; update){</a:t>
+            </a:r>
+          </a:p>
+          <a:p>
+            <a:r>
+              <a:rPr lang="en-US" altLang="zh-TW" dirty="0" smtClean="0"/>
+              <a:t>	statement;</a:t>
+            </a:r>
+          </a:p>
+          <a:p>
+            <a:r>
+              <a:rPr lang="en-US" altLang="zh-TW" dirty="0" smtClean="0"/>
+              <a:t>}</a:t>
+            </a:r>
+          </a:p>
+          <a:p>
+            <a:endParaRPr lang="en-US" altLang="zh-TW" dirty="0" smtClean="0"/>
+          </a:p>
+          <a:p>
+            <a:r>
+              <a:rPr lang="pt-BR" altLang="zh-TW" dirty="0" smtClean="0"/>
+              <a:t>for ($num=1; $num&lt;=5; $num++) {</a:t>
+            </a:r>
+          </a:p>
+          <a:p>
+            <a:r>
+              <a:rPr lang="pt-BR" altLang="zh-TW" dirty="0" smtClean="0"/>
+              <a:t>	</a:t>
+            </a:r>
+            <a:r>
+              <a:rPr lang="pt-BR" altLang="zh-TW" dirty="0" err="1" smtClean="0"/>
+              <a:t>echo</a:t>
+            </a:r>
+            <a:r>
+              <a:rPr lang="pt-BR" altLang="zh-TW" dirty="0" smtClean="0"/>
+              <a:t> $num.</a:t>
+            </a:r>
+            <a:r>
+              <a:rPr lang="mr-IN" altLang="zh-TW" dirty="0" smtClean="0"/>
+              <a:t>"</a:t>
+            </a:r>
+            <a:r>
+              <a:rPr lang="pt-BR" altLang="zh-TW" dirty="0" smtClean="0"/>
+              <a:t>&lt;</a:t>
+            </a:r>
+            <a:r>
+              <a:rPr lang="pt-BR" altLang="zh-TW" dirty="0" err="1" smtClean="0"/>
+              <a:t>br</a:t>
+            </a:r>
+            <a:r>
+              <a:rPr lang="pt-BR" altLang="zh-TW" dirty="0" smtClean="0"/>
+              <a:t>&gt;</a:t>
+            </a:r>
+            <a:r>
+              <a:rPr lang="mr-IN" altLang="zh-TW" dirty="0" smtClean="0"/>
+              <a:t>"</a:t>
+            </a:r>
+            <a:r>
+              <a:rPr lang="pt-BR" altLang="zh-TW" dirty="0" smtClean="0"/>
+              <a:t>;</a:t>
+            </a:r>
+          </a:p>
+          <a:p>
+            <a:r>
+              <a:rPr lang="pt-BR" altLang="zh-TW" dirty="0" smtClean="0"/>
+              <a:t>}</a:t>
+            </a:r>
+            <a:endParaRPr lang="en-US" altLang="zh-TW" dirty="0" smtClean="0"/>
+          </a:p>
+        </p:txBody>
+      </p:sp>
+    </p:spTree>
+    <p:extLst>
+      <p:ext uri="{BB962C8B-B14F-4D97-AF65-F5344CB8AC3E}">
+        <p14:creationId xmlns:p14="http://schemas.microsoft.com/office/powerpoint/2010/main" val="1627934446"/>
+      </p:ext>
+    </p:extLst>
+  </p:cSld>
+  <p:clrMapOvr>
+    <a:masterClrMapping/>
+  </p:clrMapOvr>
+  <p:transition>
+    <p:checker/>
+  </p:transition>
+</p:sld>
+</file>
+
+<file path=ppt/slides/slide38.xml><?xml version="1.0" encoding="utf-8"?>
+<p:sld xmlns:a="http://schemas.openxmlformats.org/drawingml/2006/main" xmlns:r="http://schemas.openxmlformats.org/officeDocument/2006/relationships" xmlns:p="http://schemas.openxmlformats.org/presentationml/2006/main">
+  <p:cSld>
+    <p:spTree>
+      <p:nvGrpSpPr>
+        <p:cNvPr id="1" name=""/>
+        <p:cNvGrpSpPr/>
+        <p:nvPr/>
+      </p:nvGrpSpPr>
+      <p:grpSpPr>
+        <a:xfrm>
+          <a:off x="0" y="0"/>
+          <a:ext cx="0" cy="0"/>
+          <a:chOff x="0" y="0"/>
+          <a:chExt cx="0" cy="0"/>
+        </a:xfrm>
+      </p:grpSpPr>
+      <p:sp>
+        <p:nvSpPr>
+          <p:cNvPr id="163842" name="Rectangle 2"/>
+          <p:cNvSpPr>
+            <a:spLocks noGrp="1" noChangeArrowheads="1"/>
+          </p:cNvSpPr>
+          <p:nvPr>
+            <p:ph type="title"/>
+          </p:nvPr>
+        </p:nvSpPr>
+        <p:spPr/>
+        <p:txBody>
+          <a:bodyPr/>
+          <a:lstStyle/>
+          <a:p>
+            <a:r>
+              <a:rPr lang="en-US" altLang="zh-TW" smtClean="0"/>
+              <a:t>Classwork</a:t>
+            </a:r>
+            <a:endParaRPr lang="en-US" altLang="zh-TW" dirty="0" smtClean="0"/>
+          </a:p>
+        </p:txBody>
+      </p:sp>
+      <p:sp>
+        <p:nvSpPr>
+          <p:cNvPr id="36867" name="Rectangle 3"/>
+          <p:cNvSpPr>
+            <a:spLocks noGrp="1" noChangeArrowheads="1"/>
+          </p:cNvSpPr>
+          <p:nvPr>
+            <p:ph idx="1"/>
+          </p:nvPr>
+        </p:nvSpPr>
+        <p:spPr/>
+        <p:txBody>
+          <a:bodyPr/>
+          <a:lstStyle/>
+          <a:p>
+            <a:r>
+              <a:rPr lang="en-US" altLang="zh-TW" smtClean="0"/>
+              <a:t>find all numbers from 11-20	//fora.php</a:t>
+            </a:r>
+          </a:p>
+          <a:p>
+            <a:r>
+              <a:rPr lang="en-US" altLang="zh-TW" smtClean="0"/>
+              <a:t>find all odd numbers from 1-10	 //forb.php</a:t>
+            </a:r>
+          </a:p>
+          <a:p>
+            <a:r>
+              <a:rPr lang="en-US" altLang="zh-TW" smtClean="0"/>
+              <a:t>find all even numbers from 1-10 //forc.php</a:t>
+            </a:r>
+          </a:p>
+          <a:p>
+            <a:r>
+              <a:rPr lang="en-US" altLang="zh-TW" smtClean="0"/>
+              <a:t>find all multiple of 5 numbers from 1-100 //ford.php</a:t>
+            </a:r>
+            <a:endParaRPr lang="en-US" altLang="zh-TW" dirty="0" smtClean="0"/>
+          </a:p>
+        </p:txBody>
+      </p:sp>
+    </p:spTree>
+    <p:extLst>
+      <p:ext uri="{BB962C8B-B14F-4D97-AF65-F5344CB8AC3E}">
+        <p14:creationId xmlns:p14="http://schemas.microsoft.com/office/powerpoint/2010/main" val="1752571142"/>
+      </p:ext>
+    </p:extLst>
+  </p:cSld>
+  <p:clrMapOvr>
+    <a:masterClrMapping/>
+  </p:clrMapOvr>
+  <p:transition>
+    <p:checker/>
+  </p:transition>
+</p:sld>
+</file>
+
+<file path=ppt/slides/slide39.xml><?xml version="1.0" encoding="utf-8"?>
+<p:sld xmlns:a="http://schemas.openxmlformats.org/drawingml/2006/main" xmlns:r="http://schemas.openxmlformats.org/officeDocument/2006/relationships" xmlns:p="http://schemas.openxmlformats.org/presentationml/2006/main">
+  <p:cSld>
+    <p:spTree>
+      <p:nvGrpSpPr>
+        <p:cNvPr id="1" name=""/>
+        <p:cNvGrpSpPr/>
+        <p:nvPr/>
+      </p:nvGrpSpPr>
+      <p:grpSpPr>
+        <a:xfrm>
+          <a:off x="0" y="0"/>
+          <a:ext cx="0" cy="0"/>
+          <a:chOff x="0" y="0"/>
+          <a:chExt cx="0" cy="0"/>
+        </a:xfrm>
+      </p:grpSpPr>
+      <p:sp>
+        <p:nvSpPr>
           <p:cNvPr id="169986" name="Rectangle 2"/>
           <p:cNvSpPr>
             <a:spLocks noGrp="1" noChangeArrowheads="1"/>
@@ -16354,11 +17572,7 @@
             <a:graphicFrameLocks noGrp="1"/>
           </p:cNvGraphicFramePr>
           <p:nvPr>
-            <p:extLst>
-              <p:ext uri="{D42A27DB-BD31-4B8C-83A1-F6EECF244321}">
-                <p14:modId xmlns:p14="http://schemas.microsoft.com/office/powerpoint/2010/main" val="2255006046"/>
-              </p:ext>
-            </p:extLst>
+            <p:extLst/>
           </p:nvPr>
         </p:nvGraphicFramePr>
         <p:xfrm>
@@ -16373,70 +17587,70 @@
                 <a:gridCol w="609600">
                   <a:extLst>
                     <a:ext uri="{9D8B030D-6E8A-4147-A177-3AD203B41FA5}">
-                      <a16:colId xmlns:a16="http://schemas.microsoft.com/office/drawing/2014/main" xmlns="" val="20000"/>
+                      <a16:colId xmlns="" xmlns:a16="http://schemas.microsoft.com/office/drawing/2014/main" val="20000"/>
                     </a:ext>
                   </a:extLst>
                 </a:gridCol>
                 <a:gridCol w="609600">
                   <a:extLst>
                     <a:ext uri="{9D8B030D-6E8A-4147-A177-3AD203B41FA5}">
-                      <a16:colId xmlns:a16="http://schemas.microsoft.com/office/drawing/2014/main" xmlns="" val="20001"/>
+                      <a16:colId xmlns="" xmlns:a16="http://schemas.microsoft.com/office/drawing/2014/main" val="20001"/>
                     </a:ext>
                   </a:extLst>
                 </a:gridCol>
                 <a:gridCol w="609600">
                   <a:extLst>
                     <a:ext uri="{9D8B030D-6E8A-4147-A177-3AD203B41FA5}">
-                      <a16:colId xmlns:a16="http://schemas.microsoft.com/office/drawing/2014/main" xmlns="" val="20002"/>
+                      <a16:colId xmlns="" xmlns:a16="http://schemas.microsoft.com/office/drawing/2014/main" val="20002"/>
                     </a:ext>
                   </a:extLst>
                 </a:gridCol>
                 <a:gridCol w="609600">
                   <a:extLst>
                     <a:ext uri="{9D8B030D-6E8A-4147-A177-3AD203B41FA5}">
-                      <a16:colId xmlns:a16="http://schemas.microsoft.com/office/drawing/2014/main" xmlns="" val="20003"/>
+                      <a16:colId xmlns="" xmlns:a16="http://schemas.microsoft.com/office/drawing/2014/main" val="20003"/>
                     </a:ext>
                   </a:extLst>
                 </a:gridCol>
                 <a:gridCol w="609600">
                   <a:extLst>
                     <a:ext uri="{9D8B030D-6E8A-4147-A177-3AD203B41FA5}">
-                      <a16:colId xmlns:a16="http://schemas.microsoft.com/office/drawing/2014/main" xmlns="" val="20004"/>
+                      <a16:colId xmlns="" xmlns:a16="http://schemas.microsoft.com/office/drawing/2014/main" val="20004"/>
                     </a:ext>
                   </a:extLst>
                 </a:gridCol>
                 <a:gridCol w="609600">
                   <a:extLst>
                     <a:ext uri="{9D8B030D-6E8A-4147-A177-3AD203B41FA5}">
-                      <a16:colId xmlns:a16="http://schemas.microsoft.com/office/drawing/2014/main" xmlns="" val="20005"/>
+                      <a16:colId xmlns="" xmlns:a16="http://schemas.microsoft.com/office/drawing/2014/main" val="20005"/>
                     </a:ext>
                   </a:extLst>
                 </a:gridCol>
                 <a:gridCol w="609600">
                   <a:extLst>
                     <a:ext uri="{9D8B030D-6E8A-4147-A177-3AD203B41FA5}">
-                      <a16:colId xmlns:a16="http://schemas.microsoft.com/office/drawing/2014/main" xmlns="" val="20006"/>
+                      <a16:colId xmlns="" xmlns:a16="http://schemas.microsoft.com/office/drawing/2014/main" val="20006"/>
                     </a:ext>
                   </a:extLst>
                 </a:gridCol>
                 <a:gridCol w="609600">
                   <a:extLst>
                     <a:ext uri="{9D8B030D-6E8A-4147-A177-3AD203B41FA5}">
-                      <a16:colId xmlns:a16="http://schemas.microsoft.com/office/drawing/2014/main" xmlns="" val="20007"/>
+                      <a16:colId xmlns="" xmlns:a16="http://schemas.microsoft.com/office/drawing/2014/main" val="20007"/>
                     </a:ext>
                   </a:extLst>
                 </a:gridCol>
                 <a:gridCol w="609600">
                   <a:extLst>
                     <a:ext uri="{9D8B030D-6E8A-4147-A177-3AD203B41FA5}">
-                      <a16:colId xmlns:a16="http://schemas.microsoft.com/office/drawing/2014/main" xmlns="" val="20008"/>
+                      <a16:colId xmlns="" xmlns:a16="http://schemas.microsoft.com/office/drawing/2014/main" val="20008"/>
                     </a:ext>
                   </a:extLst>
                 </a:gridCol>
                 <a:gridCol w="609600">
                   <a:extLst>
                     <a:ext uri="{9D8B030D-6E8A-4147-A177-3AD203B41FA5}">
-                      <a16:colId xmlns:a16="http://schemas.microsoft.com/office/drawing/2014/main" xmlns="" val="20009"/>
+                      <a16:colId xmlns="" xmlns:a16="http://schemas.microsoft.com/office/drawing/2014/main" val="20009"/>
                     </a:ext>
                   </a:extLst>
                 </a:gridCol>
@@ -17294,7 +18508,7 @@
                 </a:tc>
                 <a:extLst>
                   <a:ext uri="{0D108BD9-81ED-4DB2-BD59-A6C34878D82A}">
-                    <a16:rowId xmlns:a16="http://schemas.microsoft.com/office/drawing/2014/main" xmlns="" val="10000"/>
+                    <a16:rowId xmlns="" xmlns:a16="http://schemas.microsoft.com/office/drawing/2014/main" val="10000"/>
                   </a:ext>
                 </a:extLst>
               </a:tr>
@@ -18151,7 +19365,7 @@
                 </a:tc>
                 <a:extLst>
                   <a:ext uri="{0D108BD9-81ED-4DB2-BD59-A6C34878D82A}">
-                    <a16:rowId xmlns:a16="http://schemas.microsoft.com/office/drawing/2014/main" xmlns="" val="10001"/>
+                    <a16:rowId xmlns="" xmlns:a16="http://schemas.microsoft.com/office/drawing/2014/main" val="10001"/>
                   </a:ext>
                 </a:extLst>
               </a:tr>
@@ -19008,7 +20222,7 @@
                 </a:tc>
                 <a:extLst>
                   <a:ext uri="{0D108BD9-81ED-4DB2-BD59-A6C34878D82A}">
-                    <a16:rowId xmlns:a16="http://schemas.microsoft.com/office/drawing/2014/main" xmlns="" val="10002"/>
+                    <a16:rowId xmlns="" xmlns:a16="http://schemas.microsoft.com/office/drawing/2014/main" val="10002"/>
                   </a:ext>
                 </a:extLst>
               </a:tr>
@@ -19017,6 +20231,11 @@
         </a:graphic>
       </p:graphicFrame>
     </p:spTree>
+    <p:extLst>
+      <p:ext uri="{BB962C8B-B14F-4D97-AF65-F5344CB8AC3E}">
+        <p14:creationId xmlns:p14="http://schemas.microsoft.com/office/powerpoint/2010/main" val="577481342"/>
+      </p:ext>
+    </p:extLst>
   </p:cSld>
   <p:clrMapOvr>
     <a:masterClrMapping/>
@@ -19024,72 +20243,6 @@
   <p:transition>
     <p:checker/>
   </p:transition>
-</p:sld>
-</file>
-
-<file path=ppt/slides/slide38.xml><?xml version="1.0" encoding="utf-8"?>
-<p:sld xmlns:a="http://schemas.openxmlformats.org/drawingml/2006/main" xmlns:r="http://schemas.openxmlformats.org/officeDocument/2006/relationships" xmlns:p="http://schemas.openxmlformats.org/presentationml/2006/main">
-  <p:cSld>
-    <p:spTree>
-      <p:nvGrpSpPr>
-        <p:cNvPr id="1" name=""/>
-        <p:cNvGrpSpPr/>
-        <p:nvPr/>
-      </p:nvGrpSpPr>
-      <p:grpSpPr>
-        <a:xfrm>
-          <a:off x="0" y="0"/>
-          <a:ext cx="0" cy="0"/>
-          <a:chOff x="0" y="0"/>
-          <a:chExt cx="0" cy="0"/>
-        </a:xfrm>
-      </p:grpSpPr>
-      <p:sp>
-        <p:nvSpPr>
-          <p:cNvPr id="26626" name="Rectangle 2"/>
-          <p:cNvSpPr>
-            <a:spLocks noGrp="1" noChangeArrowheads="1"/>
-          </p:cNvSpPr>
-          <p:nvPr>
-            <p:ph type="ctrTitle"/>
-          </p:nvPr>
-        </p:nvSpPr>
-        <p:spPr/>
-        <p:txBody>
-          <a:bodyPr/>
-          <a:lstStyle/>
-          <a:p>
-            <a:r>
-              <a:rPr lang="en-US" altLang="zh-TW" smtClean="0"/>
-              <a:t>QUESTIONS</a:t>
-            </a:r>
-          </a:p>
-        </p:txBody>
-      </p:sp>
-      <p:sp>
-        <p:nvSpPr>
-          <p:cNvPr id="3" name="Subtitle 2"/>
-          <p:cNvSpPr>
-            <a:spLocks noGrp="1"/>
-          </p:cNvSpPr>
-          <p:nvPr>
-            <p:ph type="subTitle" idx="1"/>
-          </p:nvPr>
-        </p:nvSpPr>
-        <p:spPr/>
-        <p:txBody>
-          <a:bodyPr/>
-          <a:lstStyle/>
-          <a:p>
-            <a:endParaRPr lang="zh-HK" altLang="en-US"/>
-          </a:p>
-        </p:txBody>
-      </p:sp>
-    </p:spTree>
-  </p:cSld>
-  <p:clrMapOvr>
-    <a:masterClrMapping/>
-  </p:clrMapOvr>
 </p:sld>
 </file>
 
@@ -19189,6 +20342,11 @@
         </p:txBody>
       </p:sp>
     </p:spTree>
+    <p:extLst>
+      <p:ext uri="{BB962C8B-B14F-4D97-AF65-F5344CB8AC3E}">
+        <p14:creationId xmlns:p14="http://schemas.microsoft.com/office/powerpoint/2010/main" val="1990282830"/>
+      </p:ext>
+    </p:extLst>
   </p:cSld>
   <p:clrMapOvr>
     <a:masterClrMapping/>
@@ -19196,6 +20354,77 @@
   <p:transition>
     <p:checker/>
   </p:transition>
+</p:sld>
+</file>
+
+<file path=ppt/slides/slide40.xml><?xml version="1.0" encoding="utf-8"?>
+<p:sld xmlns:a="http://schemas.openxmlformats.org/drawingml/2006/main" xmlns:r="http://schemas.openxmlformats.org/officeDocument/2006/relationships" xmlns:p="http://schemas.openxmlformats.org/presentationml/2006/main">
+  <p:cSld>
+    <p:spTree>
+      <p:nvGrpSpPr>
+        <p:cNvPr id="1" name=""/>
+        <p:cNvGrpSpPr/>
+        <p:nvPr/>
+      </p:nvGrpSpPr>
+      <p:grpSpPr>
+        <a:xfrm>
+          <a:off x="0" y="0"/>
+          <a:ext cx="0" cy="0"/>
+          <a:chOff x="0" y="0"/>
+          <a:chExt cx="0" cy="0"/>
+        </a:xfrm>
+      </p:grpSpPr>
+      <p:sp>
+        <p:nvSpPr>
+          <p:cNvPr id="26626" name="Rectangle 2"/>
+          <p:cNvSpPr>
+            <a:spLocks noGrp="1" noChangeArrowheads="1"/>
+          </p:cNvSpPr>
+          <p:nvPr>
+            <p:ph type="ctrTitle"/>
+          </p:nvPr>
+        </p:nvSpPr>
+        <p:spPr/>
+        <p:txBody>
+          <a:bodyPr/>
+          <a:lstStyle/>
+          <a:p>
+            <a:r>
+              <a:rPr lang="en-US" altLang="zh-TW" smtClean="0"/>
+              <a:t>QUESTIONS</a:t>
+            </a:r>
+          </a:p>
+        </p:txBody>
+      </p:sp>
+      <p:sp>
+        <p:nvSpPr>
+          <p:cNvPr id="3" name="Subtitle 2"/>
+          <p:cNvSpPr>
+            <a:spLocks noGrp="1"/>
+          </p:cNvSpPr>
+          <p:nvPr>
+            <p:ph type="subTitle" idx="1"/>
+          </p:nvPr>
+        </p:nvSpPr>
+        <p:spPr/>
+        <p:txBody>
+          <a:bodyPr/>
+          <a:lstStyle/>
+          <a:p>
+            <a:endParaRPr lang="zh-HK" altLang="en-US"/>
+          </a:p>
+        </p:txBody>
+      </p:sp>
+    </p:spTree>
+    <p:extLst>
+      <p:ext uri="{BB962C8B-B14F-4D97-AF65-F5344CB8AC3E}">
+        <p14:creationId xmlns:p14="http://schemas.microsoft.com/office/powerpoint/2010/main" val="1250314201"/>
+      </p:ext>
+    </p:extLst>
+  </p:cSld>
+  <p:clrMapOvr>
+    <a:masterClrMapping/>
+  </p:clrMapOvr>
 </p:sld>
 </file>
 
@@ -19235,7 +20464,6 @@
               <a:rPr lang="en-US" altLang="zh-TW" dirty="0" smtClean="0"/>
               <a:t>quotation</a:t>
             </a:r>
-            <a:endParaRPr lang="en-US" altLang="zh-TW" dirty="0" smtClean="0"/>
           </a:p>
         </p:txBody>
       </p:sp>
@@ -19264,11 +20492,7 @@
             </a:r>
             <a:r>
               <a:rPr lang="en-US" altLang="zh-TW" dirty="0" smtClean="0"/>
-              <a:t>=007</a:t>
-            </a:r>
-            <a:r>
-              <a:rPr lang="en-US" altLang="zh-TW" dirty="0" smtClean="0"/>
-              <a:t>;</a:t>
+              <a:t>=007;</a:t>
             </a:r>
           </a:p>
           <a:p>
@@ -19319,10 +20543,64 @@
           </a:p>
         </p:txBody>
       </p:sp>
+      <p:pic>
+        <p:nvPicPr>
+          <p:cNvPr id="2" name="Picture 1"/>
+          <p:cNvPicPr>
+            <a:picLocks noChangeAspect="1"/>
+          </p:cNvPicPr>
+          <p:nvPr/>
+        </p:nvPicPr>
+        <p:blipFill>
+          <a:blip r:embed="rId3">
+            <a:extLst>
+              <a:ext uri="{28A0092B-C50C-407E-A947-70E740481C1C}">
+                <a14:useLocalDpi xmlns:a14="http://schemas.microsoft.com/office/drawing/2010/main" val="0"/>
+              </a:ext>
+            </a:extLst>
+          </a:blip>
+          <a:stretch>
+            <a:fillRect/>
+          </a:stretch>
+        </p:blipFill>
+        <p:spPr>
+          <a:xfrm>
+            <a:off x="4716016" y="2237908"/>
+            <a:ext cx="4064000" cy="2095500"/>
+          </a:xfrm>
+          <a:prstGeom prst="rect">
+            <a:avLst/>
+          </a:prstGeom>
+        </p:spPr>
+      </p:pic>
+      <p:pic>
+        <p:nvPicPr>
+          <p:cNvPr id="3" name="Picture 2"/>
+          <p:cNvPicPr>
+            <a:picLocks noChangeAspect="1"/>
+          </p:cNvPicPr>
+          <p:nvPr/>
+        </p:nvPicPr>
+        <p:blipFill>
+          <a:blip r:embed="rId4"/>
+          <a:stretch>
+            <a:fillRect/>
+          </a:stretch>
+        </p:blipFill>
+        <p:spPr>
+          <a:xfrm>
+            <a:off x="6986240" y="4565376"/>
+            <a:ext cx="1793776" cy="1793776"/>
+          </a:xfrm>
+          <a:prstGeom prst="rect">
+            <a:avLst/>
+          </a:prstGeom>
+        </p:spPr>
+      </p:pic>
     </p:spTree>
     <p:extLst>
       <p:ext uri="{BB962C8B-B14F-4D97-AF65-F5344CB8AC3E}">
-        <p14:creationId xmlns:p14="http://schemas.microsoft.com/office/powerpoint/2010/main" val="3452413021"/>
+        <p14:creationId xmlns:p14="http://schemas.microsoft.com/office/powerpoint/2010/main" val="510073223"/>
       </p:ext>
     </p:extLst>
   </p:cSld>
@@ -19433,6 +20711,11 @@
         </p:txBody>
       </p:sp>
     </p:spTree>
+    <p:extLst>
+      <p:ext uri="{BB962C8B-B14F-4D97-AF65-F5344CB8AC3E}">
+        <p14:creationId xmlns:p14="http://schemas.microsoft.com/office/powerpoint/2010/main" val="1169253286"/>
+      </p:ext>
+    </p:extLst>
   </p:cSld>
   <p:clrMapOvr>
     <a:masterClrMapping/>
@@ -19509,11 +20792,7 @@
             <a:graphicFrameLocks noGrp="1"/>
           </p:cNvGraphicFramePr>
           <p:nvPr>
-            <p:extLst>
-              <p:ext uri="{D42A27DB-BD31-4B8C-83A1-F6EECF244321}">
-                <p14:modId xmlns:p14="http://schemas.microsoft.com/office/powerpoint/2010/main" val="1289669023"/>
-              </p:ext>
-            </p:extLst>
+            <p:extLst/>
           </p:nvPr>
         </p:nvGraphicFramePr>
         <p:xfrm>
@@ -19530,21 +20809,21 @@
                 <a:gridCol w="904875">
                   <a:extLst>
                     <a:ext uri="{9D8B030D-6E8A-4147-A177-3AD203B41FA5}">
-                      <a16:colId xmlns:a16="http://schemas.microsoft.com/office/drawing/2014/main" xmlns="" val="20000"/>
+                      <a16:colId xmlns="" xmlns:a16="http://schemas.microsoft.com/office/drawing/2014/main" val="20000"/>
                     </a:ext>
                   </a:extLst>
                 </a:gridCol>
                 <a:gridCol w="904875">
                   <a:extLst>
                     <a:ext uri="{9D8B030D-6E8A-4147-A177-3AD203B41FA5}">
-                      <a16:colId xmlns:a16="http://schemas.microsoft.com/office/drawing/2014/main" xmlns="" val="20001"/>
+                      <a16:colId xmlns="" xmlns:a16="http://schemas.microsoft.com/office/drawing/2014/main" val="20001"/>
                     </a:ext>
                   </a:extLst>
                 </a:gridCol>
                 <a:gridCol w="904875">
                   <a:extLst>
                     <a:ext uri="{9D8B030D-6E8A-4147-A177-3AD203B41FA5}">
-                      <a16:colId xmlns:a16="http://schemas.microsoft.com/office/drawing/2014/main" xmlns="" val="20002"/>
+                      <a16:colId xmlns="" xmlns:a16="http://schemas.microsoft.com/office/drawing/2014/main" val="20002"/>
                     </a:ext>
                   </a:extLst>
                 </a:gridCol>
@@ -19800,7 +21079,7 @@
                 </a:tc>
                 <a:extLst>
                   <a:ext uri="{0D108BD9-81ED-4DB2-BD59-A6C34878D82A}">
-                    <a16:rowId xmlns:a16="http://schemas.microsoft.com/office/drawing/2014/main" xmlns="" val="10000"/>
+                    <a16:rowId xmlns="" xmlns:a16="http://schemas.microsoft.com/office/drawing/2014/main" val="10000"/>
                   </a:ext>
                 </a:extLst>
               </a:tr>
@@ -20068,7 +21347,7 @@
                 </a:tc>
                 <a:extLst>
                   <a:ext uri="{0D108BD9-81ED-4DB2-BD59-A6C34878D82A}">
-                    <a16:rowId xmlns:a16="http://schemas.microsoft.com/office/drawing/2014/main" xmlns="" val="10001"/>
+                    <a16:rowId xmlns="" xmlns:a16="http://schemas.microsoft.com/office/drawing/2014/main" val="10001"/>
                   </a:ext>
                 </a:extLst>
               </a:tr>
@@ -20336,7 +21615,7 @@
                 </a:tc>
                 <a:extLst>
                   <a:ext uri="{0D108BD9-81ED-4DB2-BD59-A6C34878D82A}">
-                    <a16:rowId xmlns:a16="http://schemas.microsoft.com/office/drawing/2014/main" xmlns="" val="10002"/>
+                    <a16:rowId xmlns="" xmlns:a16="http://schemas.microsoft.com/office/drawing/2014/main" val="10002"/>
                   </a:ext>
                 </a:extLst>
               </a:tr>
@@ -20351,11 +21630,7 @@
             <a:graphicFrameLocks noGrp="1"/>
           </p:cNvGraphicFramePr>
           <p:nvPr>
-            <p:extLst>
-              <p:ext uri="{D42A27DB-BD31-4B8C-83A1-F6EECF244321}">
-                <p14:modId xmlns:p14="http://schemas.microsoft.com/office/powerpoint/2010/main" val="3082385161"/>
-              </p:ext>
-            </p:extLst>
+            <p:extLst/>
           </p:nvPr>
         </p:nvGraphicFramePr>
         <p:xfrm>
@@ -20370,21 +21645,21 @@
                 <a:gridCol w="904875">
                   <a:extLst>
                     <a:ext uri="{9D8B030D-6E8A-4147-A177-3AD203B41FA5}">
-                      <a16:colId xmlns:a16="http://schemas.microsoft.com/office/drawing/2014/main" xmlns="" val="20000"/>
+                      <a16:colId xmlns="" xmlns:a16="http://schemas.microsoft.com/office/drawing/2014/main" val="20000"/>
                     </a:ext>
                   </a:extLst>
                 </a:gridCol>
                 <a:gridCol w="904875">
                   <a:extLst>
                     <a:ext uri="{9D8B030D-6E8A-4147-A177-3AD203B41FA5}">
-                      <a16:colId xmlns:a16="http://schemas.microsoft.com/office/drawing/2014/main" xmlns="" val="20001"/>
+                      <a16:colId xmlns="" xmlns:a16="http://schemas.microsoft.com/office/drawing/2014/main" val="20001"/>
                     </a:ext>
                   </a:extLst>
                 </a:gridCol>
                 <a:gridCol w="904875">
                   <a:extLst>
                     <a:ext uri="{9D8B030D-6E8A-4147-A177-3AD203B41FA5}">
-                      <a16:colId xmlns:a16="http://schemas.microsoft.com/office/drawing/2014/main" xmlns="" val="20002"/>
+                      <a16:colId xmlns="" xmlns:a16="http://schemas.microsoft.com/office/drawing/2014/main" val="20002"/>
                     </a:ext>
                   </a:extLst>
                 </a:gridCol>
@@ -20671,7 +21946,7 @@
                 </a:tc>
                 <a:extLst>
                   <a:ext uri="{0D108BD9-81ED-4DB2-BD59-A6C34878D82A}">
-                    <a16:rowId xmlns:a16="http://schemas.microsoft.com/office/drawing/2014/main" xmlns="" val="10000"/>
+                    <a16:rowId xmlns="" xmlns:a16="http://schemas.microsoft.com/office/drawing/2014/main" val="10000"/>
                   </a:ext>
                 </a:extLst>
               </a:tr>
@@ -20969,7 +22244,7 @@
                 </a:tc>
                 <a:extLst>
                   <a:ext uri="{0D108BD9-81ED-4DB2-BD59-A6C34878D82A}">
-                    <a16:rowId xmlns:a16="http://schemas.microsoft.com/office/drawing/2014/main" xmlns="" val="10001"/>
+                    <a16:rowId xmlns="" xmlns:a16="http://schemas.microsoft.com/office/drawing/2014/main" val="10001"/>
                   </a:ext>
                 </a:extLst>
               </a:tr>
@@ -21267,7 +22542,7 @@
                 </a:tc>
                 <a:extLst>
                   <a:ext uri="{0D108BD9-81ED-4DB2-BD59-A6C34878D82A}">
-                    <a16:rowId xmlns:a16="http://schemas.microsoft.com/office/drawing/2014/main" xmlns="" val="10002"/>
+                    <a16:rowId xmlns="" xmlns:a16="http://schemas.microsoft.com/office/drawing/2014/main" val="10002"/>
                   </a:ext>
                 </a:extLst>
               </a:tr>
@@ -21282,11 +22557,7 @@
             <a:graphicFrameLocks noGrp="1"/>
           </p:cNvGraphicFramePr>
           <p:nvPr>
-            <p:extLst>
-              <p:ext uri="{D42A27DB-BD31-4B8C-83A1-F6EECF244321}">
-                <p14:modId xmlns:p14="http://schemas.microsoft.com/office/powerpoint/2010/main" val="2908438083"/>
-              </p:ext>
-            </p:extLst>
+            <p:extLst/>
           </p:nvPr>
         </p:nvGraphicFramePr>
         <p:xfrm>
@@ -21301,14 +22572,14 @@
                 <a:gridCol w="904875">
                   <a:extLst>
                     <a:ext uri="{9D8B030D-6E8A-4147-A177-3AD203B41FA5}">
-                      <a16:colId xmlns:a16="http://schemas.microsoft.com/office/drawing/2014/main" xmlns="" val="20000"/>
+                      <a16:colId xmlns="" xmlns:a16="http://schemas.microsoft.com/office/drawing/2014/main" val="20000"/>
                     </a:ext>
                   </a:extLst>
                 </a:gridCol>
                 <a:gridCol w="904875">
                   <a:extLst>
                     <a:ext uri="{9D8B030D-6E8A-4147-A177-3AD203B41FA5}">
-                      <a16:colId xmlns:a16="http://schemas.microsoft.com/office/drawing/2014/main" xmlns="" val="20001"/>
+                      <a16:colId xmlns="" xmlns:a16="http://schemas.microsoft.com/office/drawing/2014/main" val="20001"/>
                     </a:ext>
                   </a:extLst>
                 </a:gridCol>
@@ -21498,7 +22769,7 @@
                 </a:tc>
                 <a:extLst>
                   <a:ext uri="{0D108BD9-81ED-4DB2-BD59-A6C34878D82A}">
-                    <a16:rowId xmlns:a16="http://schemas.microsoft.com/office/drawing/2014/main" xmlns="" val="10000"/>
+                    <a16:rowId xmlns="" xmlns:a16="http://schemas.microsoft.com/office/drawing/2014/main" val="10000"/>
                   </a:ext>
                 </a:extLst>
               </a:tr>
@@ -21699,7 +22970,7 @@
                 </a:tc>
                 <a:extLst>
                   <a:ext uri="{0D108BD9-81ED-4DB2-BD59-A6C34878D82A}">
-                    <a16:rowId xmlns:a16="http://schemas.microsoft.com/office/drawing/2014/main" xmlns="" val="10001"/>
+                    <a16:rowId xmlns="" xmlns:a16="http://schemas.microsoft.com/office/drawing/2014/main" val="10001"/>
                   </a:ext>
                 </a:extLst>
               </a:tr>
@@ -21900,7 +23171,7 @@
                 </a:tc>
                 <a:extLst>
                   <a:ext uri="{0D108BD9-81ED-4DB2-BD59-A6C34878D82A}">
-                    <a16:rowId xmlns:a16="http://schemas.microsoft.com/office/drawing/2014/main" xmlns="" val="10002"/>
+                    <a16:rowId xmlns="" xmlns:a16="http://schemas.microsoft.com/office/drawing/2014/main" val="10002"/>
                   </a:ext>
                 </a:extLst>
               </a:tr>
@@ -21915,38 +23186,118 @@
             <a:graphicFrameLocks noGrp="1"/>
           </p:cNvGraphicFramePr>
           <p:nvPr>
-            <p:extLst>
-              <p:ext uri="{D42A27DB-BD31-4B8C-83A1-F6EECF244321}">
-                <p14:modId xmlns:p14="http://schemas.microsoft.com/office/powerpoint/2010/main" val="1550865857"/>
-              </p:ext>
-            </p:extLst>
+            <p:extLst/>
           </p:nvPr>
         </p:nvGraphicFramePr>
         <p:xfrm>
-          <a:off x="3923928" y="1772816"/>
-          <a:ext cx="1809750" cy="1508760"/>
+          <a:off x="3069384" y="1772816"/>
+          <a:ext cx="3518840" cy="1508760"/>
         </p:xfrm>
         <a:graphic>
           <a:graphicData uri="http://schemas.openxmlformats.org/drawingml/2006/table">
             <a:tbl>
               <a:tblPr/>
               <a:tblGrid>
-                <a:gridCol w="904875">
+                <a:gridCol w="879710"/>
+                <a:gridCol w="879710">
                   <a:extLst>
                     <a:ext uri="{9D8B030D-6E8A-4147-A177-3AD203B41FA5}">
-                      <a16:colId xmlns:a16="http://schemas.microsoft.com/office/drawing/2014/main" xmlns="" val="20000"/>
+                      <a16:colId xmlns="" xmlns:a16="http://schemas.microsoft.com/office/drawing/2014/main" val="20000"/>
                     </a:ext>
                   </a:extLst>
                 </a:gridCol>
-                <a:gridCol w="904875">
+                <a:gridCol w="879710">
                   <a:extLst>
                     <a:ext uri="{9D8B030D-6E8A-4147-A177-3AD203B41FA5}">
-                      <a16:colId xmlns:a16="http://schemas.microsoft.com/office/drawing/2014/main" xmlns="" val="20001"/>
+                      <a16:colId xmlns="" xmlns:a16="http://schemas.microsoft.com/office/drawing/2014/main" val="20001"/>
                     </a:ext>
                   </a:extLst>
                 </a:gridCol>
+                <a:gridCol w="879710"/>
               </a:tblGrid>
               <a:tr h="154285">
+                <a:tc>
+                  <a:txBody>
+                    <a:bodyPr/>
+                    <a:lstStyle/>
+                    <a:p>
+                      <a:pPr marL="0" marR="0" lvl="0" indent="0" algn="l" defTabSz="914400" rtl="0" eaLnBrk="1" fontAlgn="base" latinLnBrk="0" hangingPunct="1">
+                        <a:lnSpc>
+                          <a:spcPct val="100000"/>
+                        </a:lnSpc>
+                        <a:spcBef>
+                          <a:spcPct val="0"/>
+                        </a:spcBef>
+                        <a:spcAft>
+                          <a:spcPct val="0"/>
+                        </a:spcAft>
+                        <a:buClrTx/>
+                        <a:buSzTx/>
+                        <a:buFontTx/>
+                        <a:buNone/>
+                        <a:tabLst/>
+                      </a:pPr>
+                      <a:endParaRPr kumimoji="0" lang="en-US" altLang="zh-TW" sz="1800" b="1" i="0" u="none" strike="noStrike" cap="none" normalizeH="0" baseline="0" dirty="0" smtClean="0">
+                        <a:ln>
+                          <a:noFill/>
+                        </a:ln>
+                        <a:solidFill>
+                          <a:srgbClr val="FFFFFF"/>
+                        </a:solidFill>
+                        <a:effectLst/>
+                        <a:latin typeface="Times New Roman" pitchFamily="18" charset="0"/>
+                        <a:ea typeface="新細明體" pitchFamily="18" charset="-120"/>
+                      </a:endParaRPr>
+                    </a:p>
+                  </a:txBody>
+                  <a:tcPr horzOverflow="overflow">
+                    <a:lnL w="12700" cap="flat" cmpd="sng" algn="ctr">
+                      <a:solidFill>
+                        <a:schemeClr val="tx1"/>
+                      </a:solidFill>
+                      <a:prstDash val="solid"/>
+                      <a:round/>
+                      <a:headEnd type="none" w="med" len="med"/>
+                      <a:tailEnd type="none" w="med" len="med"/>
+                    </a:lnL>
+                    <a:lnR w="12700" cap="flat" cmpd="sng" algn="ctr">
+                      <a:solidFill>
+                        <a:schemeClr val="tx1"/>
+                      </a:solidFill>
+                      <a:prstDash val="solid"/>
+                      <a:round/>
+                      <a:headEnd type="none" w="med" len="med"/>
+                      <a:tailEnd type="none" w="med" len="med"/>
+                    </a:lnR>
+                    <a:lnT w="12700" cap="flat" cmpd="sng" algn="ctr">
+                      <a:solidFill>
+                        <a:schemeClr val="tx1"/>
+                      </a:solidFill>
+                      <a:prstDash val="solid"/>
+                      <a:round/>
+                      <a:headEnd type="none" w="med" len="med"/>
+                      <a:tailEnd type="none" w="med" len="med"/>
+                    </a:lnT>
+                    <a:lnB w="38100" cap="flat" cmpd="sng" algn="ctr">
+                      <a:solidFill>
+                        <a:schemeClr val="tx1"/>
+                      </a:solidFill>
+                      <a:prstDash val="solid"/>
+                      <a:round/>
+                      <a:headEnd type="none" w="med" len="med"/>
+                      <a:tailEnd type="none" w="med" len="med"/>
+                    </a:lnB>
+                    <a:lnTlToBr>
+                      <a:noFill/>
+                    </a:lnTlToBr>
+                    <a:lnBlToTr>
+                      <a:noFill/>
+                    </a:lnBlToTr>
+                    <a:solidFill>
+                      <a:schemeClr val="accent2"/>
+                    </a:solidFill>
+                  </a:tcPr>
+                </a:tc>
                 <a:tc>
                   <a:txBody>
                     <a:bodyPr/>
@@ -22054,7 +23405,7 @@
                         <a:tabLst/>
                       </a:pPr>
                       <a:r>
-                        <a:rPr kumimoji="0" lang="en-US" altLang="zh-TW" sz="1800" b="1" i="0" u="none" strike="noStrike" cap="none" normalizeH="0" baseline="0" smtClean="0">
+                        <a:rPr kumimoji="0" lang="en-US" altLang="zh-TW" sz="1800" b="1" i="0" u="none" strike="noStrike" cap="none" normalizeH="0" baseline="0" dirty="0" smtClean="0">
                           <a:ln>
                             <a:noFill/>
                           </a:ln>
@@ -22067,6 +23418,77 @@
                         </a:rPr>
                         <a:t>Case 2</a:t>
                       </a:r>
+                    </a:p>
+                  </a:txBody>
+                  <a:tcPr horzOverflow="overflow">
+                    <a:lnL w="12700" cap="flat" cmpd="sng" algn="ctr">
+                      <a:solidFill>
+                        <a:schemeClr val="tx1"/>
+                      </a:solidFill>
+                      <a:prstDash val="solid"/>
+                      <a:round/>
+                      <a:headEnd type="none" w="med" len="med"/>
+                      <a:tailEnd type="none" w="med" len="med"/>
+                    </a:lnL>
+                    <a:lnR w="12700" cap="flat" cmpd="sng" algn="ctr">
+                      <a:solidFill>
+                        <a:schemeClr val="tx1"/>
+                      </a:solidFill>
+                      <a:prstDash val="solid"/>
+                      <a:round/>
+                      <a:headEnd type="none" w="med" len="med"/>
+                      <a:tailEnd type="none" w="med" len="med"/>
+                    </a:lnR>
+                    <a:lnT w="12700" cap="flat" cmpd="sng" algn="ctr">
+                      <a:solidFill>
+                        <a:schemeClr val="tx1"/>
+                      </a:solidFill>
+                      <a:prstDash val="solid"/>
+                      <a:round/>
+                      <a:headEnd type="none" w="med" len="med"/>
+                      <a:tailEnd type="none" w="med" len="med"/>
+                    </a:lnT>
+                    <a:lnB w="38100" cap="flat" cmpd="sng" algn="ctr">
+                      <a:solidFill>
+                        <a:schemeClr val="tx1"/>
+                      </a:solidFill>
+                      <a:prstDash val="solid"/>
+                      <a:round/>
+                      <a:headEnd type="none" w="med" len="med"/>
+                      <a:tailEnd type="none" w="med" len="med"/>
+                    </a:lnB>
+                    <a:lnTlToBr>
+                      <a:noFill/>
+                    </a:lnTlToBr>
+                    <a:lnBlToTr>
+                      <a:noFill/>
+                    </a:lnBlToTr>
+                    <a:solidFill>
+                      <a:schemeClr val="accent2"/>
+                    </a:solidFill>
+                  </a:tcPr>
+                </a:tc>
+                <a:tc>
+                  <a:txBody>
+                    <a:bodyPr/>
+                    <a:lstStyle/>
+                    <a:p>
+                      <a:pPr marL="0" marR="0" lvl="0" indent="0" algn="l" defTabSz="914400" rtl="0" eaLnBrk="1" fontAlgn="base" latinLnBrk="0" hangingPunct="1">
+                        <a:lnSpc>
+                          <a:spcPct val="100000"/>
+                        </a:lnSpc>
+                        <a:spcBef>
+                          <a:spcPct val="0"/>
+                        </a:spcBef>
+                        <a:spcAft>
+                          <a:spcPct val="0"/>
+                        </a:spcAft>
+                        <a:buClrTx/>
+                        <a:buSzTx/>
+                        <a:buFontTx/>
+                        <a:buNone/>
+                        <a:tabLst/>
+                      </a:pPr>
                       <a:endParaRPr kumimoji="0" lang="en-US" altLang="zh-TW" sz="1800" b="1" i="0" u="none" strike="noStrike" cap="none" normalizeH="0" baseline="0" dirty="0" smtClean="0">
                         <a:ln>
                           <a:noFill/>
@@ -22130,11 +23552,96 @@
                 </a:tc>
                 <a:extLst>
                   <a:ext uri="{0D108BD9-81ED-4DB2-BD59-A6C34878D82A}">
-                    <a16:rowId xmlns:a16="http://schemas.microsoft.com/office/drawing/2014/main" xmlns="" val="10000"/>
+                    <a16:rowId xmlns="" xmlns:a16="http://schemas.microsoft.com/office/drawing/2014/main" val="10000"/>
                   </a:ext>
                 </a:extLst>
               </a:tr>
               <a:tr h="571500">
+                <a:tc>
+                  <a:txBody>
+                    <a:bodyPr/>
+                    <a:lstStyle/>
+                    <a:p>
+                      <a:pPr marL="0" marR="0" lvl="0" indent="0" algn="l" defTabSz="914400" rtl="0" eaLnBrk="1" fontAlgn="base" latinLnBrk="0" hangingPunct="1">
+                        <a:lnSpc>
+                          <a:spcPct val="100000"/>
+                        </a:lnSpc>
+                        <a:spcBef>
+                          <a:spcPct val="0"/>
+                        </a:spcBef>
+                        <a:spcAft>
+                          <a:spcPct val="0"/>
+                        </a:spcAft>
+                        <a:buClrTx/>
+                        <a:buSzTx/>
+                        <a:buFontTx/>
+                        <a:buNone/>
+                        <a:tabLst/>
+                      </a:pPr>
+                      <a:r>
+                        <a:rPr kumimoji="0" lang="en-US" altLang="zh-TW" sz="1800" b="1" i="0" u="none" strike="noStrike" cap="none" normalizeH="0" baseline="0" dirty="0" smtClean="0">
+                          <a:ln>
+                            <a:noFill/>
+                          </a:ln>
+                          <a:solidFill>
+                            <a:schemeClr val="tx1"/>
+                          </a:solidFill>
+                          <a:effectLst/>
+                          <a:latin typeface="Times New Roman" pitchFamily="18" charset="0"/>
+                          <a:ea typeface="新細明體" pitchFamily="18" charset="-120"/>
+                        </a:rPr>
+                        <a:t>Yes</a:t>
+                      </a:r>
+                    </a:p>
+                  </a:txBody>
+                  <a:tcPr horzOverflow="overflow">
+                    <a:lnL w="12700" cap="flat" cmpd="sng" algn="ctr">
+                      <a:solidFill>
+                        <a:schemeClr val="tx1"/>
+                      </a:solidFill>
+                      <a:prstDash val="solid"/>
+                      <a:round/>
+                      <a:headEnd type="none" w="med" len="med"/>
+                      <a:tailEnd type="none" w="med" len="med"/>
+                    </a:lnL>
+                    <a:lnR w="12700" cap="flat" cmpd="sng" algn="ctr">
+                      <a:solidFill>
+                        <a:schemeClr val="tx1"/>
+                      </a:solidFill>
+                      <a:prstDash val="solid"/>
+                      <a:round/>
+                      <a:headEnd type="none" w="med" len="med"/>
+                      <a:tailEnd type="none" w="med" len="med"/>
+                    </a:lnR>
+                    <a:lnT w="38100" cap="flat" cmpd="sng" algn="ctr">
+                      <a:solidFill>
+                        <a:schemeClr val="tx1"/>
+                      </a:solidFill>
+                      <a:prstDash val="solid"/>
+                      <a:round/>
+                      <a:headEnd type="none" w="med" len="med"/>
+                      <a:tailEnd type="none" w="med" len="med"/>
+                    </a:lnT>
+                    <a:lnB w="12700" cap="flat" cmpd="sng" algn="ctr">
+                      <a:solidFill>
+                        <a:schemeClr val="tx1"/>
+                      </a:solidFill>
+                      <a:prstDash val="solid"/>
+                      <a:round/>
+                      <a:headEnd type="none" w="med" len="med"/>
+                      <a:tailEnd type="none" w="med" len="med"/>
+                    </a:lnB>
+                    <a:lnTlToBr>
+                      <a:noFill/>
+                    </a:lnTlToBr>
+                    <a:lnBlToTr>
+                      <a:noFill/>
+                    </a:lnBlToTr>
+                    <a:solidFill>
+                      <a:schemeClr val="bg1"/>
+                    </a:solidFill>
+                  </a:tcPr>
+                </a:tc>
                 <a:tc>
                   <a:txBody>
                     <a:bodyPr/>
@@ -22329,13 +23836,183 @@
                     </a:solidFill>
                   </a:tcPr>
                 </a:tc>
+                <a:tc>
+                  <a:txBody>
+                    <a:bodyPr/>
+                    <a:lstStyle/>
+                    <a:p>
+                      <a:pPr marL="0" marR="0" lvl="0" indent="0" algn="l" defTabSz="914400" rtl="0" eaLnBrk="1" fontAlgn="base" latinLnBrk="0" hangingPunct="1">
+                        <a:lnSpc>
+                          <a:spcPct val="100000"/>
+                        </a:lnSpc>
+                        <a:spcBef>
+                          <a:spcPct val="0"/>
+                        </a:spcBef>
+                        <a:spcAft>
+                          <a:spcPct val="0"/>
+                        </a:spcAft>
+                        <a:buClrTx/>
+                        <a:buSzTx/>
+                        <a:buFontTx/>
+                        <a:buNone/>
+                        <a:tabLst/>
+                      </a:pPr>
+                      <a:r>
+                        <a:rPr kumimoji="0" lang="en-US" altLang="zh-TW" sz="1800" b="1" i="0" u="none" strike="noStrike" cap="none" normalizeH="0" baseline="0" dirty="0" smtClean="0">
+                          <a:ln>
+                            <a:noFill/>
+                          </a:ln>
+                          <a:solidFill>
+                            <a:srgbClr val="000000"/>
+                          </a:solidFill>
+                          <a:effectLst/>
+                          <a:latin typeface="Times New Roman" pitchFamily="18" charset="0"/>
+                          <a:ea typeface="新細明體" pitchFamily="18" charset="-120"/>
+                        </a:rPr>
+                        <a:t>true</a:t>
+                      </a:r>
+                    </a:p>
+                  </a:txBody>
+                  <a:tcPr horzOverflow="overflow">
+                    <a:lnL w="12700" cap="flat" cmpd="sng" algn="ctr">
+                      <a:solidFill>
+                        <a:schemeClr val="tx1"/>
+                      </a:solidFill>
+                      <a:prstDash val="solid"/>
+                      <a:round/>
+                      <a:headEnd type="none" w="med" len="med"/>
+                      <a:tailEnd type="none" w="med" len="med"/>
+                    </a:lnL>
+                    <a:lnR w="12700" cap="flat" cmpd="sng" algn="ctr">
+                      <a:solidFill>
+                        <a:schemeClr val="tx1"/>
+                      </a:solidFill>
+                      <a:prstDash val="solid"/>
+                      <a:round/>
+                      <a:headEnd type="none" w="med" len="med"/>
+                      <a:tailEnd type="none" w="med" len="med"/>
+                    </a:lnR>
+                    <a:lnT w="38100" cap="flat" cmpd="sng" algn="ctr">
+                      <a:solidFill>
+                        <a:schemeClr val="tx1"/>
+                      </a:solidFill>
+                      <a:prstDash val="solid"/>
+                      <a:round/>
+                      <a:headEnd type="none" w="med" len="med"/>
+                      <a:tailEnd type="none" w="med" len="med"/>
+                    </a:lnT>
+                    <a:lnB w="12700" cap="flat" cmpd="sng" algn="ctr">
+                      <a:solidFill>
+                        <a:schemeClr val="tx1"/>
+                      </a:solidFill>
+                      <a:prstDash val="solid"/>
+                      <a:round/>
+                      <a:headEnd type="none" w="med" len="med"/>
+                      <a:tailEnd type="none" w="med" len="med"/>
+                    </a:lnB>
+                    <a:lnTlToBr>
+                      <a:noFill/>
+                    </a:lnTlToBr>
+                    <a:lnBlToTr>
+                      <a:noFill/>
+                    </a:lnBlToTr>
+                    <a:solidFill>
+                      <a:schemeClr val="bg1"/>
+                    </a:solidFill>
+                  </a:tcPr>
+                </a:tc>
                 <a:extLst>
                   <a:ext uri="{0D108BD9-81ED-4DB2-BD59-A6C34878D82A}">
-                    <a16:rowId xmlns:a16="http://schemas.microsoft.com/office/drawing/2014/main" xmlns="" val="10001"/>
+                    <a16:rowId xmlns="" xmlns:a16="http://schemas.microsoft.com/office/drawing/2014/main" val="10001"/>
                   </a:ext>
                 </a:extLst>
               </a:tr>
               <a:tr h="571500">
+                <a:tc>
+                  <a:txBody>
+                    <a:bodyPr/>
+                    <a:lstStyle/>
+                    <a:p>
+                      <a:pPr marL="0" marR="0" lvl="0" indent="0" algn="l" defTabSz="914400" rtl="0" eaLnBrk="1" fontAlgn="base" latinLnBrk="0" hangingPunct="1">
+                        <a:lnSpc>
+                          <a:spcPct val="100000"/>
+                        </a:lnSpc>
+                        <a:spcBef>
+                          <a:spcPct val="0"/>
+                        </a:spcBef>
+                        <a:spcAft>
+                          <a:spcPct val="0"/>
+                        </a:spcAft>
+                        <a:buClrTx/>
+                        <a:buSzTx/>
+                        <a:buFontTx/>
+                        <a:buNone/>
+                        <a:tabLst/>
+                      </a:pPr>
+                      <a:r>
+                        <a:rPr kumimoji="0" lang="en-US" altLang="zh-TW" sz="1800" b="1" i="0" u="none" strike="noStrike" cap="none" normalizeH="0" baseline="0" dirty="0" smtClean="0">
+                          <a:ln>
+                            <a:noFill/>
+                          </a:ln>
+                          <a:solidFill>
+                            <a:schemeClr val="tx1"/>
+                          </a:solidFill>
+                          <a:effectLst/>
+                          <a:latin typeface="Times New Roman" pitchFamily="18" charset="0"/>
+                          <a:ea typeface="新細明體" pitchFamily="18" charset="-120"/>
+                        </a:rPr>
+                        <a:t>No</a:t>
+                      </a:r>
+                    </a:p>
+                  </a:txBody>
+                  <a:tcPr horzOverflow="overflow">
+                    <a:lnL w="12700" cap="flat" cmpd="sng" algn="ctr">
+                      <a:solidFill>
+                        <a:schemeClr val="tx1"/>
+                      </a:solidFill>
+                      <a:prstDash val="solid"/>
+                      <a:round/>
+                      <a:headEnd type="none" w="med" len="med"/>
+                      <a:tailEnd type="none" w="med" len="med"/>
+                    </a:lnL>
+                    <a:lnR w="12700" cap="flat" cmpd="sng" algn="ctr">
+                      <a:solidFill>
+                        <a:schemeClr val="tx1"/>
+                      </a:solidFill>
+                      <a:prstDash val="solid"/>
+                      <a:round/>
+                      <a:headEnd type="none" w="med" len="med"/>
+                      <a:tailEnd type="none" w="med" len="med"/>
+                    </a:lnR>
+                    <a:lnT w="12700" cap="flat" cmpd="sng" algn="ctr">
+                      <a:solidFill>
+                        <a:schemeClr val="tx1"/>
+                      </a:solidFill>
+                      <a:prstDash val="solid"/>
+                      <a:round/>
+                      <a:headEnd type="none" w="med" len="med"/>
+                      <a:tailEnd type="none" w="med" len="med"/>
+                    </a:lnT>
+                    <a:lnB w="12700" cap="flat" cmpd="sng" algn="ctr">
+                      <a:solidFill>
+                        <a:schemeClr val="tx1"/>
+                      </a:solidFill>
+                      <a:prstDash val="solid"/>
+                      <a:round/>
+                      <a:headEnd type="none" w="med" len="med"/>
+                      <a:tailEnd type="none" w="med" len="med"/>
+                    </a:lnB>
+                    <a:lnTlToBr>
+                      <a:noFill/>
+                    </a:lnTlToBr>
+                    <a:lnBlToTr>
+                      <a:noFill/>
+                    </a:lnBlToTr>
+                    <a:solidFill>
+                      <a:schemeClr val="bg1"/>
+                    </a:solidFill>
+                  </a:tcPr>
+                </a:tc>
                 <a:tc>
                   <a:txBody>
                     <a:bodyPr/>
@@ -22530,9 +24207,94 @@
                     </a:solidFill>
                   </a:tcPr>
                 </a:tc>
+                <a:tc>
+                  <a:txBody>
+                    <a:bodyPr/>
+                    <a:lstStyle/>
+                    <a:p>
+                      <a:pPr marL="0" marR="0" lvl="0" indent="0" algn="l" defTabSz="914400" rtl="0" eaLnBrk="1" fontAlgn="base" latinLnBrk="0" hangingPunct="1">
+                        <a:lnSpc>
+                          <a:spcPct val="100000"/>
+                        </a:lnSpc>
+                        <a:spcBef>
+                          <a:spcPct val="0"/>
+                        </a:spcBef>
+                        <a:spcAft>
+                          <a:spcPct val="0"/>
+                        </a:spcAft>
+                        <a:buClrTx/>
+                        <a:buSzTx/>
+                        <a:buFontTx/>
+                        <a:buNone/>
+                        <a:tabLst/>
+                      </a:pPr>
+                      <a:r>
+                        <a:rPr kumimoji="0" lang="en-US" altLang="zh-TW" sz="1800" b="1" i="0" u="none" strike="noStrike" cap="none" normalizeH="0" baseline="0" dirty="0" smtClean="0">
+                          <a:ln>
+                            <a:noFill/>
+                          </a:ln>
+                          <a:solidFill>
+                            <a:srgbClr val="000000"/>
+                          </a:solidFill>
+                          <a:effectLst/>
+                          <a:latin typeface="Times New Roman" pitchFamily="18" charset="0"/>
+                          <a:ea typeface="新細明體" pitchFamily="18" charset="-120"/>
+                        </a:rPr>
+                        <a:t>false</a:t>
+                      </a:r>
+                    </a:p>
+                  </a:txBody>
+                  <a:tcPr horzOverflow="overflow">
+                    <a:lnL w="12700" cap="flat" cmpd="sng" algn="ctr">
+                      <a:solidFill>
+                        <a:schemeClr val="tx1"/>
+                      </a:solidFill>
+                      <a:prstDash val="solid"/>
+                      <a:round/>
+                      <a:headEnd type="none" w="med" len="med"/>
+                      <a:tailEnd type="none" w="med" len="med"/>
+                    </a:lnL>
+                    <a:lnR w="12700" cap="flat" cmpd="sng" algn="ctr">
+                      <a:solidFill>
+                        <a:schemeClr val="tx1"/>
+                      </a:solidFill>
+                      <a:prstDash val="solid"/>
+                      <a:round/>
+                      <a:headEnd type="none" w="med" len="med"/>
+                      <a:tailEnd type="none" w="med" len="med"/>
+                    </a:lnR>
+                    <a:lnT w="12700" cap="flat" cmpd="sng" algn="ctr">
+                      <a:solidFill>
+                        <a:schemeClr val="tx1"/>
+                      </a:solidFill>
+                      <a:prstDash val="solid"/>
+                      <a:round/>
+                      <a:headEnd type="none" w="med" len="med"/>
+                      <a:tailEnd type="none" w="med" len="med"/>
+                    </a:lnT>
+                    <a:lnB w="12700" cap="flat" cmpd="sng" algn="ctr">
+                      <a:solidFill>
+                        <a:schemeClr val="tx1"/>
+                      </a:solidFill>
+                      <a:prstDash val="solid"/>
+                      <a:round/>
+                      <a:headEnd type="none" w="med" len="med"/>
+                      <a:tailEnd type="none" w="med" len="med"/>
+                    </a:lnB>
+                    <a:lnTlToBr>
+                      <a:noFill/>
+                    </a:lnTlToBr>
+                    <a:lnBlToTr>
+                      <a:noFill/>
+                    </a:lnBlToTr>
+                    <a:solidFill>
+                      <a:schemeClr val="bg1"/>
+                    </a:solidFill>
+                  </a:tcPr>
+                </a:tc>
                 <a:extLst>
                   <a:ext uri="{0D108BD9-81ED-4DB2-BD59-A6C34878D82A}">
-                    <a16:rowId xmlns:a16="http://schemas.microsoft.com/office/drawing/2014/main" xmlns="" val="10002"/>
+                    <a16:rowId xmlns="" xmlns:a16="http://schemas.microsoft.com/office/drawing/2014/main" val="10002"/>
                   </a:ext>
                 </a:extLst>
               </a:tr>
@@ -22541,6 +24303,11 @@
         </a:graphic>
       </p:graphicFrame>
     </p:spTree>
+    <p:extLst>
+      <p:ext uri="{BB962C8B-B14F-4D97-AF65-F5344CB8AC3E}">
+        <p14:creationId xmlns:p14="http://schemas.microsoft.com/office/powerpoint/2010/main" val="42024037"/>
+      </p:ext>
+    </p:extLst>
   </p:cSld>
   <p:clrMapOvr>
     <a:masterClrMapping/>
@@ -22585,9 +24352,8 @@
           <a:p>
             <a:r>
               <a:rPr lang="en-US" altLang="zh-TW" smtClean="0"/>
-              <a:t>Classwork</a:t>
-            </a:r>
-            <a:endParaRPr lang="en-US" altLang="zh-TW" dirty="0" smtClean="0"/>
+              <a:t>Combination Assignment Operators</a:t>
+            </a:r>
           </a:p>
         </p:txBody>
       </p:sp>
@@ -22604,22 +24370,66 @@
         <p:spPr/>
         <p:txBody>
           <a:bodyPr>
-            <a:normAutofit/>
+            <a:normAutofit lnSpcReduction="10000"/>
           </a:bodyPr>
           <a:lstStyle/>
           <a:p>
             <a:r>
+              <a:rPr lang="zh-TW" altLang="en-US" dirty="0" smtClean="0"/>
+              <a:t>$</a:t>
+            </a:r>
+            <a:r>
+              <a:rPr lang="en-US" altLang="zh-TW" dirty="0" smtClean="0"/>
+              <a:t>a += $b; same as $a=$a+$b</a:t>
+            </a:r>
+          </a:p>
+          <a:p>
+            <a:r>
+              <a:rPr lang="en-US" altLang="zh-TW" dirty="0" smtClean="0"/>
+              <a:t>$a -= $b; same as $a=$a-$b</a:t>
+            </a:r>
+          </a:p>
+          <a:p>
+            <a:r>
+              <a:rPr lang="en-US" altLang="zh-TW" dirty="0" smtClean="0"/>
+              <a:t>$a *= $b; same as $a=$a*$b</a:t>
+            </a:r>
+          </a:p>
+          <a:p>
+            <a:r>
+              <a:rPr lang="en-US" altLang="zh-TW" dirty="0" smtClean="0"/>
+              <a:t>$a /= $b; same as $a=$a/$b</a:t>
+            </a:r>
+          </a:p>
+          <a:p>
+            <a:r>
+              <a:rPr lang="en-US" altLang="zh-TW" dirty="0" smtClean="0"/>
+              <a:t>$a %= $b; same as $a=$a%$b</a:t>
+            </a:r>
+          </a:p>
+          <a:p>
+            <a:r>
+              <a:rPr lang="en-US" altLang="zh-TW" dirty="0" smtClean="0"/>
+              <a:t>$a .= $b; same as $a=$</a:t>
+            </a:r>
+            <a:r>
               <a:rPr lang="en-US" altLang="zh-TW" dirty="0" err="1" smtClean="0"/>
-              <a:t>cart.php</a:t>
+              <a:t>a.$b</a:t>
             </a:r>
             <a:endParaRPr lang="en-US" altLang="zh-TW" dirty="0" smtClean="0"/>
+          </a:p>
+          <a:p>
+            <a:r>
+              <a:rPr lang="en-US" altLang="zh-TW" dirty="0" smtClean="0"/>
+              <a:t>Pre.txt</a:t>
+            </a:r>
           </a:p>
         </p:txBody>
       </p:sp>
     </p:spTree>
     <p:extLst>
       <p:ext uri="{BB962C8B-B14F-4D97-AF65-F5344CB8AC3E}">
-        <p14:creationId xmlns:p14="http://schemas.microsoft.com/office/powerpoint/2010/main" val="3550587958"/>
+        <p14:creationId xmlns:p14="http://schemas.microsoft.com/office/powerpoint/2010/main" val="1880823257"/>
       </p:ext>
     </p:extLst>
   </p:cSld>
@@ -22665,82 +24475,188 @@
           <a:lstStyle/>
           <a:p>
             <a:r>
-              <a:rPr lang="en-US" altLang="zh-TW" smtClean="0"/>
-              <a:t>Combination Assignment Operators</a:t>
-            </a:r>
+              <a:rPr lang="en-US" altLang="zh-TW" dirty="0" smtClean="0"/>
+              <a:t>Classwork</a:t>
+            </a:r>
+          </a:p>
+        </p:txBody>
+      </p:sp>
+      <p:pic>
+        <p:nvPicPr>
+          <p:cNvPr id="2" name="Content Placeholder 1"/>
+          <p:cNvPicPr>
+            <a:picLocks noGrp="1" noChangeAspect="1"/>
+          </p:cNvPicPr>
+          <p:nvPr>
+            <p:ph idx="1"/>
+          </p:nvPr>
+        </p:nvPicPr>
+        <p:blipFill>
+          <a:blip r:embed="rId3">
+            <a:extLst>
+              <a:ext uri="{28A0092B-C50C-407E-A947-70E740481C1C}">
+                <a14:useLocalDpi xmlns:a14="http://schemas.microsoft.com/office/drawing/2010/main" val="0"/>
+              </a:ext>
+            </a:extLst>
+          </a:blip>
+          <a:stretch>
+            <a:fillRect/>
+          </a:stretch>
+        </p:blipFill>
+        <p:spPr>
+          <a:xfrm>
+            <a:off x="1576359" y="1620836"/>
+            <a:ext cx="6516744" cy="5264548"/>
+          </a:xfrm>
+        </p:spPr>
+      </p:pic>
+      <p:sp>
+        <p:nvSpPr>
+          <p:cNvPr id="5" name="Rounded Rectangle 4"/>
+          <p:cNvSpPr/>
+          <p:nvPr/>
+        </p:nvSpPr>
+        <p:spPr>
+          <a:xfrm>
+            <a:off x="1691680" y="3861048"/>
+            <a:ext cx="1440160" cy="576064"/>
+          </a:xfrm>
+          <a:prstGeom prst="roundRect">
+            <a:avLst/>
+          </a:prstGeom>
+          <a:noFill/>
+          <a:ln w="38100">
+            <a:solidFill>
+              <a:srgbClr val="FF0000"/>
+            </a:solidFill>
+            <a:prstDash val="dashDot"/>
+          </a:ln>
+        </p:spPr>
+        <p:style>
+          <a:lnRef idx="2">
+            <a:schemeClr val="accent1">
+              <a:shade val="50000"/>
+            </a:schemeClr>
+          </a:lnRef>
+          <a:fillRef idx="1">
+            <a:schemeClr val="accent1"/>
+          </a:fillRef>
+          <a:effectRef idx="0">
+            <a:schemeClr val="accent1"/>
+          </a:effectRef>
+          <a:fontRef idx="minor">
+            <a:schemeClr val="lt1"/>
+          </a:fontRef>
+        </p:style>
+        <p:txBody>
+          <a:bodyPr rtlCol="0" anchor="ctr"/>
+          <a:lstStyle/>
+          <a:p>
+            <a:pPr algn="ctr"/>
+            <a:endParaRPr lang="en-US"/>
           </a:p>
         </p:txBody>
       </p:sp>
       <p:sp>
         <p:nvSpPr>
-          <p:cNvPr id="18435" name="Rectangle 3"/>
-          <p:cNvSpPr>
-            <a:spLocks noGrp="1" noChangeArrowheads="1"/>
-          </p:cNvSpPr>
-          <p:nvPr>
-            <p:ph idx="1"/>
-          </p:nvPr>
+          <p:cNvPr id="8" name="Rounded Rectangle 7"/>
+          <p:cNvSpPr/>
+          <p:nvPr/>
         </p:nvSpPr>
-        <p:spPr/>
+        <p:spPr>
+          <a:xfrm>
+            <a:off x="1691680" y="6237312"/>
+            <a:ext cx="1440160" cy="576064"/>
+          </a:xfrm>
+          <a:prstGeom prst="roundRect">
+            <a:avLst/>
+          </a:prstGeom>
+          <a:noFill/>
+          <a:ln w="38100">
+            <a:solidFill>
+              <a:srgbClr val="FF0000"/>
+            </a:solidFill>
+            <a:prstDash val="dashDot"/>
+          </a:ln>
+        </p:spPr>
+        <p:style>
+          <a:lnRef idx="2">
+            <a:schemeClr val="accent1">
+              <a:shade val="50000"/>
+            </a:schemeClr>
+          </a:lnRef>
+          <a:fillRef idx="1">
+            <a:schemeClr val="accent1"/>
+          </a:fillRef>
+          <a:effectRef idx="0">
+            <a:schemeClr val="accent1"/>
+          </a:effectRef>
+          <a:fontRef idx="minor">
+            <a:schemeClr val="lt1"/>
+          </a:fontRef>
+        </p:style>
         <p:txBody>
-          <a:bodyPr>
-            <a:normAutofit lnSpcReduction="10000"/>
-          </a:bodyPr>
+          <a:bodyPr rtlCol="0" anchor="ctr"/>
           <a:lstStyle/>
           <a:p>
-            <a:r>
-              <a:rPr lang="zh-TW" altLang="en-US" dirty="0" smtClean="0"/>
-              <a:t>$</a:t>
-            </a:r>
-            <a:r>
-              <a:rPr lang="en-US" altLang="zh-TW" dirty="0" smtClean="0"/>
-              <a:t>a += $b; same as $a=$a+$b</a:t>
-            </a:r>
-          </a:p>
-          <a:p>
-            <a:r>
-              <a:rPr lang="en-US" altLang="zh-TW" dirty="0" smtClean="0"/>
-              <a:t>$a -= $b; same as $a=$a-$b</a:t>
-            </a:r>
-          </a:p>
-          <a:p>
-            <a:r>
-              <a:rPr lang="en-US" altLang="zh-TW" dirty="0" smtClean="0"/>
-              <a:t>$a *= $b; same as $a=$a*$b</a:t>
-            </a:r>
-          </a:p>
-          <a:p>
-            <a:r>
-              <a:rPr lang="en-US" altLang="zh-TW" dirty="0" smtClean="0"/>
-              <a:t>$a /= $b; same as $a=$a/$b</a:t>
-            </a:r>
-          </a:p>
-          <a:p>
-            <a:r>
-              <a:rPr lang="en-US" altLang="zh-TW" dirty="0" smtClean="0"/>
-              <a:t>$a %= $b; same as $a=$a%$b</a:t>
-            </a:r>
-          </a:p>
-          <a:p>
-            <a:r>
-              <a:rPr lang="en-US" altLang="zh-TW" dirty="0" smtClean="0"/>
-              <a:t>$a .= $b; same as $a=$</a:t>
-            </a:r>
-            <a:r>
-              <a:rPr lang="en-US" altLang="zh-TW" dirty="0" err="1" smtClean="0"/>
-              <a:t>a.$b</a:t>
-            </a:r>
-            <a:endParaRPr lang="en-US" altLang="zh-TW" dirty="0" smtClean="0"/>
-          </a:p>
-          <a:p>
-            <a:r>
-              <a:rPr lang="en-US" altLang="zh-TW" dirty="0" smtClean="0"/>
-              <a:t>Pre.txt</a:t>
-            </a:r>
+            <a:pPr algn="ctr"/>
+            <a:endParaRPr lang="en-US"/>
+          </a:p>
+        </p:txBody>
+      </p:sp>
+      <p:sp>
+        <p:nvSpPr>
+          <p:cNvPr id="9" name="Rounded Rectangle 8"/>
+          <p:cNvSpPr/>
+          <p:nvPr/>
+        </p:nvSpPr>
+        <p:spPr>
+          <a:xfrm>
+            <a:off x="4932040" y="6309320"/>
+            <a:ext cx="1440160" cy="576064"/>
+          </a:xfrm>
+          <a:prstGeom prst="roundRect">
+            <a:avLst/>
+          </a:prstGeom>
+          <a:noFill/>
+          <a:ln w="38100">
+            <a:solidFill>
+              <a:srgbClr val="FF0000"/>
+            </a:solidFill>
+            <a:prstDash val="dashDot"/>
+          </a:ln>
+        </p:spPr>
+        <p:style>
+          <a:lnRef idx="2">
+            <a:schemeClr val="accent1">
+              <a:shade val="50000"/>
+            </a:schemeClr>
+          </a:lnRef>
+          <a:fillRef idx="1">
+            <a:schemeClr val="accent1"/>
+          </a:fillRef>
+          <a:effectRef idx="0">
+            <a:schemeClr val="accent1"/>
+          </a:effectRef>
+          <a:fontRef idx="minor">
+            <a:schemeClr val="lt1"/>
+          </a:fontRef>
+        </p:style>
+        <p:txBody>
+          <a:bodyPr rtlCol="0" anchor="ctr"/>
+          <a:lstStyle/>
+          <a:p>
+            <a:pPr algn="ctr"/>
+            <a:endParaRPr lang="en-US"/>
           </a:p>
         </p:txBody>
       </p:sp>
     </p:spTree>
+    <p:extLst>
+      <p:ext uri="{BB962C8B-B14F-4D97-AF65-F5344CB8AC3E}">
+        <p14:creationId xmlns:p14="http://schemas.microsoft.com/office/powerpoint/2010/main" val="244825836"/>
+      </p:ext>
+    </p:extLst>
   </p:cSld>
   <p:clrMapOvr>
     <a:masterClrMapping/>

--- a/php-fw2/lesson2.pptx
+++ b/php-fw2/lesson2.pptx
@@ -11885,6 +11885,508 @@
           <a:chExt cx="0" cy="0"/>
         </a:xfrm>
       </p:grpSpPr>
+      <p:pic>
+        <p:nvPicPr>
+          <p:cNvPr id="4" name="圖片 2"/>
+          <p:cNvPicPr>
+            <a:picLocks noChangeAspect="1"/>
+          </p:cNvPicPr>
+          <p:nvPr/>
+        </p:nvPicPr>
+        <p:blipFill rotWithShape="1">
+          <a:blip r:embed="rId2" cstate="print">
+            <a:extLst>
+              <a:ext uri="{28A0092B-C50C-407E-A947-70E740481C1C}">
+                <a14:useLocalDpi xmlns:a14="http://schemas.microsoft.com/office/drawing/2010/main" val="0"/>
+              </a:ext>
+            </a:extLst>
+          </a:blip>
+          <a:srcRect t="8786" r="9091" b="305"/>
+          <a:stretch/>
+        </p:blipFill>
+        <p:spPr>
+          <a:xfrm>
+            <a:off x="20" y="10"/>
+            <a:ext cx="9143980" cy="6857990"/>
+          </a:xfrm>
+          <a:prstGeom prst="rect">
+            <a:avLst/>
+          </a:prstGeom>
+        </p:spPr>
+      </p:pic>
+      <p:sp>
+        <p:nvSpPr>
+          <p:cNvPr id="72" name="Freeform 13"/>
+          <p:cNvSpPr>
+            <a:spLocks noGrp="1" noRot="1" noChangeAspect="1" noMove="1" noResize="1" noEditPoints="1" noAdjustHandles="1" noChangeArrowheads="1" noChangeShapeType="1" noTextEdit="1"/>
+          </p:cNvSpPr>
+          <p:nvPr>
+            <p:extLst>
+              <p:ext uri="{386F3935-93C4-4BCD-93E2-E3B085C9AB24}">
+                <p16:designElem xmlns:p16="http://schemas.microsoft.com/office/powerpoint/2015/main" val="1"/>
+              </p:ext>
+            </p:extLst>
+          </p:nvPr>
+        </p:nvSpPr>
+        <p:spPr bwMode="white">
+          <a:xfrm>
+            <a:off x="-12700" y="-16933"/>
+            <a:ext cx="5505450" cy="6883400"/>
+          </a:xfrm>
+          <a:custGeom>
+            <a:avLst/>
+            <a:gdLst>
+              <a:gd name="connsiteX0" fmla="*/ 5427133 w 7340600"/>
+              <a:gd name="connsiteY0" fmla="*/ 8466 h 6883400"/>
+              <a:gd name="connsiteX1" fmla="*/ 4783666 w 7340600"/>
+              <a:gd name="connsiteY1" fmla="*/ 2573866 h 6883400"/>
+              <a:gd name="connsiteX2" fmla="*/ 7340600 w 7340600"/>
+              <a:gd name="connsiteY2" fmla="*/ 6874933 h 6883400"/>
+              <a:gd name="connsiteX3" fmla="*/ 0 w 7340600"/>
+              <a:gd name="connsiteY3" fmla="*/ 6883400 h 6883400"/>
+              <a:gd name="connsiteX4" fmla="*/ 8466 w 7340600"/>
+              <a:gd name="connsiteY4" fmla="*/ 0 h 6883400"/>
+              <a:gd name="connsiteX5" fmla="*/ 5427133 w 7340600"/>
+              <a:gd name="connsiteY5" fmla="*/ 8466 h 6883400"/>
+            </a:gdLst>
+            <a:ahLst/>
+            <a:cxnLst>
+              <a:cxn ang="0">
+                <a:pos x="connsiteX0" y="connsiteY0"/>
+              </a:cxn>
+              <a:cxn ang="0">
+                <a:pos x="connsiteX1" y="connsiteY1"/>
+              </a:cxn>
+              <a:cxn ang="0">
+                <a:pos x="connsiteX2" y="connsiteY2"/>
+              </a:cxn>
+              <a:cxn ang="0">
+                <a:pos x="connsiteX3" y="connsiteY3"/>
+              </a:cxn>
+              <a:cxn ang="0">
+                <a:pos x="connsiteX4" y="connsiteY4"/>
+              </a:cxn>
+              <a:cxn ang="0">
+                <a:pos x="connsiteX5" y="connsiteY5"/>
+              </a:cxn>
+            </a:cxnLst>
+            <a:rect l="l" t="t" r="r" b="b"/>
+            <a:pathLst>
+              <a:path w="7340600" h="6883400">
+                <a:moveTo>
+                  <a:pt x="5427133" y="8466"/>
+                </a:moveTo>
+                <a:lnTo>
+                  <a:pt x="4783666" y="2573866"/>
+                </a:lnTo>
+                <a:lnTo>
+                  <a:pt x="7340600" y="6874933"/>
+                </a:lnTo>
+                <a:lnTo>
+                  <a:pt x="0" y="6883400"/>
+                </a:lnTo>
+                <a:lnTo>
+                  <a:pt x="8466" y="0"/>
+                </a:lnTo>
+                <a:lnTo>
+                  <a:pt x="5427133" y="8466"/>
+                </a:lnTo>
+                <a:close/>
+              </a:path>
+            </a:pathLst>
+          </a:custGeom>
+          <a:solidFill>
+            <a:schemeClr val="tx1">
+              <a:lumMod val="95000"/>
+              <a:lumOff val="5000"/>
+              <a:alpha val="80000"/>
+            </a:schemeClr>
+          </a:solidFill>
+          <a:ln>
+            <a:noFill/>
+          </a:ln>
+          <a:effectLst/>
+        </p:spPr>
+        <p:style>
+          <a:lnRef idx="1">
+            <a:schemeClr val="accent1"/>
+          </a:lnRef>
+          <a:fillRef idx="3">
+            <a:schemeClr val="accent1"/>
+          </a:fillRef>
+          <a:effectRef idx="2">
+            <a:schemeClr val="accent1"/>
+          </a:effectRef>
+          <a:fontRef idx="minor">
+            <a:schemeClr val="lt1"/>
+          </a:fontRef>
+        </p:style>
+        <p:txBody>
+          <a:bodyPr rtlCol="0" anchor="ctr"/>
+          <a:lstStyle/>
+          <a:p>
+            <a:pPr algn="ctr"/>
+            <a:endParaRPr lang="en-US"/>
+          </a:p>
+        </p:txBody>
+      </p:sp>
+      <p:grpSp>
+        <p:nvGrpSpPr>
+          <p:cNvPr id="74" name="Group 73"/>
+          <p:cNvGrpSpPr>
+            <a:grpSpLocks noGrp="1" noUngrp="1" noRot="1" noChangeAspect="1" noMove="1" noResize="1"/>
+          </p:cNvGrpSpPr>
+          <p:nvPr>
+            <p:extLst>
+              <p:ext uri="{386F3935-93C4-4BCD-93E2-E3B085C9AB24}">
+                <p16:designElem xmlns:p16="http://schemas.microsoft.com/office/powerpoint/2015/main" val="1"/>
+              </p:ext>
+            </p:extLst>
+          </p:nvPr>
+        </p:nvGrpSpPr>
+        <p:grpSpPr>
+          <a:xfrm>
+            <a:off x="3648075" y="-4763"/>
+            <a:ext cx="3761184" cy="6862763"/>
+            <a:chOff x="2928938" y="-4763"/>
+            <a:chExt cx="5014912" cy="6862763"/>
+          </a:xfrm>
+        </p:grpSpPr>
+        <p:sp>
+          <p:nvSpPr>
+            <p:cNvPr id="75" name="Freeform 6"/>
+            <p:cNvSpPr/>
+            <p:nvPr>
+              <p:extLst>
+                <p:ext uri="{386F3935-93C4-4BCD-93E2-E3B085C9AB24}">
+                  <p16:designElem xmlns:p16="http://schemas.microsoft.com/office/powerpoint/2015/main" val="1"/>
+                </p:ext>
+              </p:extLst>
+            </p:nvPr>
+          </p:nvSpPr>
+          <p:spPr bwMode="auto">
+            <a:xfrm>
+              <a:off x="3367088" y="-4763"/>
+              <a:ext cx="1063625" cy="2782888"/>
+            </a:xfrm>
+            <a:custGeom>
+              <a:avLst/>
+              <a:gdLst/>
+              <a:ahLst/>
+              <a:cxnLst/>
+              <a:rect l="0" t="0" r="r" b="b"/>
+              <a:pathLst>
+                <a:path w="670" h="1753">
+                  <a:moveTo>
+                    <a:pt x="0" y="1696"/>
+                  </a:moveTo>
+                  <a:lnTo>
+                    <a:pt x="225" y="1753"/>
+                  </a:lnTo>
+                  <a:lnTo>
+                    <a:pt x="670" y="0"/>
+                  </a:lnTo>
+                  <a:lnTo>
+                    <a:pt x="430" y="0"/>
+                  </a:lnTo>
+                  <a:lnTo>
+                    <a:pt x="0" y="1696"/>
+                  </a:lnTo>
+                  <a:close/>
+                </a:path>
+              </a:pathLst>
+            </a:custGeom>
+            <a:solidFill>
+              <a:schemeClr val="accent1"/>
+            </a:solidFill>
+            <a:ln>
+              <a:noFill/>
+            </a:ln>
+          </p:spPr>
+        </p:sp>
+        <p:sp>
+          <p:nvSpPr>
+            <p:cNvPr id="76" name="Freeform 7"/>
+            <p:cNvSpPr/>
+            <p:nvPr>
+              <p:extLst>
+                <p:ext uri="{386F3935-93C4-4BCD-93E2-E3B085C9AB24}">
+                  <p16:designElem xmlns:p16="http://schemas.microsoft.com/office/powerpoint/2015/main" val="1"/>
+                </p:ext>
+              </p:extLst>
+            </p:nvPr>
+          </p:nvSpPr>
+          <p:spPr bwMode="auto">
+            <a:xfrm>
+              <a:off x="2928938" y="-4763"/>
+              <a:ext cx="1035050" cy="2673350"/>
+            </a:xfrm>
+            <a:custGeom>
+              <a:avLst/>
+              <a:gdLst/>
+              <a:ahLst/>
+              <a:cxnLst/>
+              <a:rect l="0" t="0" r="r" b="b"/>
+              <a:pathLst>
+                <a:path w="652" h="1684">
+                  <a:moveTo>
+                    <a:pt x="225" y="1684"/>
+                  </a:moveTo>
+                  <a:lnTo>
+                    <a:pt x="652" y="0"/>
+                  </a:lnTo>
+                  <a:lnTo>
+                    <a:pt x="411" y="0"/>
+                  </a:lnTo>
+                  <a:lnTo>
+                    <a:pt x="0" y="1627"/>
+                  </a:lnTo>
+                  <a:lnTo>
+                    <a:pt x="219" y="1681"/>
+                  </a:lnTo>
+                  <a:lnTo>
+                    <a:pt x="225" y="1684"/>
+                  </a:lnTo>
+                  <a:close/>
+                </a:path>
+              </a:pathLst>
+            </a:custGeom>
+            <a:solidFill>
+              <a:schemeClr val="tx1">
+                <a:lumMod val="65000"/>
+                <a:lumOff val="35000"/>
+              </a:schemeClr>
+            </a:solidFill>
+            <a:ln>
+              <a:noFill/>
+            </a:ln>
+          </p:spPr>
+        </p:sp>
+        <p:sp>
+          <p:nvSpPr>
+            <p:cNvPr id="77" name="Freeform 9"/>
+            <p:cNvSpPr/>
+            <p:nvPr>
+              <p:extLst>
+                <p:ext uri="{386F3935-93C4-4BCD-93E2-E3B085C9AB24}">
+                  <p16:designElem xmlns:p16="http://schemas.microsoft.com/office/powerpoint/2015/main" val="1"/>
+                </p:ext>
+              </p:extLst>
+            </p:nvPr>
+          </p:nvSpPr>
+          <p:spPr bwMode="auto">
+            <a:xfrm>
+              <a:off x="2928938" y="2582862"/>
+              <a:ext cx="2693987" cy="4275138"/>
+            </a:xfrm>
+            <a:custGeom>
+              <a:avLst/>
+              <a:gdLst/>
+              <a:ahLst/>
+              <a:cxnLst/>
+              <a:rect l="0" t="0" r="r" b="b"/>
+              <a:pathLst>
+                <a:path w="1697" h="2693">
+                  <a:moveTo>
+                    <a:pt x="0" y="0"/>
+                  </a:moveTo>
+                  <a:lnTo>
+                    <a:pt x="1622" y="2693"/>
+                  </a:lnTo>
+                  <a:lnTo>
+                    <a:pt x="1697" y="2693"/>
+                  </a:lnTo>
+                  <a:lnTo>
+                    <a:pt x="0" y="0"/>
+                  </a:lnTo>
+                  <a:close/>
+                </a:path>
+              </a:pathLst>
+            </a:custGeom>
+            <a:solidFill>
+              <a:schemeClr val="tx1">
+                <a:lumMod val="85000"/>
+                <a:lumOff val="15000"/>
+              </a:schemeClr>
+            </a:solidFill>
+            <a:ln>
+              <a:noFill/>
+            </a:ln>
+          </p:spPr>
+        </p:sp>
+        <p:sp>
+          <p:nvSpPr>
+            <p:cNvPr id="78" name="Freeform 10"/>
+            <p:cNvSpPr/>
+            <p:nvPr>
+              <p:extLst>
+                <p:ext uri="{386F3935-93C4-4BCD-93E2-E3B085C9AB24}">
+                  <p16:designElem xmlns:p16="http://schemas.microsoft.com/office/powerpoint/2015/main" val="1"/>
+                </p:ext>
+              </p:extLst>
+            </p:nvPr>
+          </p:nvSpPr>
+          <p:spPr bwMode="auto">
+            <a:xfrm>
+              <a:off x="3371850" y="2692400"/>
+              <a:ext cx="3332162" cy="4165600"/>
+            </a:xfrm>
+            <a:custGeom>
+              <a:avLst/>
+              <a:gdLst/>
+              <a:ahLst/>
+              <a:cxnLst/>
+              <a:rect l="0" t="0" r="r" b="b"/>
+              <a:pathLst>
+                <a:path w="2099" h="2624">
+                  <a:moveTo>
+                    <a:pt x="2099" y="2624"/>
+                  </a:moveTo>
+                  <a:lnTo>
+                    <a:pt x="0" y="0"/>
+                  </a:lnTo>
+                  <a:lnTo>
+                    <a:pt x="2021" y="2624"/>
+                  </a:lnTo>
+                  <a:lnTo>
+                    <a:pt x="2099" y="2624"/>
+                  </a:lnTo>
+                  <a:close/>
+                </a:path>
+              </a:pathLst>
+            </a:custGeom>
+            <a:solidFill>
+              <a:schemeClr val="accent1">
+                <a:lumMod val="50000"/>
+              </a:schemeClr>
+            </a:solidFill>
+            <a:ln>
+              <a:noFill/>
+            </a:ln>
+          </p:spPr>
+        </p:sp>
+        <p:sp>
+          <p:nvSpPr>
+            <p:cNvPr id="79" name="Freeform 11"/>
+            <p:cNvSpPr/>
+            <p:nvPr>
+              <p:extLst>
+                <p:ext uri="{386F3935-93C4-4BCD-93E2-E3B085C9AB24}">
+                  <p16:designElem xmlns:p16="http://schemas.microsoft.com/office/powerpoint/2015/main" val="1"/>
+                </p:ext>
+              </p:extLst>
+            </p:nvPr>
+          </p:nvSpPr>
+          <p:spPr bwMode="auto">
+            <a:xfrm>
+              <a:off x="3367088" y="2687637"/>
+              <a:ext cx="4576762" cy="4170363"/>
+            </a:xfrm>
+            <a:custGeom>
+              <a:avLst/>
+              <a:gdLst/>
+              <a:ahLst/>
+              <a:cxnLst/>
+              <a:rect l="0" t="0" r="r" b="b"/>
+              <a:pathLst>
+                <a:path w="2883" h="2627">
+                  <a:moveTo>
+                    <a:pt x="0" y="0"/>
+                  </a:moveTo>
+                  <a:lnTo>
+                    <a:pt x="3" y="3"/>
+                  </a:lnTo>
+                  <a:lnTo>
+                    <a:pt x="2102" y="2627"/>
+                  </a:lnTo>
+                  <a:lnTo>
+                    <a:pt x="2883" y="2627"/>
+                  </a:lnTo>
+                  <a:lnTo>
+                    <a:pt x="225" y="57"/>
+                  </a:lnTo>
+                  <a:lnTo>
+                    <a:pt x="0" y="0"/>
+                  </a:lnTo>
+                  <a:close/>
+                </a:path>
+              </a:pathLst>
+            </a:custGeom>
+            <a:solidFill>
+              <a:schemeClr val="accent1">
+                <a:lumMod val="75000"/>
+              </a:schemeClr>
+            </a:solidFill>
+            <a:ln>
+              <a:noFill/>
+            </a:ln>
+          </p:spPr>
+        </p:sp>
+        <p:sp>
+          <p:nvSpPr>
+            <p:cNvPr id="80" name="Freeform 12"/>
+            <p:cNvSpPr/>
+            <p:nvPr>
+              <p:extLst>
+                <p:ext uri="{386F3935-93C4-4BCD-93E2-E3B085C9AB24}">
+                  <p16:designElem xmlns:p16="http://schemas.microsoft.com/office/powerpoint/2015/main" val="1"/>
+                </p:ext>
+              </p:extLst>
+            </p:nvPr>
+          </p:nvSpPr>
+          <p:spPr bwMode="auto">
+            <a:xfrm>
+              <a:off x="2928938" y="2578100"/>
+              <a:ext cx="3584575" cy="4279900"/>
+            </a:xfrm>
+            <a:custGeom>
+              <a:avLst/>
+              <a:gdLst/>
+              <a:ahLst/>
+              <a:cxnLst/>
+              <a:rect l="0" t="0" r="r" b="b"/>
+              <a:pathLst>
+                <a:path w="2258" h="2696">
+                  <a:moveTo>
+                    <a:pt x="2258" y="2696"/>
+                  </a:moveTo>
+                  <a:lnTo>
+                    <a:pt x="264" y="111"/>
+                  </a:lnTo>
+                  <a:lnTo>
+                    <a:pt x="228" y="60"/>
+                  </a:lnTo>
+                  <a:lnTo>
+                    <a:pt x="225" y="57"/>
+                  </a:lnTo>
+                  <a:lnTo>
+                    <a:pt x="0" y="0"/>
+                  </a:lnTo>
+                  <a:lnTo>
+                    <a:pt x="0" y="3"/>
+                  </a:lnTo>
+                  <a:lnTo>
+                    <a:pt x="1697" y="2696"/>
+                  </a:lnTo>
+                  <a:lnTo>
+                    <a:pt x="2258" y="2696"/>
+                  </a:lnTo>
+                  <a:close/>
+                </a:path>
+              </a:pathLst>
+            </a:custGeom>
+            <a:solidFill>
+              <a:schemeClr val="tx1">
+                <a:lumMod val="75000"/>
+                <a:lumOff val="25000"/>
+              </a:schemeClr>
+            </a:solidFill>
+            <a:ln>
+              <a:noFill/>
+            </a:ln>
+          </p:spPr>
+        </p:sp>
+      </p:grpSp>
       <p:sp>
         <p:nvSpPr>
           <p:cNvPr id="2" name="Title 1"/>
@@ -11895,16 +12397,27 @@
             <p:ph type="ctrTitle"/>
           </p:nvPr>
         </p:nvSpPr>
-        <p:spPr/>
+        <p:spPr>
+          <a:xfrm>
+            <a:off x="514350" y="1189608"/>
+            <a:ext cx="3081106" cy="3754927"/>
+          </a:xfrm>
+        </p:spPr>
         <p:txBody>
-          <a:bodyPr/>
+          <a:bodyPr>
+            <a:normAutofit/>
+          </a:bodyPr>
           <a:lstStyle/>
           <a:p>
-            <a:r>
-              <a:rPr lang="en-US" smtClean="0"/>
+            <a:pPr algn="l"/>
+            <a:r>
+              <a:rPr lang="en-US">
+                <a:solidFill>
+                  <a:schemeClr val="bg1"/>
+                </a:solidFill>
+              </a:rPr>
               <a:t>Break</a:t>
             </a:r>
-            <a:endParaRPr lang="en-US" dirty="0"/>
           </a:p>
         </p:txBody>
       </p:sp>
@@ -11918,13 +12431,25 @@
             <p:ph type="subTitle" idx="1"/>
           </p:nvPr>
         </p:nvSpPr>
-        <p:spPr/>
+        <p:spPr>
+          <a:xfrm>
+            <a:off x="514349" y="4944535"/>
+            <a:ext cx="3575049" cy="939799"/>
+          </a:xfrm>
+        </p:spPr>
         <p:txBody>
-          <a:bodyPr/>
+          <a:bodyPr>
+            <a:normAutofit/>
+          </a:bodyPr>
           <a:lstStyle/>
           <a:p>
-            <a:r>
-              <a:rPr lang="en-US" altLang="zh-TW" smtClean="0"/>
+            <a:pPr algn="l"/>
+            <a:r>
+              <a:rPr lang="en-US" altLang="zh-TW">
+                <a:solidFill>
+                  <a:schemeClr val="bg1"/>
+                </a:solidFill>
+              </a:rPr>
               <a:t>Array is coming next…</a:t>
             </a:r>
           </a:p>
@@ -11933,7 +12458,7 @@
     </p:spTree>
     <p:extLst>
       <p:ext uri="{BB962C8B-B14F-4D97-AF65-F5344CB8AC3E}">
-        <p14:creationId xmlns:p14="http://schemas.microsoft.com/office/powerpoint/2010/main" val="1124474031"/>
+        <p14:creationId xmlns:p14="http://schemas.microsoft.com/office/powerpoint/2010/main" val="3483620765"/>
       </p:ext>
     </p:extLst>
   </p:cSld>
@@ -15913,11 +16438,7 @@
           <a:p>
             <a:r>
               <a:rPr lang="en-US" altLang="zh-TW" dirty="0" smtClean="0"/>
-              <a:t>Rephrase the </a:t>
-            </a:r>
-            <a:r>
-              <a:rPr lang="en-US" altLang="zh-TW" dirty="0" smtClean="0"/>
-              <a:t>sentence</a:t>
+              <a:t>Rephrase the sentence</a:t>
             </a:r>
           </a:p>
         </p:txBody>
@@ -16330,57 +16851,24 @@
           </a:p>
         </p:txBody>
       </p:sp>
-      <p:sp>
-        <p:nvSpPr>
-          <p:cNvPr id="31747" name="Rectangle 3"/>
-          <p:cNvSpPr>
-            <a:spLocks noGrp="1" noChangeArrowheads="1"/>
-          </p:cNvSpPr>
-          <p:nvPr>
-            <p:ph idx="1"/>
-          </p:nvPr>
-        </p:nvSpPr>
-        <p:spPr/>
-        <p:txBody>
-          <a:bodyPr>
-            <a:normAutofit/>
-          </a:bodyPr>
-          <a:lstStyle/>
-          <a:p>
-            <a:pPr marL="0" marR="0" lvl="0" indent="0" defTabSz="914400" eaLnBrk="1" fontAlgn="auto" latinLnBrk="0" hangingPunct="1">
-              <a:lnSpc>
-                <a:spcPct val="100000"/>
-              </a:lnSpc>
-              <a:spcBef>
-                <a:spcPts val="0"/>
-              </a:spcBef>
-              <a:spcAft>
-                <a:spcPts val="0"/>
-              </a:spcAft>
-              <a:buClrTx/>
-              <a:buSzTx/>
-              <a:buFontTx/>
-              <a:buNone/>
-              <a:tabLst/>
-              <a:defRPr/>
-            </a:pPr>
-            <a:endParaRPr lang="en-US" altLang="zh-TW" dirty="0" smtClean="0"/>
-          </a:p>
-        </p:txBody>
-      </p:sp>
       <p:graphicFrame>
         <p:nvGraphicFramePr>
-          <p:cNvPr id="2" name="Table 1"/>
+          <p:cNvPr id="3" name="Content Placeholder 2"/>
           <p:cNvGraphicFramePr>
             <a:graphicFrameLocks noGrp="1"/>
           </p:cNvGraphicFramePr>
           <p:nvPr>
-            <p:extLst/>
+            <p:ph idx="1"/>
+            <p:extLst>
+              <p:ext uri="{D42A27DB-BD31-4B8C-83A1-F6EECF244321}">
+                <p14:modId xmlns:p14="http://schemas.microsoft.com/office/powerpoint/2010/main" val="116351207"/>
+              </p:ext>
+            </p:extLst>
           </p:nvPr>
         </p:nvGraphicFramePr>
         <p:xfrm>
-          <a:off x="1547664" y="2763856"/>
-          <a:ext cx="6096000" cy="2966720"/>
+          <a:off x="982663" y="2667000"/>
+          <a:ext cx="7704138" cy="2966720"/>
         </p:xfrm>
         <a:graphic>
           <a:graphicData uri="http://schemas.openxmlformats.org/drawingml/2006/table">
@@ -16389,20 +16877,8 @@
                 <a:tableStyleId>{5C22544A-7EE6-4342-B048-85BDC9FD1C3A}</a:tableStyleId>
               </a:tblPr>
               <a:tblGrid>
-                <a:gridCol w="3048000">
-                  <a:extLst>
-                    <a:ext uri="{9D8B030D-6E8A-4147-A177-3AD203B41FA5}">
-                      <a16:colId xmlns="" xmlns:a16="http://schemas.microsoft.com/office/drawing/2014/main" val="20000"/>
-                    </a:ext>
-                  </a:extLst>
-                </a:gridCol>
-                <a:gridCol w="3048000">
-                  <a:extLst>
-                    <a:ext uri="{9D8B030D-6E8A-4147-A177-3AD203B41FA5}">
-                      <a16:colId xmlns="" xmlns:a16="http://schemas.microsoft.com/office/drawing/2014/main" val="20001"/>
-                    </a:ext>
-                  </a:extLst>
-                </a:gridCol>
+                <a:gridCol w="3852069"/>
+                <a:gridCol w="3852069"/>
               </a:tblGrid>
               <a:tr h="370840">
                 <a:tc>
@@ -16432,11 +16908,6 @@
                   </a:txBody>
                   <a:tcPr/>
                 </a:tc>
-                <a:extLst>
-                  <a:ext uri="{0D108BD9-81ED-4DB2-BD59-A6C34878D82A}">
-                    <a16:rowId xmlns="" xmlns:a16="http://schemas.microsoft.com/office/drawing/2014/main" val="10000"/>
-                  </a:ext>
-                </a:extLst>
               </a:tr>
               <a:tr h="370840">
                 <a:tc>
@@ -16467,11 +16938,6 @@
                   </a:txBody>
                   <a:tcPr/>
                 </a:tc>
-                <a:extLst>
-                  <a:ext uri="{0D108BD9-81ED-4DB2-BD59-A6C34878D82A}">
-                    <a16:rowId xmlns="" xmlns:a16="http://schemas.microsoft.com/office/drawing/2014/main" val="10001"/>
-                  </a:ext>
-                </a:extLst>
               </a:tr>
               <a:tr h="370840">
                 <a:tc>
@@ -16502,11 +16968,6 @@
                   </a:txBody>
                   <a:tcPr/>
                 </a:tc>
-                <a:extLst>
-                  <a:ext uri="{0D108BD9-81ED-4DB2-BD59-A6C34878D82A}">
-                    <a16:rowId xmlns="" xmlns:a16="http://schemas.microsoft.com/office/drawing/2014/main" val="10002"/>
-                  </a:ext>
-                </a:extLst>
               </a:tr>
               <a:tr h="370840">
                 <a:tc>
@@ -16537,11 +16998,6 @@
                   </a:txBody>
                   <a:tcPr/>
                 </a:tc>
-                <a:extLst>
-                  <a:ext uri="{0D108BD9-81ED-4DB2-BD59-A6C34878D82A}">
-                    <a16:rowId xmlns="" xmlns:a16="http://schemas.microsoft.com/office/drawing/2014/main" val="10003"/>
-                  </a:ext>
-                </a:extLst>
               </a:tr>
               <a:tr h="370840">
                 <a:tc>
@@ -16588,11 +17044,6 @@
                   </a:txBody>
                   <a:tcPr/>
                 </a:tc>
-                <a:extLst>
-                  <a:ext uri="{0D108BD9-81ED-4DB2-BD59-A6C34878D82A}">
-                    <a16:rowId xmlns="" xmlns:a16="http://schemas.microsoft.com/office/drawing/2014/main" val="10004"/>
-                  </a:ext>
-                </a:extLst>
               </a:tr>
               <a:tr h="370840">
                 <a:tc>
@@ -16639,11 +17090,6 @@
                   </a:txBody>
                   <a:tcPr/>
                 </a:tc>
-                <a:extLst>
-                  <a:ext uri="{0D108BD9-81ED-4DB2-BD59-A6C34878D82A}">
-                    <a16:rowId xmlns="" xmlns:a16="http://schemas.microsoft.com/office/drawing/2014/main" val="10005"/>
-                  </a:ext>
-                </a:extLst>
               </a:tr>
               <a:tr h="370840">
                 <a:tc>
@@ -16706,11 +17152,6 @@
                   </a:txBody>
                   <a:tcPr/>
                 </a:tc>
-                <a:extLst>
-                  <a:ext uri="{0D108BD9-81ED-4DB2-BD59-A6C34878D82A}">
-                    <a16:rowId xmlns="" xmlns:a16="http://schemas.microsoft.com/office/drawing/2014/main" val="10006"/>
-                  </a:ext>
-                </a:extLst>
               </a:tr>
               <a:tr h="370840">
                 <a:tc>
@@ -16773,11 +17214,6 @@
                   </a:txBody>
                   <a:tcPr/>
                 </a:tc>
-                <a:extLst>
-                  <a:ext uri="{0D108BD9-81ED-4DB2-BD59-A6C34878D82A}">
-                    <a16:rowId xmlns="" xmlns:a16="http://schemas.microsoft.com/office/drawing/2014/main" val="10007"/>
-                  </a:ext>
-                </a:extLst>
               </a:tr>
             </a:tbl>
           </a:graphicData>
@@ -17587,70 +18023,70 @@
                 <a:gridCol w="609600">
                   <a:extLst>
                     <a:ext uri="{9D8B030D-6E8A-4147-A177-3AD203B41FA5}">
-                      <a16:colId xmlns="" xmlns:a16="http://schemas.microsoft.com/office/drawing/2014/main" val="20000"/>
+                      <a16:colId xmlns:a16="http://schemas.microsoft.com/office/drawing/2014/main" xmlns="" val="20000"/>
                     </a:ext>
                   </a:extLst>
                 </a:gridCol>
                 <a:gridCol w="609600">
                   <a:extLst>
                     <a:ext uri="{9D8B030D-6E8A-4147-A177-3AD203B41FA5}">
-                      <a16:colId xmlns="" xmlns:a16="http://schemas.microsoft.com/office/drawing/2014/main" val="20001"/>
+                      <a16:colId xmlns:a16="http://schemas.microsoft.com/office/drawing/2014/main" xmlns="" val="20001"/>
                     </a:ext>
                   </a:extLst>
                 </a:gridCol>
                 <a:gridCol w="609600">
                   <a:extLst>
                     <a:ext uri="{9D8B030D-6E8A-4147-A177-3AD203B41FA5}">
-                      <a16:colId xmlns="" xmlns:a16="http://schemas.microsoft.com/office/drawing/2014/main" val="20002"/>
+                      <a16:colId xmlns:a16="http://schemas.microsoft.com/office/drawing/2014/main" xmlns="" val="20002"/>
                     </a:ext>
                   </a:extLst>
                 </a:gridCol>
                 <a:gridCol w="609600">
                   <a:extLst>
                     <a:ext uri="{9D8B030D-6E8A-4147-A177-3AD203B41FA5}">
-                      <a16:colId xmlns="" xmlns:a16="http://schemas.microsoft.com/office/drawing/2014/main" val="20003"/>
+                      <a16:colId xmlns:a16="http://schemas.microsoft.com/office/drawing/2014/main" xmlns="" val="20003"/>
                     </a:ext>
                   </a:extLst>
                 </a:gridCol>
                 <a:gridCol w="609600">
                   <a:extLst>
                     <a:ext uri="{9D8B030D-6E8A-4147-A177-3AD203B41FA5}">
-                      <a16:colId xmlns="" xmlns:a16="http://schemas.microsoft.com/office/drawing/2014/main" val="20004"/>
+                      <a16:colId xmlns:a16="http://schemas.microsoft.com/office/drawing/2014/main" xmlns="" val="20004"/>
                     </a:ext>
                   </a:extLst>
                 </a:gridCol>
                 <a:gridCol w="609600">
                   <a:extLst>
                     <a:ext uri="{9D8B030D-6E8A-4147-A177-3AD203B41FA5}">
-                      <a16:colId xmlns="" xmlns:a16="http://schemas.microsoft.com/office/drawing/2014/main" val="20005"/>
+                      <a16:colId xmlns:a16="http://schemas.microsoft.com/office/drawing/2014/main" xmlns="" val="20005"/>
                     </a:ext>
                   </a:extLst>
                 </a:gridCol>
                 <a:gridCol w="609600">
                   <a:extLst>
                     <a:ext uri="{9D8B030D-6E8A-4147-A177-3AD203B41FA5}">
-                      <a16:colId xmlns="" xmlns:a16="http://schemas.microsoft.com/office/drawing/2014/main" val="20006"/>
+                      <a16:colId xmlns:a16="http://schemas.microsoft.com/office/drawing/2014/main" xmlns="" val="20006"/>
                     </a:ext>
                   </a:extLst>
                 </a:gridCol>
                 <a:gridCol w="609600">
                   <a:extLst>
                     <a:ext uri="{9D8B030D-6E8A-4147-A177-3AD203B41FA5}">
-                      <a16:colId xmlns="" xmlns:a16="http://schemas.microsoft.com/office/drawing/2014/main" val="20007"/>
+                      <a16:colId xmlns:a16="http://schemas.microsoft.com/office/drawing/2014/main" xmlns="" val="20007"/>
                     </a:ext>
                   </a:extLst>
                 </a:gridCol>
                 <a:gridCol w="609600">
                   <a:extLst>
                     <a:ext uri="{9D8B030D-6E8A-4147-A177-3AD203B41FA5}">
-                      <a16:colId xmlns="" xmlns:a16="http://schemas.microsoft.com/office/drawing/2014/main" val="20008"/>
+                      <a16:colId xmlns:a16="http://schemas.microsoft.com/office/drawing/2014/main" xmlns="" val="20008"/>
                     </a:ext>
                   </a:extLst>
                 </a:gridCol>
                 <a:gridCol w="609600">
                   <a:extLst>
                     <a:ext uri="{9D8B030D-6E8A-4147-A177-3AD203B41FA5}">
-                      <a16:colId xmlns="" xmlns:a16="http://schemas.microsoft.com/office/drawing/2014/main" val="20009"/>
+                      <a16:colId xmlns:a16="http://schemas.microsoft.com/office/drawing/2014/main" xmlns="" val="20009"/>
                     </a:ext>
                   </a:extLst>
                 </a:gridCol>
@@ -18508,7 +18944,7 @@
                 </a:tc>
                 <a:extLst>
                   <a:ext uri="{0D108BD9-81ED-4DB2-BD59-A6C34878D82A}">
-                    <a16:rowId xmlns="" xmlns:a16="http://schemas.microsoft.com/office/drawing/2014/main" val="10000"/>
+                    <a16:rowId xmlns:a16="http://schemas.microsoft.com/office/drawing/2014/main" xmlns="" val="10000"/>
                   </a:ext>
                 </a:extLst>
               </a:tr>
@@ -19365,7 +19801,7 @@
                 </a:tc>
                 <a:extLst>
                   <a:ext uri="{0D108BD9-81ED-4DB2-BD59-A6C34878D82A}">
-                    <a16:rowId xmlns="" xmlns:a16="http://schemas.microsoft.com/office/drawing/2014/main" val="10001"/>
+                    <a16:rowId xmlns:a16="http://schemas.microsoft.com/office/drawing/2014/main" xmlns="" val="10001"/>
                   </a:ext>
                 </a:extLst>
               </a:tr>
@@ -20222,7 +20658,7 @@
                 </a:tc>
                 <a:extLst>
                   <a:ext uri="{0D108BD9-81ED-4DB2-BD59-A6C34878D82A}">
-                    <a16:rowId xmlns="" xmlns:a16="http://schemas.microsoft.com/office/drawing/2014/main" val="10002"/>
+                    <a16:rowId xmlns:a16="http://schemas.microsoft.com/office/drawing/2014/main" xmlns="" val="10002"/>
                   </a:ext>
                 </a:extLst>
               </a:tr>
@@ -20809,21 +21245,21 @@
                 <a:gridCol w="904875">
                   <a:extLst>
                     <a:ext uri="{9D8B030D-6E8A-4147-A177-3AD203B41FA5}">
-                      <a16:colId xmlns="" xmlns:a16="http://schemas.microsoft.com/office/drawing/2014/main" val="20000"/>
+                      <a16:colId xmlns:a16="http://schemas.microsoft.com/office/drawing/2014/main" xmlns="" val="20000"/>
                     </a:ext>
                   </a:extLst>
                 </a:gridCol>
                 <a:gridCol w="904875">
                   <a:extLst>
                     <a:ext uri="{9D8B030D-6E8A-4147-A177-3AD203B41FA5}">
-                      <a16:colId xmlns="" xmlns:a16="http://schemas.microsoft.com/office/drawing/2014/main" val="20001"/>
+                      <a16:colId xmlns:a16="http://schemas.microsoft.com/office/drawing/2014/main" xmlns="" val="20001"/>
                     </a:ext>
                   </a:extLst>
                 </a:gridCol>
                 <a:gridCol w="904875">
                   <a:extLst>
                     <a:ext uri="{9D8B030D-6E8A-4147-A177-3AD203B41FA5}">
-                      <a16:colId xmlns="" xmlns:a16="http://schemas.microsoft.com/office/drawing/2014/main" val="20002"/>
+                      <a16:colId xmlns:a16="http://schemas.microsoft.com/office/drawing/2014/main" xmlns="" val="20002"/>
                     </a:ext>
                   </a:extLst>
                 </a:gridCol>
@@ -21079,7 +21515,7 @@
                 </a:tc>
                 <a:extLst>
                   <a:ext uri="{0D108BD9-81ED-4DB2-BD59-A6C34878D82A}">
-                    <a16:rowId xmlns="" xmlns:a16="http://schemas.microsoft.com/office/drawing/2014/main" val="10000"/>
+                    <a16:rowId xmlns:a16="http://schemas.microsoft.com/office/drawing/2014/main" xmlns="" val="10000"/>
                   </a:ext>
                 </a:extLst>
               </a:tr>
@@ -21347,7 +21783,7 @@
                 </a:tc>
                 <a:extLst>
                   <a:ext uri="{0D108BD9-81ED-4DB2-BD59-A6C34878D82A}">
-                    <a16:rowId xmlns="" xmlns:a16="http://schemas.microsoft.com/office/drawing/2014/main" val="10001"/>
+                    <a16:rowId xmlns:a16="http://schemas.microsoft.com/office/drawing/2014/main" xmlns="" val="10001"/>
                   </a:ext>
                 </a:extLst>
               </a:tr>
@@ -21615,7 +22051,7 @@
                 </a:tc>
                 <a:extLst>
                   <a:ext uri="{0D108BD9-81ED-4DB2-BD59-A6C34878D82A}">
-                    <a16:rowId xmlns="" xmlns:a16="http://schemas.microsoft.com/office/drawing/2014/main" val="10002"/>
+                    <a16:rowId xmlns:a16="http://schemas.microsoft.com/office/drawing/2014/main" xmlns="" val="10002"/>
                   </a:ext>
                 </a:extLst>
               </a:tr>
@@ -21645,21 +22081,21 @@
                 <a:gridCol w="904875">
                   <a:extLst>
                     <a:ext uri="{9D8B030D-6E8A-4147-A177-3AD203B41FA5}">
-                      <a16:colId xmlns="" xmlns:a16="http://schemas.microsoft.com/office/drawing/2014/main" val="20000"/>
+                      <a16:colId xmlns:a16="http://schemas.microsoft.com/office/drawing/2014/main" xmlns="" val="20000"/>
                     </a:ext>
                   </a:extLst>
                 </a:gridCol>
                 <a:gridCol w="904875">
                   <a:extLst>
                     <a:ext uri="{9D8B030D-6E8A-4147-A177-3AD203B41FA5}">
-                      <a16:colId xmlns="" xmlns:a16="http://schemas.microsoft.com/office/drawing/2014/main" val="20001"/>
+                      <a16:colId xmlns:a16="http://schemas.microsoft.com/office/drawing/2014/main" xmlns="" val="20001"/>
                     </a:ext>
                   </a:extLst>
                 </a:gridCol>
                 <a:gridCol w="904875">
                   <a:extLst>
                     <a:ext uri="{9D8B030D-6E8A-4147-A177-3AD203B41FA5}">
-                      <a16:colId xmlns="" xmlns:a16="http://schemas.microsoft.com/office/drawing/2014/main" val="20002"/>
+                      <a16:colId xmlns:a16="http://schemas.microsoft.com/office/drawing/2014/main" xmlns="" val="20002"/>
                     </a:ext>
                   </a:extLst>
                 </a:gridCol>
@@ -21946,7 +22382,7 @@
                 </a:tc>
                 <a:extLst>
                   <a:ext uri="{0D108BD9-81ED-4DB2-BD59-A6C34878D82A}">
-                    <a16:rowId xmlns="" xmlns:a16="http://schemas.microsoft.com/office/drawing/2014/main" val="10000"/>
+                    <a16:rowId xmlns:a16="http://schemas.microsoft.com/office/drawing/2014/main" xmlns="" val="10000"/>
                   </a:ext>
                 </a:extLst>
               </a:tr>
@@ -22244,7 +22680,7 @@
                 </a:tc>
                 <a:extLst>
                   <a:ext uri="{0D108BD9-81ED-4DB2-BD59-A6C34878D82A}">
-                    <a16:rowId xmlns="" xmlns:a16="http://schemas.microsoft.com/office/drawing/2014/main" val="10001"/>
+                    <a16:rowId xmlns:a16="http://schemas.microsoft.com/office/drawing/2014/main" xmlns="" val="10001"/>
                   </a:ext>
                 </a:extLst>
               </a:tr>
@@ -22542,7 +22978,7 @@
                 </a:tc>
                 <a:extLst>
                   <a:ext uri="{0D108BD9-81ED-4DB2-BD59-A6C34878D82A}">
-                    <a16:rowId xmlns="" xmlns:a16="http://schemas.microsoft.com/office/drawing/2014/main" val="10002"/>
+                    <a16:rowId xmlns:a16="http://schemas.microsoft.com/office/drawing/2014/main" xmlns="" val="10002"/>
                   </a:ext>
                 </a:extLst>
               </a:tr>
@@ -22572,14 +23008,14 @@
                 <a:gridCol w="904875">
                   <a:extLst>
                     <a:ext uri="{9D8B030D-6E8A-4147-A177-3AD203B41FA5}">
-                      <a16:colId xmlns="" xmlns:a16="http://schemas.microsoft.com/office/drawing/2014/main" val="20000"/>
+                      <a16:colId xmlns:a16="http://schemas.microsoft.com/office/drawing/2014/main" xmlns="" val="20000"/>
                     </a:ext>
                   </a:extLst>
                 </a:gridCol>
                 <a:gridCol w="904875">
                   <a:extLst>
                     <a:ext uri="{9D8B030D-6E8A-4147-A177-3AD203B41FA5}">
-                      <a16:colId xmlns="" xmlns:a16="http://schemas.microsoft.com/office/drawing/2014/main" val="20001"/>
+                      <a16:colId xmlns:a16="http://schemas.microsoft.com/office/drawing/2014/main" xmlns="" val="20001"/>
                     </a:ext>
                   </a:extLst>
                 </a:gridCol>
@@ -22769,7 +23205,7 @@
                 </a:tc>
                 <a:extLst>
                   <a:ext uri="{0D108BD9-81ED-4DB2-BD59-A6C34878D82A}">
-                    <a16:rowId xmlns="" xmlns:a16="http://schemas.microsoft.com/office/drawing/2014/main" val="10000"/>
+                    <a16:rowId xmlns:a16="http://schemas.microsoft.com/office/drawing/2014/main" xmlns="" val="10000"/>
                   </a:ext>
                 </a:extLst>
               </a:tr>
@@ -22970,7 +23406,7 @@
                 </a:tc>
                 <a:extLst>
                   <a:ext uri="{0D108BD9-81ED-4DB2-BD59-A6C34878D82A}">
-                    <a16:rowId xmlns="" xmlns:a16="http://schemas.microsoft.com/office/drawing/2014/main" val="10001"/>
+                    <a16:rowId xmlns:a16="http://schemas.microsoft.com/office/drawing/2014/main" xmlns="" val="10001"/>
                   </a:ext>
                 </a:extLst>
               </a:tr>
@@ -23171,7 +23607,7 @@
                 </a:tc>
                 <a:extLst>
                   <a:ext uri="{0D108BD9-81ED-4DB2-BD59-A6C34878D82A}">
-                    <a16:rowId xmlns="" xmlns:a16="http://schemas.microsoft.com/office/drawing/2014/main" val="10002"/>
+                    <a16:rowId xmlns:a16="http://schemas.microsoft.com/office/drawing/2014/main" xmlns="" val="10002"/>
                   </a:ext>
                 </a:extLst>
               </a:tr>
@@ -23202,14 +23638,14 @@
                 <a:gridCol w="879710">
                   <a:extLst>
                     <a:ext uri="{9D8B030D-6E8A-4147-A177-3AD203B41FA5}">
-                      <a16:colId xmlns="" xmlns:a16="http://schemas.microsoft.com/office/drawing/2014/main" val="20000"/>
+                      <a16:colId xmlns:a16="http://schemas.microsoft.com/office/drawing/2014/main" xmlns="" val="20000"/>
                     </a:ext>
                   </a:extLst>
                 </a:gridCol>
                 <a:gridCol w="879710">
                   <a:extLst>
                     <a:ext uri="{9D8B030D-6E8A-4147-A177-3AD203B41FA5}">
-                      <a16:colId xmlns="" xmlns:a16="http://schemas.microsoft.com/office/drawing/2014/main" val="20001"/>
+                      <a16:colId xmlns:a16="http://schemas.microsoft.com/office/drawing/2014/main" xmlns="" val="20001"/>
                     </a:ext>
                   </a:extLst>
                 </a:gridCol>
@@ -23552,7 +23988,7 @@
                 </a:tc>
                 <a:extLst>
                   <a:ext uri="{0D108BD9-81ED-4DB2-BD59-A6C34878D82A}">
-                    <a16:rowId xmlns="" xmlns:a16="http://schemas.microsoft.com/office/drawing/2014/main" val="10000"/>
+                    <a16:rowId xmlns:a16="http://schemas.microsoft.com/office/drawing/2014/main" xmlns="" val="10000"/>
                   </a:ext>
                 </a:extLst>
               </a:tr>
@@ -23923,7 +24359,7 @@
                 </a:tc>
                 <a:extLst>
                   <a:ext uri="{0D108BD9-81ED-4DB2-BD59-A6C34878D82A}">
-                    <a16:rowId xmlns="" xmlns:a16="http://schemas.microsoft.com/office/drawing/2014/main" val="10001"/>
+                    <a16:rowId xmlns:a16="http://schemas.microsoft.com/office/drawing/2014/main" xmlns="" val="10001"/>
                   </a:ext>
                 </a:extLst>
               </a:tr>
@@ -24294,7 +24730,7 @@
                 </a:tc>
                 <a:extLst>
                   <a:ext uri="{0D108BD9-81ED-4DB2-BD59-A6C34878D82A}">
-                    <a16:rowId xmlns="" xmlns:a16="http://schemas.microsoft.com/office/drawing/2014/main" val="10002"/>
+                    <a16:rowId xmlns:a16="http://schemas.microsoft.com/office/drawing/2014/main" xmlns="" val="10002"/>
                   </a:ext>
                 </a:extLst>
               </a:tr>
